--- a/fall13/slidesF13/random-walks.pptx
+++ b/fall13/slidesF13/random-walks.pptx
@@ -5,10 +5,10 @@
     <p:sldMasterId id="2147483648" r:id="rId1"/>
   </p:sldMasterIdLst>
   <p:notesMasterIdLst>
-    <p:notesMasterId r:id="rId23"/>
+    <p:notesMasterId r:id="rId26"/>
   </p:notesMasterIdLst>
   <p:handoutMasterIdLst>
-    <p:handoutMasterId r:id="rId24"/>
+    <p:handoutMasterId r:id="rId27"/>
   </p:handoutMasterIdLst>
   <p:sldIdLst>
     <p:sldId id="256" r:id="rId2"/>
@@ -27,11 +27,14 @@
     <p:sldId id="287" r:id="rId15"/>
     <p:sldId id="293" r:id="rId16"/>
     <p:sldId id="320" r:id="rId17"/>
-    <p:sldId id="333" r:id="rId18"/>
-    <p:sldId id="332" r:id="rId19"/>
-    <p:sldId id="296" r:id="rId20"/>
-    <p:sldId id="300" r:id="rId21"/>
-    <p:sldId id="327" r:id="rId22"/>
+    <p:sldId id="300" r:id="rId18"/>
+    <p:sldId id="334" r:id="rId19"/>
+    <p:sldId id="327" r:id="rId20"/>
+    <p:sldId id="333" r:id="rId21"/>
+    <p:sldId id="332" r:id="rId22"/>
+    <p:sldId id="296" r:id="rId23"/>
+    <p:sldId id="335" r:id="rId24"/>
+    <p:sldId id="336" r:id="rId25"/>
   </p:sldIdLst>
   <p:sldSz cx="9144000" cy="6858000" type="screen4x3"/>
   <p:notesSz cx="9601200" cy="7315200"/>
@@ -1495,7 +1498,7 @@
       </p:grpSpPr>
       <p:sp>
         <p:nvSpPr>
-          <p:cNvPr id="16386" name="Rectangle 7"/>
+          <p:cNvPr id="38914" name="Rectangle 7"/>
           <p:cNvSpPr>
             <a:spLocks noGrp="1" noChangeArrowheads="1"/>
           </p:cNvSpPr>
@@ -1510,7 +1513,7 @@
           <a:bodyPr/>
           <a:lstStyle/>
           <a:p>
-            <a:fld id="{4E9946D8-74A5-EA4B-AC36-0FBEE73033D6}" type="slidenum">
+            <a:fld id="{D4B6DB28-0E55-A042-B3C7-F7EADDD6FEC6}" type="slidenum">
               <a:rPr lang="en-US"/>
               <a:pPr/>
               <a:t>17</a:t>
@@ -1521,7 +1524,7 @@
       </p:sp>
       <p:sp>
         <p:nvSpPr>
-          <p:cNvPr id="16387" name="Rectangle 2"/>
+          <p:cNvPr id="38915" name="Rectangle 2"/>
           <p:cNvSpPr>
             <a:spLocks noGrp="1" noRot="1" noChangeAspect="1" noChangeArrowheads="1" noTextEdit="1"/>
           </p:cNvSpPr>
@@ -1535,7 +1538,7 @@
       </p:sp>
       <p:sp>
         <p:nvSpPr>
-          <p:cNvPr id="16388" name="Rectangle 3"/>
+          <p:cNvPr id="38916" name="Rectangle 3"/>
           <p:cNvSpPr>
             <a:spLocks noGrp="1" noChangeArrowheads="1"/>
           </p:cNvSpPr>
@@ -1586,7 +1589,7 @@
       </p:grpSpPr>
       <p:sp>
         <p:nvSpPr>
-          <p:cNvPr id="22530" name="Rectangle 7"/>
+          <p:cNvPr id="26626" name="Rectangle 7"/>
           <p:cNvSpPr>
             <a:spLocks noGrp="1" noChangeArrowheads="1"/>
           </p:cNvSpPr>
@@ -1601,10 +1604,10 @@
           <a:bodyPr/>
           <a:lstStyle/>
           <a:p>
-            <a:fld id="{894EDB78-E222-BF42-A230-8DA6344B38F5}" type="slidenum">
+            <a:fld id="{70254D5E-E9D6-8C41-B3EA-907BBC574761}" type="slidenum">
               <a:rPr lang="en-US"/>
               <a:pPr/>
-              <a:t>18</a:t>
+              <a:t>19</a:t>
             </a:fld>
             <a:endParaRPr lang="en-US"/>
           </a:p>
@@ -1612,7 +1615,7 @@
       </p:sp>
       <p:sp>
         <p:nvSpPr>
-          <p:cNvPr id="22531" name="Rectangle 2"/>
+          <p:cNvPr id="26627" name="Rectangle 2"/>
           <p:cNvSpPr>
             <a:spLocks noGrp="1" noRot="1" noChangeAspect="1" noChangeArrowheads="1" noTextEdit="1"/>
           </p:cNvSpPr>
@@ -1626,7 +1629,7 @@
       </p:sp>
       <p:sp>
         <p:nvSpPr>
-          <p:cNvPr id="22532" name="Rectangle 3"/>
+          <p:cNvPr id="26628" name="Rectangle 3"/>
           <p:cNvSpPr>
             <a:spLocks noGrp="1" noChangeArrowheads="1"/>
           </p:cNvSpPr>
@@ -1677,7 +1680,7 @@
       </p:grpSpPr>
       <p:sp>
         <p:nvSpPr>
-          <p:cNvPr id="36866" name="Rectangle 7"/>
+          <p:cNvPr id="16386" name="Rectangle 7"/>
           <p:cNvSpPr>
             <a:spLocks noGrp="1" noChangeArrowheads="1"/>
           </p:cNvSpPr>
@@ -1692,10 +1695,10 @@
           <a:bodyPr/>
           <a:lstStyle/>
           <a:p>
-            <a:fld id="{E9048385-A0D9-4A46-8E8D-37B293B72609}" type="slidenum">
+            <a:fld id="{4E9946D8-74A5-EA4B-AC36-0FBEE73033D6}" type="slidenum">
               <a:rPr lang="en-US"/>
               <a:pPr/>
-              <a:t>19</a:t>
+              <a:t>20</a:t>
             </a:fld>
             <a:endParaRPr lang="en-US"/>
           </a:p>
@@ -1703,7 +1706,7 @@
       </p:sp>
       <p:sp>
         <p:nvSpPr>
-          <p:cNvPr id="36867" name="Rectangle 2"/>
+          <p:cNvPr id="16387" name="Rectangle 2"/>
           <p:cNvSpPr>
             <a:spLocks noGrp="1" noRot="1" noChangeAspect="1" noChangeArrowheads="1" noTextEdit="1"/>
           </p:cNvSpPr>
@@ -1717,7 +1720,7 @@
       </p:sp>
       <p:sp>
         <p:nvSpPr>
-          <p:cNvPr id="36868" name="Rectangle 3"/>
+          <p:cNvPr id="16388" name="Rectangle 3"/>
           <p:cNvSpPr>
             <a:spLocks noGrp="1" noChangeArrowheads="1"/>
           </p:cNvSpPr>
@@ -1859,7 +1862,7 @@
       </p:grpSpPr>
       <p:sp>
         <p:nvSpPr>
-          <p:cNvPr id="38914" name="Rectangle 7"/>
+          <p:cNvPr id="22530" name="Rectangle 7"/>
           <p:cNvSpPr>
             <a:spLocks noGrp="1" noChangeArrowheads="1"/>
           </p:cNvSpPr>
@@ -1874,10 +1877,10 @@
           <a:bodyPr/>
           <a:lstStyle/>
           <a:p>
-            <a:fld id="{D4B6DB28-0E55-A042-B3C7-F7EADDD6FEC6}" type="slidenum">
+            <a:fld id="{894EDB78-E222-BF42-A230-8DA6344B38F5}" type="slidenum">
               <a:rPr lang="en-US"/>
               <a:pPr/>
-              <a:t>20</a:t>
+              <a:t>21</a:t>
             </a:fld>
             <a:endParaRPr lang="en-US"/>
           </a:p>
@@ -1885,7 +1888,7 @@
       </p:sp>
       <p:sp>
         <p:nvSpPr>
-          <p:cNvPr id="38915" name="Rectangle 2"/>
+          <p:cNvPr id="22531" name="Rectangle 2"/>
           <p:cNvSpPr>
             <a:spLocks noGrp="1" noRot="1" noChangeAspect="1" noChangeArrowheads="1" noTextEdit="1"/>
           </p:cNvSpPr>
@@ -1899,7 +1902,7 @@
       </p:sp>
       <p:sp>
         <p:nvSpPr>
-          <p:cNvPr id="38916" name="Rectangle 3"/>
+          <p:cNvPr id="22532" name="Rectangle 3"/>
           <p:cNvSpPr>
             <a:spLocks noGrp="1" noChangeArrowheads="1"/>
           </p:cNvSpPr>
@@ -1950,7 +1953,7 @@
       </p:grpSpPr>
       <p:sp>
         <p:nvSpPr>
-          <p:cNvPr id="26626" name="Rectangle 7"/>
+          <p:cNvPr id="36866" name="Rectangle 7"/>
           <p:cNvSpPr>
             <a:spLocks noGrp="1" noChangeArrowheads="1"/>
           </p:cNvSpPr>
@@ -1965,10 +1968,10 @@
           <a:bodyPr/>
           <a:lstStyle/>
           <a:p>
-            <a:fld id="{70254D5E-E9D6-8C41-B3EA-907BBC574761}" type="slidenum">
+            <a:fld id="{E9048385-A0D9-4A46-8E8D-37B293B72609}" type="slidenum">
               <a:rPr lang="en-US"/>
               <a:pPr/>
-              <a:t>21</a:t>
+              <a:t>22</a:t>
             </a:fld>
             <a:endParaRPr lang="en-US"/>
           </a:p>
@@ -1976,7 +1979,7 @@
       </p:sp>
       <p:sp>
         <p:nvSpPr>
-          <p:cNvPr id="26627" name="Rectangle 2"/>
+          <p:cNvPr id="36867" name="Rectangle 2"/>
           <p:cNvSpPr>
             <a:spLocks noGrp="1" noRot="1" noChangeAspect="1" noChangeArrowheads="1" noTextEdit="1"/>
           </p:cNvSpPr>
@@ -1990,7 +1993,98 @@
       </p:sp>
       <p:sp>
         <p:nvSpPr>
-          <p:cNvPr id="26628" name="Rectangle 3"/>
+          <p:cNvPr id="36868" name="Rectangle 3"/>
+          <p:cNvSpPr>
+            <a:spLocks noGrp="1" noChangeArrowheads="1"/>
+          </p:cNvSpPr>
+          <p:nvPr>
+            <p:ph type="body" idx="1"/>
+          </p:nvPr>
+        </p:nvSpPr>
+        <p:spPr>
+          <a:noFill/>
+          <a:ln/>
+        </p:spPr>
+        <p:txBody>
+          <a:bodyPr/>
+          <a:lstStyle/>
+          <a:p>
+            <a:pPr eaLnBrk="1" hangingPunct="1"/>
+            <a:endParaRPr lang="en-US">
+              <a:latin typeface="Arial" pitchFamily="-111" charset="0"/>
+              <a:ea typeface="ＭＳ Ｐゴシック" pitchFamily="-111" charset="-128"/>
+            </a:endParaRPr>
+          </a:p>
+        </p:txBody>
+      </p:sp>
+    </p:spTree>
+  </p:cSld>
+  <p:clrMapOvr>
+    <a:masterClrMapping/>
+  </p:clrMapOvr>
+</p:notes>
+</file>
+
+<file path=ppt/notesSlides/notesSlide22.xml><?xml version="1.0" encoding="utf-8"?>
+<p:notes xmlns:a="http://schemas.openxmlformats.org/drawingml/2006/main" xmlns:r="http://schemas.openxmlformats.org/officeDocument/2006/relationships" xmlns:p="http://schemas.openxmlformats.org/presentationml/2006/main">
+  <p:cSld>
+    <p:spTree>
+      <p:nvGrpSpPr>
+        <p:cNvPr id="1" name=""/>
+        <p:cNvGrpSpPr/>
+        <p:nvPr/>
+      </p:nvGrpSpPr>
+      <p:grpSpPr>
+        <a:xfrm>
+          <a:off x="0" y="0"/>
+          <a:ext cx="0" cy="0"/>
+          <a:chOff x="0" y="0"/>
+          <a:chExt cx="0" cy="0"/>
+        </a:xfrm>
+      </p:grpSpPr>
+      <p:sp>
+        <p:nvSpPr>
+          <p:cNvPr id="36866" name="Rectangle 7"/>
+          <p:cNvSpPr>
+            <a:spLocks noGrp="1" noChangeArrowheads="1"/>
+          </p:cNvSpPr>
+          <p:nvPr>
+            <p:ph type="sldNum" sz="quarter" idx="5"/>
+          </p:nvPr>
+        </p:nvSpPr>
+        <p:spPr>
+          <a:noFill/>
+        </p:spPr>
+        <p:txBody>
+          <a:bodyPr/>
+          <a:lstStyle/>
+          <a:p>
+            <a:fld id="{E9048385-A0D9-4A46-8E8D-37B293B72609}" type="slidenum">
+              <a:rPr lang="en-US"/>
+              <a:pPr/>
+              <a:t>23</a:t>
+            </a:fld>
+            <a:endParaRPr lang="en-US"/>
+          </a:p>
+        </p:txBody>
+      </p:sp>
+      <p:sp>
+        <p:nvSpPr>
+          <p:cNvPr id="36867" name="Rectangle 2"/>
+          <p:cNvSpPr>
+            <a:spLocks noGrp="1" noRot="1" noChangeAspect="1" noChangeArrowheads="1" noTextEdit="1"/>
+          </p:cNvSpPr>
+          <p:nvPr>
+            <p:ph type="sldImg"/>
+          </p:nvPr>
+        </p:nvSpPr>
+        <p:spPr>
+          <a:ln/>
+        </p:spPr>
+      </p:sp>
+      <p:sp>
+        <p:nvSpPr>
+          <p:cNvPr id="36868" name="Rectangle 3"/>
           <p:cNvSpPr>
             <a:spLocks noGrp="1" noChangeArrowheads="1"/>
           </p:cNvSpPr>
@@ -6118,7 +6212,7 @@
           <a:graphicData uri="http://schemas.openxmlformats.org/presentationml/2006/ole">
             <mc:AlternateContent xmlns:mc="http://schemas.openxmlformats.org/markup-compatibility/2006">
               <mc:Choice xmlns:v="urn:schemas-microsoft-com:vml" Requires="v">
-                <p:oleObj spid="_x0000_s100378" name="Equation" r:id="rId4" imgW="736600" imgH="533400" progId="Equation.DSMT4">
+                <p:oleObj spid="_x0000_s100384" name="Equation" r:id="rId4" imgW="736600" imgH="533400" progId="Equation.DSMT4">
                   <p:embed/>
                 </p:oleObj>
               </mc:Choice>
@@ -7888,7 +7982,7 @@
           <a:graphicData uri="http://schemas.openxmlformats.org/presentationml/2006/ole">
             <mc:AlternateContent xmlns:mc="http://schemas.openxmlformats.org/markup-compatibility/2006">
               <mc:Choice xmlns:v="urn:schemas-microsoft-com:vml" Requires="v">
-                <p:oleObj spid="_x0000_s162842" name="Equation" r:id="rId4" imgW="736600" imgH="533400" progId="Equation.DSMT4">
+                <p:oleObj spid="_x0000_s162848" name="Equation" r:id="rId4" imgW="736600" imgH="533400" progId="Equation.DSMT4">
                   <p:embed/>
                 </p:oleObj>
               </mc:Choice>
@@ -10112,7 +10206,7 @@
           <a:graphicData uri="http://schemas.openxmlformats.org/presentationml/2006/ole">
             <mc:AlternateContent xmlns:mc="http://schemas.openxmlformats.org/markup-compatibility/2006">
               <mc:Choice xmlns:v="urn:schemas-microsoft-com:vml" Requires="v">
-                <p:oleObj spid="_x0000_s102426" name="Equation" r:id="rId4" imgW="901700" imgH="533400" progId="Equation.DSMT4">
+                <p:oleObj spid="_x0000_s102432" name="Equation" r:id="rId4" imgW="901700" imgH="533400" progId="Equation.DSMT4">
                   <p:embed/>
                 </p:oleObj>
               </mc:Choice>
@@ -14749,7 +14843,7 @@
           <a:graphicData uri="http://schemas.openxmlformats.org/presentationml/2006/ole">
             <mc:AlternateContent xmlns:mc="http://schemas.openxmlformats.org/markup-compatibility/2006">
               <mc:Choice xmlns:v="urn:schemas-microsoft-com:vml" Requires="v">
-                <p:oleObj spid="_x0000_s114714" name="Equation" r:id="rId4" imgW="914400" imgH="533400" progId="Equation.DSMT4">
+                <p:oleObj spid="_x0000_s114720" name="Equation" r:id="rId4" imgW="914400" imgH="533400" progId="Equation.DSMT4">
                   <p:embed/>
                 </p:oleObj>
               </mc:Choice>
@@ -15776,7 +15870,7 @@
       </p:grpSpPr>
       <p:sp>
         <p:nvSpPr>
-          <p:cNvPr id="15364" name="Slide Number Placeholder 5"/>
+          <p:cNvPr id="37892" name="Slide Number Placeholder 5"/>
           <p:cNvSpPr>
             <a:spLocks noGrp="1"/>
           </p:cNvSpPr>
@@ -15795,2040 +15889,10 @@
               <a:rPr lang="en-US" dirty="0" smtClean="0"/>
               <a:t>random-walk.</a:t>
             </a:r>
-            <a:fld id="{2D031A48-BBCF-B248-9771-B601B0D38C0B}" type="slidenum">
+            <a:fld id="{816F4D3B-050F-E94C-AE39-4FED2171D20A}" type="slidenum">
               <a:rPr lang="en-US" smtClean="0"/>
               <a:pPr/>
               <a:t>17</a:t>
-            </a:fld>
-            <a:endParaRPr lang="en-US" dirty="0"/>
-          </a:p>
-          <a:p>
-            <a:endParaRPr lang="en-US" dirty="0"/>
-          </a:p>
-        </p:txBody>
-      </p:sp>
-      <p:sp>
-        <p:nvSpPr>
-          <p:cNvPr id="15365" name="Rectangle 2"/>
-          <p:cNvSpPr>
-            <a:spLocks noGrp="1" noChangeArrowheads="1"/>
-          </p:cNvSpPr>
-          <p:nvPr>
-            <p:ph type="ctrTitle"/>
-          </p:nvPr>
-        </p:nvSpPr>
-        <p:spPr>
-          <a:xfrm>
-            <a:off x="533400" y="1981200"/>
-            <a:ext cx="8153400" cy="2819400"/>
-          </a:xfrm>
-        </p:spPr>
-        <p:txBody>
-          <a:bodyPr/>
-          <a:lstStyle/>
-          <a:p>
-            <a:pPr eaLnBrk="1" hangingPunct="1"/>
-            <a:r>
-              <a:rPr lang="en-US" sz="8800" dirty="0" smtClean="0"/>
-              <a:t>Random </a:t>
-            </a:r>
-            <a:r>
-              <a:rPr lang="en-US" sz="8000" dirty="0" smtClean="0"/>
-              <a:t>Walks</a:t>
-            </a:r>
-            <a:br>
-              <a:rPr lang="en-US" sz="8000" dirty="0" smtClean="0"/>
-            </a:br>
-            <a:r>
-              <a:rPr lang="en-US" sz="7200" dirty="0" smtClean="0"/>
-              <a:t>Google Page Rank</a:t>
-            </a:r>
-            <a:endParaRPr lang="en-US" sz="8800" dirty="0"/>
-          </a:p>
-        </p:txBody>
-      </p:sp>
-      <p:sp>
-        <p:nvSpPr>
-          <p:cNvPr id="15366" name="Text Box 2"/>
-          <p:cNvSpPr txBox="1">
-            <a:spLocks noChangeArrowheads="1"/>
-          </p:cNvSpPr>
-          <p:nvPr/>
-        </p:nvSpPr>
-        <p:spPr bwMode="auto">
-          <a:xfrm>
-            <a:off x="2084388" y="381000"/>
-            <a:ext cx="6256337" cy="1068388"/>
-          </a:xfrm>
-          <a:prstGeom prst="rect">
-            <a:avLst/>
-          </a:prstGeom>
-          <a:noFill/>
-          <a:ln w="9525">
-            <a:noFill/>
-            <a:miter lim="800000"/>
-            <a:headEnd/>
-            <a:tailEnd type="none" w="lg" len="lg"/>
-          </a:ln>
-        </p:spPr>
-        <p:txBody>
-          <a:bodyPr wrap="none">
-            <a:prstTxWarp prst="textNoShape">
-              <a:avLst/>
-            </a:prstTxWarp>
-            <a:spAutoFit/>
-          </a:bodyPr>
-          <a:lstStyle/>
-          <a:p>
-            <a:pPr algn="ctr" eaLnBrk="1" hangingPunct="1"/>
-            <a:r>
-              <a:rPr lang="en-US" sz="2800" b="1" i="1">
-                <a:solidFill>
-                  <a:schemeClr val="tx2"/>
-                </a:solidFill>
-              </a:rPr>
-              <a:t>Mathematics for Computer Science</a:t>
-            </a:r>
-            <a:r>
-              <a:rPr lang="en-US" sz="3600" b="1" i="1">
-                <a:solidFill>
-                  <a:schemeClr val="tx2"/>
-                </a:solidFill>
-              </a:rPr>
-              <a:t/>
-            </a:r>
-            <a:br>
-              <a:rPr lang="en-US" sz="3600" b="1" i="1">
-                <a:solidFill>
-                  <a:schemeClr val="tx2"/>
-                </a:solidFill>
-              </a:rPr>
-            </a:br>
-            <a:r>
-              <a:rPr lang="en-US" b="1">
-                <a:solidFill>
-                  <a:srgbClr val="008000"/>
-                </a:solidFill>
-              </a:rPr>
-              <a:t>MIT</a:t>
-            </a:r>
-            <a:r>
-              <a:rPr lang="en-US" sz="3600" b="1" i="1">
-                <a:solidFill>
-                  <a:schemeClr val="tx2"/>
-                </a:solidFill>
-              </a:rPr>
-              <a:t> </a:t>
-            </a:r>
-            <a:r>
-              <a:rPr lang="en-US" b="1">
-                <a:solidFill>
-                  <a:srgbClr val="008000"/>
-                </a:solidFill>
-              </a:rPr>
-              <a:t>6.042J/18.062J</a:t>
-            </a:r>
-          </a:p>
-        </p:txBody>
-      </p:sp>
-      <p:sp>
-        <p:nvSpPr>
-          <p:cNvPr id="7" name="Rectangle 4"/>
-          <p:cNvSpPr>
-            <a:spLocks noGrp="1" noChangeArrowheads="1"/>
-          </p:cNvSpPr>
-          <p:nvPr>
-            <p:ph type="dt" sz="half" idx="4294967295"/>
-          </p:nvPr>
-        </p:nvSpPr>
-        <p:spPr bwMode="auto">
-          <a:xfrm>
-            <a:off x="3124200" y="6629400"/>
-            <a:ext cx="2863850" cy="228600"/>
-          </a:xfrm>
-          <a:prstGeom prst="rect">
-            <a:avLst/>
-          </a:prstGeom>
-          <a:noFill/>
-          <a:ln w="9525">
-            <a:noFill/>
-            <a:miter lim="800000"/>
-            <a:headEnd/>
-            <a:tailEnd/>
-          </a:ln>
-        </p:spPr>
-        <p:txBody>
-          <a:bodyPr vert="horz" wrap="square" lIns="91440" tIns="45720" rIns="91440" bIns="45720" numCol="1" anchor="t" anchorCtr="0" compatLnSpc="1">
-            <a:prstTxWarp prst="textNoShape">
-              <a:avLst/>
-            </a:prstTxWarp>
-          </a:bodyPr>
-          <a:lstStyle>
-            <a:lvl1pPr algn="ctr" eaLnBrk="1" hangingPunct="1">
-              <a:defRPr sz="1000">
-                <a:latin typeface="Comic Sans MS" pitchFamily="-64" charset="0"/>
-                <a:ea typeface="ＭＳ Ｐゴシック" pitchFamily="-64" charset="-128"/>
-                <a:cs typeface="+mn-cs"/>
-              </a:defRPr>
-            </a:lvl1pPr>
-          </a:lstStyle>
-          <a:p>
-            <a:pPr>
-              <a:defRPr/>
-            </a:pPr>
-            <a:r>
-              <a:rPr lang="en-US" dirty="0" smtClean="0"/>
-              <a:t>Albert R Meyer,                       May 16, 2012</a:t>
-            </a:r>
-            <a:endParaRPr lang="en-US" dirty="0"/>
-          </a:p>
-        </p:txBody>
-      </p:sp>
-    </p:spTree>
-    <p:extLst>
-      <p:ext uri="{BB962C8B-B14F-4D97-AF65-F5344CB8AC3E}">
-        <p14:creationId xmlns:p14="http://schemas.microsoft.com/office/powerpoint/2010/main" val="3459820269"/>
-      </p:ext>
-    </p:extLst>
-  </p:cSld>
-  <p:clrMapOvr>
-    <a:masterClrMapping/>
-  </p:clrMapOvr>
-  <p:transition xmlns:p14="http://schemas.microsoft.com/office/powerpoint/2010/main" advClick="0">
-    <p:fade/>
-  </p:transition>
-  <p:timing>
-    <p:tnLst>
-      <p:par>
-        <p:cTn xmlns:p14="http://schemas.microsoft.com/office/powerpoint/2010/main" id="1" dur="indefinite" restart="never" nodeType="tmRoot"/>
-      </p:par>
-    </p:tnLst>
-  </p:timing>
-</p:sld>
-</file>
-
-<file path=ppt/slides/slide18.xml><?xml version="1.0" encoding="utf-8"?>
-<p:sld xmlns:a="http://schemas.openxmlformats.org/drawingml/2006/main" xmlns:r="http://schemas.openxmlformats.org/officeDocument/2006/relationships" xmlns:p="http://schemas.openxmlformats.org/presentationml/2006/main">
-  <p:cSld>
-    <p:spTree>
-      <p:nvGrpSpPr>
-        <p:cNvPr id="1" name=""/>
-        <p:cNvGrpSpPr/>
-        <p:nvPr/>
-      </p:nvGrpSpPr>
-      <p:grpSpPr>
-        <a:xfrm>
-          <a:off x="0" y="0"/>
-          <a:ext cx="0" cy="0"/>
-          <a:chOff x="0" y="0"/>
-          <a:chExt cx="0" cy="0"/>
-        </a:xfrm>
-      </p:grpSpPr>
-      <p:sp>
-        <p:nvSpPr>
-          <p:cNvPr id="21508" name="Slide Number Placeholder 5"/>
-          <p:cNvSpPr>
-            <a:spLocks noGrp="1"/>
-          </p:cNvSpPr>
-          <p:nvPr>
-            <p:ph type="sldNum" sz="quarter" idx="12"/>
-          </p:nvPr>
-        </p:nvSpPr>
-        <p:spPr>
-          <a:noFill/>
-        </p:spPr>
-        <p:txBody>
-          <a:bodyPr/>
-          <a:lstStyle/>
-          <a:p>
-            <a:r>
-              <a:rPr lang="en-US" dirty="0" smtClean="0"/>
-              <a:t>random-walk.</a:t>
-            </a:r>
-            <a:fld id="{D73E32CF-FE78-5945-942C-324A7986BBD0}" type="slidenum">
-              <a:rPr lang="en-US" smtClean="0"/>
-              <a:pPr/>
-              <a:t>18</a:t>
-            </a:fld>
-            <a:endParaRPr lang="en-US" dirty="0"/>
-          </a:p>
-          <a:p>
-            <a:endParaRPr lang="en-US" dirty="0"/>
-          </a:p>
-        </p:txBody>
-      </p:sp>
-      <p:sp>
-        <p:nvSpPr>
-          <p:cNvPr id="21509" name="Rectangle 2"/>
-          <p:cNvSpPr>
-            <a:spLocks noGrp="1" noChangeArrowheads="1"/>
-          </p:cNvSpPr>
-          <p:nvPr>
-            <p:ph type="title"/>
-          </p:nvPr>
-        </p:nvSpPr>
-        <p:spPr/>
-        <p:txBody>
-          <a:bodyPr/>
-          <a:lstStyle/>
-          <a:p>
-            <a:pPr eaLnBrk="1" hangingPunct="1"/>
-            <a:r>
-              <a:rPr lang="en-US" dirty="0"/>
-              <a:t>Google Page Rank</a:t>
-            </a:r>
-          </a:p>
-        </p:txBody>
-      </p:sp>
-      <p:sp>
-        <p:nvSpPr>
-          <p:cNvPr id="16390" name="Rectangle 3"/>
-          <p:cNvSpPr>
-            <a:spLocks noGrp="1" noChangeArrowheads="1"/>
-          </p:cNvSpPr>
-          <p:nvPr>
-            <p:ph type="body" idx="1"/>
-          </p:nvPr>
-        </p:nvSpPr>
-        <p:spPr>
-          <a:xfrm>
-            <a:off x="228600" y="1219200"/>
-            <a:ext cx="8686800" cy="4495800"/>
-          </a:xfrm>
-        </p:spPr>
-        <p:txBody>
-          <a:bodyPr/>
-          <a:lstStyle/>
-          <a:p>
-            <a:pPr eaLnBrk="1" hangingPunct="1">
-              <a:buFontTx/>
-              <a:buNone/>
-            </a:pPr>
-            <a:r>
-              <a:rPr lang="en-US" dirty="0" smtClean="0"/>
-              <a:t>Which webpages </a:t>
-            </a:r>
-            <a:r>
-              <a:rPr lang="en-US" dirty="0"/>
-              <a:t>are “more important?”</a:t>
-            </a:r>
-          </a:p>
-          <a:p>
-            <a:pPr eaLnBrk="1" hangingPunct="1">
-              <a:buFontTx/>
-              <a:buNone/>
-            </a:pPr>
-            <a:endParaRPr lang="en-US" sz="1000" dirty="0"/>
-          </a:p>
-          <a:p>
-            <a:pPr eaLnBrk="1" hangingPunct="1">
-              <a:buFontTx/>
-              <a:buNone/>
-            </a:pPr>
-            <a:r>
-              <a:rPr lang="en-US" dirty="0"/>
-              <a:t>Model of internet:</a:t>
-            </a:r>
-          </a:p>
-          <a:p>
-            <a:pPr eaLnBrk="1" hangingPunct="1"/>
-            <a:r>
-              <a:rPr lang="en-US" dirty="0"/>
-              <a:t>Users click random link on a page.</a:t>
-            </a:r>
-          </a:p>
-          <a:p>
-            <a:pPr eaLnBrk="1" hangingPunct="1"/>
-            <a:r>
-              <a:rPr lang="en-US" dirty="0"/>
-              <a:t>Occasionally start over.</a:t>
-            </a:r>
-          </a:p>
-          <a:p>
-            <a:pPr eaLnBrk="1" hangingPunct="1">
-              <a:buFontTx/>
-              <a:buNone/>
-            </a:pPr>
-            <a:endParaRPr lang="en-US" sz="1000" dirty="0"/>
-          </a:p>
-          <a:p>
-            <a:pPr eaLnBrk="1" hangingPunct="1">
-              <a:buFontTx/>
-              <a:buNone/>
-            </a:pPr>
-            <a:r>
-              <a:rPr lang="en-US" dirty="0"/>
-              <a:t>A page is “more important” if </a:t>
-            </a:r>
-            <a:r>
-              <a:rPr lang="en-US" dirty="0" smtClean="0"/>
-              <a:t>viewed </a:t>
-            </a:r>
-            <a:r>
-              <a:rPr lang="en-US" dirty="0"/>
-              <a:t>a large fraction of </a:t>
-            </a:r>
-            <a:r>
-              <a:rPr lang="en-US" dirty="0" smtClean="0"/>
-              <a:t>time</a:t>
-            </a:r>
-            <a:endParaRPr lang="en-US" dirty="0"/>
-          </a:p>
-        </p:txBody>
-      </p:sp>
-      <p:sp>
-        <p:nvSpPr>
-          <p:cNvPr id="7" name="Rectangle 4"/>
-          <p:cNvSpPr>
-            <a:spLocks noGrp="1" noChangeArrowheads="1"/>
-          </p:cNvSpPr>
-          <p:nvPr>
-            <p:ph type="dt" sz="half" idx="4294967295"/>
-          </p:nvPr>
-        </p:nvSpPr>
-        <p:spPr bwMode="auto">
-          <a:xfrm>
-            <a:off x="3124200" y="6629400"/>
-            <a:ext cx="2863850" cy="228600"/>
-          </a:xfrm>
-          <a:prstGeom prst="rect">
-            <a:avLst/>
-          </a:prstGeom>
-          <a:noFill/>
-          <a:ln w="9525">
-            <a:noFill/>
-            <a:miter lim="800000"/>
-            <a:headEnd/>
-            <a:tailEnd/>
-          </a:ln>
-        </p:spPr>
-        <p:txBody>
-          <a:bodyPr vert="horz" wrap="square" lIns="91440" tIns="45720" rIns="91440" bIns="45720" numCol="1" anchor="t" anchorCtr="0" compatLnSpc="1">
-            <a:prstTxWarp prst="textNoShape">
-              <a:avLst/>
-            </a:prstTxWarp>
-          </a:bodyPr>
-          <a:lstStyle>
-            <a:lvl1pPr algn="ctr" eaLnBrk="1" hangingPunct="1">
-              <a:defRPr sz="1000">
-                <a:latin typeface="Comic Sans MS" pitchFamily="-64" charset="0"/>
-                <a:ea typeface="ＭＳ Ｐゴシック" pitchFamily="-64" charset="-128"/>
-                <a:cs typeface="+mn-cs"/>
-              </a:defRPr>
-            </a:lvl1pPr>
-          </a:lstStyle>
-          <a:p>
-            <a:pPr>
-              <a:defRPr/>
-            </a:pPr>
-            <a:r>
-              <a:rPr lang="en-US" dirty="0" smtClean="0"/>
-              <a:t>Albert R Meyer,                       May 16, 2012</a:t>
-            </a:r>
-            <a:endParaRPr lang="en-US" dirty="0"/>
-          </a:p>
-        </p:txBody>
-      </p:sp>
-    </p:spTree>
-    <p:extLst>
-      <p:ext uri="{BB962C8B-B14F-4D97-AF65-F5344CB8AC3E}">
-        <p14:creationId xmlns:p14="http://schemas.microsoft.com/office/powerpoint/2010/main" val="839198817"/>
-      </p:ext>
-    </p:extLst>
-  </p:cSld>
-  <p:clrMapOvr>
-    <a:masterClrMapping/>
-  </p:clrMapOvr>
-  <p:transition xmlns:p14="http://schemas.microsoft.com/office/powerpoint/2010/main" spd="slow" advClick="0">
-    <p:fade thruBlk="1"/>
-  </p:transition>
-  <p:timing>
-    <p:tnLst>
-      <p:par>
-        <p:cTn xmlns:p14="http://schemas.microsoft.com/office/powerpoint/2010/main" id="1" dur="indefinite" restart="never" nodeType="tmRoot">
-          <p:childTnLst>
-            <p:seq concurrent="1" nextAc="seek">
-              <p:cTn id="2" dur="indefinite" nodeType="mainSeq">
-                <p:childTnLst>
-                  <p:par>
-                    <p:cTn id="3" fill="hold">
-                      <p:stCondLst>
-                        <p:cond delay="indefinite"/>
-                      </p:stCondLst>
-                      <p:childTnLst>
-                        <p:par>
-                          <p:cTn id="4" fill="hold">
-                            <p:stCondLst>
-                              <p:cond delay="0"/>
-                            </p:stCondLst>
-                            <p:childTnLst>
-                              <p:par>
-                                <p:cTn id="5" presetID="9" presetClass="entr" presetSubtype="0" fill="hold" grpId="0" nodeType="clickEffect">
-                                  <p:stCondLst>
-                                    <p:cond delay="0"/>
-                                  </p:stCondLst>
-                                  <p:childTnLst>
-                                    <p:set>
-                                      <p:cBhvr>
-                                        <p:cTn id="6" dur="1" fill="hold">
-                                          <p:stCondLst>
-                                            <p:cond delay="0"/>
-                                          </p:stCondLst>
-                                        </p:cTn>
-                                        <p:tgtEl>
-                                          <p:spTgt spid="16390">
-                                            <p:txEl>
-                                              <p:pRg st="2" end="2"/>
-                                            </p:txEl>
-                                          </p:spTgt>
-                                        </p:tgtEl>
-                                        <p:attrNameLst>
-                                          <p:attrName>style.visibility</p:attrName>
-                                        </p:attrNameLst>
-                                      </p:cBhvr>
-                                      <p:to>
-                                        <p:strVal val="visible"/>
-                                      </p:to>
-                                    </p:set>
-                                    <p:animEffect transition="in" filter="dissolve">
-                                      <p:cBhvr>
-                                        <p:cTn id="7" dur="500"/>
-                                        <p:tgtEl>
-                                          <p:spTgt spid="16390">
-                                            <p:txEl>
-                                              <p:pRg st="2" end="2"/>
-                                            </p:txEl>
-                                          </p:spTgt>
-                                        </p:tgtEl>
-                                      </p:cBhvr>
-                                    </p:animEffect>
-                                  </p:childTnLst>
-                                </p:cTn>
-                              </p:par>
-                            </p:childTnLst>
-                          </p:cTn>
-                        </p:par>
-                      </p:childTnLst>
-                    </p:cTn>
-                  </p:par>
-                  <p:par>
-                    <p:cTn id="8" fill="hold">
-                      <p:stCondLst>
-                        <p:cond delay="indefinite"/>
-                      </p:stCondLst>
-                      <p:childTnLst>
-                        <p:par>
-                          <p:cTn id="9" fill="hold">
-                            <p:stCondLst>
-                              <p:cond delay="0"/>
-                            </p:stCondLst>
-                            <p:childTnLst>
-                              <p:par>
-                                <p:cTn id="10" presetID="9" presetClass="entr" presetSubtype="0" fill="hold" grpId="0" nodeType="clickEffect">
-                                  <p:stCondLst>
-                                    <p:cond delay="0"/>
-                                  </p:stCondLst>
-                                  <p:childTnLst>
-                                    <p:set>
-                                      <p:cBhvr>
-                                        <p:cTn id="11" dur="1" fill="hold">
-                                          <p:stCondLst>
-                                            <p:cond delay="0"/>
-                                          </p:stCondLst>
-                                        </p:cTn>
-                                        <p:tgtEl>
-                                          <p:spTgt spid="16390">
-                                            <p:txEl>
-                                              <p:pRg st="3" end="3"/>
-                                            </p:txEl>
-                                          </p:spTgt>
-                                        </p:tgtEl>
-                                        <p:attrNameLst>
-                                          <p:attrName>style.visibility</p:attrName>
-                                        </p:attrNameLst>
-                                      </p:cBhvr>
-                                      <p:to>
-                                        <p:strVal val="visible"/>
-                                      </p:to>
-                                    </p:set>
-                                    <p:animEffect transition="in" filter="dissolve">
-                                      <p:cBhvr>
-                                        <p:cTn id="12" dur="500"/>
-                                        <p:tgtEl>
-                                          <p:spTgt spid="16390">
-                                            <p:txEl>
-                                              <p:pRg st="3" end="3"/>
-                                            </p:txEl>
-                                          </p:spTgt>
-                                        </p:tgtEl>
-                                      </p:cBhvr>
-                                    </p:animEffect>
-                                  </p:childTnLst>
-                                </p:cTn>
-                              </p:par>
-                            </p:childTnLst>
-                          </p:cTn>
-                        </p:par>
-                      </p:childTnLst>
-                    </p:cTn>
-                  </p:par>
-                  <p:par>
-                    <p:cTn id="13" fill="hold">
-                      <p:stCondLst>
-                        <p:cond delay="indefinite"/>
-                      </p:stCondLst>
-                      <p:childTnLst>
-                        <p:par>
-                          <p:cTn id="14" fill="hold">
-                            <p:stCondLst>
-                              <p:cond delay="0"/>
-                            </p:stCondLst>
-                            <p:childTnLst>
-                              <p:par>
-                                <p:cTn id="15" presetID="9" presetClass="entr" presetSubtype="0" fill="hold" grpId="0" nodeType="clickEffect">
-                                  <p:stCondLst>
-                                    <p:cond delay="0"/>
-                                  </p:stCondLst>
-                                  <p:childTnLst>
-                                    <p:set>
-                                      <p:cBhvr>
-                                        <p:cTn id="16" dur="1" fill="hold">
-                                          <p:stCondLst>
-                                            <p:cond delay="0"/>
-                                          </p:stCondLst>
-                                        </p:cTn>
-                                        <p:tgtEl>
-                                          <p:spTgt spid="16390">
-                                            <p:txEl>
-                                              <p:pRg st="4" end="4"/>
-                                            </p:txEl>
-                                          </p:spTgt>
-                                        </p:tgtEl>
-                                        <p:attrNameLst>
-                                          <p:attrName>style.visibility</p:attrName>
-                                        </p:attrNameLst>
-                                      </p:cBhvr>
-                                      <p:to>
-                                        <p:strVal val="visible"/>
-                                      </p:to>
-                                    </p:set>
-                                    <p:animEffect transition="in" filter="dissolve">
-                                      <p:cBhvr>
-                                        <p:cTn id="17" dur="500"/>
-                                        <p:tgtEl>
-                                          <p:spTgt spid="16390">
-                                            <p:txEl>
-                                              <p:pRg st="4" end="4"/>
-                                            </p:txEl>
-                                          </p:spTgt>
-                                        </p:tgtEl>
-                                      </p:cBhvr>
-                                    </p:animEffect>
-                                  </p:childTnLst>
-                                </p:cTn>
-                              </p:par>
-                            </p:childTnLst>
-                          </p:cTn>
-                        </p:par>
-                      </p:childTnLst>
-                    </p:cTn>
-                  </p:par>
-                  <p:par>
-                    <p:cTn id="18" fill="hold">
-                      <p:stCondLst>
-                        <p:cond delay="indefinite"/>
-                      </p:stCondLst>
-                      <p:childTnLst>
-                        <p:par>
-                          <p:cTn id="19" fill="hold">
-                            <p:stCondLst>
-                              <p:cond delay="0"/>
-                            </p:stCondLst>
-                            <p:childTnLst>
-                              <p:par>
-                                <p:cTn id="20" presetID="9" presetClass="entr" presetSubtype="0" fill="hold" grpId="0" nodeType="clickEffect">
-                                  <p:stCondLst>
-                                    <p:cond delay="0"/>
-                                  </p:stCondLst>
-                                  <p:childTnLst>
-                                    <p:set>
-                                      <p:cBhvr>
-                                        <p:cTn id="21" dur="1" fill="hold">
-                                          <p:stCondLst>
-                                            <p:cond delay="0"/>
-                                          </p:stCondLst>
-                                        </p:cTn>
-                                        <p:tgtEl>
-                                          <p:spTgt spid="16390">
-                                            <p:txEl>
-                                              <p:pRg st="6" end="6"/>
-                                            </p:txEl>
-                                          </p:spTgt>
-                                        </p:tgtEl>
-                                        <p:attrNameLst>
-                                          <p:attrName>style.visibility</p:attrName>
-                                        </p:attrNameLst>
-                                      </p:cBhvr>
-                                      <p:to>
-                                        <p:strVal val="visible"/>
-                                      </p:to>
-                                    </p:set>
-                                    <p:animEffect transition="in" filter="dissolve">
-                                      <p:cBhvr>
-                                        <p:cTn id="22" dur="500"/>
-                                        <p:tgtEl>
-                                          <p:spTgt spid="16390">
-                                            <p:txEl>
-                                              <p:pRg st="6" end="6"/>
-                                            </p:txEl>
-                                          </p:spTgt>
-                                        </p:tgtEl>
-                                      </p:cBhvr>
-                                    </p:animEffect>
-                                  </p:childTnLst>
-                                </p:cTn>
-                              </p:par>
-                            </p:childTnLst>
-                          </p:cTn>
-                        </p:par>
-                      </p:childTnLst>
-                    </p:cTn>
-                  </p:par>
-                </p:childTnLst>
-              </p:cTn>
-              <p:prevCondLst>
-                <p:cond evt="onPrev" delay="0">
-                  <p:tgtEl>
-                    <p:sldTgt/>
-                  </p:tgtEl>
-                </p:cond>
-              </p:prevCondLst>
-              <p:nextCondLst>
-                <p:cond evt="onNext" delay="0">
-                  <p:tgtEl>
-                    <p:sldTgt/>
-                  </p:tgtEl>
-                </p:cond>
-              </p:nextCondLst>
-            </p:seq>
-          </p:childTnLst>
-        </p:cTn>
-      </p:par>
-    </p:tnLst>
-    <p:bldLst>
-      <p:bldP spid="16390" grpId="0" build="p"/>
-    </p:bldLst>
-  </p:timing>
-</p:sld>
-</file>
-
-<file path=ppt/slides/slide19.xml><?xml version="1.0" encoding="utf-8"?>
-<p:sld xmlns:a="http://schemas.openxmlformats.org/drawingml/2006/main" xmlns:r="http://schemas.openxmlformats.org/officeDocument/2006/relationships" xmlns:p="http://schemas.openxmlformats.org/presentationml/2006/main">
-  <p:cSld>
-    <p:spTree>
-      <p:nvGrpSpPr>
-        <p:cNvPr id="1" name=""/>
-        <p:cNvGrpSpPr/>
-        <p:nvPr/>
-      </p:nvGrpSpPr>
-      <p:grpSpPr>
-        <a:xfrm>
-          <a:off x="0" y="0"/>
-          <a:ext cx="0" cy="0"/>
-          <a:chOff x="0" y="0"/>
-          <a:chExt cx="0" cy="0"/>
-        </a:xfrm>
-      </p:grpSpPr>
-      <p:sp>
-        <p:nvSpPr>
-          <p:cNvPr id="35844" name="Slide Number Placeholder 5"/>
-          <p:cNvSpPr>
-            <a:spLocks noGrp="1"/>
-          </p:cNvSpPr>
-          <p:nvPr>
-            <p:ph type="sldNum" sz="quarter" idx="12"/>
-          </p:nvPr>
-        </p:nvSpPr>
-        <p:spPr>
-          <a:noFill/>
-        </p:spPr>
-        <p:txBody>
-          <a:bodyPr/>
-          <a:lstStyle/>
-          <a:p>
-            <a:r>
-              <a:rPr lang="en-US" dirty="0" smtClean="0"/>
-              <a:t>random-walk.</a:t>
-            </a:r>
-            <a:fld id="{42298CDA-044A-0949-8A0D-DDA7F6833251}" type="slidenum">
-              <a:rPr lang="en-US" smtClean="0"/>
-              <a:pPr/>
-              <a:t>19</a:t>
-            </a:fld>
-            <a:endParaRPr lang="en-US" dirty="0"/>
-          </a:p>
-          <a:p>
-            <a:endParaRPr lang="en-US" dirty="0"/>
-          </a:p>
-        </p:txBody>
-      </p:sp>
-      <p:sp>
-        <p:nvSpPr>
-          <p:cNvPr id="35845" name="Rectangle 2"/>
-          <p:cNvSpPr>
-            <a:spLocks noGrp="1" noChangeArrowheads="1"/>
-          </p:cNvSpPr>
-          <p:nvPr>
-            <p:ph type="title"/>
-          </p:nvPr>
-        </p:nvSpPr>
-        <p:spPr/>
-        <p:txBody>
-          <a:bodyPr/>
-          <a:lstStyle/>
-          <a:p>
-            <a:pPr eaLnBrk="1" hangingPunct="1"/>
-            <a:r>
-              <a:rPr lang="en-US" dirty="0" smtClean="0"/>
-              <a:t>Google </a:t>
-            </a:r>
-            <a:r>
-              <a:rPr lang="en-US" dirty="0"/>
-              <a:t>Page Rank</a:t>
-            </a:r>
-          </a:p>
-        </p:txBody>
-      </p:sp>
-      <p:sp>
-        <p:nvSpPr>
-          <p:cNvPr id="22534" name="Rectangle 3"/>
-          <p:cNvSpPr>
-            <a:spLocks noGrp="1" noChangeArrowheads="1"/>
-          </p:cNvSpPr>
-          <p:nvPr>
-            <p:ph type="body" idx="1"/>
-          </p:nvPr>
-        </p:nvSpPr>
-        <p:spPr>
-          <a:xfrm>
-            <a:off x="381000" y="1219200"/>
-            <a:ext cx="8382000" cy="4800600"/>
-          </a:xfrm>
-        </p:spPr>
-        <p:txBody>
-          <a:bodyPr/>
-          <a:lstStyle/>
-          <a:p>
-            <a:pPr eaLnBrk="1" hangingPunct="1">
-              <a:lnSpc>
-                <a:spcPct val="90000"/>
-              </a:lnSpc>
-              <a:buFontTx/>
-              <a:buNone/>
-            </a:pPr>
-            <a:r>
-              <a:rPr lang="en-US" sz="4000" dirty="0"/>
-              <a:t>View the entire web as </a:t>
-            </a:r>
-            <a:r>
-              <a:rPr lang="en-US" sz="4000" dirty="0" smtClean="0"/>
-              <a:t>digraph</a:t>
-            </a:r>
-          </a:p>
-          <a:p>
-            <a:pPr eaLnBrk="1" hangingPunct="1">
-              <a:lnSpc>
-                <a:spcPct val="90000"/>
-              </a:lnSpc>
-            </a:pPr>
-            <a:r>
-              <a:rPr lang="en-US" sz="4000" dirty="0" smtClean="0"/>
-              <a:t>vertices </a:t>
-            </a:r>
-            <a:r>
-              <a:rPr lang="en-US" sz="4000" dirty="0"/>
-              <a:t>are </a:t>
-            </a:r>
-            <a:r>
-              <a:rPr lang="en-US" sz="4000" dirty="0" err="1"/>
-              <a:t>webpages</a:t>
-            </a:r>
-            <a:r>
-              <a:rPr lang="en-US" sz="4000" dirty="0"/>
-              <a:t> </a:t>
-            </a:r>
-            <a:endParaRPr lang="en-US" sz="4000" dirty="0" smtClean="0"/>
-          </a:p>
-          <a:p>
-            <a:pPr eaLnBrk="1" hangingPunct="1">
-              <a:lnSpc>
-                <a:spcPct val="90000"/>
-              </a:lnSpc>
-            </a:pPr>
-            <a:r>
-              <a:rPr lang="en-US" sz="4000" dirty="0" smtClean="0"/>
-              <a:t>edge </a:t>
-            </a:r>
-            <a:r>
-              <a:rPr lang="en-US" sz="4000" dirty="0"/>
-              <a:t>(</a:t>
-            </a:r>
-            <a:r>
-              <a:rPr lang="en-US" sz="4000" dirty="0" err="1">
-                <a:solidFill>
-                  <a:srgbClr val="0000FF"/>
-                </a:solidFill>
-              </a:rPr>
-              <a:t>u,v</a:t>
-            </a:r>
-            <a:r>
-              <a:rPr lang="en-US" sz="4000" dirty="0"/>
-              <a:t>) exists if link from page </a:t>
-            </a:r>
-            <a:r>
-              <a:rPr lang="en-US" sz="4000" dirty="0" err="1">
-                <a:solidFill>
-                  <a:srgbClr val="0000FF"/>
-                </a:solidFill>
-              </a:rPr>
-              <a:t>u</a:t>
-            </a:r>
-            <a:r>
-              <a:rPr lang="en-US" sz="4000" dirty="0"/>
-              <a:t> to page </a:t>
-            </a:r>
-            <a:r>
-              <a:rPr lang="en-US" sz="4000" dirty="0" err="1">
-                <a:solidFill>
-                  <a:srgbClr val="0000FF"/>
-                </a:solidFill>
-              </a:rPr>
-              <a:t>v</a:t>
-            </a:r>
-            <a:endParaRPr lang="en-US" sz="4000" dirty="0">
-              <a:solidFill>
-                <a:srgbClr val="0000FF"/>
-              </a:solidFill>
-            </a:endParaRPr>
-          </a:p>
-          <a:p>
-            <a:pPr eaLnBrk="1" hangingPunct="1">
-              <a:lnSpc>
-                <a:spcPct val="90000"/>
-              </a:lnSpc>
-            </a:pPr>
-            <a:r>
-              <a:rPr lang="en-US" sz="4000" dirty="0" err="1"/>
-              <a:t>Pr{go</a:t>
-            </a:r>
-            <a:r>
-              <a:rPr lang="en-US" sz="4000" dirty="0"/>
-              <a:t> to</a:t>
-            </a:r>
-            <a:r>
-              <a:rPr lang="en-US" sz="4000" dirty="0">
-                <a:solidFill>
-                  <a:srgbClr val="0000FF"/>
-                </a:solidFill>
-              </a:rPr>
-              <a:t> </a:t>
-            </a:r>
-            <a:r>
-              <a:rPr lang="en-US" sz="4000" dirty="0" err="1">
-                <a:solidFill>
-                  <a:srgbClr val="0000FF"/>
-                </a:solidFill>
-              </a:rPr>
-              <a:t>v</a:t>
-            </a:r>
-            <a:r>
-              <a:rPr lang="en-US" sz="4000" dirty="0"/>
-              <a:t> from </a:t>
-            </a:r>
-            <a:r>
-              <a:rPr lang="en-US" sz="4000" dirty="0" err="1">
-                <a:solidFill>
-                  <a:srgbClr val="0000FF"/>
-                </a:solidFill>
-              </a:rPr>
-              <a:t>u</a:t>
-            </a:r>
-            <a:r>
-              <a:rPr lang="en-US" sz="4000" dirty="0"/>
-              <a:t>} = </a:t>
-            </a:r>
-            <a:r>
-              <a:rPr lang="en-US" sz="4000" dirty="0">
-                <a:solidFill>
-                  <a:srgbClr val="0000FF"/>
-                </a:solidFill>
-              </a:rPr>
-              <a:t>1/outdeg(u)</a:t>
-            </a:r>
-          </a:p>
-          <a:p>
-            <a:pPr eaLnBrk="1" hangingPunct="1">
-              <a:lnSpc>
-                <a:spcPct val="90000"/>
-              </a:lnSpc>
-              <a:buFontTx/>
-              <a:buNone/>
-            </a:pPr>
-            <a:r>
-              <a:rPr lang="en-US" sz="4000" dirty="0"/>
-              <a:t>Find </a:t>
-            </a:r>
-            <a:r>
-              <a:rPr lang="en-US" sz="4000" dirty="0">
-                <a:solidFill>
-                  <a:srgbClr val="FF00FF"/>
-                </a:solidFill>
-              </a:rPr>
-              <a:t>stationary distribution</a:t>
-            </a:r>
-            <a:r>
-              <a:rPr lang="en-US" sz="4000" dirty="0"/>
-              <a:t> {</a:t>
-            </a:r>
-            <a:r>
-              <a:rPr lang="en-US" sz="4000" dirty="0" err="1">
-                <a:solidFill>
-                  <a:schemeClr val="accent2"/>
-                </a:solidFill>
-              </a:rPr>
-              <a:t>p</a:t>
-            </a:r>
-            <a:r>
-              <a:rPr lang="en-US" sz="4000" baseline="-25000" dirty="0" err="1">
-                <a:solidFill>
-                  <a:srgbClr val="0000FF"/>
-                </a:solidFill>
-              </a:rPr>
-              <a:t>u</a:t>
-            </a:r>
-            <a:r>
-              <a:rPr lang="en-US" sz="4000" dirty="0"/>
-              <a:t>}</a:t>
-            </a:r>
-          </a:p>
-          <a:p>
-            <a:pPr eaLnBrk="1" hangingPunct="1">
-              <a:lnSpc>
-                <a:spcPct val="90000"/>
-              </a:lnSpc>
-              <a:buFontTx/>
-              <a:buNone/>
-            </a:pPr>
-            <a:r>
-              <a:rPr lang="en-US" sz="4000" dirty="0"/>
-              <a:t>Rank </a:t>
-            </a:r>
-            <a:r>
-              <a:rPr lang="en-US" sz="4000" dirty="0" err="1">
-                <a:solidFill>
-                  <a:srgbClr val="0000FF"/>
-                </a:solidFill>
-              </a:rPr>
-              <a:t>u</a:t>
-            </a:r>
-            <a:r>
-              <a:rPr lang="en-US" sz="4000" dirty="0"/>
-              <a:t> above</a:t>
-            </a:r>
-            <a:r>
-              <a:rPr lang="en-US" sz="4000" dirty="0">
-                <a:solidFill>
-                  <a:srgbClr val="0000FF"/>
-                </a:solidFill>
-              </a:rPr>
-              <a:t> </a:t>
-            </a:r>
-            <a:r>
-              <a:rPr lang="en-US" sz="4000" dirty="0" err="1">
-                <a:solidFill>
-                  <a:srgbClr val="0000FF"/>
-                </a:solidFill>
-              </a:rPr>
-              <a:t>v</a:t>
-            </a:r>
-            <a:r>
-              <a:rPr lang="en-US" sz="4000" dirty="0"/>
-              <a:t> if </a:t>
-            </a:r>
-            <a:r>
-              <a:rPr lang="en-US" sz="4000" dirty="0" err="1">
-                <a:solidFill>
-                  <a:srgbClr val="0000FF"/>
-                </a:solidFill>
-              </a:rPr>
-              <a:t>p</a:t>
-            </a:r>
-            <a:r>
-              <a:rPr lang="en-US" sz="4000" baseline="-25000" dirty="0" err="1">
-                <a:solidFill>
-                  <a:srgbClr val="0000FF"/>
-                </a:solidFill>
-              </a:rPr>
-              <a:t>u</a:t>
-            </a:r>
-            <a:r>
-              <a:rPr lang="en-US" sz="4000" dirty="0">
-                <a:solidFill>
-                  <a:schemeClr val="accent2"/>
-                </a:solidFill>
-              </a:rPr>
-              <a:t> </a:t>
-            </a:r>
-            <a:r>
-              <a:rPr lang="en-US" sz="4000" b="1" dirty="0">
-                <a:solidFill>
-                  <a:schemeClr val="accent2"/>
-                </a:solidFill>
-                <a:latin typeface="Euclid Symbol" charset="2"/>
-                <a:cs typeface="Euclid Symbol" charset="2"/>
-              </a:rPr>
-              <a:t>&gt;</a:t>
-            </a:r>
-            <a:r>
-              <a:rPr lang="en-US" sz="4000" dirty="0">
-                <a:solidFill>
-                  <a:schemeClr val="accent2"/>
-                </a:solidFill>
-              </a:rPr>
-              <a:t> </a:t>
-            </a:r>
-            <a:r>
-              <a:rPr lang="en-US" sz="4000" dirty="0" err="1">
-                <a:solidFill>
-                  <a:srgbClr val="0000FF"/>
-                </a:solidFill>
-              </a:rPr>
-              <a:t>p</a:t>
-            </a:r>
-            <a:r>
-              <a:rPr lang="en-US" sz="4000" baseline="-25000" dirty="0" err="1">
-                <a:solidFill>
-                  <a:srgbClr val="0000FF"/>
-                </a:solidFill>
-              </a:rPr>
-              <a:t>v</a:t>
-            </a:r>
-            <a:r>
-              <a:rPr lang="en-US" sz="4000" dirty="0"/>
-              <a:t>.</a:t>
-            </a:r>
-          </a:p>
-        </p:txBody>
-      </p:sp>
-      <p:sp>
-        <p:nvSpPr>
-          <p:cNvPr id="7" name="Rectangle 4"/>
-          <p:cNvSpPr>
-            <a:spLocks noGrp="1" noChangeArrowheads="1"/>
-          </p:cNvSpPr>
-          <p:nvPr>
-            <p:ph type="dt" sz="half" idx="4294967295"/>
-          </p:nvPr>
-        </p:nvSpPr>
-        <p:spPr bwMode="auto">
-          <a:xfrm>
-            <a:off x="3124200" y="6629400"/>
-            <a:ext cx="2863850" cy="228600"/>
-          </a:xfrm>
-          <a:prstGeom prst="rect">
-            <a:avLst/>
-          </a:prstGeom>
-          <a:noFill/>
-          <a:ln w="9525">
-            <a:noFill/>
-            <a:miter lim="800000"/>
-            <a:headEnd/>
-            <a:tailEnd/>
-          </a:ln>
-        </p:spPr>
-        <p:txBody>
-          <a:bodyPr vert="horz" wrap="square" lIns="91440" tIns="45720" rIns="91440" bIns="45720" numCol="1" anchor="t" anchorCtr="0" compatLnSpc="1">
-            <a:prstTxWarp prst="textNoShape">
-              <a:avLst/>
-            </a:prstTxWarp>
-          </a:bodyPr>
-          <a:lstStyle>
-            <a:lvl1pPr algn="ctr" eaLnBrk="1" hangingPunct="1">
-              <a:defRPr sz="1000">
-                <a:latin typeface="Comic Sans MS" pitchFamily="-64" charset="0"/>
-                <a:ea typeface="ＭＳ Ｐゴシック" pitchFamily="-64" charset="-128"/>
-                <a:cs typeface="+mn-cs"/>
-              </a:defRPr>
-            </a:lvl1pPr>
-          </a:lstStyle>
-          <a:p>
-            <a:pPr>
-              <a:defRPr/>
-            </a:pPr>
-            <a:r>
-              <a:rPr lang="en-US" dirty="0" smtClean="0"/>
-              <a:t>Albert R Meyer,                       May 16, 2012</a:t>
-            </a:r>
-            <a:endParaRPr lang="en-US" dirty="0"/>
-          </a:p>
-        </p:txBody>
-      </p:sp>
-    </p:spTree>
-  </p:cSld>
-  <p:clrMapOvr>
-    <a:masterClrMapping/>
-  </p:clrMapOvr>
-  <p:transition xmlns:p14="http://schemas.microsoft.com/office/powerpoint/2010/main" spd="slow">
-    <p:fade thruBlk="1"/>
-  </p:transition>
-  <p:timing>
-    <p:tnLst>
-      <p:par>
-        <p:cTn xmlns:p14="http://schemas.microsoft.com/office/powerpoint/2010/main" id="1" dur="indefinite" restart="never" nodeType="tmRoot">
-          <p:childTnLst>
-            <p:seq concurrent="1" nextAc="seek">
-              <p:cTn id="2" dur="indefinite" nodeType="mainSeq">
-                <p:childTnLst>
-                  <p:par>
-                    <p:cTn id="3" fill="hold">
-                      <p:stCondLst>
-                        <p:cond delay="indefinite"/>
-                      </p:stCondLst>
-                      <p:childTnLst>
-                        <p:par>
-                          <p:cTn id="4" fill="hold">
-                            <p:stCondLst>
-                              <p:cond delay="0"/>
-                            </p:stCondLst>
-                            <p:childTnLst>
-                              <p:par>
-                                <p:cTn id="5" presetID="9" presetClass="entr" presetSubtype="0" fill="hold" grpId="0" nodeType="clickEffect">
-                                  <p:stCondLst>
-                                    <p:cond delay="0"/>
-                                  </p:stCondLst>
-                                  <p:childTnLst>
-                                    <p:set>
-                                      <p:cBhvr>
-                                        <p:cTn id="6" dur="1" fill="hold">
-                                          <p:stCondLst>
-                                            <p:cond delay="0"/>
-                                          </p:stCondLst>
-                                        </p:cTn>
-                                        <p:tgtEl>
-                                          <p:spTgt spid="22534">
-                                            <p:txEl>
-                                              <p:pRg st="0" end="0"/>
-                                            </p:txEl>
-                                          </p:spTgt>
-                                        </p:tgtEl>
-                                        <p:attrNameLst>
-                                          <p:attrName>style.visibility</p:attrName>
-                                        </p:attrNameLst>
-                                      </p:cBhvr>
-                                      <p:to>
-                                        <p:strVal val="visible"/>
-                                      </p:to>
-                                    </p:set>
-                                    <p:animEffect transition="in" filter="dissolve">
-                                      <p:cBhvr>
-                                        <p:cTn id="7" dur="500"/>
-                                        <p:tgtEl>
-                                          <p:spTgt spid="22534">
-                                            <p:txEl>
-                                              <p:pRg st="0" end="0"/>
-                                            </p:txEl>
-                                          </p:spTgt>
-                                        </p:tgtEl>
-                                      </p:cBhvr>
-                                    </p:animEffect>
-                                  </p:childTnLst>
-                                </p:cTn>
-                              </p:par>
-                            </p:childTnLst>
-                          </p:cTn>
-                        </p:par>
-                      </p:childTnLst>
-                    </p:cTn>
-                  </p:par>
-                  <p:par>
-                    <p:cTn id="8" fill="hold">
-                      <p:stCondLst>
-                        <p:cond delay="indefinite"/>
-                      </p:stCondLst>
-                      <p:childTnLst>
-                        <p:par>
-                          <p:cTn id="9" fill="hold">
-                            <p:stCondLst>
-                              <p:cond delay="0"/>
-                            </p:stCondLst>
-                            <p:childTnLst>
-                              <p:par>
-                                <p:cTn id="10" presetID="9" presetClass="entr" presetSubtype="0" fill="hold" grpId="0" nodeType="clickEffect">
-                                  <p:stCondLst>
-                                    <p:cond delay="0"/>
-                                  </p:stCondLst>
-                                  <p:childTnLst>
-                                    <p:set>
-                                      <p:cBhvr>
-                                        <p:cTn id="11" dur="1" fill="hold">
-                                          <p:stCondLst>
-                                            <p:cond delay="0"/>
-                                          </p:stCondLst>
-                                        </p:cTn>
-                                        <p:tgtEl>
-                                          <p:spTgt spid="22534">
-                                            <p:txEl>
-                                              <p:pRg st="1" end="1"/>
-                                            </p:txEl>
-                                          </p:spTgt>
-                                        </p:tgtEl>
-                                        <p:attrNameLst>
-                                          <p:attrName>style.visibility</p:attrName>
-                                        </p:attrNameLst>
-                                      </p:cBhvr>
-                                      <p:to>
-                                        <p:strVal val="visible"/>
-                                      </p:to>
-                                    </p:set>
-                                    <p:animEffect transition="in" filter="dissolve">
-                                      <p:cBhvr>
-                                        <p:cTn id="12" dur="500"/>
-                                        <p:tgtEl>
-                                          <p:spTgt spid="22534">
-                                            <p:txEl>
-                                              <p:pRg st="1" end="1"/>
-                                            </p:txEl>
-                                          </p:spTgt>
-                                        </p:tgtEl>
-                                      </p:cBhvr>
-                                    </p:animEffect>
-                                  </p:childTnLst>
-                                </p:cTn>
-                              </p:par>
-                            </p:childTnLst>
-                          </p:cTn>
-                        </p:par>
-                      </p:childTnLst>
-                    </p:cTn>
-                  </p:par>
-                  <p:par>
-                    <p:cTn id="13" fill="hold">
-                      <p:stCondLst>
-                        <p:cond delay="indefinite"/>
-                      </p:stCondLst>
-                      <p:childTnLst>
-                        <p:par>
-                          <p:cTn id="14" fill="hold">
-                            <p:stCondLst>
-                              <p:cond delay="0"/>
-                            </p:stCondLst>
-                            <p:childTnLst>
-                              <p:par>
-                                <p:cTn id="15" presetID="9" presetClass="entr" presetSubtype="0" fill="hold" grpId="0" nodeType="clickEffect">
-                                  <p:stCondLst>
-                                    <p:cond delay="0"/>
-                                  </p:stCondLst>
-                                  <p:childTnLst>
-                                    <p:set>
-                                      <p:cBhvr>
-                                        <p:cTn id="16" dur="1" fill="hold">
-                                          <p:stCondLst>
-                                            <p:cond delay="0"/>
-                                          </p:stCondLst>
-                                        </p:cTn>
-                                        <p:tgtEl>
-                                          <p:spTgt spid="22534">
-                                            <p:txEl>
-                                              <p:pRg st="2" end="2"/>
-                                            </p:txEl>
-                                          </p:spTgt>
-                                        </p:tgtEl>
-                                        <p:attrNameLst>
-                                          <p:attrName>style.visibility</p:attrName>
-                                        </p:attrNameLst>
-                                      </p:cBhvr>
-                                      <p:to>
-                                        <p:strVal val="visible"/>
-                                      </p:to>
-                                    </p:set>
-                                    <p:animEffect transition="in" filter="dissolve">
-                                      <p:cBhvr>
-                                        <p:cTn id="17" dur="500"/>
-                                        <p:tgtEl>
-                                          <p:spTgt spid="22534">
-                                            <p:txEl>
-                                              <p:pRg st="2" end="2"/>
-                                            </p:txEl>
-                                          </p:spTgt>
-                                        </p:tgtEl>
-                                      </p:cBhvr>
-                                    </p:animEffect>
-                                  </p:childTnLst>
-                                </p:cTn>
-                              </p:par>
-                            </p:childTnLst>
-                          </p:cTn>
-                        </p:par>
-                      </p:childTnLst>
-                    </p:cTn>
-                  </p:par>
-                  <p:par>
-                    <p:cTn id="18" fill="hold">
-                      <p:stCondLst>
-                        <p:cond delay="indefinite"/>
-                      </p:stCondLst>
-                      <p:childTnLst>
-                        <p:par>
-                          <p:cTn id="19" fill="hold">
-                            <p:stCondLst>
-                              <p:cond delay="0"/>
-                            </p:stCondLst>
-                            <p:childTnLst>
-                              <p:par>
-                                <p:cTn id="20" presetID="9" presetClass="entr" presetSubtype="0" fill="hold" grpId="0" nodeType="clickEffect">
-                                  <p:stCondLst>
-                                    <p:cond delay="0"/>
-                                  </p:stCondLst>
-                                  <p:childTnLst>
-                                    <p:set>
-                                      <p:cBhvr>
-                                        <p:cTn id="21" dur="1" fill="hold">
-                                          <p:stCondLst>
-                                            <p:cond delay="0"/>
-                                          </p:stCondLst>
-                                        </p:cTn>
-                                        <p:tgtEl>
-                                          <p:spTgt spid="22534">
-                                            <p:txEl>
-                                              <p:pRg st="3" end="3"/>
-                                            </p:txEl>
-                                          </p:spTgt>
-                                        </p:tgtEl>
-                                        <p:attrNameLst>
-                                          <p:attrName>style.visibility</p:attrName>
-                                        </p:attrNameLst>
-                                      </p:cBhvr>
-                                      <p:to>
-                                        <p:strVal val="visible"/>
-                                      </p:to>
-                                    </p:set>
-                                    <p:animEffect transition="in" filter="dissolve">
-                                      <p:cBhvr>
-                                        <p:cTn id="22" dur="500"/>
-                                        <p:tgtEl>
-                                          <p:spTgt spid="22534">
-                                            <p:txEl>
-                                              <p:pRg st="3" end="3"/>
-                                            </p:txEl>
-                                          </p:spTgt>
-                                        </p:tgtEl>
-                                      </p:cBhvr>
-                                    </p:animEffect>
-                                  </p:childTnLst>
-                                </p:cTn>
-                              </p:par>
-                            </p:childTnLst>
-                          </p:cTn>
-                        </p:par>
-                      </p:childTnLst>
-                    </p:cTn>
-                  </p:par>
-                  <p:par>
-                    <p:cTn id="23" fill="hold">
-                      <p:stCondLst>
-                        <p:cond delay="indefinite"/>
-                      </p:stCondLst>
-                      <p:childTnLst>
-                        <p:par>
-                          <p:cTn id="24" fill="hold">
-                            <p:stCondLst>
-                              <p:cond delay="0"/>
-                            </p:stCondLst>
-                            <p:childTnLst>
-                              <p:par>
-                                <p:cTn id="25" presetID="9" presetClass="entr" presetSubtype="0" fill="hold" grpId="0" nodeType="clickEffect">
-                                  <p:stCondLst>
-                                    <p:cond delay="0"/>
-                                  </p:stCondLst>
-                                  <p:childTnLst>
-                                    <p:set>
-                                      <p:cBhvr>
-                                        <p:cTn id="26" dur="1" fill="hold">
-                                          <p:stCondLst>
-                                            <p:cond delay="0"/>
-                                          </p:stCondLst>
-                                        </p:cTn>
-                                        <p:tgtEl>
-                                          <p:spTgt spid="22534">
-                                            <p:txEl>
-                                              <p:pRg st="4" end="4"/>
-                                            </p:txEl>
-                                          </p:spTgt>
-                                        </p:tgtEl>
-                                        <p:attrNameLst>
-                                          <p:attrName>style.visibility</p:attrName>
-                                        </p:attrNameLst>
-                                      </p:cBhvr>
-                                      <p:to>
-                                        <p:strVal val="visible"/>
-                                      </p:to>
-                                    </p:set>
-                                    <p:animEffect transition="in" filter="dissolve">
-                                      <p:cBhvr>
-                                        <p:cTn id="27" dur="500"/>
-                                        <p:tgtEl>
-                                          <p:spTgt spid="22534">
-                                            <p:txEl>
-                                              <p:pRg st="4" end="4"/>
-                                            </p:txEl>
-                                          </p:spTgt>
-                                        </p:tgtEl>
-                                      </p:cBhvr>
-                                    </p:animEffect>
-                                  </p:childTnLst>
-                                </p:cTn>
-                              </p:par>
-                            </p:childTnLst>
-                          </p:cTn>
-                        </p:par>
-                      </p:childTnLst>
-                    </p:cTn>
-                  </p:par>
-                  <p:par>
-                    <p:cTn id="28" fill="hold">
-                      <p:stCondLst>
-                        <p:cond delay="indefinite"/>
-                      </p:stCondLst>
-                      <p:childTnLst>
-                        <p:par>
-                          <p:cTn id="29" fill="hold">
-                            <p:stCondLst>
-                              <p:cond delay="0"/>
-                            </p:stCondLst>
-                            <p:childTnLst>
-                              <p:par>
-                                <p:cTn id="30" presetID="9" presetClass="entr" presetSubtype="0" fill="hold" grpId="0" nodeType="clickEffect">
-                                  <p:stCondLst>
-                                    <p:cond delay="0"/>
-                                  </p:stCondLst>
-                                  <p:childTnLst>
-                                    <p:set>
-                                      <p:cBhvr>
-                                        <p:cTn id="31" dur="1" fill="hold">
-                                          <p:stCondLst>
-                                            <p:cond delay="0"/>
-                                          </p:stCondLst>
-                                        </p:cTn>
-                                        <p:tgtEl>
-                                          <p:spTgt spid="22534">
-                                            <p:txEl>
-                                              <p:pRg st="5" end="5"/>
-                                            </p:txEl>
-                                          </p:spTgt>
-                                        </p:tgtEl>
-                                        <p:attrNameLst>
-                                          <p:attrName>style.visibility</p:attrName>
-                                        </p:attrNameLst>
-                                      </p:cBhvr>
-                                      <p:to>
-                                        <p:strVal val="visible"/>
-                                      </p:to>
-                                    </p:set>
-                                    <p:animEffect transition="in" filter="dissolve">
-                                      <p:cBhvr>
-                                        <p:cTn id="32" dur="500"/>
-                                        <p:tgtEl>
-                                          <p:spTgt spid="22534">
-                                            <p:txEl>
-                                              <p:pRg st="5" end="5"/>
-                                            </p:txEl>
-                                          </p:spTgt>
-                                        </p:tgtEl>
-                                      </p:cBhvr>
-                                    </p:animEffect>
-                                  </p:childTnLst>
-                                </p:cTn>
-                              </p:par>
-                            </p:childTnLst>
-                          </p:cTn>
-                        </p:par>
-                      </p:childTnLst>
-                    </p:cTn>
-                  </p:par>
-                </p:childTnLst>
-              </p:cTn>
-              <p:prevCondLst>
-                <p:cond evt="onPrev" delay="0">
-                  <p:tgtEl>
-                    <p:sldTgt/>
-                  </p:tgtEl>
-                </p:cond>
-              </p:prevCondLst>
-              <p:nextCondLst>
-                <p:cond evt="onNext" delay="0">
-                  <p:tgtEl>
-                    <p:sldTgt/>
-                  </p:tgtEl>
-                </p:cond>
-              </p:nextCondLst>
-            </p:seq>
-          </p:childTnLst>
-        </p:cTn>
-      </p:par>
-    </p:tnLst>
-    <p:bldLst>
-      <p:bldP spid="22534" grpId="0" build="p"/>
-    </p:bldLst>
-  </p:timing>
-</p:sld>
-</file>
-
-<file path=ppt/slides/slide2.xml><?xml version="1.0" encoding="utf-8"?>
-<p:sld xmlns:a="http://schemas.openxmlformats.org/drawingml/2006/main" xmlns:r="http://schemas.openxmlformats.org/officeDocument/2006/relationships" xmlns:p="http://schemas.openxmlformats.org/presentationml/2006/main">
-  <p:cSld>
-    <p:spTree>
-      <p:nvGrpSpPr>
-        <p:cNvPr id="1" name=""/>
-        <p:cNvGrpSpPr/>
-        <p:nvPr/>
-      </p:nvGrpSpPr>
-      <p:grpSpPr>
-        <a:xfrm>
-          <a:off x="0" y="0"/>
-          <a:ext cx="0" cy="0"/>
-          <a:chOff x="0" y="0"/>
-          <a:chExt cx="0" cy="0"/>
-        </a:xfrm>
-      </p:grpSpPr>
-      <p:sp>
-        <p:nvSpPr>
-          <p:cNvPr id="17412" name="Slide Number Placeholder 5"/>
-          <p:cNvSpPr>
-            <a:spLocks noGrp="1"/>
-          </p:cNvSpPr>
-          <p:nvPr>
-            <p:ph type="sldNum" sz="quarter" idx="12"/>
-          </p:nvPr>
-        </p:nvSpPr>
-        <p:spPr>
-          <a:noFill/>
-        </p:spPr>
-        <p:txBody>
-          <a:bodyPr/>
-          <a:lstStyle/>
-          <a:p>
-            <a:r>
-              <a:rPr lang="en-US" dirty="0" smtClean="0"/>
-              <a:t>random-walk.</a:t>
-            </a:r>
-            <a:fld id="{4E5A7F2C-4A32-A14D-9867-A3721D1A9C1D}" type="slidenum">
-              <a:rPr lang="en-US" smtClean="0"/>
-              <a:pPr/>
-              <a:t>2</a:t>
-            </a:fld>
-            <a:endParaRPr lang="en-US" dirty="0"/>
-          </a:p>
-          <a:p>
-            <a:endParaRPr lang="en-US" dirty="0"/>
-          </a:p>
-        </p:txBody>
-      </p:sp>
-      <p:sp>
-        <p:nvSpPr>
-          <p:cNvPr id="17413" name="Rectangle 2"/>
-          <p:cNvSpPr>
-            <a:spLocks noGrp="1" noChangeArrowheads="1"/>
-          </p:cNvSpPr>
-          <p:nvPr>
-            <p:ph type="title"/>
-          </p:nvPr>
-        </p:nvSpPr>
-        <p:spPr/>
-        <p:txBody>
-          <a:bodyPr/>
-          <a:lstStyle/>
-          <a:p>
-            <a:pPr eaLnBrk="1" hangingPunct="1"/>
-            <a:r>
-              <a:rPr lang="en-US"/>
-              <a:t>Applications of Random Walk</a:t>
-            </a:r>
-          </a:p>
-        </p:txBody>
-      </p:sp>
-      <p:sp>
-        <p:nvSpPr>
-          <p:cNvPr id="17414" name="Rectangle 3"/>
-          <p:cNvSpPr>
-            <a:spLocks noGrp="1" noChangeArrowheads="1"/>
-          </p:cNvSpPr>
-          <p:nvPr>
-            <p:ph type="body" idx="1"/>
-          </p:nvPr>
-        </p:nvSpPr>
-        <p:spPr>
-          <a:xfrm>
-            <a:off x="533400" y="1600200"/>
-            <a:ext cx="8153400" cy="3657600"/>
-          </a:xfrm>
-        </p:spPr>
-        <p:txBody>
-          <a:bodyPr/>
-          <a:lstStyle/>
-          <a:p>
-            <a:pPr eaLnBrk="1" hangingPunct="1"/>
-            <a:r>
-              <a:rPr lang="en-US" sz="4800" dirty="0" smtClean="0"/>
-              <a:t>Physics — Brownian motion</a:t>
-            </a:r>
-          </a:p>
-          <a:p>
-            <a:pPr eaLnBrk="1" hangingPunct="1"/>
-            <a:r>
-              <a:rPr lang="en-US" sz="4800" dirty="0" smtClean="0"/>
-              <a:t>Finance — stocks, options</a:t>
-            </a:r>
-          </a:p>
-          <a:p>
-            <a:pPr eaLnBrk="1" hangingPunct="1"/>
-            <a:r>
-              <a:rPr lang="en-US" sz="4800" dirty="0" smtClean="0"/>
-              <a:t>Algorithms </a:t>
-            </a:r>
-            <a:r>
-              <a:rPr lang="en-US" sz="4800" dirty="0"/>
-              <a:t>— web search, </a:t>
-            </a:r>
-            <a:r>
-              <a:rPr lang="en-US" sz="4800" dirty="0" smtClean="0"/>
-              <a:t>clustering</a:t>
-            </a:r>
-            <a:endParaRPr lang="en-US" sz="4800" dirty="0"/>
-          </a:p>
-        </p:txBody>
-      </p:sp>
-      <p:sp>
-        <p:nvSpPr>
-          <p:cNvPr id="7" name="Rectangle 4"/>
-          <p:cNvSpPr>
-            <a:spLocks noGrp="1" noChangeArrowheads="1"/>
-          </p:cNvSpPr>
-          <p:nvPr>
-            <p:ph type="dt" sz="half" idx="4294967295"/>
-          </p:nvPr>
-        </p:nvSpPr>
-        <p:spPr bwMode="auto">
-          <a:xfrm>
-            <a:off x="3124200" y="6629400"/>
-            <a:ext cx="2863850" cy="228600"/>
-          </a:xfrm>
-          <a:prstGeom prst="rect">
-            <a:avLst/>
-          </a:prstGeom>
-          <a:noFill/>
-          <a:ln w="9525">
-            <a:noFill/>
-            <a:miter lim="800000"/>
-            <a:headEnd/>
-            <a:tailEnd/>
-          </a:ln>
-        </p:spPr>
-        <p:txBody>
-          <a:bodyPr vert="horz" wrap="square" lIns="91440" tIns="45720" rIns="91440" bIns="45720" numCol="1" anchor="t" anchorCtr="0" compatLnSpc="1">
-            <a:prstTxWarp prst="textNoShape">
-              <a:avLst/>
-            </a:prstTxWarp>
-          </a:bodyPr>
-          <a:lstStyle>
-            <a:lvl1pPr algn="ctr" eaLnBrk="1" hangingPunct="1">
-              <a:defRPr sz="1000">
-                <a:latin typeface="Comic Sans MS" pitchFamily="-64" charset="0"/>
-                <a:ea typeface="ＭＳ Ｐゴシック" pitchFamily="-64" charset="-128"/>
-                <a:cs typeface="+mn-cs"/>
-              </a:defRPr>
-            </a:lvl1pPr>
-          </a:lstStyle>
-          <a:p>
-            <a:pPr>
-              <a:defRPr/>
-            </a:pPr>
-            <a:r>
-              <a:rPr lang="en-US" dirty="0" smtClean="0"/>
-              <a:t>Albert R Meyer,                       May 16, 2012</a:t>
-            </a:r>
-            <a:endParaRPr lang="en-US" dirty="0"/>
-          </a:p>
-        </p:txBody>
-      </p:sp>
-    </p:spTree>
-  </p:cSld>
-  <p:clrMapOvr>
-    <a:masterClrMapping/>
-  </p:clrMapOvr>
-  <p:transition xmlns:p14="http://schemas.microsoft.com/office/powerpoint/2010/main" spd="slow" advClick="0">
-    <p:fade thruBlk="1"/>
-  </p:transition>
-  <p:timing>
-    <p:tnLst>
-      <p:par>
-        <p:cTn xmlns:p14="http://schemas.microsoft.com/office/powerpoint/2010/main" id="1" dur="indefinite" restart="never" nodeType="tmRoot">
-          <p:childTnLst>
-            <p:seq concurrent="1" nextAc="seek">
-              <p:cTn id="2" dur="indefinite" nodeType="mainSeq">
-                <p:childTnLst>
-                  <p:par>
-                    <p:cTn id="3" fill="hold">
-                      <p:stCondLst>
-                        <p:cond delay="indefinite"/>
-                      </p:stCondLst>
-                      <p:childTnLst>
-                        <p:par>
-                          <p:cTn id="4" fill="hold">
-                            <p:stCondLst>
-                              <p:cond delay="0"/>
-                            </p:stCondLst>
-                            <p:childTnLst>
-                              <p:par>
-                                <p:cTn id="5" presetID="10" presetClass="entr" presetSubtype="0" fill="hold" grpId="0" nodeType="clickEffect">
-                                  <p:stCondLst>
-                                    <p:cond delay="0"/>
-                                  </p:stCondLst>
-                                  <p:childTnLst>
-                                    <p:set>
-                                      <p:cBhvr>
-                                        <p:cTn id="6" dur="1" fill="hold">
-                                          <p:stCondLst>
-                                            <p:cond delay="0"/>
-                                          </p:stCondLst>
-                                        </p:cTn>
-                                        <p:tgtEl>
-                                          <p:spTgt spid="17414">
-                                            <p:txEl>
-                                              <p:pRg st="0" end="0"/>
-                                            </p:txEl>
-                                          </p:spTgt>
-                                        </p:tgtEl>
-                                        <p:attrNameLst>
-                                          <p:attrName>style.visibility</p:attrName>
-                                        </p:attrNameLst>
-                                      </p:cBhvr>
-                                      <p:to>
-                                        <p:strVal val="visible"/>
-                                      </p:to>
-                                    </p:set>
-                                    <p:animEffect transition="in" filter="fade">
-                                      <p:cBhvr>
-                                        <p:cTn id="7" dur="500"/>
-                                        <p:tgtEl>
-                                          <p:spTgt spid="17414">
-                                            <p:txEl>
-                                              <p:pRg st="0" end="0"/>
-                                            </p:txEl>
-                                          </p:spTgt>
-                                        </p:tgtEl>
-                                      </p:cBhvr>
-                                    </p:animEffect>
-                                  </p:childTnLst>
-                                </p:cTn>
-                              </p:par>
-                            </p:childTnLst>
-                          </p:cTn>
-                        </p:par>
-                      </p:childTnLst>
-                    </p:cTn>
-                  </p:par>
-                  <p:par>
-                    <p:cTn id="8" fill="hold">
-                      <p:stCondLst>
-                        <p:cond delay="indefinite"/>
-                      </p:stCondLst>
-                      <p:childTnLst>
-                        <p:par>
-                          <p:cTn id="9" fill="hold">
-                            <p:stCondLst>
-                              <p:cond delay="0"/>
-                            </p:stCondLst>
-                            <p:childTnLst>
-                              <p:par>
-                                <p:cTn id="10" presetID="10" presetClass="entr" presetSubtype="0" fill="hold" grpId="0" nodeType="clickEffect">
-                                  <p:stCondLst>
-                                    <p:cond delay="0"/>
-                                  </p:stCondLst>
-                                  <p:childTnLst>
-                                    <p:set>
-                                      <p:cBhvr>
-                                        <p:cTn id="11" dur="1" fill="hold">
-                                          <p:stCondLst>
-                                            <p:cond delay="0"/>
-                                          </p:stCondLst>
-                                        </p:cTn>
-                                        <p:tgtEl>
-                                          <p:spTgt spid="17414">
-                                            <p:txEl>
-                                              <p:pRg st="1" end="1"/>
-                                            </p:txEl>
-                                          </p:spTgt>
-                                        </p:tgtEl>
-                                        <p:attrNameLst>
-                                          <p:attrName>style.visibility</p:attrName>
-                                        </p:attrNameLst>
-                                      </p:cBhvr>
-                                      <p:to>
-                                        <p:strVal val="visible"/>
-                                      </p:to>
-                                    </p:set>
-                                    <p:animEffect transition="in" filter="fade">
-                                      <p:cBhvr>
-                                        <p:cTn id="12" dur="500"/>
-                                        <p:tgtEl>
-                                          <p:spTgt spid="17414">
-                                            <p:txEl>
-                                              <p:pRg st="1" end="1"/>
-                                            </p:txEl>
-                                          </p:spTgt>
-                                        </p:tgtEl>
-                                      </p:cBhvr>
-                                    </p:animEffect>
-                                  </p:childTnLst>
-                                </p:cTn>
-                              </p:par>
-                            </p:childTnLst>
-                          </p:cTn>
-                        </p:par>
-                      </p:childTnLst>
-                    </p:cTn>
-                  </p:par>
-                  <p:par>
-                    <p:cTn id="13" fill="hold">
-                      <p:stCondLst>
-                        <p:cond delay="indefinite"/>
-                      </p:stCondLst>
-                      <p:childTnLst>
-                        <p:par>
-                          <p:cTn id="14" fill="hold">
-                            <p:stCondLst>
-                              <p:cond delay="0"/>
-                            </p:stCondLst>
-                            <p:childTnLst>
-                              <p:par>
-                                <p:cTn id="15" presetID="10" presetClass="entr" presetSubtype="0" fill="hold" grpId="0" nodeType="clickEffect">
-                                  <p:stCondLst>
-                                    <p:cond delay="0"/>
-                                  </p:stCondLst>
-                                  <p:childTnLst>
-                                    <p:set>
-                                      <p:cBhvr>
-                                        <p:cTn id="16" dur="1" fill="hold">
-                                          <p:stCondLst>
-                                            <p:cond delay="0"/>
-                                          </p:stCondLst>
-                                        </p:cTn>
-                                        <p:tgtEl>
-                                          <p:spTgt spid="17414">
-                                            <p:txEl>
-                                              <p:pRg st="2" end="2"/>
-                                            </p:txEl>
-                                          </p:spTgt>
-                                        </p:tgtEl>
-                                        <p:attrNameLst>
-                                          <p:attrName>style.visibility</p:attrName>
-                                        </p:attrNameLst>
-                                      </p:cBhvr>
-                                      <p:to>
-                                        <p:strVal val="visible"/>
-                                      </p:to>
-                                    </p:set>
-                                    <p:animEffect transition="in" filter="fade">
-                                      <p:cBhvr>
-                                        <p:cTn id="17" dur="500"/>
-                                        <p:tgtEl>
-                                          <p:spTgt spid="17414">
-                                            <p:txEl>
-                                              <p:pRg st="2" end="2"/>
-                                            </p:txEl>
-                                          </p:spTgt>
-                                        </p:tgtEl>
-                                      </p:cBhvr>
-                                    </p:animEffect>
-                                  </p:childTnLst>
-                                </p:cTn>
-                              </p:par>
-                            </p:childTnLst>
-                          </p:cTn>
-                        </p:par>
-                      </p:childTnLst>
-                    </p:cTn>
-                  </p:par>
-                </p:childTnLst>
-              </p:cTn>
-              <p:prevCondLst>
-                <p:cond evt="onPrev" delay="0">
-                  <p:tgtEl>
-                    <p:sldTgt/>
-                  </p:tgtEl>
-                </p:cond>
-              </p:prevCondLst>
-              <p:nextCondLst>
-                <p:cond evt="onNext" delay="0">
-                  <p:tgtEl>
-                    <p:sldTgt/>
-                  </p:tgtEl>
-                </p:cond>
-              </p:nextCondLst>
-            </p:seq>
-          </p:childTnLst>
-        </p:cTn>
-      </p:par>
-    </p:tnLst>
-    <p:bldLst>
-      <p:bldP spid="17414" grpId="0" build="p"/>
-    </p:bldLst>
-  </p:timing>
-</p:sld>
-</file>
-
-<file path=ppt/slides/slide20.xml><?xml version="1.0" encoding="utf-8"?>
-<p:sld xmlns:a="http://schemas.openxmlformats.org/drawingml/2006/main" xmlns:r="http://schemas.openxmlformats.org/officeDocument/2006/relationships" xmlns:p="http://schemas.openxmlformats.org/presentationml/2006/main">
-  <p:cSld>
-    <p:spTree>
-      <p:nvGrpSpPr>
-        <p:cNvPr id="1" name=""/>
-        <p:cNvGrpSpPr/>
-        <p:nvPr/>
-      </p:nvGrpSpPr>
-      <p:grpSpPr>
-        <a:xfrm>
-          <a:off x="0" y="0"/>
-          <a:ext cx="0" cy="0"/>
-          <a:chOff x="0" y="0"/>
-          <a:chExt cx="0" cy="0"/>
-        </a:xfrm>
-      </p:grpSpPr>
-      <p:sp>
-        <p:nvSpPr>
-          <p:cNvPr id="37892" name="Slide Number Placeholder 5"/>
-          <p:cNvSpPr>
-            <a:spLocks noGrp="1"/>
-          </p:cNvSpPr>
-          <p:nvPr>
-            <p:ph type="sldNum" sz="quarter" idx="12"/>
-          </p:nvPr>
-        </p:nvSpPr>
-        <p:spPr>
-          <a:noFill/>
-        </p:spPr>
-        <p:txBody>
-          <a:bodyPr/>
-          <a:lstStyle/>
-          <a:p>
-            <a:r>
-              <a:rPr lang="en-US" dirty="0" smtClean="0"/>
-              <a:t>random-walk.</a:t>
-            </a:r>
-            <a:fld id="{816F4D3B-050F-E94C-AE39-4FED2171D20A}" type="slidenum">
-              <a:rPr lang="en-US" smtClean="0"/>
-              <a:pPr/>
-              <a:t>20</a:t>
             </a:fld>
             <a:endParaRPr lang="en-US" dirty="0"/>
           </a:p>
@@ -18630,7 +16694,7 @@
 </p:sld>
 </file>
 
-<file path=ppt/slides/slide21.xml><?xml version="1.0" encoding="utf-8"?>
+<file path=ppt/slides/slide18.xml><?xml version="1.0" encoding="utf-8"?>
 <p:sld xmlns:a="http://schemas.openxmlformats.org/drawingml/2006/main" xmlns:r="http://schemas.openxmlformats.org/officeDocument/2006/relationships" xmlns:p="http://schemas.openxmlformats.org/presentationml/2006/main">
   <p:cSld>
     <p:spTree>
@@ -18649,7 +16713,56 @@
       </p:grpSpPr>
       <p:sp>
         <p:nvSpPr>
-          <p:cNvPr id="25604" name="Slide Number Placeholder 5"/>
+          <p:cNvPr id="2" name="Title 1"/>
+          <p:cNvSpPr>
+            <a:spLocks noGrp="1"/>
+          </p:cNvSpPr>
+          <p:nvPr>
+            <p:ph type="title"/>
+          </p:nvPr>
+        </p:nvSpPr>
+        <p:spPr/>
+        <p:txBody>
+          <a:bodyPr/>
+          <a:lstStyle/>
+          <a:p>
+            <a:r>
+              <a:rPr lang="en-US" dirty="0" smtClean="0"/>
+              <a:t>Stationary Difficulties</a:t>
+            </a:r>
+            <a:endParaRPr lang="en-US" dirty="0"/>
+          </a:p>
+        </p:txBody>
+      </p:sp>
+      <p:sp>
+        <p:nvSpPr>
+          <p:cNvPr id="4" name="Date Placeholder 3"/>
+          <p:cNvSpPr>
+            <a:spLocks noGrp="1"/>
+          </p:cNvSpPr>
+          <p:nvPr>
+            <p:ph type="dt" sz="half" idx="10"/>
+          </p:nvPr>
+        </p:nvSpPr>
+        <p:spPr/>
+        <p:txBody>
+          <a:bodyPr/>
+          <a:lstStyle/>
+          <a:p>
+            <a:pPr>
+              <a:defRPr/>
+            </a:pPr>
+            <a:r>
+              <a:rPr lang="en-US" smtClean="0"/>
+              <a:t>May 11, 2010</a:t>
+            </a:r>
+            <a:endParaRPr lang="en-US" dirty="0"/>
+          </a:p>
+        </p:txBody>
+      </p:sp>
+      <p:sp>
+        <p:nvSpPr>
+          <p:cNvPr id="5" name="Slide Number Placeholder 4"/>
           <p:cNvSpPr>
             <a:spLocks noGrp="1"/>
           </p:cNvSpPr>
@@ -18657,6 +16770,1700 @@
             <p:ph type="sldNum" sz="quarter" idx="12"/>
           </p:nvPr>
         </p:nvSpPr>
+        <p:spPr/>
+        <p:txBody>
+          <a:bodyPr/>
+          <a:lstStyle/>
+          <a:p>
+            <a:pPr>
+              <a:defRPr/>
+            </a:pPr>
+            <a:r>
+              <a:rPr lang="en-US" smtClean="0"/>
+              <a:t>random-walk.</a:t>
+            </a:r>
+            <a:fld id="{E877D3CB-F960-BD47-98A7-06971C504846}" type="slidenum">
+              <a:rPr lang="en-US" smtClean="0"/>
+              <a:pPr>
+                <a:defRPr/>
+              </a:pPr>
+              <a:t>18</a:t>
+            </a:fld>
+            <a:endParaRPr lang="en-US" smtClean="0"/>
+          </a:p>
+          <a:p>
+            <a:pPr>
+              <a:defRPr/>
+            </a:pPr>
+            <a:endParaRPr lang="en-US" dirty="0"/>
+          </a:p>
+        </p:txBody>
+      </p:sp>
+      <p:grpSp>
+        <p:nvGrpSpPr>
+          <p:cNvPr id="25" name="Group 24"/>
+          <p:cNvGrpSpPr/>
+          <p:nvPr/>
+        </p:nvGrpSpPr>
+        <p:grpSpPr>
+          <a:xfrm>
+            <a:off x="1219200" y="1905000"/>
+            <a:ext cx="1905000" cy="659032"/>
+            <a:chOff x="1752600" y="1792069"/>
+            <a:chExt cx="1905000" cy="659032"/>
+          </a:xfrm>
+        </p:grpSpPr>
+        <p:grpSp>
+          <p:nvGrpSpPr>
+            <p:cNvPr id="20" name="Group 19"/>
+            <p:cNvGrpSpPr/>
+            <p:nvPr/>
+          </p:nvGrpSpPr>
+          <p:grpSpPr>
+            <a:xfrm>
+              <a:off x="1752600" y="1828800"/>
+              <a:ext cx="1905000" cy="622301"/>
+              <a:chOff x="1752600" y="1828800"/>
+              <a:chExt cx="1905000" cy="622301"/>
+            </a:xfrm>
+          </p:grpSpPr>
+          <p:sp>
+            <p:nvSpPr>
+              <p:cNvPr id="6" name="Oval 5"/>
+              <p:cNvSpPr/>
+              <p:nvPr/>
+            </p:nvSpPr>
+            <p:spPr bwMode="auto">
+              <a:xfrm>
+                <a:off x="1752600" y="1828800"/>
+                <a:ext cx="609600" cy="609600"/>
+              </a:xfrm>
+              <a:prstGeom prst="ellipse">
+                <a:avLst/>
+              </a:prstGeom>
+              <a:solidFill>
+                <a:schemeClr val="accent1"/>
+              </a:solidFill>
+              <a:ln w="9525" cap="flat" cmpd="sng" algn="ctr">
+                <a:solidFill>
+                  <a:schemeClr val="tx1"/>
+                </a:solidFill>
+                <a:prstDash val="solid"/>
+                <a:round/>
+                <a:headEnd type="none" w="med" len="med"/>
+                <a:tailEnd type="none" w="med" len="med"/>
+              </a:ln>
+              <a:effectLst/>
+            </p:spPr>
+            <p:txBody>
+              <a:bodyPr vert="horz" wrap="square" lIns="91440" tIns="45720" rIns="91440" bIns="45720" numCol="1" rtlCol="0" anchor="t" anchorCtr="0" compatLnSpc="1">
+                <a:prstTxWarp prst="textNoShape">
+                  <a:avLst/>
+                </a:prstTxWarp>
+              </a:bodyPr>
+              <a:lstStyle/>
+              <a:p>
+                <a:pPr marL="0" marR="0" indent="0" algn="l" defTabSz="914400" rtl="0" eaLnBrk="0" fontAlgn="base" latinLnBrk="0" hangingPunct="0">
+                  <a:lnSpc>
+                    <a:spcPct val="100000"/>
+                  </a:lnSpc>
+                  <a:spcBef>
+                    <a:spcPct val="0"/>
+                  </a:spcBef>
+                  <a:spcAft>
+                    <a:spcPct val="0"/>
+                  </a:spcAft>
+                  <a:buClrTx/>
+                  <a:buSzTx/>
+                  <a:buFontTx/>
+                  <a:buNone/>
+                  <a:tabLst/>
+                </a:pPr>
+                <a:endParaRPr kumimoji="0" lang="en-US" sz="2400" b="0" i="0" u="none" strike="noStrike" cap="none" normalizeH="0" baseline="0" smtClean="0">
+                  <a:ln>
+                    <a:noFill/>
+                  </a:ln>
+                  <a:solidFill>
+                    <a:schemeClr val="tx1"/>
+                  </a:solidFill>
+                  <a:effectLst/>
+                  <a:latin typeface="Comic Sans MS" pitchFamily="-64" charset="0"/>
+                  <a:ea typeface="ＭＳ Ｐゴシック" pitchFamily="-64" charset="-128"/>
+                </a:endParaRPr>
+              </a:p>
+            </p:txBody>
+          </p:sp>
+          <p:sp>
+            <p:nvSpPr>
+              <p:cNvPr id="7" name="Oval 6"/>
+              <p:cNvSpPr/>
+              <p:nvPr/>
+            </p:nvSpPr>
+            <p:spPr bwMode="auto">
+              <a:xfrm>
+                <a:off x="3048000" y="1828800"/>
+                <a:ext cx="609600" cy="609600"/>
+              </a:xfrm>
+              <a:prstGeom prst="ellipse">
+                <a:avLst/>
+              </a:prstGeom>
+              <a:solidFill>
+                <a:schemeClr val="accent1"/>
+              </a:solidFill>
+              <a:ln w="9525" cap="flat" cmpd="sng" algn="ctr">
+                <a:solidFill>
+                  <a:schemeClr val="tx1"/>
+                </a:solidFill>
+                <a:prstDash val="solid"/>
+                <a:round/>
+                <a:headEnd type="none" w="med" len="med"/>
+                <a:tailEnd type="none" w="med" len="med"/>
+              </a:ln>
+              <a:effectLst/>
+            </p:spPr>
+            <p:txBody>
+              <a:bodyPr vert="horz" wrap="square" lIns="91440" tIns="45720" rIns="91440" bIns="45720" numCol="1" rtlCol="0" anchor="t" anchorCtr="0" compatLnSpc="1">
+                <a:prstTxWarp prst="textNoShape">
+                  <a:avLst/>
+                </a:prstTxWarp>
+              </a:bodyPr>
+              <a:lstStyle/>
+              <a:p>
+                <a:pPr marL="0" marR="0" indent="0" algn="l" defTabSz="914400" rtl="0" eaLnBrk="0" fontAlgn="base" latinLnBrk="0" hangingPunct="0">
+                  <a:lnSpc>
+                    <a:spcPct val="100000"/>
+                  </a:lnSpc>
+                  <a:spcBef>
+                    <a:spcPct val="0"/>
+                  </a:spcBef>
+                  <a:spcAft>
+                    <a:spcPct val="0"/>
+                  </a:spcAft>
+                  <a:buClrTx/>
+                  <a:buSzTx/>
+                  <a:buFontTx/>
+                  <a:buNone/>
+                  <a:tabLst/>
+                </a:pPr>
+                <a:endParaRPr kumimoji="0" lang="en-US" sz="2400" b="0" i="0" u="none" strike="noStrike" cap="none" normalizeH="0" baseline="0" smtClean="0">
+                  <a:ln>
+                    <a:noFill/>
+                  </a:ln>
+                  <a:solidFill>
+                    <a:schemeClr val="tx1"/>
+                  </a:solidFill>
+                  <a:effectLst/>
+                  <a:latin typeface="Comic Sans MS" pitchFamily="-64" charset="0"/>
+                  <a:ea typeface="ＭＳ Ｐゴシック" pitchFamily="-64" charset="-128"/>
+                </a:endParaRPr>
+              </a:p>
+            </p:txBody>
+          </p:sp>
+          <p:cxnSp>
+            <p:nvCxnSpPr>
+              <p:cNvPr id="9" name="Curved Connector 8"/>
+              <p:cNvCxnSpPr/>
+              <p:nvPr/>
+            </p:nvCxnSpPr>
+            <p:spPr bwMode="auto">
+              <a:xfrm rot="16200000" flipV="1">
+                <a:off x="2705100" y="1187451"/>
+                <a:ext cx="12700" cy="1295400"/>
+              </a:xfrm>
+              <a:prstGeom prst="curvedConnector3">
+                <a:avLst>
+                  <a:gd name="adj1" fmla="val 4686874"/>
+                </a:avLst>
+              </a:prstGeom>
+              <a:solidFill>
+                <a:schemeClr val="accent1"/>
+              </a:solidFill>
+              <a:ln w="31750" cap="flat" cmpd="sng" algn="ctr">
+                <a:solidFill>
+                  <a:schemeClr val="tx1"/>
+                </a:solidFill>
+                <a:prstDash val="solid"/>
+                <a:round/>
+                <a:headEnd type="stealth" w="lg" len="lg"/>
+                <a:tailEnd type="none" w="lg" len="lg"/>
+              </a:ln>
+              <a:effectLst/>
+            </p:spPr>
+          </p:cxnSp>
+          <p:cxnSp>
+            <p:nvCxnSpPr>
+              <p:cNvPr id="11" name="Curved Connector 10"/>
+              <p:cNvCxnSpPr/>
+              <p:nvPr/>
+            </p:nvCxnSpPr>
+            <p:spPr bwMode="auto">
+              <a:xfrm rot="16200000" flipH="1">
+                <a:off x="2705100" y="1797051"/>
+                <a:ext cx="12700" cy="1295400"/>
+              </a:xfrm>
+              <a:prstGeom prst="curvedConnector3">
+                <a:avLst>
+                  <a:gd name="adj1" fmla="val 4274457"/>
+                </a:avLst>
+              </a:prstGeom>
+              <a:solidFill>
+                <a:schemeClr val="accent1"/>
+              </a:solidFill>
+              <a:ln w="31750" cap="flat" cmpd="sng" algn="ctr">
+                <a:solidFill>
+                  <a:schemeClr val="tx1"/>
+                </a:solidFill>
+                <a:prstDash val="solid"/>
+                <a:round/>
+                <a:headEnd type="stealth" w="lg" len="lg"/>
+                <a:tailEnd type="none" w="lg" len="lg"/>
+              </a:ln>
+              <a:effectLst/>
+            </p:spPr>
+          </p:cxnSp>
+        </p:grpSp>
+        <p:sp>
+          <p:nvSpPr>
+            <p:cNvPr id="21" name="TextBox 20"/>
+            <p:cNvSpPr txBox="1"/>
+            <p:nvPr/>
+          </p:nvSpPr>
+          <p:spPr>
+            <a:xfrm>
+              <a:off x="1828800" y="1792069"/>
+              <a:ext cx="392505" cy="646331"/>
+            </a:xfrm>
+            <a:prstGeom prst="rect">
+              <a:avLst/>
+            </a:prstGeom>
+            <a:noFill/>
+          </p:spPr>
+          <p:txBody>
+            <a:bodyPr wrap="none" rtlCol="0">
+              <a:spAutoFit/>
+            </a:bodyPr>
+            <a:lstStyle/>
+            <a:p>
+              <a:r>
+                <a:rPr lang="en-US" sz="3600" dirty="0">
+                  <a:solidFill>
+                    <a:srgbClr val="0000FF"/>
+                  </a:solidFill>
+                </a:rPr>
+                <a:t>1</a:t>
+              </a:r>
+            </a:p>
+          </p:txBody>
+        </p:sp>
+        <p:sp>
+          <p:nvSpPr>
+            <p:cNvPr id="22" name="TextBox 21"/>
+            <p:cNvSpPr txBox="1"/>
+            <p:nvPr/>
+          </p:nvSpPr>
+          <p:spPr>
+            <a:xfrm>
+              <a:off x="3124200" y="1792069"/>
+              <a:ext cx="466444" cy="646331"/>
+            </a:xfrm>
+            <a:prstGeom prst="rect">
+              <a:avLst/>
+            </a:prstGeom>
+            <a:noFill/>
+          </p:spPr>
+          <p:txBody>
+            <a:bodyPr wrap="none" rtlCol="0">
+              <a:spAutoFit/>
+            </a:bodyPr>
+            <a:lstStyle/>
+            <a:p>
+              <a:r>
+                <a:rPr lang="en-US" sz="3600" dirty="0" smtClean="0">
+                  <a:solidFill>
+                    <a:srgbClr val="FF6600"/>
+                  </a:solidFill>
+                </a:rPr>
+                <a:t>0</a:t>
+              </a:r>
+              <a:endParaRPr lang="en-US" sz="3600" dirty="0">
+                <a:solidFill>
+                  <a:srgbClr val="FF6600"/>
+                </a:solidFill>
+              </a:endParaRPr>
+            </a:p>
+          </p:txBody>
+        </p:sp>
+      </p:grpSp>
+      <p:sp>
+        <p:nvSpPr>
+          <p:cNvPr id="26" name="TextBox 25"/>
+          <p:cNvSpPr txBox="1"/>
+          <p:nvPr/>
+        </p:nvSpPr>
+        <p:spPr>
+          <a:xfrm>
+            <a:off x="3886200" y="1600200"/>
+            <a:ext cx="4172737" cy="1077218"/>
+          </a:xfrm>
+          <a:prstGeom prst="rect">
+            <a:avLst/>
+          </a:prstGeom>
+          <a:noFill/>
+        </p:spPr>
+        <p:txBody>
+          <a:bodyPr wrap="none" rtlCol="0">
+            <a:spAutoFit/>
+          </a:bodyPr>
+          <a:lstStyle/>
+          <a:p>
+            <a:r>
+              <a:rPr lang="en-US" sz="3200" dirty="0" smtClean="0"/>
+              <a:t>does not converge to </a:t>
+            </a:r>
+          </a:p>
+          <a:p>
+            <a:r>
+              <a:rPr lang="en-US" sz="3200" dirty="0" smtClean="0"/>
+              <a:t>stable distribution</a:t>
+            </a:r>
+            <a:endParaRPr lang="en-US" sz="3200" dirty="0"/>
+          </a:p>
+        </p:txBody>
+      </p:sp>
+      <p:grpSp>
+        <p:nvGrpSpPr>
+          <p:cNvPr id="55" name="Group 54"/>
+          <p:cNvGrpSpPr/>
+          <p:nvPr/>
+        </p:nvGrpSpPr>
+        <p:grpSpPr>
+          <a:xfrm>
+            <a:off x="228600" y="4038600"/>
+            <a:ext cx="4114800" cy="685800"/>
+            <a:chOff x="228600" y="4038600"/>
+            <a:chExt cx="4114800" cy="685800"/>
+          </a:xfrm>
+        </p:grpSpPr>
+        <p:sp>
+          <p:nvSpPr>
+            <p:cNvPr id="31" name="Oval 30"/>
+            <p:cNvSpPr/>
+            <p:nvPr/>
+          </p:nvSpPr>
+          <p:spPr bwMode="auto">
+            <a:xfrm>
+              <a:off x="1295400" y="4075331"/>
+              <a:ext cx="609600" cy="609600"/>
+            </a:xfrm>
+            <a:prstGeom prst="ellipse">
+              <a:avLst/>
+            </a:prstGeom>
+            <a:solidFill>
+              <a:schemeClr val="accent1"/>
+            </a:solidFill>
+            <a:ln w="9525" cap="flat" cmpd="sng" algn="ctr">
+              <a:solidFill>
+                <a:schemeClr val="tx1"/>
+              </a:solidFill>
+              <a:prstDash val="solid"/>
+              <a:round/>
+              <a:headEnd type="none" w="med" len="med"/>
+              <a:tailEnd type="none" w="med" len="med"/>
+            </a:ln>
+            <a:effectLst/>
+          </p:spPr>
+          <p:txBody>
+            <a:bodyPr vert="horz" wrap="square" lIns="91440" tIns="45720" rIns="91440" bIns="45720" numCol="1" rtlCol="0" anchor="t" anchorCtr="0" compatLnSpc="1">
+              <a:prstTxWarp prst="textNoShape">
+                <a:avLst/>
+              </a:prstTxWarp>
+            </a:bodyPr>
+            <a:lstStyle/>
+            <a:p>
+              <a:pPr marL="0" marR="0" indent="0" algn="l" defTabSz="914400" rtl="0" eaLnBrk="0" fontAlgn="base" latinLnBrk="0" hangingPunct="0">
+                <a:lnSpc>
+                  <a:spcPct val="100000"/>
+                </a:lnSpc>
+                <a:spcBef>
+                  <a:spcPct val="0"/>
+                </a:spcBef>
+                <a:spcAft>
+                  <a:spcPct val="0"/>
+                </a:spcAft>
+                <a:buClrTx/>
+                <a:buSzTx/>
+                <a:buFontTx/>
+                <a:buNone/>
+                <a:tabLst/>
+              </a:pPr>
+              <a:endParaRPr kumimoji="0" lang="en-US" sz="2400" b="0" i="0" u="none" strike="noStrike" cap="none" normalizeH="0" baseline="0" smtClean="0">
+                <a:ln>
+                  <a:noFill/>
+                </a:ln>
+                <a:solidFill>
+                  <a:schemeClr val="tx1"/>
+                </a:solidFill>
+                <a:effectLst/>
+                <a:latin typeface="Comic Sans MS" pitchFamily="-64" charset="0"/>
+                <a:ea typeface="ＭＳ Ｐゴシック" pitchFamily="-64" charset="-128"/>
+              </a:endParaRPr>
+            </a:p>
+          </p:txBody>
+        </p:sp>
+        <p:sp>
+          <p:nvSpPr>
+            <p:cNvPr id="32" name="Oval 31"/>
+            <p:cNvSpPr/>
+            <p:nvPr/>
+          </p:nvSpPr>
+          <p:spPr bwMode="auto">
+            <a:xfrm>
+              <a:off x="2514600" y="4075331"/>
+              <a:ext cx="609600" cy="609600"/>
+            </a:xfrm>
+            <a:prstGeom prst="ellipse">
+              <a:avLst/>
+            </a:prstGeom>
+            <a:solidFill>
+              <a:schemeClr val="accent1"/>
+            </a:solidFill>
+            <a:ln w="9525" cap="flat" cmpd="sng" algn="ctr">
+              <a:solidFill>
+                <a:schemeClr val="tx1"/>
+              </a:solidFill>
+              <a:prstDash val="solid"/>
+              <a:round/>
+              <a:headEnd type="none" w="med" len="med"/>
+              <a:tailEnd type="none" w="med" len="med"/>
+            </a:ln>
+            <a:effectLst/>
+          </p:spPr>
+          <p:txBody>
+            <a:bodyPr vert="horz" wrap="square" lIns="91440" tIns="45720" rIns="91440" bIns="45720" numCol="1" rtlCol="0" anchor="t" anchorCtr="0" compatLnSpc="1">
+              <a:prstTxWarp prst="textNoShape">
+                <a:avLst/>
+              </a:prstTxWarp>
+            </a:bodyPr>
+            <a:lstStyle/>
+            <a:p>
+              <a:pPr marL="0" marR="0" indent="0" algn="l" defTabSz="914400" rtl="0" eaLnBrk="0" fontAlgn="base" latinLnBrk="0" hangingPunct="0">
+                <a:lnSpc>
+                  <a:spcPct val="100000"/>
+                </a:lnSpc>
+                <a:spcBef>
+                  <a:spcPct val="0"/>
+                </a:spcBef>
+                <a:spcAft>
+                  <a:spcPct val="0"/>
+                </a:spcAft>
+                <a:buClrTx/>
+                <a:buSzTx/>
+                <a:buFontTx/>
+                <a:buNone/>
+                <a:tabLst/>
+              </a:pPr>
+              <a:endParaRPr kumimoji="0" lang="en-US" sz="2400" b="0" i="0" u="none" strike="noStrike" cap="none" normalizeH="0" baseline="0" smtClean="0">
+                <a:ln>
+                  <a:noFill/>
+                </a:ln>
+                <a:solidFill>
+                  <a:schemeClr val="tx1"/>
+                </a:solidFill>
+                <a:effectLst/>
+                <a:latin typeface="Comic Sans MS" pitchFamily="-64" charset="0"/>
+                <a:ea typeface="ＭＳ Ｐゴシック" pitchFamily="-64" charset="-128"/>
+              </a:endParaRPr>
+            </a:p>
+          </p:txBody>
+        </p:sp>
+        <p:cxnSp>
+          <p:nvCxnSpPr>
+            <p:cNvPr id="33" name="Curved Connector 32"/>
+            <p:cNvCxnSpPr/>
+            <p:nvPr/>
+          </p:nvCxnSpPr>
+          <p:spPr bwMode="auto">
+            <a:xfrm rot="16200000" flipV="1">
+              <a:off x="2241550" y="3397250"/>
+              <a:ext cx="12700" cy="1295400"/>
+            </a:xfrm>
+            <a:prstGeom prst="curvedConnector3">
+              <a:avLst>
+                <a:gd name="adj1" fmla="val 4686874"/>
+              </a:avLst>
+            </a:prstGeom>
+            <a:solidFill>
+              <a:schemeClr val="accent1"/>
+            </a:solidFill>
+            <a:ln w="31750" cap="flat" cmpd="sng" algn="ctr">
+              <a:solidFill>
+                <a:schemeClr val="tx1"/>
+              </a:solidFill>
+              <a:prstDash val="solid"/>
+              <a:round/>
+              <a:headEnd type="none" w="med" len="med"/>
+              <a:tailEnd type="stealth" w="lg" len="lg"/>
+            </a:ln>
+            <a:effectLst/>
+          </p:spPr>
+        </p:cxnSp>
+        <p:sp>
+          <p:nvSpPr>
+            <p:cNvPr id="35" name="Oval 34"/>
+            <p:cNvSpPr/>
+            <p:nvPr/>
+          </p:nvSpPr>
+          <p:spPr bwMode="auto">
+            <a:xfrm>
+              <a:off x="228600" y="4114800"/>
+              <a:ext cx="609600" cy="609600"/>
+            </a:xfrm>
+            <a:prstGeom prst="ellipse">
+              <a:avLst/>
+            </a:prstGeom>
+            <a:solidFill>
+              <a:schemeClr val="accent1"/>
+            </a:solidFill>
+            <a:ln w="9525" cap="flat" cmpd="sng" algn="ctr">
+              <a:solidFill>
+                <a:schemeClr val="tx1"/>
+              </a:solidFill>
+              <a:prstDash val="solid"/>
+              <a:round/>
+              <a:headEnd type="none" w="med" len="med"/>
+              <a:tailEnd type="none" w="med" len="med"/>
+            </a:ln>
+            <a:effectLst/>
+          </p:spPr>
+          <p:txBody>
+            <a:bodyPr vert="horz" wrap="square" lIns="91440" tIns="45720" rIns="91440" bIns="45720" numCol="1" rtlCol="0" anchor="t" anchorCtr="0" compatLnSpc="1">
+              <a:prstTxWarp prst="textNoShape">
+                <a:avLst/>
+              </a:prstTxWarp>
+            </a:bodyPr>
+            <a:lstStyle/>
+            <a:p>
+              <a:pPr marL="0" marR="0" indent="0" algn="l" defTabSz="914400" rtl="0" eaLnBrk="0" fontAlgn="base" latinLnBrk="0" hangingPunct="0">
+                <a:lnSpc>
+                  <a:spcPct val="100000"/>
+                </a:lnSpc>
+                <a:spcBef>
+                  <a:spcPct val="0"/>
+                </a:spcBef>
+                <a:spcAft>
+                  <a:spcPct val="0"/>
+                </a:spcAft>
+                <a:buClrTx/>
+                <a:buSzTx/>
+                <a:buFontTx/>
+                <a:buNone/>
+                <a:tabLst/>
+              </a:pPr>
+              <a:endParaRPr kumimoji="0" lang="en-US" sz="2400" b="0" i="0" u="none" strike="noStrike" cap="none" normalizeH="0" baseline="0" smtClean="0">
+                <a:ln>
+                  <a:noFill/>
+                </a:ln>
+                <a:solidFill>
+                  <a:schemeClr val="tx1"/>
+                </a:solidFill>
+                <a:effectLst/>
+                <a:latin typeface="Comic Sans MS" pitchFamily="-64" charset="0"/>
+                <a:ea typeface="ＭＳ Ｐゴシック" pitchFamily="-64" charset="-128"/>
+              </a:endParaRPr>
+            </a:p>
+          </p:txBody>
+        </p:sp>
+        <p:sp>
+          <p:nvSpPr>
+            <p:cNvPr id="36" name="Oval 35"/>
+            <p:cNvSpPr/>
+            <p:nvPr/>
+          </p:nvSpPr>
+          <p:spPr bwMode="auto">
+            <a:xfrm>
+              <a:off x="3733800" y="4114800"/>
+              <a:ext cx="609600" cy="609600"/>
+            </a:xfrm>
+            <a:prstGeom prst="ellipse">
+              <a:avLst/>
+            </a:prstGeom>
+            <a:solidFill>
+              <a:schemeClr val="accent1"/>
+            </a:solidFill>
+            <a:ln w="9525" cap="flat" cmpd="sng" algn="ctr">
+              <a:solidFill>
+                <a:schemeClr val="tx1"/>
+              </a:solidFill>
+              <a:prstDash val="solid"/>
+              <a:round/>
+              <a:headEnd type="none" w="med" len="med"/>
+              <a:tailEnd type="none" w="med" len="med"/>
+            </a:ln>
+            <a:effectLst/>
+          </p:spPr>
+          <p:txBody>
+            <a:bodyPr vert="horz" wrap="square" lIns="91440" tIns="45720" rIns="91440" bIns="45720" numCol="1" rtlCol="0" anchor="t" anchorCtr="0" compatLnSpc="1">
+              <a:prstTxWarp prst="textNoShape">
+                <a:avLst/>
+              </a:prstTxWarp>
+            </a:bodyPr>
+            <a:lstStyle/>
+            <a:p>
+              <a:pPr marL="0" marR="0" indent="0" algn="l" defTabSz="914400" rtl="0" eaLnBrk="0" fontAlgn="base" latinLnBrk="0" hangingPunct="0">
+                <a:lnSpc>
+                  <a:spcPct val="100000"/>
+                </a:lnSpc>
+                <a:spcBef>
+                  <a:spcPct val="0"/>
+                </a:spcBef>
+                <a:spcAft>
+                  <a:spcPct val="0"/>
+                </a:spcAft>
+                <a:buClrTx/>
+                <a:buSzTx/>
+                <a:buFontTx/>
+                <a:buNone/>
+                <a:tabLst/>
+              </a:pPr>
+              <a:endParaRPr kumimoji="0" lang="en-US" sz="2400" b="0" i="0" u="none" strike="noStrike" cap="none" normalizeH="0" baseline="0" smtClean="0">
+                <a:ln>
+                  <a:noFill/>
+                </a:ln>
+                <a:solidFill>
+                  <a:schemeClr val="tx1"/>
+                </a:solidFill>
+                <a:effectLst/>
+                <a:latin typeface="Comic Sans MS" pitchFamily="-64" charset="0"/>
+                <a:ea typeface="ＭＳ Ｐゴシック" pitchFamily="-64" charset="-128"/>
+              </a:endParaRPr>
+            </a:p>
+          </p:txBody>
+        </p:sp>
+        <p:cxnSp>
+          <p:nvCxnSpPr>
+            <p:cNvPr id="38" name="Straight Arrow Connector 37"/>
+            <p:cNvCxnSpPr>
+              <a:stCxn id="32" idx="6"/>
+              <a:endCxn id="36" idx="2"/>
+            </p:cNvCxnSpPr>
+            <p:nvPr/>
+          </p:nvCxnSpPr>
+          <p:spPr bwMode="auto">
+            <a:xfrm>
+              <a:off x="3124200" y="4380131"/>
+              <a:ext cx="609600" cy="39469"/>
+            </a:xfrm>
+            <a:prstGeom prst="straightConnector1">
+              <a:avLst/>
+            </a:prstGeom>
+            <a:solidFill>
+              <a:schemeClr val="accent1"/>
+            </a:solidFill>
+            <a:ln w="31750" cap="flat" cmpd="sng" algn="ctr">
+              <a:solidFill>
+                <a:schemeClr val="tx1"/>
+              </a:solidFill>
+              <a:prstDash val="solid"/>
+              <a:round/>
+              <a:headEnd type="none" w="med" len="med"/>
+              <a:tailEnd type="arrow"/>
+            </a:ln>
+            <a:effectLst/>
+          </p:spPr>
+        </p:cxnSp>
+        <p:cxnSp>
+          <p:nvCxnSpPr>
+            <p:cNvPr id="39" name="Straight Arrow Connector 38"/>
+            <p:cNvCxnSpPr>
+              <a:stCxn id="31" idx="2"/>
+              <a:endCxn id="35" idx="6"/>
+            </p:cNvCxnSpPr>
+            <p:nvPr/>
+          </p:nvCxnSpPr>
+          <p:spPr bwMode="auto">
+            <a:xfrm flipH="1">
+              <a:off x="838200" y="4380131"/>
+              <a:ext cx="457200" cy="39469"/>
+            </a:xfrm>
+            <a:prstGeom prst="straightConnector1">
+              <a:avLst/>
+            </a:prstGeom>
+            <a:solidFill>
+              <a:schemeClr val="accent1"/>
+            </a:solidFill>
+            <a:ln w="31750" cap="flat" cmpd="sng" algn="ctr">
+              <a:solidFill>
+                <a:schemeClr val="tx1"/>
+              </a:solidFill>
+              <a:prstDash val="solid"/>
+              <a:round/>
+              <a:headEnd type="none" w="med" len="med"/>
+              <a:tailEnd type="arrow"/>
+            </a:ln>
+            <a:effectLst/>
+          </p:spPr>
+        </p:cxnSp>
+        <p:cxnSp>
+          <p:nvCxnSpPr>
+            <p:cNvPr id="46" name="Curved Connector 45"/>
+            <p:cNvCxnSpPr>
+              <a:stCxn id="32" idx="4"/>
+              <a:endCxn id="31" idx="4"/>
+            </p:cNvCxnSpPr>
+            <p:nvPr/>
+          </p:nvCxnSpPr>
+          <p:spPr bwMode="auto">
+            <a:xfrm rot="5400000">
+              <a:off x="2209800" y="4075331"/>
+              <a:ext cx="12700" cy="1219200"/>
+            </a:xfrm>
+            <a:prstGeom prst="curvedConnector3">
+              <a:avLst>
+                <a:gd name="adj1" fmla="val 4377567"/>
+              </a:avLst>
+            </a:prstGeom>
+            <a:solidFill>
+              <a:schemeClr val="accent1"/>
+            </a:solidFill>
+            <a:ln w="31750" cap="flat" cmpd="sng" algn="ctr">
+              <a:solidFill>
+                <a:schemeClr val="tx1"/>
+              </a:solidFill>
+              <a:prstDash val="solid"/>
+              <a:round/>
+              <a:headEnd type="stealth" w="lg" len="lg"/>
+              <a:tailEnd type="none" w="lg" len="lg"/>
+            </a:ln>
+            <a:effectLst/>
+          </p:spPr>
+        </p:cxnSp>
+      </p:grpSp>
+      <p:grpSp>
+        <p:nvGrpSpPr>
+          <p:cNvPr id="54" name="Group 53"/>
+          <p:cNvGrpSpPr/>
+          <p:nvPr/>
+        </p:nvGrpSpPr>
+        <p:grpSpPr>
+          <a:xfrm>
+            <a:off x="304800" y="3962400"/>
+            <a:ext cx="3936703" cy="683062"/>
+            <a:chOff x="330497" y="4001869"/>
+            <a:chExt cx="3936703" cy="683062"/>
+          </a:xfrm>
+        </p:grpSpPr>
+        <p:sp>
+          <p:nvSpPr>
+            <p:cNvPr id="50" name="TextBox 49"/>
+            <p:cNvSpPr txBox="1"/>
+            <p:nvPr/>
+          </p:nvSpPr>
+          <p:spPr>
+            <a:xfrm>
+              <a:off x="330497" y="4001869"/>
+              <a:ext cx="431503" cy="646331"/>
+            </a:xfrm>
+            <a:prstGeom prst="rect">
+              <a:avLst/>
+            </a:prstGeom>
+            <a:noFill/>
+          </p:spPr>
+          <p:txBody>
+            <a:bodyPr wrap="none" rtlCol="0">
+              <a:spAutoFit/>
+            </a:bodyPr>
+            <a:lstStyle/>
+            <a:p>
+              <a:r>
+                <a:rPr lang="en-US" sz="3600" dirty="0" smtClean="0">
+                  <a:solidFill>
+                    <a:srgbClr val="0000FF"/>
+                  </a:solidFill>
+                </a:rPr>
+                <a:t>p</a:t>
+              </a:r>
+              <a:endParaRPr lang="en-US" sz="3600" dirty="0">
+                <a:solidFill>
+                  <a:srgbClr val="0000FF"/>
+                </a:solidFill>
+              </a:endParaRPr>
+            </a:p>
+          </p:txBody>
+        </p:sp>
+        <p:sp>
+          <p:nvSpPr>
+            <p:cNvPr id="51" name="TextBox 50"/>
+            <p:cNvSpPr txBox="1"/>
+            <p:nvPr/>
+          </p:nvSpPr>
+          <p:spPr>
+            <a:xfrm>
+              <a:off x="3842459" y="4038600"/>
+              <a:ext cx="424741" cy="646331"/>
+            </a:xfrm>
+            <a:prstGeom prst="rect">
+              <a:avLst/>
+            </a:prstGeom>
+            <a:noFill/>
+          </p:spPr>
+          <p:txBody>
+            <a:bodyPr wrap="none" rtlCol="0">
+              <a:spAutoFit/>
+            </a:bodyPr>
+            <a:lstStyle/>
+            <a:p>
+              <a:r>
+                <a:rPr lang="en-US" sz="3600" dirty="0" smtClean="0">
+                  <a:solidFill>
+                    <a:srgbClr val="0000FF"/>
+                  </a:solidFill>
+                </a:rPr>
+                <a:t>q</a:t>
+              </a:r>
+              <a:endParaRPr lang="en-US" sz="3600" dirty="0">
+                <a:solidFill>
+                  <a:srgbClr val="0000FF"/>
+                </a:solidFill>
+              </a:endParaRPr>
+            </a:p>
+          </p:txBody>
+        </p:sp>
+      </p:grpSp>
+      <p:sp>
+        <p:nvSpPr>
+          <p:cNvPr id="52" name="TextBox 51"/>
+          <p:cNvSpPr txBox="1"/>
+          <p:nvPr/>
+        </p:nvSpPr>
+        <p:spPr>
+          <a:xfrm>
+            <a:off x="4648200" y="3886200"/>
+            <a:ext cx="3948116" cy="1077218"/>
+          </a:xfrm>
+          <a:prstGeom prst="rect">
+            <a:avLst/>
+          </a:prstGeom>
+          <a:noFill/>
+        </p:spPr>
+        <p:txBody>
+          <a:bodyPr wrap="none" rtlCol="0">
+            <a:spAutoFit/>
+          </a:bodyPr>
+          <a:lstStyle/>
+          <a:p>
+            <a:r>
+              <a:rPr lang="en-US" sz="3200" dirty="0" err="1" smtClean="0"/>
+              <a:t>uncountably</a:t>
+            </a:r>
+            <a:r>
+              <a:rPr lang="en-US" sz="3200" dirty="0" smtClean="0"/>
+              <a:t> many</a:t>
+            </a:r>
+          </a:p>
+          <a:p>
+            <a:r>
+              <a:rPr lang="en-US" sz="3200" dirty="0"/>
+              <a:t>stable </a:t>
+            </a:r>
+            <a:r>
+              <a:rPr lang="en-US" sz="3200" dirty="0" smtClean="0"/>
+              <a:t>distributions</a:t>
+            </a:r>
+            <a:endParaRPr lang="en-US" sz="3200" dirty="0"/>
+          </a:p>
+        </p:txBody>
+      </p:sp>
+      <p:grpSp>
+        <p:nvGrpSpPr>
+          <p:cNvPr id="56" name="Group 55"/>
+          <p:cNvGrpSpPr/>
+          <p:nvPr/>
+        </p:nvGrpSpPr>
+        <p:grpSpPr>
+          <a:xfrm>
+            <a:off x="1219200" y="1905000"/>
+            <a:ext cx="1905000" cy="659032"/>
+            <a:chOff x="1752600" y="1792069"/>
+            <a:chExt cx="1905000" cy="659032"/>
+          </a:xfrm>
+        </p:grpSpPr>
+        <p:grpSp>
+          <p:nvGrpSpPr>
+            <p:cNvPr id="57" name="Group 56"/>
+            <p:cNvGrpSpPr/>
+            <p:nvPr/>
+          </p:nvGrpSpPr>
+          <p:grpSpPr>
+            <a:xfrm>
+              <a:off x="1752600" y="1828800"/>
+              <a:ext cx="1905000" cy="622301"/>
+              <a:chOff x="1752600" y="1828800"/>
+              <a:chExt cx="1905000" cy="622301"/>
+            </a:xfrm>
+          </p:grpSpPr>
+          <p:sp>
+            <p:nvSpPr>
+              <p:cNvPr id="60" name="Oval 59"/>
+              <p:cNvSpPr/>
+              <p:nvPr/>
+            </p:nvSpPr>
+            <p:spPr bwMode="auto">
+              <a:xfrm>
+                <a:off x="1752600" y="1828800"/>
+                <a:ext cx="609600" cy="609600"/>
+              </a:xfrm>
+              <a:prstGeom prst="ellipse">
+                <a:avLst/>
+              </a:prstGeom>
+              <a:solidFill>
+                <a:schemeClr val="accent1"/>
+              </a:solidFill>
+              <a:ln w="9525" cap="flat" cmpd="sng" algn="ctr">
+                <a:solidFill>
+                  <a:schemeClr val="tx1"/>
+                </a:solidFill>
+                <a:prstDash val="solid"/>
+                <a:round/>
+                <a:headEnd type="none" w="med" len="med"/>
+                <a:tailEnd type="none" w="med" len="med"/>
+              </a:ln>
+              <a:effectLst/>
+            </p:spPr>
+            <p:txBody>
+              <a:bodyPr vert="horz" wrap="square" lIns="91440" tIns="45720" rIns="91440" bIns="45720" numCol="1" rtlCol="0" anchor="t" anchorCtr="0" compatLnSpc="1">
+                <a:prstTxWarp prst="textNoShape">
+                  <a:avLst/>
+                </a:prstTxWarp>
+              </a:bodyPr>
+              <a:lstStyle/>
+              <a:p>
+                <a:pPr marL="0" marR="0" indent="0" algn="l" defTabSz="914400" rtl="0" eaLnBrk="0" fontAlgn="base" latinLnBrk="0" hangingPunct="0">
+                  <a:lnSpc>
+                    <a:spcPct val="100000"/>
+                  </a:lnSpc>
+                  <a:spcBef>
+                    <a:spcPct val="0"/>
+                  </a:spcBef>
+                  <a:spcAft>
+                    <a:spcPct val="0"/>
+                  </a:spcAft>
+                  <a:buClrTx/>
+                  <a:buSzTx/>
+                  <a:buFontTx/>
+                  <a:buNone/>
+                  <a:tabLst/>
+                </a:pPr>
+                <a:endParaRPr kumimoji="0" lang="en-US" sz="2400" b="0" i="0" u="none" strike="noStrike" cap="none" normalizeH="0" baseline="0" smtClean="0">
+                  <a:ln>
+                    <a:noFill/>
+                  </a:ln>
+                  <a:solidFill>
+                    <a:schemeClr val="tx1"/>
+                  </a:solidFill>
+                  <a:effectLst/>
+                  <a:latin typeface="Comic Sans MS" pitchFamily="-64" charset="0"/>
+                  <a:ea typeface="ＭＳ Ｐゴシック" pitchFamily="-64" charset="-128"/>
+                </a:endParaRPr>
+              </a:p>
+            </p:txBody>
+          </p:sp>
+          <p:sp>
+            <p:nvSpPr>
+              <p:cNvPr id="61" name="Oval 60"/>
+              <p:cNvSpPr/>
+              <p:nvPr/>
+            </p:nvSpPr>
+            <p:spPr bwMode="auto">
+              <a:xfrm>
+                <a:off x="3048000" y="1828800"/>
+                <a:ext cx="609600" cy="609600"/>
+              </a:xfrm>
+              <a:prstGeom prst="ellipse">
+                <a:avLst/>
+              </a:prstGeom>
+              <a:solidFill>
+                <a:schemeClr val="accent1"/>
+              </a:solidFill>
+              <a:ln w="9525" cap="flat" cmpd="sng" algn="ctr">
+                <a:solidFill>
+                  <a:schemeClr val="tx1"/>
+                </a:solidFill>
+                <a:prstDash val="solid"/>
+                <a:round/>
+                <a:headEnd type="none" w="med" len="med"/>
+                <a:tailEnd type="none" w="med" len="med"/>
+              </a:ln>
+              <a:effectLst/>
+            </p:spPr>
+            <p:txBody>
+              <a:bodyPr vert="horz" wrap="square" lIns="91440" tIns="45720" rIns="91440" bIns="45720" numCol="1" rtlCol="0" anchor="t" anchorCtr="0" compatLnSpc="1">
+                <a:prstTxWarp prst="textNoShape">
+                  <a:avLst/>
+                </a:prstTxWarp>
+              </a:bodyPr>
+              <a:lstStyle/>
+              <a:p>
+                <a:pPr marL="0" marR="0" indent="0" algn="l" defTabSz="914400" rtl="0" eaLnBrk="0" fontAlgn="base" latinLnBrk="0" hangingPunct="0">
+                  <a:lnSpc>
+                    <a:spcPct val="100000"/>
+                  </a:lnSpc>
+                  <a:spcBef>
+                    <a:spcPct val="0"/>
+                  </a:spcBef>
+                  <a:spcAft>
+                    <a:spcPct val="0"/>
+                  </a:spcAft>
+                  <a:buClrTx/>
+                  <a:buSzTx/>
+                  <a:buFontTx/>
+                  <a:buNone/>
+                  <a:tabLst/>
+                </a:pPr>
+                <a:endParaRPr kumimoji="0" lang="en-US" sz="2400" b="0" i="0" u="none" strike="noStrike" cap="none" normalizeH="0" baseline="0" smtClean="0">
+                  <a:ln>
+                    <a:noFill/>
+                  </a:ln>
+                  <a:solidFill>
+                    <a:schemeClr val="tx1"/>
+                  </a:solidFill>
+                  <a:effectLst/>
+                  <a:latin typeface="Comic Sans MS" pitchFamily="-64" charset="0"/>
+                  <a:ea typeface="ＭＳ Ｐゴシック" pitchFamily="-64" charset="-128"/>
+                </a:endParaRPr>
+              </a:p>
+            </p:txBody>
+          </p:sp>
+          <p:cxnSp>
+            <p:nvCxnSpPr>
+              <p:cNvPr id="62" name="Curved Connector 61"/>
+              <p:cNvCxnSpPr/>
+              <p:nvPr/>
+            </p:nvCxnSpPr>
+            <p:spPr bwMode="auto">
+              <a:xfrm rot="16200000" flipV="1">
+                <a:off x="2705100" y="1187451"/>
+                <a:ext cx="12700" cy="1295400"/>
+              </a:xfrm>
+              <a:prstGeom prst="curvedConnector3">
+                <a:avLst>
+                  <a:gd name="adj1" fmla="val 4686874"/>
+                </a:avLst>
+              </a:prstGeom>
+              <a:solidFill>
+                <a:schemeClr val="accent1"/>
+              </a:solidFill>
+              <a:ln w="31750" cap="flat" cmpd="sng" algn="ctr">
+                <a:solidFill>
+                  <a:schemeClr val="tx1"/>
+                </a:solidFill>
+                <a:prstDash val="solid"/>
+                <a:round/>
+                <a:headEnd type="stealth" w="lg" len="lg"/>
+                <a:tailEnd type="none" w="lg" len="lg"/>
+              </a:ln>
+              <a:effectLst/>
+            </p:spPr>
+          </p:cxnSp>
+          <p:cxnSp>
+            <p:nvCxnSpPr>
+              <p:cNvPr id="63" name="Curved Connector 62"/>
+              <p:cNvCxnSpPr/>
+              <p:nvPr/>
+            </p:nvCxnSpPr>
+            <p:spPr bwMode="auto">
+              <a:xfrm rot="16200000" flipH="1">
+                <a:off x="2705100" y="1797051"/>
+                <a:ext cx="12700" cy="1295400"/>
+              </a:xfrm>
+              <a:prstGeom prst="curvedConnector3">
+                <a:avLst>
+                  <a:gd name="adj1" fmla="val 4274457"/>
+                </a:avLst>
+              </a:prstGeom>
+              <a:solidFill>
+                <a:schemeClr val="accent1"/>
+              </a:solidFill>
+              <a:ln w="31750" cap="flat" cmpd="sng" algn="ctr">
+                <a:solidFill>
+                  <a:schemeClr val="tx1"/>
+                </a:solidFill>
+                <a:prstDash val="solid"/>
+                <a:round/>
+                <a:headEnd type="stealth" w="lg" len="lg"/>
+                <a:tailEnd type="none" w="lg" len="lg"/>
+              </a:ln>
+              <a:effectLst/>
+            </p:spPr>
+          </p:cxnSp>
+        </p:grpSp>
+        <p:sp>
+          <p:nvSpPr>
+            <p:cNvPr id="58" name="TextBox 57"/>
+            <p:cNvSpPr txBox="1"/>
+            <p:nvPr/>
+          </p:nvSpPr>
+          <p:spPr>
+            <a:xfrm>
+              <a:off x="1828800" y="1792069"/>
+              <a:ext cx="466444" cy="646331"/>
+            </a:xfrm>
+            <a:prstGeom prst="rect">
+              <a:avLst/>
+            </a:prstGeom>
+            <a:noFill/>
+          </p:spPr>
+          <p:txBody>
+            <a:bodyPr wrap="none" rtlCol="0">
+              <a:spAutoFit/>
+            </a:bodyPr>
+            <a:lstStyle/>
+            <a:p>
+              <a:r>
+                <a:rPr lang="en-US" sz="3600" dirty="0" smtClean="0">
+                  <a:solidFill>
+                    <a:srgbClr val="FF6600"/>
+                  </a:solidFill>
+                </a:rPr>
+                <a:t>0</a:t>
+              </a:r>
+              <a:endParaRPr lang="en-US" sz="3600" dirty="0">
+                <a:solidFill>
+                  <a:srgbClr val="FF6600"/>
+                </a:solidFill>
+              </a:endParaRPr>
+            </a:p>
+          </p:txBody>
+        </p:sp>
+        <p:sp>
+          <p:nvSpPr>
+            <p:cNvPr id="59" name="TextBox 58"/>
+            <p:cNvSpPr txBox="1"/>
+            <p:nvPr/>
+          </p:nvSpPr>
+          <p:spPr>
+            <a:xfrm>
+              <a:off x="3124200" y="1792069"/>
+              <a:ext cx="392505" cy="646331"/>
+            </a:xfrm>
+            <a:prstGeom prst="rect">
+              <a:avLst/>
+            </a:prstGeom>
+            <a:noFill/>
+          </p:spPr>
+          <p:txBody>
+            <a:bodyPr wrap="none" rtlCol="0">
+              <a:spAutoFit/>
+            </a:bodyPr>
+            <a:lstStyle/>
+            <a:p>
+              <a:r>
+                <a:rPr lang="en-US" sz="3600" dirty="0">
+                  <a:solidFill>
+                    <a:srgbClr val="0000FF"/>
+                  </a:solidFill>
+                </a:rPr>
+                <a:t>1</a:t>
+              </a:r>
+            </a:p>
+          </p:txBody>
+        </p:sp>
+      </p:grpSp>
+    </p:spTree>
+    <p:extLst>
+      <p:ext uri="{BB962C8B-B14F-4D97-AF65-F5344CB8AC3E}">
+        <p14:creationId xmlns:p14="http://schemas.microsoft.com/office/powerpoint/2010/main" val="3555492173"/>
+      </p:ext>
+    </p:extLst>
+  </p:cSld>
+  <p:clrMapOvr>
+    <a:masterClrMapping/>
+  </p:clrMapOvr>
+  <p:timing>
+    <p:tnLst>
+      <p:par>
+        <p:cTn xmlns:p14="http://schemas.microsoft.com/office/powerpoint/2010/main" id="1" dur="indefinite" restart="never" nodeType="tmRoot">
+          <p:childTnLst>
+            <p:seq concurrent="1" nextAc="seek">
+              <p:cTn id="2" dur="indefinite" nodeType="mainSeq">
+                <p:childTnLst>
+                  <p:par>
+                    <p:cTn id="3" fill="hold">
+                      <p:stCondLst>
+                        <p:cond delay="indefinite"/>
+                      </p:stCondLst>
+                      <p:childTnLst>
+                        <p:par>
+                          <p:cTn id="4" fill="hold">
+                            <p:stCondLst>
+                              <p:cond delay="0"/>
+                            </p:stCondLst>
+                            <p:childTnLst>
+                              <p:par>
+                                <p:cTn id="5" presetID="21" presetClass="entr" presetSubtype="1" fill="hold" nodeType="clickEffect">
+                                  <p:stCondLst>
+                                    <p:cond delay="0"/>
+                                  </p:stCondLst>
+                                  <p:childTnLst>
+                                    <p:set>
+                                      <p:cBhvr>
+                                        <p:cTn id="6" dur="1" fill="hold">
+                                          <p:stCondLst>
+                                            <p:cond delay="0"/>
+                                          </p:stCondLst>
+                                        </p:cTn>
+                                        <p:tgtEl>
+                                          <p:spTgt spid="25"/>
+                                        </p:tgtEl>
+                                        <p:attrNameLst>
+                                          <p:attrName>style.visibility</p:attrName>
+                                        </p:attrNameLst>
+                                      </p:cBhvr>
+                                      <p:to>
+                                        <p:strVal val="visible"/>
+                                      </p:to>
+                                    </p:set>
+                                    <p:animEffect transition="in" filter="wheel(1)">
+                                      <p:cBhvr>
+                                        <p:cTn id="7" dur="2000"/>
+                                        <p:tgtEl>
+                                          <p:spTgt spid="25"/>
+                                        </p:tgtEl>
+                                      </p:cBhvr>
+                                    </p:animEffect>
+                                  </p:childTnLst>
+                                </p:cTn>
+                              </p:par>
+                            </p:childTnLst>
+                          </p:cTn>
+                        </p:par>
+                      </p:childTnLst>
+                    </p:cTn>
+                  </p:par>
+                  <p:par>
+                    <p:cTn id="8" fill="hold">
+                      <p:stCondLst>
+                        <p:cond delay="indefinite"/>
+                      </p:stCondLst>
+                      <p:childTnLst>
+                        <p:par>
+                          <p:cTn id="9" fill="hold">
+                            <p:stCondLst>
+                              <p:cond delay="0"/>
+                            </p:stCondLst>
+                            <p:childTnLst>
+                              <p:par>
+                                <p:cTn id="10" presetID="10" presetClass="exit" presetSubtype="0" fill="hold" nodeType="clickEffect">
+                                  <p:stCondLst>
+                                    <p:cond delay="0"/>
+                                  </p:stCondLst>
+                                  <p:childTnLst>
+                                    <p:animEffect transition="out" filter="fade">
+                                      <p:cBhvr>
+                                        <p:cTn id="11" dur="1000"/>
+                                        <p:tgtEl>
+                                          <p:spTgt spid="25"/>
+                                        </p:tgtEl>
+                                      </p:cBhvr>
+                                    </p:animEffect>
+                                    <p:set>
+                                      <p:cBhvr>
+                                        <p:cTn id="12" dur="1" fill="hold">
+                                          <p:stCondLst>
+                                            <p:cond delay="999"/>
+                                          </p:stCondLst>
+                                        </p:cTn>
+                                        <p:tgtEl>
+                                          <p:spTgt spid="25"/>
+                                        </p:tgtEl>
+                                        <p:attrNameLst>
+                                          <p:attrName>style.visibility</p:attrName>
+                                        </p:attrNameLst>
+                                      </p:cBhvr>
+                                      <p:to>
+                                        <p:strVal val="hidden"/>
+                                      </p:to>
+                                    </p:set>
+                                  </p:childTnLst>
+                                </p:cTn>
+                              </p:par>
+                              <p:par>
+                                <p:cTn id="13" presetID="21" presetClass="entr" presetSubtype="1" fill="hold" nodeType="withEffect">
+                                  <p:stCondLst>
+                                    <p:cond delay="0"/>
+                                  </p:stCondLst>
+                                  <p:childTnLst>
+                                    <p:set>
+                                      <p:cBhvr>
+                                        <p:cTn id="14" dur="1" fill="hold">
+                                          <p:stCondLst>
+                                            <p:cond delay="0"/>
+                                          </p:stCondLst>
+                                        </p:cTn>
+                                        <p:tgtEl>
+                                          <p:spTgt spid="56"/>
+                                        </p:tgtEl>
+                                        <p:attrNameLst>
+                                          <p:attrName>style.visibility</p:attrName>
+                                        </p:attrNameLst>
+                                      </p:cBhvr>
+                                      <p:to>
+                                        <p:strVal val="visible"/>
+                                      </p:to>
+                                    </p:set>
+                                    <p:animEffect transition="in" filter="wheel(1)">
+                                      <p:cBhvr>
+                                        <p:cTn id="15" dur="2000"/>
+                                        <p:tgtEl>
+                                          <p:spTgt spid="56"/>
+                                        </p:tgtEl>
+                                      </p:cBhvr>
+                                    </p:animEffect>
+                                  </p:childTnLst>
+                                </p:cTn>
+                              </p:par>
+                            </p:childTnLst>
+                          </p:cTn>
+                        </p:par>
+                      </p:childTnLst>
+                    </p:cTn>
+                  </p:par>
+                  <p:par>
+                    <p:cTn id="16" fill="hold">
+                      <p:stCondLst>
+                        <p:cond delay="indefinite"/>
+                      </p:stCondLst>
+                      <p:childTnLst>
+                        <p:par>
+                          <p:cTn id="17" fill="hold">
+                            <p:stCondLst>
+                              <p:cond delay="0"/>
+                            </p:stCondLst>
+                            <p:childTnLst>
+                              <p:par>
+                                <p:cTn id="18" presetID="10" presetClass="entr" presetSubtype="0" fill="hold" grpId="0" nodeType="clickEffect">
+                                  <p:stCondLst>
+                                    <p:cond delay="0"/>
+                                  </p:stCondLst>
+                                  <p:childTnLst>
+                                    <p:set>
+                                      <p:cBhvr>
+                                        <p:cTn id="19" dur="1" fill="hold">
+                                          <p:stCondLst>
+                                            <p:cond delay="0"/>
+                                          </p:stCondLst>
+                                        </p:cTn>
+                                        <p:tgtEl>
+                                          <p:spTgt spid="26"/>
+                                        </p:tgtEl>
+                                        <p:attrNameLst>
+                                          <p:attrName>style.visibility</p:attrName>
+                                        </p:attrNameLst>
+                                      </p:cBhvr>
+                                      <p:to>
+                                        <p:strVal val="visible"/>
+                                      </p:to>
+                                    </p:set>
+                                    <p:animEffect transition="in" filter="fade">
+                                      <p:cBhvr>
+                                        <p:cTn id="20" dur="1000"/>
+                                        <p:tgtEl>
+                                          <p:spTgt spid="26"/>
+                                        </p:tgtEl>
+                                      </p:cBhvr>
+                                    </p:animEffect>
+                                  </p:childTnLst>
+                                </p:cTn>
+                              </p:par>
+                            </p:childTnLst>
+                          </p:cTn>
+                        </p:par>
+                      </p:childTnLst>
+                    </p:cTn>
+                  </p:par>
+                  <p:par>
+                    <p:cTn id="21" fill="hold">
+                      <p:stCondLst>
+                        <p:cond delay="indefinite"/>
+                      </p:stCondLst>
+                      <p:childTnLst>
+                        <p:par>
+                          <p:cTn id="22" fill="hold">
+                            <p:stCondLst>
+                              <p:cond delay="0"/>
+                            </p:stCondLst>
+                            <p:childTnLst>
+                              <p:par>
+                                <p:cTn id="23" presetID="49" presetClass="entr" presetSubtype="0" decel="100000" fill="hold" nodeType="clickEffect">
+                                  <p:stCondLst>
+                                    <p:cond delay="0"/>
+                                  </p:stCondLst>
+                                  <p:childTnLst>
+                                    <p:set>
+                                      <p:cBhvr>
+                                        <p:cTn id="24" dur="1" fill="hold">
+                                          <p:stCondLst>
+                                            <p:cond delay="0"/>
+                                          </p:stCondLst>
+                                        </p:cTn>
+                                        <p:tgtEl>
+                                          <p:spTgt spid="55"/>
+                                        </p:tgtEl>
+                                        <p:attrNameLst>
+                                          <p:attrName>style.visibility</p:attrName>
+                                        </p:attrNameLst>
+                                      </p:cBhvr>
+                                      <p:to>
+                                        <p:strVal val="visible"/>
+                                      </p:to>
+                                    </p:set>
+                                    <p:anim calcmode="lin" valueType="num">
+                                      <p:cBhvr>
+                                        <p:cTn id="25" dur="2000" fill="hold"/>
+                                        <p:tgtEl>
+                                          <p:spTgt spid="55"/>
+                                        </p:tgtEl>
+                                        <p:attrNameLst>
+                                          <p:attrName>ppt_w</p:attrName>
+                                        </p:attrNameLst>
+                                      </p:cBhvr>
+                                      <p:tavLst>
+                                        <p:tav tm="0">
+                                          <p:val>
+                                            <p:fltVal val="0"/>
+                                          </p:val>
+                                        </p:tav>
+                                        <p:tav tm="100000">
+                                          <p:val>
+                                            <p:strVal val="#ppt_w"/>
+                                          </p:val>
+                                        </p:tav>
+                                      </p:tavLst>
+                                    </p:anim>
+                                    <p:anim calcmode="lin" valueType="num">
+                                      <p:cBhvr>
+                                        <p:cTn id="26" dur="2000" fill="hold"/>
+                                        <p:tgtEl>
+                                          <p:spTgt spid="55"/>
+                                        </p:tgtEl>
+                                        <p:attrNameLst>
+                                          <p:attrName>ppt_h</p:attrName>
+                                        </p:attrNameLst>
+                                      </p:cBhvr>
+                                      <p:tavLst>
+                                        <p:tav tm="0">
+                                          <p:val>
+                                            <p:fltVal val="0"/>
+                                          </p:val>
+                                        </p:tav>
+                                        <p:tav tm="100000">
+                                          <p:val>
+                                            <p:strVal val="#ppt_h"/>
+                                          </p:val>
+                                        </p:tav>
+                                      </p:tavLst>
+                                    </p:anim>
+                                    <p:anim calcmode="lin" valueType="num">
+                                      <p:cBhvr>
+                                        <p:cTn id="27" dur="2000" fill="hold"/>
+                                        <p:tgtEl>
+                                          <p:spTgt spid="55"/>
+                                        </p:tgtEl>
+                                        <p:attrNameLst>
+                                          <p:attrName>style.rotation</p:attrName>
+                                        </p:attrNameLst>
+                                      </p:cBhvr>
+                                      <p:tavLst>
+                                        <p:tav tm="0">
+                                          <p:val>
+                                            <p:fltVal val="360"/>
+                                          </p:val>
+                                        </p:tav>
+                                        <p:tav tm="100000">
+                                          <p:val>
+                                            <p:fltVal val="0"/>
+                                          </p:val>
+                                        </p:tav>
+                                      </p:tavLst>
+                                    </p:anim>
+                                    <p:animEffect transition="in" filter="fade">
+                                      <p:cBhvr>
+                                        <p:cTn id="28" dur="2000"/>
+                                        <p:tgtEl>
+                                          <p:spTgt spid="55"/>
+                                        </p:tgtEl>
+                                      </p:cBhvr>
+                                    </p:animEffect>
+                                  </p:childTnLst>
+                                </p:cTn>
+                              </p:par>
+                            </p:childTnLst>
+                          </p:cTn>
+                        </p:par>
+                      </p:childTnLst>
+                    </p:cTn>
+                  </p:par>
+                  <p:par>
+                    <p:cTn id="29" fill="hold">
+                      <p:stCondLst>
+                        <p:cond delay="indefinite"/>
+                      </p:stCondLst>
+                      <p:childTnLst>
+                        <p:par>
+                          <p:cTn id="30" fill="hold">
+                            <p:stCondLst>
+                              <p:cond delay="0"/>
+                            </p:stCondLst>
+                            <p:childTnLst>
+                              <p:par>
+                                <p:cTn id="31" presetID="10" presetClass="entr" presetSubtype="0" fill="hold" nodeType="clickEffect">
+                                  <p:stCondLst>
+                                    <p:cond delay="0"/>
+                                  </p:stCondLst>
+                                  <p:childTnLst>
+                                    <p:set>
+                                      <p:cBhvr>
+                                        <p:cTn id="32" dur="1" fill="hold">
+                                          <p:stCondLst>
+                                            <p:cond delay="0"/>
+                                          </p:stCondLst>
+                                        </p:cTn>
+                                        <p:tgtEl>
+                                          <p:spTgt spid="54"/>
+                                        </p:tgtEl>
+                                        <p:attrNameLst>
+                                          <p:attrName>style.visibility</p:attrName>
+                                        </p:attrNameLst>
+                                      </p:cBhvr>
+                                      <p:to>
+                                        <p:strVal val="visible"/>
+                                      </p:to>
+                                    </p:set>
+                                    <p:animEffect transition="in" filter="fade">
+                                      <p:cBhvr>
+                                        <p:cTn id="33" dur="500"/>
+                                        <p:tgtEl>
+                                          <p:spTgt spid="54"/>
+                                        </p:tgtEl>
+                                      </p:cBhvr>
+                                    </p:animEffect>
+                                  </p:childTnLst>
+                                </p:cTn>
+                              </p:par>
+                            </p:childTnLst>
+                          </p:cTn>
+                        </p:par>
+                      </p:childTnLst>
+                    </p:cTn>
+                  </p:par>
+                  <p:par>
+                    <p:cTn id="34" fill="hold">
+                      <p:stCondLst>
+                        <p:cond delay="indefinite"/>
+                      </p:stCondLst>
+                      <p:childTnLst>
+                        <p:par>
+                          <p:cTn id="35" fill="hold">
+                            <p:stCondLst>
+                              <p:cond delay="0"/>
+                            </p:stCondLst>
+                            <p:childTnLst>
+                              <p:par>
+                                <p:cTn id="36" presetID="10" presetClass="entr" presetSubtype="0" fill="hold" grpId="0" nodeType="clickEffect">
+                                  <p:stCondLst>
+                                    <p:cond delay="0"/>
+                                  </p:stCondLst>
+                                  <p:childTnLst>
+                                    <p:set>
+                                      <p:cBhvr>
+                                        <p:cTn id="37" dur="1" fill="hold">
+                                          <p:stCondLst>
+                                            <p:cond delay="0"/>
+                                          </p:stCondLst>
+                                        </p:cTn>
+                                        <p:tgtEl>
+                                          <p:spTgt spid="52"/>
+                                        </p:tgtEl>
+                                        <p:attrNameLst>
+                                          <p:attrName>style.visibility</p:attrName>
+                                        </p:attrNameLst>
+                                      </p:cBhvr>
+                                      <p:to>
+                                        <p:strVal val="visible"/>
+                                      </p:to>
+                                    </p:set>
+                                    <p:animEffect transition="in" filter="fade">
+                                      <p:cBhvr>
+                                        <p:cTn id="38" dur="500"/>
+                                        <p:tgtEl>
+                                          <p:spTgt spid="52"/>
+                                        </p:tgtEl>
+                                      </p:cBhvr>
+                                    </p:animEffect>
+                                  </p:childTnLst>
+                                </p:cTn>
+                              </p:par>
+                            </p:childTnLst>
+                          </p:cTn>
+                        </p:par>
+                      </p:childTnLst>
+                    </p:cTn>
+                  </p:par>
+                </p:childTnLst>
+              </p:cTn>
+              <p:prevCondLst>
+                <p:cond evt="onPrev" delay="0">
+                  <p:tgtEl>
+                    <p:sldTgt/>
+                  </p:tgtEl>
+                </p:cond>
+              </p:prevCondLst>
+              <p:nextCondLst>
+                <p:cond evt="onNext" delay="0">
+                  <p:tgtEl>
+                    <p:sldTgt/>
+                  </p:tgtEl>
+                </p:cond>
+              </p:nextCondLst>
+            </p:seq>
+          </p:childTnLst>
+        </p:cTn>
+      </p:par>
+    </p:tnLst>
+    <p:bldLst>
+      <p:bldP spid="26" grpId="0"/>
+      <p:bldP spid="52" grpId="0"/>
+    </p:bldLst>
+  </p:timing>
+</p:sld>
+</file>
+
+<file path=ppt/slides/slide19.xml><?xml version="1.0" encoding="utf-8"?>
+<p:sld xmlns:a="http://schemas.openxmlformats.org/drawingml/2006/main" xmlns:r="http://schemas.openxmlformats.org/officeDocument/2006/relationships" xmlns:p="http://schemas.openxmlformats.org/presentationml/2006/main">
+  <p:cSld>
+    <p:spTree>
+      <p:nvGrpSpPr>
+        <p:cNvPr id="1" name=""/>
+        <p:cNvGrpSpPr/>
+        <p:nvPr/>
+      </p:nvGrpSpPr>
+      <p:grpSpPr>
+        <a:xfrm>
+          <a:off x="0" y="0"/>
+          <a:ext cx="0" cy="0"/>
+          <a:chOff x="0" y="0"/>
+          <a:chExt cx="0" cy="0"/>
+        </a:xfrm>
+      </p:grpSpPr>
+      <p:sp>
+        <p:nvSpPr>
+          <p:cNvPr id="25604" name="Slide Number Placeholder 5"/>
+          <p:cNvSpPr>
+            <a:spLocks noGrp="1"/>
+          </p:cNvSpPr>
+          <p:nvPr>
+            <p:ph type="sldNum" sz="quarter" idx="12"/>
+          </p:nvPr>
+        </p:nvSpPr>
         <p:spPr>
           <a:noFill/>
         </p:spPr>
@@ -18671,7 +18478,7 @@
             <a:fld id="{45EE687B-6412-EB45-B7C7-83D7DCF91618}" type="slidenum">
               <a:rPr lang="en-US" smtClean="0"/>
               <a:pPr/>
-              <a:t>21</a:t>
+              <a:t>19</a:t>
             </a:fld>
             <a:endParaRPr lang="en-US" dirty="0"/>
           </a:p>
@@ -19661,7 +19468,7 @@
                                     </p:set>
                                     <p:animEffect transition="in" filter="wipe(left)">
                                       <p:cBhvr>
-                                        <p:cTn id="7" dur="500"/>
+                                        <p:cTn id="7" dur="1000"/>
                                         <p:tgtEl>
                                           <p:spTgt spid="18438">
                                             <p:txEl>
@@ -19722,7 +19529,7 @@
                                     </p:set>
                                     <p:animEffect transition="in" filter="wipe(left)">
                                       <p:cBhvr>
-                                        <p:cTn id="12" dur="500"/>
+                                        <p:cTn id="12" dur="1000"/>
                                         <p:tgtEl>
                                           <p:spTgt spid="18438">
                                             <p:txEl>
@@ -19766,6 +19573,3477 @@
       <p:bldP spid="18438" grpId="0" build="p"/>
     </p:bldLst>
   </p:timing>
+</p:sld>
+</file>
+
+<file path=ppt/slides/slide2.xml><?xml version="1.0" encoding="utf-8"?>
+<p:sld xmlns:a="http://schemas.openxmlformats.org/drawingml/2006/main" xmlns:r="http://schemas.openxmlformats.org/officeDocument/2006/relationships" xmlns:p="http://schemas.openxmlformats.org/presentationml/2006/main">
+  <p:cSld>
+    <p:spTree>
+      <p:nvGrpSpPr>
+        <p:cNvPr id="1" name=""/>
+        <p:cNvGrpSpPr/>
+        <p:nvPr/>
+      </p:nvGrpSpPr>
+      <p:grpSpPr>
+        <a:xfrm>
+          <a:off x="0" y="0"/>
+          <a:ext cx="0" cy="0"/>
+          <a:chOff x="0" y="0"/>
+          <a:chExt cx="0" cy="0"/>
+        </a:xfrm>
+      </p:grpSpPr>
+      <p:sp>
+        <p:nvSpPr>
+          <p:cNvPr id="17412" name="Slide Number Placeholder 5"/>
+          <p:cNvSpPr>
+            <a:spLocks noGrp="1"/>
+          </p:cNvSpPr>
+          <p:nvPr>
+            <p:ph type="sldNum" sz="quarter" idx="12"/>
+          </p:nvPr>
+        </p:nvSpPr>
+        <p:spPr>
+          <a:noFill/>
+        </p:spPr>
+        <p:txBody>
+          <a:bodyPr/>
+          <a:lstStyle/>
+          <a:p>
+            <a:r>
+              <a:rPr lang="en-US" dirty="0" smtClean="0"/>
+              <a:t>random-walk.</a:t>
+            </a:r>
+            <a:fld id="{4E5A7F2C-4A32-A14D-9867-A3721D1A9C1D}" type="slidenum">
+              <a:rPr lang="en-US" smtClean="0"/>
+              <a:pPr/>
+              <a:t>2</a:t>
+            </a:fld>
+            <a:endParaRPr lang="en-US" dirty="0"/>
+          </a:p>
+          <a:p>
+            <a:endParaRPr lang="en-US" dirty="0"/>
+          </a:p>
+        </p:txBody>
+      </p:sp>
+      <p:sp>
+        <p:nvSpPr>
+          <p:cNvPr id="17413" name="Rectangle 2"/>
+          <p:cNvSpPr>
+            <a:spLocks noGrp="1" noChangeArrowheads="1"/>
+          </p:cNvSpPr>
+          <p:nvPr>
+            <p:ph type="title"/>
+          </p:nvPr>
+        </p:nvSpPr>
+        <p:spPr/>
+        <p:txBody>
+          <a:bodyPr/>
+          <a:lstStyle/>
+          <a:p>
+            <a:pPr eaLnBrk="1" hangingPunct="1"/>
+            <a:r>
+              <a:rPr lang="en-US"/>
+              <a:t>Applications of Random Walk</a:t>
+            </a:r>
+          </a:p>
+        </p:txBody>
+      </p:sp>
+      <p:sp>
+        <p:nvSpPr>
+          <p:cNvPr id="17414" name="Rectangle 3"/>
+          <p:cNvSpPr>
+            <a:spLocks noGrp="1" noChangeArrowheads="1"/>
+          </p:cNvSpPr>
+          <p:nvPr>
+            <p:ph type="body" idx="1"/>
+          </p:nvPr>
+        </p:nvSpPr>
+        <p:spPr>
+          <a:xfrm>
+            <a:off x="533400" y="1600200"/>
+            <a:ext cx="8153400" cy="3657600"/>
+          </a:xfrm>
+        </p:spPr>
+        <p:txBody>
+          <a:bodyPr/>
+          <a:lstStyle/>
+          <a:p>
+            <a:pPr eaLnBrk="1" hangingPunct="1"/>
+            <a:r>
+              <a:rPr lang="en-US" sz="4800" dirty="0" smtClean="0"/>
+              <a:t>Physics — Brownian motion</a:t>
+            </a:r>
+          </a:p>
+          <a:p>
+            <a:pPr eaLnBrk="1" hangingPunct="1"/>
+            <a:r>
+              <a:rPr lang="en-US" sz="4800" dirty="0" smtClean="0"/>
+              <a:t>Finance — stocks, options</a:t>
+            </a:r>
+          </a:p>
+          <a:p>
+            <a:pPr eaLnBrk="1" hangingPunct="1"/>
+            <a:r>
+              <a:rPr lang="en-US" sz="4800" dirty="0" smtClean="0"/>
+              <a:t>Algorithms </a:t>
+            </a:r>
+            <a:r>
+              <a:rPr lang="en-US" sz="4800" dirty="0"/>
+              <a:t>— web search, </a:t>
+            </a:r>
+            <a:r>
+              <a:rPr lang="en-US" sz="4800" dirty="0" smtClean="0"/>
+              <a:t>clustering</a:t>
+            </a:r>
+            <a:endParaRPr lang="en-US" sz="4800" dirty="0"/>
+          </a:p>
+        </p:txBody>
+      </p:sp>
+      <p:sp>
+        <p:nvSpPr>
+          <p:cNvPr id="7" name="Rectangle 4"/>
+          <p:cNvSpPr>
+            <a:spLocks noGrp="1" noChangeArrowheads="1"/>
+          </p:cNvSpPr>
+          <p:nvPr>
+            <p:ph type="dt" sz="half" idx="4294967295"/>
+          </p:nvPr>
+        </p:nvSpPr>
+        <p:spPr bwMode="auto">
+          <a:xfrm>
+            <a:off x="3124200" y="6629400"/>
+            <a:ext cx="2863850" cy="228600"/>
+          </a:xfrm>
+          <a:prstGeom prst="rect">
+            <a:avLst/>
+          </a:prstGeom>
+          <a:noFill/>
+          <a:ln w="9525">
+            <a:noFill/>
+            <a:miter lim="800000"/>
+            <a:headEnd/>
+            <a:tailEnd/>
+          </a:ln>
+        </p:spPr>
+        <p:txBody>
+          <a:bodyPr vert="horz" wrap="square" lIns="91440" tIns="45720" rIns="91440" bIns="45720" numCol="1" anchor="t" anchorCtr="0" compatLnSpc="1">
+            <a:prstTxWarp prst="textNoShape">
+              <a:avLst/>
+            </a:prstTxWarp>
+          </a:bodyPr>
+          <a:lstStyle>
+            <a:lvl1pPr algn="ctr" eaLnBrk="1" hangingPunct="1">
+              <a:defRPr sz="1000">
+                <a:latin typeface="Comic Sans MS" pitchFamily="-64" charset="0"/>
+                <a:ea typeface="ＭＳ Ｐゴシック" pitchFamily="-64" charset="-128"/>
+                <a:cs typeface="+mn-cs"/>
+              </a:defRPr>
+            </a:lvl1pPr>
+          </a:lstStyle>
+          <a:p>
+            <a:pPr>
+              <a:defRPr/>
+            </a:pPr>
+            <a:r>
+              <a:rPr lang="en-US" dirty="0" smtClean="0"/>
+              <a:t>Albert R Meyer,                       May 16, 2012</a:t>
+            </a:r>
+            <a:endParaRPr lang="en-US" dirty="0"/>
+          </a:p>
+        </p:txBody>
+      </p:sp>
+    </p:spTree>
+  </p:cSld>
+  <p:clrMapOvr>
+    <a:masterClrMapping/>
+  </p:clrMapOvr>
+  <p:transition xmlns:p14="http://schemas.microsoft.com/office/powerpoint/2010/main" spd="slow" advClick="0">
+    <p:fade thruBlk="1"/>
+  </p:transition>
+  <p:timing>
+    <p:tnLst>
+      <p:par>
+        <p:cTn xmlns:p14="http://schemas.microsoft.com/office/powerpoint/2010/main" id="1" dur="indefinite" restart="never" nodeType="tmRoot">
+          <p:childTnLst>
+            <p:seq concurrent="1" nextAc="seek">
+              <p:cTn id="2" dur="indefinite" nodeType="mainSeq">
+                <p:childTnLst>
+                  <p:par>
+                    <p:cTn id="3" fill="hold">
+                      <p:stCondLst>
+                        <p:cond delay="indefinite"/>
+                      </p:stCondLst>
+                      <p:childTnLst>
+                        <p:par>
+                          <p:cTn id="4" fill="hold">
+                            <p:stCondLst>
+                              <p:cond delay="0"/>
+                            </p:stCondLst>
+                            <p:childTnLst>
+                              <p:par>
+                                <p:cTn id="5" presetID="10" presetClass="entr" presetSubtype="0" fill="hold" grpId="0" nodeType="clickEffect">
+                                  <p:stCondLst>
+                                    <p:cond delay="0"/>
+                                  </p:stCondLst>
+                                  <p:childTnLst>
+                                    <p:set>
+                                      <p:cBhvr>
+                                        <p:cTn id="6" dur="1" fill="hold">
+                                          <p:stCondLst>
+                                            <p:cond delay="0"/>
+                                          </p:stCondLst>
+                                        </p:cTn>
+                                        <p:tgtEl>
+                                          <p:spTgt spid="17414">
+                                            <p:txEl>
+                                              <p:pRg st="0" end="0"/>
+                                            </p:txEl>
+                                          </p:spTgt>
+                                        </p:tgtEl>
+                                        <p:attrNameLst>
+                                          <p:attrName>style.visibility</p:attrName>
+                                        </p:attrNameLst>
+                                      </p:cBhvr>
+                                      <p:to>
+                                        <p:strVal val="visible"/>
+                                      </p:to>
+                                    </p:set>
+                                    <p:animEffect transition="in" filter="fade">
+                                      <p:cBhvr>
+                                        <p:cTn id="7" dur="500"/>
+                                        <p:tgtEl>
+                                          <p:spTgt spid="17414">
+                                            <p:txEl>
+                                              <p:pRg st="0" end="0"/>
+                                            </p:txEl>
+                                          </p:spTgt>
+                                        </p:tgtEl>
+                                      </p:cBhvr>
+                                    </p:animEffect>
+                                  </p:childTnLst>
+                                </p:cTn>
+                              </p:par>
+                            </p:childTnLst>
+                          </p:cTn>
+                        </p:par>
+                      </p:childTnLst>
+                    </p:cTn>
+                  </p:par>
+                  <p:par>
+                    <p:cTn id="8" fill="hold">
+                      <p:stCondLst>
+                        <p:cond delay="indefinite"/>
+                      </p:stCondLst>
+                      <p:childTnLst>
+                        <p:par>
+                          <p:cTn id="9" fill="hold">
+                            <p:stCondLst>
+                              <p:cond delay="0"/>
+                            </p:stCondLst>
+                            <p:childTnLst>
+                              <p:par>
+                                <p:cTn id="10" presetID="10" presetClass="entr" presetSubtype="0" fill="hold" grpId="0" nodeType="clickEffect">
+                                  <p:stCondLst>
+                                    <p:cond delay="0"/>
+                                  </p:stCondLst>
+                                  <p:childTnLst>
+                                    <p:set>
+                                      <p:cBhvr>
+                                        <p:cTn id="11" dur="1" fill="hold">
+                                          <p:stCondLst>
+                                            <p:cond delay="0"/>
+                                          </p:stCondLst>
+                                        </p:cTn>
+                                        <p:tgtEl>
+                                          <p:spTgt spid="17414">
+                                            <p:txEl>
+                                              <p:pRg st="1" end="1"/>
+                                            </p:txEl>
+                                          </p:spTgt>
+                                        </p:tgtEl>
+                                        <p:attrNameLst>
+                                          <p:attrName>style.visibility</p:attrName>
+                                        </p:attrNameLst>
+                                      </p:cBhvr>
+                                      <p:to>
+                                        <p:strVal val="visible"/>
+                                      </p:to>
+                                    </p:set>
+                                    <p:animEffect transition="in" filter="fade">
+                                      <p:cBhvr>
+                                        <p:cTn id="12" dur="500"/>
+                                        <p:tgtEl>
+                                          <p:spTgt spid="17414">
+                                            <p:txEl>
+                                              <p:pRg st="1" end="1"/>
+                                            </p:txEl>
+                                          </p:spTgt>
+                                        </p:tgtEl>
+                                      </p:cBhvr>
+                                    </p:animEffect>
+                                  </p:childTnLst>
+                                </p:cTn>
+                              </p:par>
+                            </p:childTnLst>
+                          </p:cTn>
+                        </p:par>
+                      </p:childTnLst>
+                    </p:cTn>
+                  </p:par>
+                  <p:par>
+                    <p:cTn id="13" fill="hold">
+                      <p:stCondLst>
+                        <p:cond delay="indefinite"/>
+                      </p:stCondLst>
+                      <p:childTnLst>
+                        <p:par>
+                          <p:cTn id="14" fill="hold">
+                            <p:stCondLst>
+                              <p:cond delay="0"/>
+                            </p:stCondLst>
+                            <p:childTnLst>
+                              <p:par>
+                                <p:cTn id="15" presetID="10" presetClass="entr" presetSubtype="0" fill="hold" grpId="0" nodeType="clickEffect">
+                                  <p:stCondLst>
+                                    <p:cond delay="0"/>
+                                  </p:stCondLst>
+                                  <p:childTnLst>
+                                    <p:set>
+                                      <p:cBhvr>
+                                        <p:cTn id="16" dur="1" fill="hold">
+                                          <p:stCondLst>
+                                            <p:cond delay="0"/>
+                                          </p:stCondLst>
+                                        </p:cTn>
+                                        <p:tgtEl>
+                                          <p:spTgt spid="17414">
+                                            <p:txEl>
+                                              <p:pRg st="2" end="2"/>
+                                            </p:txEl>
+                                          </p:spTgt>
+                                        </p:tgtEl>
+                                        <p:attrNameLst>
+                                          <p:attrName>style.visibility</p:attrName>
+                                        </p:attrNameLst>
+                                      </p:cBhvr>
+                                      <p:to>
+                                        <p:strVal val="visible"/>
+                                      </p:to>
+                                    </p:set>
+                                    <p:animEffect transition="in" filter="fade">
+                                      <p:cBhvr>
+                                        <p:cTn id="17" dur="500"/>
+                                        <p:tgtEl>
+                                          <p:spTgt spid="17414">
+                                            <p:txEl>
+                                              <p:pRg st="2" end="2"/>
+                                            </p:txEl>
+                                          </p:spTgt>
+                                        </p:tgtEl>
+                                      </p:cBhvr>
+                                    </p:animEffect>
+                                  </p:childTnLst>
+                                </p:cTn>
+                              </p:par>
+                            </p:childTnLst>
+                          </p:cTn>
+                        </p:par>
+                      </p:childTnLst>
+                    </p:cTn>
+                  </p:par>
+                </p:childTnLst>
+              </p:cTn>
+              <p:prevCondLst>
+                <p:cond evt="onPrev" delay="0">
+                  <p:tgtEl>
+                    <p:sldTgt/>
+                  </p:tgtEl>
+                </p:cond>
+              </p:prevCondLst>
+              <p:nextCondLst>
+                <p:cond evt="onNext" delay="0">
+                  <p:tgtEl>
+                    <p:sldTgt/>
+                  </p:tgtEl>
+                </p:cond>
+              </p:nextCondLst>
+            </p:seq>
+          </p:childTnLst>
+        </p:cTn>
+      </p:par>
+    </p:tnLst>
+    <p:bldLst>
+      <p:bldP spid="17414" grpId="0" build="p"/>
+    </p:bldLst>
+  </p:timing>
+</p:sld>
+</file>
+
+<file path=ppt/slides/slide20.xml><?xml version="1.0" encoding="utf-8"?>
+<p:sld xmlns:a="http://schemas.openxmlformats.org/drawingml/2006/main" xmlns:r="http://schemas.openxmlformats.org/officeDocument/2006/relationships" xmlns:p="http://schemas.openxmlformats.org/presentationml/2006/main">
+  <p:cSld>
+    <p:spTree>
+      <p:nvGrpSpPr>
+        <p:cNvPr id="1" name=""/>
+        <p:cNvGrpSpPr/>
+        <p:nvPr/>
+      </p:nvGrpSpPr>
+      <p:grpSpPr>
+        <a:xfrm>
+          <a:off x="0" y="0"/>
+          <a:ext cx="0" cy="0"/>
+          <a:chOff x="0" y="0"/>
+          <a:chExt cx="0" cy="0"/>
+        </a:xfrm>
+      </p:grpSpPr>
+      <p:sp>
+        <p:nvSpPr>
+          <p:cNvPr id="15364" name="Slide Number Placeholder 5"/>
+          <p:cNvSpPr>
+            <a:spLocks noGrp="1"/>
+          </p:cNvSpPr>
+          <p:nvPr>
+            <p:ph type="sldNum" sz="quarter" idx="12"/>
+          </p:nvPr>
+        </p:nvSpPr>
+        <p:spPr>
+          <a:noFill/>
+        </p:spPr>
+        <p:txBody>
+          <a:bodyPr/>
+          <a:lstStyle/>
+          <a:p>
+            <a:r>
+              <a:rPr lang="en-US" dirty="0" smtClean="0"/>
+              <a:t>random-walk.</a:t>
+            </a:r>
+            <a:fld id="{2D031A48-BBCF-B248-9771-B601B0D38C0B}" type="slidenum">
+              <a:rPr lang="en-US" smtClean="0"/>
+              <a:pPr/>
+              <a:t>20</a:t>
+            </a:fld>
+            <a:endParaRPr lang="en-US" dirty="0"/>
+          </a:p>
+          <a:p>
+            <a:endParaRPr lang="en-US" dirty="0"/>
+          </a:p>
+        </p:txBody>
+      </p:sp>
+      <p:sp>
+        <p:nvSpPr>
+          <p:cNvPr id="2" name="TextBox 1"/>
+          <p:cNvSpPr txBox="1"/>
+          <p:nvPr/>
+        </p:nvSpPr>
+        <p:spPr>
+          <a:xfrm>
+            <a:off x="685800" y="1371600"/>
+            <a:ext cx="7696200" cy="1446550"/>
+          </a:xfrm>
+          <a:prstGeom prst="rect">
+            <a:avLst/>
+          </a:prstGeom>
+          <a:noFill/>
+        </p:spPr>
+        <p:txBody>
+          <a:bodyPr wrap="square" rtlCol="0">
+            <a:spAutoFit/>
+          </a:bodyPr>
+          <a:lstStyle/>
+          <a:p>
+            <a:pPr algn="ctr"/>
+            <a:r>
+              <a:rPr lang="en-US" sz="8800" b="1" kern="0" dirty="0">
+                <a:solidFill>
+                  <a:srgbClr val="0000FF"/>
+                </a:solidFill>
+                <a:latin typeface="Comic Sans MS"/>
+                <a:ea typeface="ＭＳ Ｐゴシック"/>
+              </a:rPr>
+              <a:t>Page</a:t>
+            </a:r>
+            <a:r>
+              <a:rPr lang="en-US" sz="8800" b="1" kern="0" dirty="0">
+                <a:solidFill>
+                  <a:srgbClr val="000000"/>
+                </a:solidFill>
+                <a:latin typeface="Comic Sans MS"/>
+                <a:ea typeface="ＭＳ Ｐゴシック"/>
+              </a:rPr>
+              <a:t> </a:t>
+            </a:r>
+            <a:r>
+              <a:rPr lang="en-US" sz="8800" b="1" kern="0" dirty="0" smtClean="0">
+                <a:solidFill>
+                  <a:srgbClr val="000000"/>
+                </a:solidFill>
+                <a:latin typeface="Comic Sans MS"/>
+                <a:ea typeface="ＭＳ Ｐゴシック"/>
+              </a:rPr>
+              <a:t>Rank</a:t>
+            </a:r>
+            <a:endParaRPr lang="en-US" dirty="0"/>
+          </a:p>
+        </p:txBody>
+      </p:sp>
+      <p:sp>
+        <p:nvSpPr>
+          <p:cNvPr id="15366" name="Text Box 2"/>
+          <p:cNvSpPr txBox="1">
+            <a:spLocks noChangeArrowheads="1"/>
+          </p:cNvSpPr>
+          <p:nvPr/>
+        </p:nvSpPr>
+        <p:spPr bwMode="auto">
+          <a:xfrm>
+            <a:off x="2084388" y="381000"/>
+            <a:ext cx="6256337" cy="1068388"/>
+          </a:xfrm>
+          <a:prstGeom prst="rect">
+            <a:avLst/>
+          </a:prstGeom>
+          <a:noFill/>
+          <a:ln w="9525">
+            <a:noFill/>
+            <a:miter lim="800000"/>
+            <a:headEnd/>
+            <a:tailEnd type="none" w="lg" len="lg"/>
+          </a:ln>
+        </p:spPr>
+        <p:txBody>
+          <a:bodyPr wrap="none">
+            <a:prstTxWarp prst="textNoShape">
+              <a:avLst/>
+            </a:prstTxWarp>
+            <a:spAutoFit/>
+          </a:bodyPr>
+          <a:lstStyle/>
+          <a:p>
+            <a:pPr algn="ctr" eaLnBrk="1" hangingPunct="1"/>
+            <a:r>
+              <a:rPr lang="en-US" sz="2800" b="1" i="1" dirty="0">
+                <a:solidFill>
+                  <a:schemeClr val="tx2"/>
+                </a:solidFill>
+              </a:rPr>
+              <a:t>Mathematics for Computer Science</a:t>
+            </a:r>
+            <a:r>
+              <a:rPr lang="en-US" sz="3600" b="1" i="1" dirty="0">
+                <a:solidFill>
+                  <a:schemeClr val="tx2"/>
+                </a:solidFill>
+              </a:rPr>
+              <a:t/>
+            </a:r>
+            <a:br>
+              <a:rPr lang="en-US" sz="3600" b="1" i="1" dirty="0">
+                <a:solidFill>
+                  <a:schemeClr val="tx2"/>
+                </a:solidFill>
+              </a:rPr>
+            </a:br>
+            <a:r>
+              <a:rPr lang="en-US" b="1" dirty="0">
+                <a:solidFill>
+                  <a:srgbClr val="008000"/>
+                </a:solidFill>
+              </a:rPr>
+              <a:t>MIT</a:t>
+            </a:r>
+            <a:r>
+              <a:rPr lang="en-US" sz="3600" b="1" i="1" dirty="0">
+                <a:solidFill>
+                  <a:schemeClr val="tx2"/>
+                </a:solidFill>
+              </a:rPr>
+              <a:t> </a:t>
+            </a:r>
+            <a:r>
+              <a:rPr lang="en-US" b="1" dirty="0">
+                <a:solidFill>
+                  <a:srgbClr val="008000"/>
+                </a:solidFill>
+              </a:rPr>
+              <a:t>6.042J/18.062J</a:t>
+            </a:r>
+          </a:p>
+        </p:txBody>
+      </p:sp>
+      <p:sp>
+        <p:nvSpPr>
+          <p:cNvPr id="7" name="Rectangle 4"/>
+          <p:cNvSpPr>
+            <a:spLocks noGrp="1" noChangeArrowheads="1"/>
+          </p:cNvSpPr>
+          <p:nvPr>
+            <p:ph type="dt" sz="half" idx="4294967295"/>
+          </p:nvPr>
+        </p:nvSpPr>
+        <p:spPr bwMode="auto">
+          <a:xfrm>
+            <a:off x="3124200" y="6629400"/>
+            <a:ext cx="2863850" cy="228600"/>
+          </a:xfrm>
+          <a:prstGeom prst="rect">
+            <a:avLst/>
+          </a:prstGeom>
+          <a:noFill/>
+          <a:ln w="9525">
+            <a:noFill/>
+            <a:miter lim="800000"/>
+            <a:headEnd/>
+            <a:tailEnd/>
+          </a:ln>
+        </p:spPr>
+        <p:txBody>
+          <a:bodyPr vert="horz" wrap="square" lIns="91440" tIns="45720" rIns="91440" bIns="45720" numCol="1" anchor="t" anchorCtr="0" compatLnSpc="1">
+            <a:prstTxWarp prst="textNoShape">
+              <a:avLst/>
+            </a:prstTxWarp>
+          </a:bodyPr>
+          <a:lstStyle>
+            <a:lvl1pPr algn="ctr" eaLnBrk="1" hangingPunct="1">
+              <a:defRPr sz="1000">
+                <a:latin typeface="Comic Sans MS" pitchFamily="-64" charset="0"/>
+                <a:ea typeface="ＭＳ Ｐゴシック" pitchFamily="-64" charset="-128"/>
+                <a:cs typeface="+mn-cs"/>
+              </a:defRPr>
+            </a:lvl1pPr>
+          </a:lstStyle>
+          <a:p>
+            <a:pPr>
+              <a:defRPr/>
+            </a:pPr>
+            <a:r>
+              <a:rPr lang="en-US" dirty="0" smtClean="0"/>
+              <a:t>Albert R Meyer,                       May 16, 2012</a:t>
+            </a:r>
+            <a:endParaRPr lang="en-US" dirty="0"/>
+          </a:p>
+        </p:txBody>
+      </p:sp>
+      <p:sp>
+        <p:nvSpPr>
+          <p:cNvPr id="3" name="Rectangle 2"/>
+          <p:cNvSpPr/>
+          <p:nvPr/>
+        </p:nvSpPr>
+        <p:spPr>
+          <a:xfrm>
+            <a:off x="228600" y="2873276"/>
+            <a:ext cx="8763000" cy="2308324"/>
+          </a:xfrm>
+          <a:prstGeom prst="rect">
+            <a:avLst/>
+          </a:prstGeom>
+        </p:spPr>
+        <p:txBody>
+          <a:bodyPr wrap="square">
+            <a:spAutoFit/>
+          </a:bodyPr>
+          <a:lstStyle/>
+          <a:p>
+            <a:pPr algn="ctr"/>
+            <a:r>
+              <a:rPr lang="en-US" sz="7200" b="1" kern="0" dirty="0" smtClean="0">
+                <a:solidFill>
+                  <a:srgbClr val="000000"/>
+                </a:solidFill>
+                <a:latin typeface="Comic Sans MS"/>
+                <a:ea typeface="ＭＳ Ｐゴシック"/>
+              </a:rPr>
+              <a:t>(by </a:t>
+            </a:r>
+            <a:r>
+              <a:rPr lang="en-US" sz="7200" b="1" kern="0" dirty="0">
+                <a:solidFill>
+                  <a:srgbClr val="000000"/>
+                </a:solidFill>
+                <a:latin typeface="Comic Sans MS"/>
+                <a:ea typeface="ＭＳ Ｐゴシック"/>
+              </a:rPr>
+              <a:t>Google founder</a:t>
+            </a:r>
+            <a:br>
+              <a:rPr lang="en-US" sz="7200" b="1" kern="0" dirty="0">
+                <a:solidFill>
+                  <a:srgbClr val="000000"/>
+                </a:solidFill>
+                <a:latin typeface="Comic Sans MS"/>
+                <a:ea typeface="ＭＳ Ｐゴシック"/>
+              </a:rPr>
+            </a:br>
+            <a:r>
+              <a:rPr lang="en-US" sz="7200" b="1" kern="0" dirty="0">
+                <a:latin typeface="Comic Sans MS"/>
+                <a:ea typeface="ＭＳ Ｐゴシック"/>
+              </a:rPr>
+              <a:t>Larry</a:t>
+            </a:r>
+            <a:r>
+              <a:rPr lang="en-US" sz="7200" b="1" kern="0" dirty="0">
+                <a:solidFill>
+                  <a:srgbClr val="0000FF"/>
+                </a:solidFill>
+                <a:latin typeface="Comic Sans MS"/>
+                <a:ea typeface="ＭＳ Ｐゴシック"/>
+              </a:rPr>
+              <a:t> </a:t>
+            </a:r>
+            <a:r>
+              <a:rPr lang="en-US" sz="7200" b="1" kern="0" dirty="0" smtClean="0">
+                <a:solidFill>
+                  <a:srgbClr val="0000FF"/>
+                </a:solidFill>
+                <a:latin typeface="Comic Sans MS"/>
+                <a:ea typeface="ＭＳ Ｐゴシック"/>
+              </a:rPr>
+              <a:t>Page</a:t>
+            </a:r>
+            <a:r>
+              <a:rPr lang="en-US" sz="7200" b="1" kern="0" dirty="0" smtClean="0">
+                <a:solidFill>
+                  <a:srgbClr val="000000"/>
+                </a:solidFill>
+                <a:latin typeface="Comic Sans MS"/>
+                <a:ea typeface="ＭＳ Ｐゴシック"/>
+              </a:rPr>
+              <a:t>)</a:t>
+            </a:r>
+            <a:endParaRPr lang="en-US" dirty="0"/>
+          </a:p>
+        </p:txBody>
+      </p:sp>
+    </p:spTree>
+    <p:extLst>
+      <p:ext uri="{BB962C8B-B14F-4D97-AF65-F5344CB8AC3E}">
+        <p14:creationId xmlns:p14="http://schemas.microsoft.com/office/powerpoint/2010/main" val="3459820269"/>
+      </p:ext>
+    </p:extLst>
+  </p:cSld>
+  <p:clrMapOvr>
+    <a:masterClrMapping/>
+  </p:clrMapOvr>
+  <p:transition xmlns:p14="http://schemas.microsoft.com/office/powerpoint/2010/main" advClick="0">
+    <p:fade/>
+  </p:transition>
+  <p:timing>
+    <p:tnLst>
+      <p:par>
+        <p:cTn xmlns:p14="http://schemas.microsoft.com/office/powerpoint/2010/main" id="1" dur="indefinite" restart="never" nodeType="tmRoot">
+          <p:childTnLst>
+            <p:seq concurrent="1" nextAc="seek">
+              <p:cTn id="2" dur="indefinite" nodeType="mainSeq">
+                <p:childTnLst>
+                  <p:par>
+                    <p:cTn id="3" fill="hold">
+                      <p:stCondLst>
+                        <p:cond delay="indefinite"/>
+                      </p:stCondLst>
+                      <p:childTnLst>
+                        <p:par>
+                          <p:cTn id="4" fill="hold">
+                            <p:stCondLst>
+                              <p:cond delay="0"/>
+                            </p:stCondLst>
+                            <p:childTnLst>
+                              <p:par>
+                                <p:cTn id="5" presetID="10" presetClass="entr" presetSubtype="0" fill="hold" nodeType="clickEffect">
+                                  <p:stCondLst>
+                                    <p:cond delay="0"/>
+                                  </p:stCondLst>
+                                  <p:childTnLst>
+                                    <p:set>
+                                      <p:cBhvr>
+                                        <p:cTn id="6" dur="1" fill="hold">
+                                          <p:stCondLst>
+                                            <p:cond delay="0"/>
+                                          </p:stCondLst>
+                                        </p:cTn>
+                                        <p:tgtEl>
+                                          <p:spTgt spid="3">
+                                            <p:txEl>
+                                              <p:pRg st="0" end="0"/>
+                                            </p:txEl>
+                                          </p:spTgt>
+                                        </p:tgtEl>
+                                        <p:attrNameLst>
+                                          <p:attrName>style.visibility</p:attrName>
+                                        </p:attrNameLst>
+                                      </p:cBhvr>
+                                      <p:to>
+                                        <p:strVal val="visible"/>
+                                      </p:to>
+                                    </p:set>
+                                    <p:animEffect transition="in" filter="fade">
+                                      <p:cBhvr>
+                                        <p:cTn id="7" dur="500"/>
+                                        <p:tgtEl>
+                                          <p:spTgt spid="3">
+                                            <p:txEl>
+                                              <p:pRg st="0" end="0"/>
+                                            </p:txEl>
+                                          </p:spTgt>
+                                        </p:tgtEl>
+                                      </p:cBhvr>
+                                    </p:animEffect>
+                                  </p:childTnLst>
+                                </p:cTn>
+                              </p:par>
+                            </p:childTnLst>
+                          </p:cTn>
+                        </p:par>
+                      </p:childTnLst>
+                    </p:cTn>
+                  </p:par>
+                </p:childTnLst>
+              </p:cTn>
+              <p:prevCondLst>
+                <p:cond evt="onPrev" delay="0">
+                  <p:tgtEl>
+                    <p:sldTgt/>
+                  </p:tgtEl>
+                </p:cond>
+              </p:prevCondLst>
+              <p:nextCondLst>
+                <p:cond evt="onNext" delay="0">
+                  <p:tgtEl>
+                    <p:sldTgt/>
+                  </p:tgtEl>
+                </p:cond>
+              </p:nextCondLst>
+            </p:seq>
+          </p:childTnLst>
+        </p:cTn>
+      </p:par>
+    </p:tnLst>
+  </p:timing>
+</p:sld>
+</file>
+
+<file path=ppt/slides/slide21.xml><?xml version="1.0" encoding="utf-8"?>
+<p:sld xmlns:a="http://schemas.openxmlformats.org/drawingml/2006/main" xmlns:r="http://schemas.openxmlformats.org/officeDocument/2006/relationships" xmlns:p="http://schemas.openxmlformats.org/presentationml/2006/main">
+  <p:cSld>
+    <p:spTree>
+      <p:nvGrpSpPr>
+        <p:cNvPr id="1" name=""/>
+        <p:cNvGrpSpPr/>
+        <p:nvPr/>
+      </p:nvGrpSpPr>
+      <p:grpSpPr>
+        <a:xfrm>
+          <a:off x="0" y="0"/>
+          <a:ext cx="0" cy="0"/>
+          <a:chOff x="0" y="0"/>
+          <a:chExt cx="0" cy="0"/>
+        </a:xfrm>
+      </p:grpSpPr>
+      <p:sp>
+        <p:nvSpPr>
+          <p:cNvPr id="21508" name="Slide Number Placeholder 5"/>
+          <p:cNvSpPr>
+            <a:spLocks noGrp="1"/>
+          </p:cNvSpPr>
+          <p:nvPr>
+            <p:ph type="sldNum" sz="quarter" idx="12"/>
+          </p:nvPr>
+        </p:nvSpPr>
+        <p:spPr>
+          <a:noFill/>
+        </p:spPr>
+        <p:txBody>
+          <a:bodyPr/>
+          <a:lstStyle/>
+          <a:p>
+            <a:r>
+              <a:rPr lang="en-US" dirty="0" smtClean="0"/>
+              <a:t>random-walk.</a:t>
+            </a:r>
+            <a:fld id="{D73E32CF-FE78-5945-942C-324A7986BBD0}" type="slidenum">
+              <a:rPr lang="en-US" smtClean="0"/>
+              <a:pPr/>
+              <a:t>21</a:t>
+            </a:fld>
+            <a:endParaRPr lang="en-US" dirty="0"/>
+          </a:p>
+          <a:p>
+            <a:endParaRPr lang="en-US" dirty="0"/>
+          </a:p>
+        </p:txBody>
+      </p:sp>
+      <p:sp>
+        <p:nvSpPr>
+          <p:cNvPr id="21509" name="Rectangle 2"/>
+          <p:cNvSpPr>
+            <a:spLocks noGrp="1" noChangeArrowheads="1"/>
+          </p:cNvSpPr>
+          <p:nvPr>
+            <p:ph type="title"/>
+          </p:nvPr>
+        </p:nvSpPr>
+        <p:spPr>
+          <a:xfrm>
+            <a:off x="1519238" y="301625"/>
+            <a:ext cx="5872162" cy="993775"/>
+          </a:xfrm>
+        </p:spPr>
+        <p:txBody>
+          <a:bodyPr/>
+          <a:lstStyle/>
+          <a:p>
+            <a:pPr eaLnBrk="1" hangingPunct="1"/>
+            <a:r>
+              <a:rPr lang="en-US" dirty="0"/>
+              <a:t>Google Page Rank</a:t>
+            </a:r>
+          </a:p>
+        </p:txBody>
+      </p:sp>
+      <p:sp>
+        <p:nvSpPr>
+          <p:cNvPr id="16390" name="Rectangle 3"/>
+          <p:cNvSpPr>
+            <a:spLocks noGrp="1" noChangeArrowheads="1"/>
+          </p:cNvSpPr>
+          <p:nvPr>
+            <p:ph type="body" idx="1"/>
+          </p:nvPr>
+        </p:nvSpPr>
+        <p:spPr>
+          <a:xfrm>
+            <a:off x="228600" y="1219200"/>
+            <a:ext cx="8686800" cy="4495800"/>
+          </a:xfrm>
+        </p:spPr>
+        <p:txBody>
+          <a:bodyPr/>
+          <a:lstStyle/>
+          <a:p>
+            <a:pPr eaLnBrk="1" hangingPunct="1">
+              <a:buFontTx/>
+              <a:buNone/>
+            </a:pPr>
+            <a:r>
+              <a:rPr lang="en-US" dirty="0" smtClean="0"/>
+              <a:t>Which webpages </a:t>
+            </a:r>
+            <a:r>
+              <a:rPr lang="en-US" dirty="0"/>
+              <a:t>are “more important?”</a:t>
+            </a:r>
+          </a:p>
+          <a:p>
+            <a:pPr eaLnBrk="1" hangingPunct="1">
+              <a:buFontTx/>
+              <a:buNone/>
+            </a:pPr>
+            <a:endParaRPr lang="en-US" sz="1000" dirty="0"/>
+          </a:p>
+          <a:p>
+            <a:pPr eaLnBrk="1" hangingPunct="1">
+              <a:buFontTx/>
+              <a:buNone/>
+            </a:pPr>
+            <a:r>
+              <a:rPr lang="en-US" dirty="0"/>
+              <a:t>Model of internet:</a:t>
+            </a:r>
+          </a:p>
+          <a:p>
+            <a:pPr eaLnBrk="1" hangingPunct="1"/>
+            <a:r>
+              <a:rPr lang="en-US" dirty="0"/>
+              <a:t>Users click random link on a page.</a:t>
+            </a:r>
+          </a:p>
+          <a:p>
+            <a:pPr eaLnBrk="1" hangingPunct="1"/>
+            <a:r>
+              <a:rPr lang="en-US" dirty="0"/>
+              <a:t>Occasionally start over.</a:t>
+            </a:r>
+          </a:p>
+          <a:p>
+            <a:pPr eaLnBrk="1" hangingPunct="1">
+              <a:buFontTx/>
+              <a:buNone/>
+            </a:pPr>
+            <a:endParaRPr lang="en-US" sz="1000" dirty="0"/>
+          </a:p>
+          <a:p>
+            <a:pPr eaLnBrk="1" hangingPunct="1">
+              <a:buFontTx/>
+              <a:buNone/>
+            </a:pPr>
+            <a:r>
+              <a:rPr lang="en-US" dirty="0"/>
+              <a:t>A page is “more important” if </a:t>
+            </a:r>
+            <a:r>
+              <a:rPr lang="en-US" dirty="0" smtClean="0"/>
+              <a:t>viewed </a:t>
+            </a:r>
+            <a:r>
+              <a:rPr lang="en-US" dirty="0"/>
+              <a:t>a large fraction of </a:t>
+            </a:r>
+            <a:r>
+              <a:rPr lang="en-US" dirty="0" smtClean="0"/>
+              <a:t>time</a:t>
+            </a:r>
+            <a:endParaRPr lang="en-US" dirty="0"/>
+          </a:p>
+        </p:txBody>
+      </p:sp>
+      <p:sp>
+        <p:nvSpPr>
+          <p:cNvPr id="7" name="Rectangle 4"/>
+          <p:cNvSpPr>
+            <a:spLocks noGrp="1" noChangeArrowheads="1"/>
+          </p:cNvSpPr>
+          <p:nvPr>
+            <p:ph type="dt" sz="half" idx="4294967295"/>
+          </p:nvPr>
+        </p:nvSpPr>
+        <p:spPr bwMode="auto">
+          <a:xfrm>
+            <a:off x="3124200" y="6629400"/>
+            <a:ext cx="2863850" cy="228600"/>
+          </a:xfrm>
+          <a:prstGeom prst="rect">
+            <a:avLst/>
+          </a:prstGeom>
+          <a:noFill/>
+          <a:ln w="9525">
+            <a:noFill/>
+            <a:miter lim="800000"/>
+            <a:headEnd/>
+            <a:tailEnd/>
+          </a:ln>
+        </p:spPr>
+        <p:txBody>
+          <a:bodyPr vert="horz" wrap="square" lIns="91440" tIns="45720" rIns="91440" bIns="45720" numCol="1" anchor="t" anchorCtr="0" compatLnSpc="1">
+            <a:prstTxWarp prst="textNoShape">
+              <a:avLst/>
+            </a:prstTxWarp>
+          </a:bodyPr>
+          <a:lstStyle>
+            <a:lvl1pPr algn="ctr" eaLnBrk="1" hangingPunct="1">
+              <a:defRPr sz="1000">
+                <a:latin typeface="Comic Sans MS" pitchFamily="-64" charset="0"/>
+                <a:ea typeface="ＭＳ Ｐゴシック" pitchFamily="-64" charset="-128"/>
+                <a:cs typeface="+mn-cs"/>
+              </a:defRPr>
+            </a:lvl1pPr>
+          </a:lstStyle>
+          <a:p>
+            <a:pPr>
+              <a:defRPr/>
+            </a:pPr>
+            <a:r>
+              <a:rPr lang="en-US" dirty="0" smtClean="0"/>
+              <a:t>Albert R Meyer,                       May 16, 2012</a:t>
+            </a:r>
+            <a:endParaRPr lang="en-US" dirty="0"/>
+          </a:p>
+        </p:txBody>
+      </p:sp>
+    </p:spTree>
+    <p:extLst>
+      <p:ext uri="{BB962C8B-B14F-4D97-AF65-F5344CB8AC3E}">
+        <p14:creationId xmlns:p14="http://schemas.microsoft.com/office/powerpoint/2010/main" val="839198817"/>
+      </p:ext>
+    </p:extLst>
+  </p:cSld>
+  <p:clrMapOvr>
+    <a:masterClrMapping/>
+  </p:clrMapOvr>
+  <p:transition xmlns:p14="http://schemas.microsoft.com/office/powerpoint/2010/main" spd="slow" advClick="0">
+    <p:fade thruBlk="1"/>
+  </p:transition>
+  <p:timing>
+    <p:tnLst>
+      <p:par>
+        <p:cTn xmlns:p14="http://schemas.microsoft.com/office/powerpoint/2010/main" id="1" dur="indefinite" restart="never" nodeType="tmRoot">
+          <p:childTnLst>
+            <p:seq concurrent="1" nextAc="seek">
+              <p:cTn id="2" dur="indefinite" nodeType="mainSeq">
+                <p:childTnLst>
+                  <p:par>
+                    <p:cTn id="3" fill="hold">
+                      <p:stCondLst>
+                        <p:cond delay="indefinite"/>
+                      </p:stCondLst>
+                      <p:childTnLst>
+                        <p:par>
+                          <p:cTn id="4" fill="hold">
+                            <p:stCondLst>
+                              <p:cond delay="0"/>
+                            </p:stCondLst>
+                            <p:childTnLst>
+                              <p:par>
+                                <p:cTn id="5" presetID="9" presetClass="entr" presetSubtype="0" fill="hold" grpId="0" nodeType="clickEffect">
+                                  <p:stCondLst>
+                                    <p:cond delay="0"/>
+                                  </p:stCondLst>
+                                  <p:childTnLst>
+                                    <p:set>
+                                      <p:cBhvr>
+                                        <p:cTn id="6" dur="1" fill="hold">
+                                          <p:stCondLst>
+                                            <p:cond delay="0"/>
+                                          </p:stCondLst>
+                                        </p:cTn>
+                                        <p:tgtEl>
+                                          <p:spTgt spid="16390">
+                                            <p:txEl>
+                                              <p:pRg st="2" end="2"/>
+                                            </p:txEl>
+                                          </p:spTgt>
+                                        </p:tgtEl>
+                                        <p:attrNameLst>
+                                          <p:attrName>style.visibility</p:attrName>
+                                        </p:attrNameLst>
+                                      </p:cBhvr>
+                                      <p:to>
+                                        <p:strVal val="visible"/>
+                                      </p:to>
+                                    </p:set>
+                                    <p:animEffect transition="in" filter="dissolve">
+                                      <p:cBhvr>
+                                        <p:cTn id="7" dur="500"/>
+                                        <p:tgtEl>
+                                          <p:spTgt spid="16390">
+                                            <p:txEl>
+                                              <p:pRg st="2" end="2"/>
+                                            </p:txEl>
+                                          </p:spTgt>
+                                        </p:tgtEl>
+                                      </p:cBhvr>
+                                    </p:animEffect>
+                                  </p:childTnLst>
+                                </p:cTn>
+                              </p:par>
+                            </p:childTnLst>
+                          </p:cTn>
+                        </p:par>
+                      </p:childTnLst>
+                    </p:cTn>
+                  </p:par>
+                  <p:par>
+                    <p:cTn id="8" fill="hold">
+                      <p:stCondLst>
+                        <p:cond delay="indefinite"/>
+                      </p:stCondLst>
+                      <p:childTnLst>
+                        <p:par>
+                          <p:cTn id="9" fill="hold">
+                            <p:stCondLst>
+                              <p:cond delay="0"/>
+                            </p:stCondLst>
+                            <p:childTnLst>
+                              <p:par>
+                                <p:cTn id="10" presetID="9" presetClass="entr" presetSubtype="0" fill="hold" grpId="0" nodeType="clickEffect">
+                                  <p:stCondLst>
+                                    <p:cond delay="0"/>
+                                  </p:stCondLst>
+                                  <p:childTnLst>
+                                    <p:set>
+                                      <p:cBhvr>
+                                        <p:cTn id="11" dur="1" fill="hold">
+                                          <p:stCondLst>
+                                            <p:cond delay="0"/>
+                                          </p:stCondLst>
+                                        </p:cTn>
+                                        <p:tgtEl>
+                                          <p:spTgt spid="16390">
+                                            <p:txEl>
+                                              <p:pRg st="3" end="3"/>
+                                            </p:txEl>
+                                          </p:spTgt>
+                                        </p:tgtEl>
+                                        <p:attrNameLst>
+                                          <p:attrName>style.visibility</p:attrName>
+                                        </p:attrNameLst>
+                                      </p:cBhvr>
+                                      <p:to>
+                                        <p:strVal val="visible"/>
+                                      </p:to>
+                                    </p:set>
+                                    <p:animEffect transition="in" filter="dissolve">
+                                      <p:cBhvr>
+                                        <p:cTn id="12" dur="500"/>
+                                        <p:tgtEl>
+                                          <p:spTgt spid="16390">
+                                            <p:txEl>
+                                              <p:pRg st="3" end="3"/>
+                                            </p:txEl>
+                                          </p:spTgt>
+                                        </p:tgtEl>
+                                      </p:cBhvr>
+                                    </p:animEffect>
+                                  </p:childTnLst>
+                                </p:cTn>
+                              </p:par>
+                            </p:childTnLst>
+                          </p:cTn>
+                        </p:par>
+                      </p:childTnLst>
+                    </p:cTn>
+                  </p:par>
+                  <p:par>
+                    <p:cTn id="13" fill="hold">
+                      <p:stCondLst>
+                        <p:cond delay="indefinite"/>
+                      </p:stCondLst>
+                      <p:childTnLst>
+                        <p:par>
+                          <p:cTn id="14" fill="hold">
+                            <p:stCondLst>
+                              <p:cond delay="0"/>
+                            </p:stCondLst>
+                            <p:childTnLst>
+                              <p:par>
+                                <p:cTn id="15" presetID="9" presetClass="entr" presetSubtype="0" fill="hold" grpId="0" nodeType="clickEffect">
+                                  <p:stCondLst>
+                                    <p:cond delay="0"/>
+                                  </p:stCondLst>
+                                  <p:childTnLst>
+                                    <p:set>
+                                      <p:cBhvr>
+                                        <p:cTn id="16" dur="1" fill="hold">
+                                          <p:stCondLst>
+                                            <p:cond delay="0"/>
+                                          </p:stCondLst>
+                                        </p:cTn>
+                                        <p:tgtEl>
+                                          <p:spTgt spid="16390">
+                                            <p:txEl>
+                                              <p:pRg st="4" end="4"/>
+                                            </p:txEl>
+                                          </p:spTgt>
+                                        </p:tgtEl>
+                                        <p:attrNameLst>
+                                          <p:attrName>style.visibility</p:attrName>
+                                        </p:attrNameLst>
+                                      </p:cBhvr>
+                                      <p:to>
+                                        <p:strVal val="visible"/>
+                                      </p:to>
+                                    </p:set>
+                                    <p:animEffect transition="in" filter="dissolve">
+                                      <p:cBhvr>
+                                        <p:cTn id="17" dur="500"/>
+                                        <p:tgtEl>
+                                          <p:spTgt spid="16390">
+                                            <p:txEl>
+                                              <p:pRg st="4" end="4"/>
+                                            </p:txEl>
+                                          </p:spTgt>
+                                        </p:tgtEl>
+                                      </p:cBhvr>
+                                    </p:animEffect>
+                                  </p:childTnLst>
+                                </p:cTn>
+                              </p:par>
+                            </p:childTnLst>
+                          </p:cTn>
+                        </p:par>
+                      </p:childTnLst>
+                    </p:cTn>
+                  </p:par>
+                  <p:par>
+                    <p:cTn id="18" fill="hold">
+                      <p:stCondLst>
+                        <p:cond delay="indefinite"/>
+                      </p:stCondLst>
+                      <p:childTnLst>
+                        <p:par>
+                          <p:cTn id="19" fill="hold">
+                            <p:stCondLst>
+                              <p:cond delay="0"/>
+                            </p:stCondLst>
+                            <p:childTnLst>
+                              <p:par>
+                                <p:cTn id="20" presetID="9" presetClass="entr" presetSubtype="0" fill="hold" grpId="0" nodeType="clickEffect">
+                                  <p:stCondLst>
+                                    <p:cond delay="0"/>
+                                  </p:stCondLst>
+                                  <p:childTnLst>
+                                    <p:set>
+                                      <p:cBhvr>
+                                        <p:cTn id="21" dur="1" fill="hold">
+                                          <p:stCondLst>
+                                            <p:cond delay="0"/>
+                                          </p:stCondLst>
+                                        </p:cTn>
+                                        <p:tgtEl>
+                                          <p:spTgt spid="16390">
+                                            <p:txEl>
+                                              <p:pRg st="6" end="6"/>
+                                            </p:txEl>
+                                          </p:spTgt>
+                                        </p:tgtEl>
+                                        <p:attrNameLst>
+                                          <p:attrName>style.visibility</p:attrName>
+                                        </p:attrNameLst>
+                                      </p:cBhvr>
+                                      <p:to>
+                                        <p:strVal val="visible"/>
+                                      </p:to>
+                                    </p:set>
+                                    <p:animEffect transition="in" filter="dissolve">
+                                      <p:cBhvr>
+                                        <p:cTn id="22" dur="500"/>
+                                        <p:tgtEl>
+                                          <p:spTgt spid="16390">
+                                            <p:txEl>
+                                              <p:pRg st="6" end="6"/>
+                                            </p:txEl>
+                                          </p:spTgt>
+                                        </p:tgtEl>
+                                      </p:cBhvr>
+                                    </p:animEffect>
+                                  </p:childTnLst>
+                                </p:cTn>
+                              </p:par>
+                            </p:childTnLst>
+                          </p:cTn>
+                        </p:par>
+                      </p:childTnLst>
+                    </p:cTn>
+                  </p:par>
+                </p:childTnLst>
+              </p:cTn>
+              <p:prevCondLst>
+                <p:cond evt="onPrev" delay="0">
+                  <p:tgtEl>
+                    <p:sldTgt/>
+                  </p:tgtEl>
+                </p:cond>
+              </p:prevCondLst>
+              <p:nextCondLst>
+                <p:cond evt="onNext" delay="0">
+                  <p:tgtEl>
+                    <p:sldTgt/>
+                  </p:tgtEl>
+                </p:cond>
+              </p:nextCondLst>
+            </p:seq>
+          </p:childTnLst>
+        </p:cTn>
+      </p:par>
+    </p:tnLst>
+    <p:bldLst>
+      <p:bldP spid="16390" grpId="0" build="p"/>
+    </p:bldLst>
+  </p:timing>
+</p:sld>
+</file>
+
+<file path=ppt/slides/slide22.xml><?xml version="1.0" encoding="utf-8"?>
+<p:sld xmlns:a="http://schemas.openxmlformats.org/drawingml/2006/main" xmlns:r="http://schemas.openxmlformats.org/officeDocument/2006/relationships" xmlns:p="http://schemas.openxmlformats.org/presentationml/2006/main">
+  <p:cSld>
+    <p:spTree>
+      <p:nvGrpSpPr>
+        <p:cNvPr id="1" name=""/>
+        <p:cNvGrpSpPr/>
+        <p:nvPr/>
+      </p:nvGrpSpPr>
+      <p:grpSpPr>
+        <a:xfrm>
+          <a:off x="0" y="0"/>
+          <a:ext cx="0" cy="0"/>
+          <a:chOff x="0" y="0"/>
+          <a:chExt cx="0" cy="0"/>
+        </a:xfrm>
+      </p:grpSpPr>
+      <p:sp>
+        <p:nvSpPr>
+          <p:cNvPr id="35844" name="Slide Number Placeholder 5"/>
+          <p:cNvSpPr>
+            <a:spLocks noGrp="1"/>
+          </p:cNvSpPr>
+          <p:nvPr>
+            <p:ph type="sldNum" sz="quarter" idx="12"/>
+          </p:nvPr>
+        </p:nvSpPr>
+        <p:spPr>
+          <a:noFill/>
+        </p:spPr>
+        <p:txBody>
+          <a:bodyPr/>
+          <a:lstStyle/>
+          <a:p>
+            <a:r>
+              <a:rPr lang="en-US" dirty="0" smtClean="0"/>
+              <a:t>random-walk.</a:t>
+            </a:r>
+            <a:fld id="{42298CDA-044A-0949-8A0D-DDA7F6833251}" type="slidenum">
+              <a:rPr lang="en-US" smtClean="0"/>
+              <a:pPr/>
+              <a:t>22</a:t>
+            </a:fld>
+            <a:endParaRPr lang="en-US" dirty="0"/>
+          </a:p>
+          <a:p>
+            <a:endParaRPr lang="en-US" dirty="0"/>
+          </a:p>
+        </p:txBody>
+      </p:sp>
+      <p:sp>
+        <p:nvSpPr>
+          <p:cNvPr id="22534" name="Rectangle 3"/>
+          <p:cNvSpPr>
+            <a:spLocks noGrp="1" noChangeArrowheads="1"/>
+          </p:cNvSpPr>
+          <p:nvPr>
+            <p:ph type="body" idx="1"/>
+          </p:nvPr>
+        </p:nvSpPr>
+        <p:spPr>
+          <a:xfrm>
+            <a:off x="381000" y="1219200"/>
+            <a:ext cx="8382000" cy="4800600"/>
+          </a:xfrm>
+        </p:spPr>
+        <p:txBody>
+          <a:bodyPr/>
+          <a:lstStyle/>
+          <a:p>
+            <a:pPr eaLnBrk="1" hangingPunct="1">
+              <a:lnSpc>
+                <a:spcPct val="90000"/>
+              </a:lnSpc>
+              <a:buFontTx/>
+              <a:buNone/>
+            </a:pPr>
+            <a:r>
+              <a:rPr lang="en-US" sz="4000" dirty="0"/>
+              <a:t>View the entire web as </a:t>
+            </a:r>
+            <a:r>
+              <a:rPr lang="en-US" sz="4000" dirty="0" smtClean="0"/>
+              <a:t>digraph</a:t>
+            </a:r>
+          </a:p>
+          <a:p>
+            <a:pPr eaLnBrk="1" hangingPunct="1">
+              <a:lnSpc>
+                <a:spcPct val="90000"/>
+              </a:lnSpc>
+            </a:pPr>
+            <a:r>
+              <a:rPr lang="en-US" sz="4000" dirty="0" smtClean="0"/>
+              <a:t>vertices </a:t>
+            </a:r>
+            <a:r>
+              <a:rPr lang="en-US" sz="4000" dirty="0"/>
+              <a:t>are </a:t>
+            </a:r>
+            <a:r>
+              <a:rPr lang="en-US" sz="4000" dirty="0" err="1"/>
+              <a:t>webpages</a:t>
+            </a:r>
+            <a:r>
+              <a:rPr lang="en-US" sz="4000" dirty="0"/>
+              <a:t> </a:t>
+            </a:r>
+            <a:endParaRPr lang="en-US" sz="4000" dirty="0" smtClean="0"/>
+          </a:p>
+          <a:p>
+            <a:pPr eaLnBrk="1" hangingPunct="1">
+              <a:lnSpc>
+                <a:spcPct val="90000"/>
+              </a:lnSpc>
+            </a:pPr>
+            <a:r>
+              <a:rPr lang="en-US" sz="4000" dirty="0" smtClean="0"/>
+              <a:t>edge </a:t>
+            </a:r>
+            <a:r>
+              <a:rPr lang="en-US" sz="4000" dirty="0"/>
+              <a:t>(</a:t>
+            </a:r>
+            <a:r>
+              <a:rPr lang="en-US" sz="4000" dirty="0" err="1">
+                <a:solidFill>
+                  <a:srgbClr val="0000FF"/>
+                </a:solidFill>
+              </a:rPr>
+              <a:t>u,v</a:t>
+            </a:r>
+            <a:r>
+              <a:rPr lang="en-US" sz="4000" dirty="0"/>
+              <a:t>) exists if link from page </a:t>
+            </a:r>
+            <a:r>
+              <a:rPr lang="en-US" sz="4000" dirty="0" err="1">
+                <a:solidFill>
+                  <a:srgbClr val="0000FF"/>
+                </a:solidFill>
+              </a:rPr>
+              <a:t>u</a:t>
+            </a:r>
+            <a:r>
+              <a:rPr lang="en-US" sz="4000" dirty="0"/>
+              <a:t> to page </a:t>
+            </a:r>
+            <a:r>
+              <a:rPr lang="en-US" sz="4000" dirty="0" err="1">
+                <a:solidFill>
+                  <a:srgbClr val="0000FF"/>
+                </a:solidFill>
+              </a:rPr>
+              <a:t>v</a:t>
+            </a:r>
+            <a:endParaRPr lang="en-US" sz="4000" dirty="0">
+              <a:solidFill>
+                <a:srgbClr val="0000FF"/>
+              </a:solidFill>
+            </a:endParaRPr>
+          </a:p>
+          <a:p>
+            <a:pPr eaLnBrk="1" hangingPunct="1">
+              <a:lnSpc>
+                <a:spcPct val="90000"/>
+              </a:lnSpc>
+            </a:pPr>
+            <a:r>
+              <a:rPr lang="en-US" sz="4000" dirty="0" err="1"/>
+              <a:t>Pr{go</a:t>
+            </a:r>
+            <a:r>
+              <a:rPr lang="en-US" sz="4000" dirty="0"/>
+              <a:t> to</a:t>
+            </a:r>
+            <a:r>
+              <a:rPr lang="en-US" sz="4000" dirty="0">
+                <a:solidFill>
+                  <a:srgbClr val="0000FF"/>
+                </a:solidFill>
+              </a:rPr>
+              <a:t> </a:t>
+            </a:r>
+            <a:r>
+              <a:rPr lang="en-US" sz="4000" dirty="0" err="1">
+                <a:solidFill>
+                  <a:srgbClr val="0000FF"/>
+                </a:solidFill>
+              </a:rPr>
+              <a:t>v</a:t>
+            </a:r>
+            <a:r>
+              <a:rPr lang="en-US" sz="4000" dirty="0"/>
+              <a:t> from </a:t>
+            </a:r>
+            <a:r>
+              <a:rPr lang="en-US" sz="4000" dirty="0" err="1">
+                <a:solidFill>
+                  <a:srgbClr val="0000FF"/>
+                </a:solidFill>
+              </a:rPr>
+              <a:t>u</a:t>
+            </a:r>
+            <a:r>
+              <a:rPr lang="en-US" sz="4000" dirty="0"/>
+              <a:t>} = </a:t>
+            </a:r>
+            <a:r>
+              <a:rPr lang="en-US" sz="4000" dirty="0">
+                <a:solidFill>
+                  <a:srgbClr val="0000FF"/>
+                </a:solidFill>
+              </a:rPr>
+              <a:t>1/outdeg(u)</a:t>
+            </a:r>
+          </a:p>
+          <a:p>
+            <a:pPr eaLnBrk="1" hangingPunct="1">
+              <a:lnSpc>
+                <a:spcPct val="90000"/>
+              </a:lnSpc>
+              <a:buFontTx/>
+              <a:buNone/>
+            </a:pPr>
+            <a:r>
+              <a:rPr lang="en-US" sz="4000" dirty="0"/>
+              <a:t>Find </a:t>
+            </a:r>
+            <a:r>
+              <a:rPr lang="en-US" sz="4000" dirty="0">
+                <a:solidFill>
+                  <a:srgbClr val="FF00FF"/>
+                </a:solidFill>
+              </a:rPr>
+              <a:t>stationary distribution</a:t>
+            </a:r>
+            <a:r>
+              <a:rPr lang="en-US" sz="4000" dirty="0"/>
+              <a:t> {</a:t>
+            </a:r>
+            <a:r>
+              <a:rPr lang="en-US" sz="4000" dirty="0" err="1">
+                <a:solidFill>
+                  <a:schemeClr val="accent2"/>
+                </a:solidFill>
+              </a:rPr>
+              <a:t>p</a:t>
+            </a:r>
+            <a:r>
+              <a:rPr lang="en-US" sz="4000" baseline="-25000" dirty="0" err="1">
+                <a:solidFill>
+                  <a:srgbClr val="0000FF"/>
+                </a:solidFill>
+              </a:rPr>
+              <a:t>u</a:t>
+            </a:r>
+            <a:r>
+              <a:rPr lang="en-US" sz="4000" dirty="0"/>
+              <a:t>}</a:t>
+            </a:r>
+          </a:p>
+          <a:p>
+            <a:pPr eaLnBrk="1" hangingPunct="1">
+              <a:lnSpc>
+                <a:spcPct val="90000"/>
+              </a:lnSpc>
+              <a:buFontTx/>
+              <a:buNone/>
+            </a:pPr>
+            <a:r>
+              <a:rPr lang="en-US" sz="4000" dirty="0"/>
+              <a:t>Rank </a:t>
+            </a:r>
+            <a:r>
+              <a:rPr lang="en-US" sz="4000" dirty="0" err="1">
+                <a:solidFill>
+                  <a:srgbClr val="0000FF"/>
+                </a:solidFill>
+              </a:rPr>
+              <a:t>u</a:t>
+            </a:r>
+            <a:r>
+              <a:rPr lang="en-US" sz="4000" dirty="0"/>
+              <a:t> above</a:t>
+            </a:r>
+            <a:r>
+              <a:rPr lang="en-US" sz="4000" dirty="0">
+                <a:solidFill>
+                  <a:srgbClr val="0000FF"/>
+                </a:solidFill>
+              </a:rPr>
+              <a:t> </a:t>
+            </a:r>
+            <a:r>
+              <a:rPr lang="en-US" sz="4000" dirty="0" err="1">
+                <a:solidFill>
+                  <a:srgbClr val="0000FF"/>
+                </a:solidFill>
+              </a:rPr>
+              <a:t>v</a:t>
+            </a:r>
+            <a:r>
+              <a:rPr lang="en-US" sz="4000" dirty="0"/>
+              <a:t> if </a:t>
+            </a:r>
+            <a:r>
+              <a:rPr lang="en-US" sz="4000" dirty="0" err="1">
+                <a:solidFill>
+                  <a:srgbClr val="0000FF"/>
+                </a:solidFill>
+              </a:rPr>
+              <a:t>p</a:t>
+            </a:r>
+            <a:r>
+              <a:rPr lang="en-US" sz="4000" baseline="-25000" dirty="0" err="1">
+                <a:solidFill>
+                  <a:srgbClr val="0000FF"/>
+                </a:solidFill>
+              </a:rPr>
+              <a:t>u</a:t>
+            </a:r>
+            <a:r>
+              <a:rPr lang="en-US" sz="4000" dirty="0">
+                <a:solidFill>
+                  <a:schemeClr val="accent2"/>
+                </a:solidFill>
+              </a:rPr>
+              <a:t> </a:t>
+            </a:r>
+            <a:r>
+              <a:rPr lang="en-US" sz="4000" b="1" dirty="0">
+                <a:solidFill>
+                  <a:schemeClr val="accent2"/>
+                </a:solidFill>
+                <a:latin typeface="Euclid Symbol" charset="2"/>
+                <a:cs typeface="Euclid Symbol" charset="2"/>
+              </a:rPr>
+              <a:t>&gt;</a:t>
+            </a:r>
+            <a:r>
+              <a:rPr lang="en-US" sz="4000" dirty="0">
+                <a:solidFill>
+                  <a:schemeClr val="accent2"/>
+                </a:solidFill>
+              </a:rPr>
+              <a:t> </a:t>
+            </a:r>
+            <a:r>
+              <a:rPr lang="en-US" sz="4000" dirty="0" err="1">
+                <a:solidFill>
+                  <a:srgbClr val="0000FF"/>
+                </a:solidFill>
+              </a:rPr>
+              <a:t>p</a:t>
+            </a:r>
+            <a:r>
+              <a:rPr lang="en-US" sz="4000" baseline="-25000" dirty="0" err="1">
+                <a:solidFill>
+                  <a:srgbClr val="0000FF"/>
+                </a:solidFill>
+              </a:rPr>
+              <a:t>v</a:t>
+            </a:r>
+            <a:r>
+              <a:rPr lang="en-US" sz="4000" dirty="0"/>
+              <a:t>.</a:t>
+            </a:r>
+          </a:p>
+        </p:txBody>
+      </p:sp>
+      <p:sp>
+        <p:nvSpPr>
+          <p:cNvPr id="7" name="Rectangle 4"/>
+          <p:cNvSpPr>
+            <a:spLocks noGrp="1" noChangeArrowheads="1"/>
+          </p:cNvSpPr>
+          <p:nvPr>
+            <p:ph type="dt" sz="half" idx="4294967295"/>
+          </p:nvPr>
+        </p:nvSpPr>
+        <p:spPr bwMode="auto">
+          <a:xfrm>
+            <a:off x="3124200" y="6629400"/>
+            <a:ext cx="2863850" cy="228600"/>
+          </a:xfrm>
+          <a:prstGeom prst="rect">
+            <a:avLst/>
+          </a:prstGeom>
+          <a:noFill/>
+          <a:ln w="9525">
+            <a:noFill/>
+            <a:miter lim="800000"/>
+            <a:headEnd/>
+            <a:tailEnd/>
+          </a:ln>
+        </p:spPr>
+        <p:txBody>
+          <a:bodyPr vert="horz" wrap="square" lIns="91440" tIns="45720" rIns="91440" bIns="45720" numCol="1" anchor="t" anchorCtr="0" compatLnSpc="1">
+            <a:prstTxWarp prst="textNoShape">
+              <a:avLst/>
+            </a:prstTxWarp>
+          </a:bodyPr>
+          <a:lstStyle>
+            <a:lvl1pPr algn="ctr" eaLnBrk="1" hangingPunct="1">
+              <a:defRPr sz="1000">
+                <a:latin typeface="Comic Sans MS" pitchFamily="-64" charset="0"/>
+                <a:ea typeface="ＭＳ Ｐゴシック" pitchFamily="-64" charset="-128"/>
+                <a:cs typeface="+mn-cs"/>
+              </a:defRPr>
+            </a:lvl1pPr>
+          </a:lstStyle>
+          <a:p>
+            <a:pPr>
+              <a:defRPr/>
+            </a:pPr>
+            <a:r>
+              <a:rPr lang="en-US" dirty="0" smtClean="0"/>
+              <a:t>Albert R Meyer,                       May 16, 2012</a:t>
+            </a:r>
+            <a:endParaRPr lang="en-US" dirty="0"/>
+          </a:p>
+        </p:txBody>
+      </p:sp>
+      <p:sp>
+        <p:nvSpPr>
+          <p:cNvPr id="8" name="Rectangle 2"/>
+          <p:cNvSpPr>
+            <a:spLocks noGrp="1" noChangeArrowheads="1"/>
+          </p:cNvSpPr>
+          <p:nvPr>
+            <p:ph type="title"/>
+          </p:nvPr>
+        </p:nvSpPr>
+        <p:spPr>
+          <a:xfrm>
+            <a:off x="1519238" y="301625"/>
+            <a:ext cx="5872162" cy="993775"/>
+          </a:xfrm>
+        </p:spPr>
+        <p:txBody>
+          <a:bodyPr/>
+          <a:lstStyle/>
+          <a:p>
+            <a:pPr eaLnBrk="1" hangingPunct="1"/>
+            <a:r>
+              <a:rPr lang="en-US" dirty="0"/>
+              <a:t>Google Page Rank</a:t>
+            </a:r>
+          </a:p>
+        </p:txBody>
+      </p:sp>
+    </p:spTree>
+  </p:cSld>
+  <p:clrMapOvr>
+    <a:masterClrMapping/>
+  </p:clrMapOvr>
+  <p:transition xmlns:p14="http://schemas.microsoft.com/office/powerpoint/2010/main" spd="slow">
+    <p:fade thruBlk="1"/>
+  </p:transition>
+  <p:timing>
+    <p:tnLst>
+      <p:par>
+        <p:cTn xmlns:p14="http://schemas.microsoft.com/office/powerpoint/2010/main" id="1" dur="indefinite" restart="never" nodeType="tmRoot">
+          <p:childTnLst>
+            <p:seq concurrent="1" nextAc="seek">
+              <p:cTn id="2" dur="indefinite" nodeType="mainSeq">
+                <p:childTnLst>
+                  <p:par>
+                    <p:cTn id="3" fill="hold">
+                      <p:stCondLst>
+                        <p:cond delay="indefinite"/>
+                      </p:stCondLst>
+                      <p:childTnLst>
+                        <p:par>
+                          <p:cTn id="4" fill="hold">
+                            <p:stCondLst>
+                              <p:cond delay="0"/>
+                            </p:stCondLst>
+                            <p:childTnLst>
+                              <p:par>
+                                <p:cTn id="5" presetID="9" presetClass="entr" presetSubtype="0" fill="hold" grpId="0" nodeType="clickEffect">
+                                  <p:stCondLst>
+                                    <p:cond delay="0"/>
+                                  </p:stCondLst>
+                                  <p:childTnLst>
+                                    <p:set>
+                                      <p:cBhvr>
+                                        <p:cTn id="6" dur="1" fill="hold">
+                                          <p:stCondLst>
+                                            <p:cond delay="0"/>
+                                          </p:stCondLst>
+                                        </p:cTn>
+                                        <p:tgtEl>
+                                          <p:spTgt spid="22534">
+                                            <p:txEl>
+                                              <p:pRg st="0" end="0"/>
+                                            </p:txEl>
+                                          </p:spTgt>
+                                        </p:tgtEl>
+                                        <p:attrNameLst>
+                                          <p:attrName>style.visibility</p:attrName>
+                                        </p:attrNameLst>
+                                      </p:cBhvr>
+                                      <p:to>
+                                        <p:strVal val="visible"/>
+                                      </p:to>
+                                    </p:set>
+                                    <p:animEffect transition="in" filter="dissolve">
+                                      <p:cBhvr>
+                                        <p:cTn id="7" dur="500"/>
+                                        <p:tgtEl>
+                                          <p:spTgt spid="22534">
+                                            <p:txEl>
+                                              <p:pRg st="0" end="0"/>
+                                            </p:txEl>
+                                          </p:spTgt>
+                                        </p:tgtEl>
+                                      </p:cBhvr>
+                                    </p:animEffect>
+                                  </p:childTnLst>
+                                </p:cTn>
+                              </p:par>
+                            </p:childTnLst>
+                          </p:cTn>
+                        </p:par>
+                      </p:childTnLst>
+                    </p:cTn>
+                  </p:par>
+                  <p:par>
+                    <p:cTn id="8" fill="hold">
+                      <p:stCondLst>
+                        <p:cond delay="indefinite"/>
+                      </p:stCondLst>
+                      <p:childTnLst>
+                        <p:par>
+                          <p:cTn id="9" fill="hold">
+                            <p:stCondLst>
+                              <p:cond delay="0"/>
+                            </p:stCondLst>
+                            <p:childTnLst>
+                              <p:par>
+                                <p:cTn id="10" presetID="9" presetClass="entr" presetSubtype="0" fill="hold" grpId="0" nodeType="clickEffect">
+                                  <p:stCondLst>
+                                    <p:cond delay="0"/>
+                                  </p:stCondLst>
+                                  <p:childTnLst>
+                                    <p:set>
+                                      <p:cBhvr>
+                                        <p:cTn id="11" dur="1" fill="hold">
+                                          <p:stCondLst>
+                                            <p:cond delay="0"/>
+                                          </p:stCondLst>
+                                        </p:cTn>
+                                        <p:tgtEl>
+                                          <p:spTgt spid="22534">
+                                            <p:txEl>
+                                              <p:pRg st="1" end="1"/>
+                                            </p:txEl>
+                                          </p:spTgt>
+                                        </p:tgtEl>
+                                        <p:attrNameLst>
+                                          <p:attrName>style.visibility</p:attrName>
+                                        </p:attrNameLst>
+                                      </p:cBhvr>
+                                      <p:to>
+                                        <p:strVal val="visible"/>
+                                      </p:to>
+                                    </p:set>
+                                    <p:animEffect transition="in" filter="dissolve">
+                                      <p:cBhvr>
+                                        <p:cTn id="12" dur="500"/>
+                                        <p:tgtEl>
+                                          <p:spTgt spid="22534">
+                                            <p:txEl>
+                                              <p:pRg st="1" end="1"/>
+                                            </p:txEl>
+                                          </p:spTgt>
+                                        </p:tgtEl>
+                                      </p:cBhvr>
+                                    </p:animEffect>
+                                  </p:childTnLst>
+                                </p:cTn>
+                              </p:par>
+                            </p:childTnLst>
+                          </p:cTn>
+                        </p:par>
+                      </p:childTnLst>
+                    </p:cTn>
+                  </p:par>
+                  <p:par>
+                    <p:cTn id="13" fill="hold">
+                      <p:stCondLst>
+                        <p:cond delay="indefinite"/>
+                      </p:stCondLst>
+                      <p:childTnLst>
+                        <p:par>
+                          <p:cTn id="14" fill="hold">
+                            <p:stCondLst>
+                              <p:cond delay="0"/>
+                            </p:stCondLst>
+                            <p:childTnLst>
+                              <p:par>
+                                <p:cTn id="15" presetID="9" presetClass="entr" presetSubtype="0" fill="hold" grpId="0" nodeType="clickEffect">
+                                  <p:stCondLst>
+                                    <p:cond delay="0"/>
+                                  </p:stCondLst>
+                                  <p:childTnLst>
+                                    <p:set>
+                                      <p:cBhvr>
+                                        <p:cTn id="16" dur="1" fill="hold">
+                                          <p:stCondLst>
+                                            <p:cond delay="0"/>
+                                          </p:stCondLst>
+                                        </p:cTn>
+                                        <p:tgtEl>
+                                          <p:spTgt spid="22534">
+                                            <p:txEl>
+                                              <p:pRg st="2" end="2"/>
+                                            </p:txEl>
+                                          </p:spTgt>
+                                        </p:tgtEl>
+                                        <p:attrNameLst>
+                                          <p:attrName>style.visibility</p:attrName>
+                                        </p:attrNameLst>
+                                      </p:cBhvr>
+                                      <p:to>
+                                        <p:strVal val="visible"/>
+                                      </p:to>
+                                    </p:set>
+                                    <p:animEffect transition="in" filter="dissolve">
+                                      <p:cBhvr>
+                                        <p:cTn id="17" dur="500"/>
+                                        <p:tgtEl>
+                                          <p:spTgt spid="22534">
+                                            <p:txEl>
+                                              <p:pRg st="2" end="2"/>
+                                            </p:txEl>
+                                          </p:spTgt>
+                                        </p:tgtEl>
+                                      </p:cBhvr>
+                                    </p:animEffect>
+                                  </p:childTnLst>
+                                </p:cTn>
+                              </p:par>
+                            </p:childTnLst>
+                          </p:cTn>
+                        </p:par>
+                      </p:childTnLst>
+                    </p:cTn>
+                  </p:par>
+                  <p:par>
+                    <p:cTn id="18" fill="hold">
+                      <p:stCondLst>
+                        <p:cond delay="indefinite"/>
+                      </p:stCondLst>
+                      <p:childTnLst>
+                        <p:par>
+                          <p:cTn id="19" fill="hold">
+                            <p:stCondLst>
+                              <p:cond delay="0"/>
+                            </p:stCondLst>
+                            <p:childTnLst>
+                              <p:par>
+                                <p:cTn id="20" presetID="9" presetClass="entr" presetSubtype="0" fill="hold" grpId="0" nodeType="clickEffect">
+                                  <p:stCondLst>
+                                    <p:cond delay="0"/>
+                                  </p:stCondLst>
+                                  <p:childTnLst>
+                                    <p:set>
+                                      <p:cBhvr>
+                                        <p:cTn id="21" dur="1" fill="hold">
+                                          <p:stCondLst>
+                                            <p:cond delay="0"/>
+                                          </p:stCondLst>
+                                        </p:cTn>
+                                        <p:tgtEl>
+                                          <p:spTgt spid="22534">
+                                            <p:txEl>
+                                              <p:pRg st="3" end="3"/>
+                                            </p:txEl>
+                                          </p:spTgt>
+                                        </p:tgtEl>
+                                        <p:attrNameLst>
+                                          <p:attrName>style.visibility</p:attrName>
+                                        </p:attrNameLst>
+                                      </p:cBhvr>
+                                      <p:to>
+                                        <p:strVal val="visible"/>
+                                      </p:to>
+                                    </p:set>
+                                    <p:animEffect transition="in" filter="dissolve">
+                                      <p:cBhvr>
+                                        <p:cTn id="22" dur="500"/>
+                                        <p:tgtEl>
+                                          <p:spTgt spid="22534">
+                                            <p:txEl>
+                                              <p:pRg st="3" end="3"/>
+                                            </p:txEl>
+                                          </p:spTgt>
+                                        </p:tgtEl>
+                                      </p:cBhvr>
+                                    </p:animEffect>
+                                  </p:childTnLst>
+                                </p:cTn>
+                              </p:par>
+                            </p:childTnLst>
+                          </p:cTn>
+                        </p:par>
+                      </p:childTnLst>
+                    </p:cTn>
+                  </p:par>
+                  <p:par>
+                    <p:cTn id="23" fill="hold">
+                      <p:stCondLst>
+                        <p:cond delay="indefinite"/>
+                      </p:stCondLst>
+                      <p:childTnLst>
+                        <p:par>
+                          <p:cTn id="24" fill="hold">
+                            <p:stCondLst>
+                              <p:cond delay="0"/>
+                            </p:stCondLst>
+                            <p:childTnLst>
+                              <p:par>
+                                <p:cTn id="25" presetID="9" presetClass="entr" presetSubtype="0" fill="hold" grpId="0" nodeType="clickEffect">
+                                  <p:stCondLst>
+                                    <p:cond delay="0"/>
+                                  </p:stCondLst>
+                                  <p:childTnLst>
+                                    <p:set>
+                                      <p:cBhvr>
+                                        <p:cTn id="26" dur="1" fill="hold">
+                                          <p:stCondLst>
+                                            <p:cond delay="0"/>
+                                          </p:stCondLst>
+                                        </p:cTn>
+                                        <p:tgtEl>
+                                          <p:spTgt spid="22534">
+                                            <p:txEl>
+                                              <p:pRg st="4" end="4"/>
+                                            </p:txEl>
+                                          </p:spTgt>
+                                        </p:tgtEl>
+                                        <p:attrNameLst>
+                                          <p:attrName>style.visibility</p:attrName>
+                                        </p:attrNameLst>
+                                      </p:cBhvr>
+                                      <p:to>
+                                        <p:strVal val="visible"/>
+                                      </p:to>
+                                    </p:set>
+                                    <p:animEffect transition="in" filter="dissolve">
+                                      <p:cBhvr>
+                                        <p:cTn id="27" dur="500"/>
+                                        <p:tgtEl>
+                                          <p:spTgt spid="22534">
+                                            <p:txEl>
+                                              <p:pRg st="4" end="4"/>
+                                            </p:txEl>
+                                          </p:spTgt>
+                                        </p:tgtEl>
+                                      </p:cBhvr>
+                                    </p:animEffect>
+                                  </p:childTnLst>
+                                </p:cTn>
+                              </p:par>
+                            </p:childTnLst>
+                          </p:cTn>
+                        </p:par>
+                      </p:childTnLst>
+                    </p:cTn>
+                  </p:par>
+                  <p:par>
+                    <p:cTn id="28" fill="hold">
+                      <p:stCondLst>
+                        <p:cond delay="indefinite"/>
+                      </p:stCondLst>
+                      <p:childTnLst>
+                        <p:par>
+                          <p:cTn id="29" fill="hold">
+                            <p:stCondLst>
+                              <p:cond delay="0"/>
+                            </p:stCondLst>
+                            <p:childTnLst>
+                              <p:par>
+                                <p:cTn id="30" presetID="9" presetClass="entr" presetSubtype="0" fill="hold" grpId="0" nodeType="clickEffect">
+                                  <p:stCondLst>
+                                    <p:cond delay="0"/>
+                                  </p:stCondLst>
+                                  <p:childTnLst>
+                                    <p:set>
+                                      <p:cBhvr>
+                                        <p:cTn id="31" dur="1" fill="hold">
+                                          <p:stCondLst>
+                                            <p:cond delay="0"/>
+                                          </p:stCondLst>
+                                        </p:cTn>
+                                        <p:tgtEl>
+                                          <p:spTgt spid="22534">
+                                            <p:txEl>
+                                              <p:pRg st="5" end="5"/>
+                                            </p:txEl>
+                                          </p:spTgt>
+                                        </p:tgtEl>
+                                        <p:attrNameLst>
+                                          <p:attrName>style.visibility</p:attrName>
+                                        </p:attrNameLst>
+                                      </p:cBhvr>
+                                      <p:to>
+                                        <p:strVal val="visible"/>
+                                      </p:to>
+                                    </p:set>
+                                    <p:animEffect transition="in" filter="dissolve">
+                                      <p:cBhvr>
+                                        <p:cTn id="32" dur="500"/>
+                                        <p:tgtEl>
+                                          <p:spTgt spid="22534">
+                                            <p:txEl>
+                                              <p:pRg st="5" end="5"/>
+                                            </p:txEl>
+                                          </p:spTgt>
+                                        </p:tgtEl>
+                                      </p:cBhvr>
+                                    </p:animEffect>
+                                  </p:childTnLst>
+                                </p:cTn>
+                              </p:par>
+                            </p:childTnLst>
+                          </p:cTn>
+                        </p:par>
+                      </p:childTnLst>
+                    </p:cTn>
+                  </p:par>
+                </p:childTnLst>
+              </p:cTn>
+              <p:prevCondLst>
+                <p:cond evt="onPrev" delay="0">
+                  <p:tgtEl>
+                    <p:sldTgt/>
+                  </p:tgtEl>
+                </p:cond>
+              </p:prevCondLst>
+              <p:nextCondLst>
+                <p:cond evt="onNext" delay="0">
+                  <p:tgtEl>
+                    <p:sldTgt/>
+                  </p:tgtEl>
+                </p:cond>
+              </p:nextCondLst>
+            </p:seq>
+          </p:childTnLst>
+        </p:cTn>
+      </p:par>
+    </p:tnLst>
+    <p:bldLst>
+      <p:bldP spid="22534" grpId="0" build="p"/>
+    </p:bldLst>
+  </p:timing>
+</p:sld>
+</file>
+
+<file path=ppt/slides/slide23.xml><?xml version="1.0" encoding="utf-8"?>
+<p:sld xmlns:a="http://schemas.openxmlformats.org/drawingml/2006/main" xmlns:r="http://schemas.openxmlformats.org/officeDocument/2006/relationships" xmlns:p="http://schemas.openxmlformats.org/presentationml/2006/main">
+  <p:cSld>
+    <p:spTree>
+      <p:nvGrpSpPr>
+        <p:cNvPr id="1" name=""/>
+        <p:cNvGrpSpPr/>
+        <p:nvPr/>
+      </p:nvGrpSpPr>
+      <p:grpSpPr>
+        <a:xfrm>
+          <a:off x="0" y="0"/>
+          <a:ext cx="0" cy="0"/>
+          <a:chOff x="0" y="0"/>
+          <a:chExt cx="0" cy="0"/>
+        </a:xfrm>
+      </p:grpSpPr>
+      <p:sp>
+        <p:nvSpPr>
+          <p:cNvPr id="35844" name="Slide Number Placeholder 5"/>
+          <p:cNvSpPr>
+            <a:spLocks noGrp="1"/>
+          </p:cNvSpPr>
+          <p:nvPr>
+            <p:ph type="sldNum" sz="quarter" idx="12"/>
+          </p:nvPr>
+        </p:nvSpPr>
+        <p:spPr>
+          <a:noFill/>
+        </p:spPr>
+        <p:txBody>
+          <a:bodyPr/>
+          <a:lstStyle/>
+          <a:p>
+            <a:r>
+              <a:rPr lang="en-US" dirty="0" smtClean="0"/>
+              <a:t>random-walk.</a:t>
+            </a:r>
+            <a:fld id="{42298CDA-044A-0949-8A0D-DDA7F6833251}" type="slidenum">
+              <a:rPr lang="en-US" smtClean="0"/>
+              <a:pPr/>
+              <a:t>23</a:t>
+            </a:fld>
+            <a:endParaRPr lang="en-US" dirty="0"/>
+          </a:p>
+          <a:p>
+            <a:endParaRPr lang="en-US" dirty="0"/>
+          </a:p>
+        </p:txBody>
+      </p:sp>
+      <p:sp>
+        <p:nvSpPr>
+          <p:cNvPr id="22534" name="Rectangle 3"/>
+          <p:cNvSpPr>
+            <a:spLocks noGrp="1" noChangeArrowheads="1"/>
+          </p:cNvSpPr>
+          <p:nvPr>
+            <p:ph type="body" idx="1"/>
+          </p:nvPr>
+        </p:nvSpPr>
+        <p:spPr>
+          <a:xfrm>
+            <a:off x="381000" y="1447800"/>
+            <a:ext cx="8382000" cy="4038600"/>
+          </a:xfrm>
+        </p:spPr>
+        <p:txBody>
+          <a:bodyPr/>
+          <a:lstStyle/>
+          <a:p>
+            <a:pPr eaLnBrk="1" hangingPunct="1">
+              <a:lnSpc>
+                <a:spcPct val="90000"/>
+              </a:lnSpc>
+              <a:buFontTx/>
+              <a:buNone/>
+            </a:pPr>
+            <a:r>
+              <a:rPr lang="en-US" sz="4000" dirty="0" smtClean="0"/>
+              <a:t>To ensure unique stationary:</a:t>
+            </a:r>
+          </a:p>
+          <a:p>
+            <a:pPr eaLnBrk="1" hangingPunct="1">
+              <a:lnSpc>
+                <a:spcPct val="90000"/>
+              </a:lnSpc>
+              <a:buFontTx/>
+              <a:buNone/>
+            </a:pPr>
+            <a:r>
+              <a:rPr lang="en-US" sz="4000" dirty="0" smtClean="0"/>
+              <a:t>* add a “super-node” to the graph</a:t>
+            </a:r>
+          </a:p>
+          <a:p>
+            <a:pPr eaLnBrk="1" hangingPunct="1">
+              <a:lnSpc>
+                <a:spcPct val="90000"/>
+              </a:lnSpc>
+              <a:buFontTx/>
+              <a:buNone/>
+            </a:pPr>
+            <a:r>
+              <a:rPr lang="en-US" sz="4000" dirty="0" smtClean="0"/>
+              <a:t>* an edge from super-node to each other node</a:t>
+            </a:r>
+          </a:p>
+          <a:p>
+            <a:pPr eaLnBrk="1" hangingPunct="1">
+              <a:lnSpc>
+                <a:spcPct val="90000"/>
+              </a:lnSpc>
+              <a:buFontTx/>
+              <a:buNone/>
+            </a:pPr>
+            <a:r>
+              <a:rPr lang="en-US" sz="4000" dirty="0" smtClean="0"/>
+              <a:t>* edges from each other node back to super-node</a:t>
+            </a:r>
+            <a:endParaRPr lang="en-US" sz="4000" dirty="0"/>
+          </a:p>
+        </p:txBody>
+      </p:sp>
+      <p:sp>
+        <p:nvSpPr>
+          <p:cNvPr id="7" name="Rectangle 4"/>
+          <p:cNvSpPr>
+            <a:spLocks noGrp="1" noChangeArrowheads="1"/>
+          </p:cNvSpPr>
+          <p:nvPr>
+            <p:ph type="dt" sz="half" idx="4294967295"/>
+          </p:nvPr>
+        </p:nvSpPr>
+        <p:spPr bwMode="auto">
+          <a:xfrm>
+            <a:off x="3124200" y="6629400"/>
+            <a:ext cx="2863850" cy="228600"/>
+          </a:xfrm>
+          <a:prstGeom prst="rect">
+            <a:avLst/>
+          </a:prstGeom>
+          <a:noFill/>
+          <a:ln w="9525">
+            <a:noFill/>
+            <a:miter lim="800000"/>
+            <a:headEnd/>
+            <a:tailEnd/>
+          </a:ln>
+        </p:spPr>
+        <p:txBody>
+          <a:bodyPr vert="horz" wrap="square" lIns="91440" tIns="45720" rIns="91440" bIns="45720" numCol="1" anchor="t" anchorCtr="0" compatLnSpc="1">
+            <a:prstTxWarp prst="textNoShape">
+              <a:avLst/>
+            </a:prstTxWarp>
+          </a:bodyPr>
+          <a:lstStyle>
+            <a:lvl1pPr algn="ctr" eaLnBrk="1" hangingPunct="1">
+              <a:defRPr sz="1000">
+                <a:latin typeface="Comic Sans MS" pitchFamily="-64" charset="0"/>
+                <a:ea typeface="ＭＳ Ｐゴシック" pitchFamily="-64" charset="-128"/>
+                <a:cs typeface="+mn-cs"/>
+              </a:defRPr>
+            </a:lvl1pPr>
+          </a:lstStyle>
+          <a:p>
+            <a:pPr>
+              <a:defRPr/>
+            </a:pPr>
+            <a:r>
+              <a:rPr lang="en-US" dirty="0" smtClean="0"/>
+              <a:t>Albert R Meyer,                       May 16, 2012</a:t>
+            </a:r>
+            <a:endParaRPr lang="en-US" dirty="0"/>
+          </a:p>
+        </p:txBody>
+      </p:sp>
+      <p:sp>
+        <p:nvSpPr>
+          <p:cNvPr id="8" name="Rectangle 2"/>
+          <p:cNvSpPr>
+            <a:spLocks noGrp="1" noChangeArrowheads="1"/>
+          </p:cNvSpPr>
+          <p:nvPr>
+            <p:ph type="title"/>
+          </p:nvPr>
+        </p:nvSpPr>
+        <p:spPr>
+          <a:xfrm>
+            <a:off x="1519238" y="301625"/>
+            <a:ext cx="5872162" cy="993775"/>
+          </a:xfrm>
+        </p:spPr>
+        <p:txBody>
+          <a:bodyPr/>
+          <a:lstStyle/>
+          <a:p>
+            <a:pPr eaLnBrk="1" hangingPunct="1"/>
+            <a:r>
+              <a:rPr lang="en-US" dirty="0"/>
+              <a:t>Google Page Rank</a:t>
+            </a:r>
+          </a:p>
+        </p:txBody>
+      </p:sp>
+    </p:spTree>
+    <p:extLst>
+      <p:ext uri="{BB962C8B-B14F-4D97-AF65-F5344CB8AC3E}">
+        <p14:creationId xmlns:p14="http://schemas.microsoft.com/office/powerpoint/2010/main" val="3562016177"/>
+      </p:ext>
+    </p:extLst>
+  </p:cSld>
+  <p:clrMapOvr>
+    <a:masterClrMapping/>
+  </p:clrMapOvr>
+  <p:transition xmlns:p14="http://schemas.microsoft.com/office/powerpoint/2010/main" spd="slow">
+    <p:fade thruBlk="1"/>
+  </p:transition>
+  <p:timing>
+    <p:tnLst>
+      <p:par>
+        <p:cTn xmlns:p14="http://schemas.microsoft.com/office/powerpoint/2010/main" id="1" dur="indefinite" restart="never" nodeType="tmRoot">
+          <p:childTnLst>
+            <p:seq concurrent="1" nextAc="seek">
+              <p:cTn id="2" dur="indefinite" nodeType="mainSeq">
+                <p:childTnLst>
+                  <p:par>
+                    <p:cTn id="3" fill="hold">
+                      <p:stCondLst>
+                        <p:cond delay="indefinite"/>
+                      </p:stCondLst>
+                      <p:childTnLst>
+                        <p:par>
+                          <p:cTn id="4" fill="hold">
+                            <p:stCondLst>
+                              <p:cond delay="0"/>
+                            </p:stCondLst>
+                            <p:childTnLst>
+                              <p:par>
+                                <p:cTn id="5" presetID="9" presetClass="entr" presetSubtype="0" fill="hold" grpId="0" nodeType="clickEffect">
+                                  <p:stCondLst>
+                                    <p:cond delay="0"/>
+                                  </p:stCondLst>
+                                  <p:childTnLst>
+                                    <p:set>
+                                      <p:cBhvr>
+                                        <p:cTn id="6" dur="1" fill="hold">
+                                          <p:stCondLst>
+                                            <p:cond delay="0"/>
+                                          </p:stCondLst>
+                                        </p:cTn>
+                                        <p:tgtEl>
+                                          <p:spTgt spid="22534">
+                                            <p:txEl>
+                                              <p:pRg st="0" end="0"/>
+                                            </p:txEl>
+                                          </p:spTgt>
+                                        </p:tgtEl>
+                                        <p:attrNameLst>
+                                          <p:attrName>style.visibility</p:attrName>
+                                        </p:attrNameLst>
+                                      </p:cBhvr>
+                                      <p:to>
+                                        <p:strVal val="visible"/>
+                                      </p:to>
+                                    </p:set>
+                                    <p:animEffect transition="in" filter="dissolve">
+                                      <p:cBhvr>
+                                        <p:cTn id="7" dur="500"/>
+                                        <p:tgtEl>
+                                          <p:spTgt spid="22534">
+                                            <p:txEl>
+                                              <p:pRg st="0" end="0"/>
+                                            </p:txEl>
+                                          </p:spTgt>
+                                        </p:tgtEl>
+                                      </p:cBhvr>
+                                    </p:animEffect>
+                                  </p:childTnLst>
+                                </p:cTn>
+                              </p:par>
+                            </p:childTnLst>
+                          </p:cTn>
+                        </p:par>
+                      </p:childTnLst>
+                    </p:cTn>
+                  </p:par>
+                  <p:par>
+                    <p:cTn id="8" fill="hold">
+                      <p:stCondLst>
+                        <p:cond delay="indefinite"/>
+                      </p:stCondLst>
+                      <p:childTnLst>
+                        <p:par>
+                          <p:cTn id="9" fill="hold">
+                            <p:stCondLst>
+                              <p:cond delay="0"/>
+                            </p:stCondLst>
+                            <p:childTnLst>
+                              <p:par>
+                                <p:cTn id="10" presetID="9" presetClass="entr" presetSubtype="0" fill="hold" grpId="0" nodeType="clickEffect">
+                                  <p:stCondLst>
+                                    <p:cond delay="0"/>
+                                  </p:stCondLst>
+                                  <p:childTnLst>
+                                    <p:set>
+                                      <p:cBhvr>
+                                        <p:cTn id="11" dur="1" fill="hold">
+                                          <p:stCondLst>
+                                            <p:cond delay="0"/>
+                                          </p:stCondLst>
+                                        </p:cTn>
+                                        <p:tgtEl>
+                                          <p:spTgt spid="22534">
+                                            <p:txEl>
+                                              <p:pRg st="1" end="1"/>
+                                            </p:txEl>
+                                          </p:spTgt>
+                                        </p:tgtEl>
+                                        <p:attrNameLst>
+                                          <p:attrName>style.visibility</p:attrName>
+                                        </p:attrNameLst>
+                                      </p:cBhvr>
+                                      <p:to>
+                                        <p:strVal val="visible"/>
+                                      </p:to>
+                                    </p:set>
+                                    <p:animEffect transition="in" filter="dissolve">
+                                      <p:cBhvr>
+                                        <p:cTn id="12" dur="500"/>
+                                        <p:tgtEl>
+                                          <p:spTgt spid="22534">
+                                            <p:txEl>
+                                              <p:pRg st="1" end="1"/>
+                                            </p:txEl>
+                                          </p:spTgt>
+                                        </p:tgtEl>
+                                      </p:cBhvr>
+                                    </p:animEffect>
+                                  </p:childTnLst>
+                                </p:cTn>
+                              </p:par>
+                            </p:childTnLst>
+                          </p:cTn>
+                        </p:par>
+                      </p:childTnLst>
+                    </p:cTn>
+                  </p:par>
+                  <p:par>
+                    <p:cTn id="13" fill="hold">
+                      <p:stCondLst>
+                        <p:cond delay="indefinite"/>
+                      </p:stCondLst>
+                      <p:childTnLst>
+                        <p:par>
+                          <p:cTn id="14" fill="hold">
+                            <p:stCondLst>
+                              <p:cond delay="0"/>
+                            </p:stCondLst>
+                            <p:childTnLst>
+                              <p:par>
+                                <p:cTn id="15" presetID="9" presetClass="entr" presetSubtype="0" fill="hold" grpId="0" nodeType="clickEffect">
+                                  <p:stCondLst>
+                                    <p:cond delay="0"/>
+                                  </p:stCondLst>
+                                  <p:childTnLst>
+                                    <p:set>
+                                      <p:cBhvr>
+                                        <p:cTn id="16" dur="1" fill="hold">
+                                          <p:stCondLst>
+                                            <p:cond delay="0"/>
+                                          </p:stCondLst>
+                                        </p:cTn>
+                                        <p:tgtEl>
+                                          <p:spTgt spid="22534">
+                                            <p:txEl>
+                                              <p:pRg st="2" end="2"/>
+                                            </p:txEl>
+                                          </p:spTgt>
+                                        </p:tgtEl>
+                                        <p:attrNameLst>
+                                          <p:attrName>style.visibility</p:attrName>
+                                        </p:attrNameLst>
+                                      </p:cBhvr>
+                                      <p:to>
+                                        <p:strVal val="visible"/>
+                                      </p:to>
+                                    </p:set>
+                                    <p:animEffect transition="in" filter="dissolve">
+                                      <p:cBhvr>
+                                        <p:cTn id="17" dur="500"/>
+                                        <p:tgtEl>
+                                          <p:spTgt spid="22534">
+                                            <p:txEl>
+                                              <p:pRg st="2" end="2"/>
+                                            </p:txEl>
+                                          </p:spTgt>
+                                        </p:tgtEl>
+                                      </p:cBhvr>
+                                    </p:animEffect>
+                                  </p:childTnLst>
+                                </p:cTn>
+                              </p:par>
+                            </p:childTnLst>
+                          </p:cTn>
+                        </p:par>
+                      </p:childTnLst>
+                    </p:cTn>
+                  </p:par>
+                  <p:par>
+                    <p:cTn id="18" fill="hold">
+                      <p:stCondLst>
+                        <p:cond delay="indefinite"/>
+                      </p:stCondLst>
+                      <p:childTnLst>
+                        <p:par>
+                          <p:cTn id="19" fill="hold">
+                            <p:stCondLst>
+                              <p:cond delay="0"/>
+                            </p:stCondLst>
+                            <p:childTnLst>
+                              <p:par>
+                                <p:cTn id="20" presetID="9" presetClass="entr" presetSubtype="0" fill="hold" grpId="0" nodeType="clickEffect">
+                                  <p:stCondLst>
+                                    <p:cond delay="0"/>
+                                  </p:stCondLst>
+                                  <p:childTnLst>
+                                    <p:set>
+                                      <p:cBhvr>
+                                        <p:cTn id="21" dur="1" fill="hold">
+                                          <p:stCondLst>
+                                            <p:cond delay="0"/>
+                                          </p:stCondLst>
+                                        </p:cTn>
+                                        <p:tgtEl>
+                                          <p:spTgt spid="22534">
+                                            <p:txEl>
+                                              <p:pRg st="3" end="3"/>
+                                            </p:txEl>
+                                          </p:spTgt>
+                                        </p:tgtEl>
+                                        <p:attrNameLst>
+                                          <p:attrName>style.visibility</p:attrName>
+                                        </p:attrNameLst>
+                                      </p:cBhvr>
+                                      <p:to>
+                                        <p:strVal val="visible"/>
+                                      </p:to>
+                                    </p:set>
+                                    <p:animEffect transition="in" filter="dissolve">
+                                      <p:cBhvr>
+                                        <p:cTn id="22" dur="500"/>
+                                        <p:tgtEl>
+                                          <p:spTgt spid="22534">
+                                            <p:txEl>
+                                              <p:pRg st="3" end="3"/>
+                                            </p:txEl>
+                                          </p:spTgt>
+                                        </p:tgtEl>
+                                      </p:cBhvr>
+                                    </p:animEffect>
+                                  </p:childTnLst>
+                                </p:cTn>
+                              </p:par>
+                            </p:childTnLst>
+                          </p:cTn>
+                        </p:par>
+                      </p:childTnLst>
+                    </p:cTn>
+                  </p:par>
+                </p:childTnLst>
+              </p:cTn>
+              <p:prevCondLst>
+                <p:cond evt="onPrev" delay="0">
+                  <p:tgtEl>
+                    <p:sldTgt/>
+                  </p:tgtEl>
+                </p:cond>
+              </p:prevCondLst>
+              <p:nextCondLst>
+                <p:cond evt="onNext" delay="0">
+                  <p:tgtEl>
+                    <p:sldTgt/>
+                  </p:tgtEl>
+                </p:cond>
+              </p:nextCondLst>
+            </p:seq>
+          </p:childTnLst>
+        </p:cTn>
+      </p:par>
+    </p:tnLst>
+    <p:bldLst>
+      <p:bldP spid="22534" grpId="0" build="p"/>
+    </p:bldLst>
+  </p:timing>
+</p:sld>
+</file>
+
+<file path=ppt/slides/slide24.xml><?xml version="1.0" encoding="utf-8"?>
+<p:sld xmlns:a="http://schemas.openxmlformats.org/drawingml/2006/main" xmlns:r="http://schemas.openxmlformats.org/officeDocument/2006/relationships" xmlns:p="http://schemas.openxmlformats.org/presentationml/2006/main">
+  <p:cSld>
+    <p:spTree>
+      <p:nvGrpSpPr>
+        <p:cNvPr id="1" name=""/>
+        <p:cNvGrpSpPr/>
+        <p:nvPr/>
+      </p:nvGrpSpPr>
+      <p:grpSpPr>
+        <a:xfrm>
+          <a:off x="0" y="0"/>
+          <a:ext cx="0" cy="0"/>
+          <a:chOff x="0" y="0"/>
+          <a:chExt cx="0" cy="0"/>
+        </a:xfrm>
+      </p:grpSpPr>
+      <p:sp>
+        <p:nvSpPr>
+          <p:cNvPr id="3" name="Content Placeholder 2"/>
+          <p:cNvSpPr>
+            <a:spLocks noGrp="1"/>
+          </p:cNvSpPr>
+          <p:nvPr>
+            <p:ph idx="1"/>
+          </p:nvPr>
+        </p:nvSpPr>
+        <p:spPr>
+          <a:xfrm>
+            <a:off x="228600" y="1371600"/>
+            <a:ext cx="8610600" cy="4191000"/>
+          </a:xfrm>
+        </p:spPr>
+        <p:txBody>
+          <a:bodyPr/>
+          <a:lstStyle/>
+          <a:p>
+            <a:pPr marL="0" indent="0">
+              <a:buNone/>
+            </a:pPr>
+            <a:r>
+              <a:rPr lang="en-US" sz="4400" dirty="0" smtClean="0"/>
+              <a:t>For </a:t>
+            </a:r>
+            <a:r>
+              <a:rPr lang="en-US" sz="4400" dirty="0" smtClean="0">
+                <a:solidFill>
+                  <a:srgbClr val="0000FF"/>
+                </a:solidFill>
+              </a:rPr>
+              <a:t>n</a:t>
+            </a:r>
+            <a:r>
+              <a:rPr lang="en-US" sz="4400" dirty="0" smtClean="0"/>
+              <a:t>-node graph, the edge-probability matrix </a:t>
+            </a:r>
+            <a:r>
+              <a:rPr lang="en-US" sz="4400" dirty="0" smtClean="0">
+                <a:solidFill>
+                  <a:srgbClr val="0000FF"/>
+                </a:solidFill>
+              </a:rPr>
+              <a:t>M</a:t>
+            </a:r>
+            <a:r>
+              <a:rPr lang="en-US" sz="4400" dirty="0" smtClean="0"/>
+              <a:t> has</a:t>
+            </a:r>
+          </a:p>
+          <a:p>
+            <a:pPr marL="0" indent="0">
+              <a:buNone/>
+            </a:pPr>
+            <a:r>
+              <a:rPr lang="en-US" sz="4400" dirty="0" err="1" smtClean="0">
+                <a:solidFill>
+                  <a:srgbClr val="0000FF"/>
+                </a:solidFill>
+              </a:rPr>
+              <a:t>M</a:t>
+            </a:r>
+            <a:r>
+              <a:rPr lang="en-US" sz="4400" baseline="-25000" dirty="0" err="1" smtClean="0">
+                <a:solidFill>
+                  <a:srgbClr val="0000FF"/>
+                </a:solidFill>
+              </a:rPr>
+              <a:t>ij</a:t>
+            </a:r>
+            <a:r>
+              <a:rPr lang="en-US" sz="4400" dirty="0" smtClean="0"/>
+              <a:t> ::= probability of edge</a:t>
+            </a:r>
+          </a:p>
+          <a:p>
+            <a:pPr marL="0" indent="0">
+              <a:buNone/>
+            </a:pPr>
+            <a:r>
+              <a:rPr lang="en-US" sz="4400" dirty="0" smtClean="0"/>
+              <a:t>Find stationary </a:t>
+            </a:r>
+            <a:r>
+              <a:rPr lang="en-US" sz="4400" dirty="0" err="1" smtClean="0"/>
+              <a:t>dist</a:t>
+            </a:r>
+            <a:r>
+              <a:rPr lang="en-US" sz="4400" dirty="0" smtClean="0"/>
+              <a:t> vector    :</a:t>
+            </a:r>
+          </a:p>
+          <a:p>
+            <a:pPr marL="0" indent="0">
+              <a:buNone/>
+            </a:pPr>
+            <a:r>
+              <a:rPr lang="en-US" sz="6600" dirty="0" smtClean="0">
+                <a:solidFill>
+                  <a:srgbClr val="0000FF"/>
+                </a:solidFill>
+              </a:rPr>
+              <a:t>          M   </a:t>
+            </a:r>
+            <a:r>
+              <a:rPr lang="en-US" sz="6600" b="1" dirty="0" smtClean="0">
+                <a:solidFill>
+                  <a:srgbClr val="0000FF"/>
+                </a:solidFill>
+                <a:latin typeface="Euclid Symbol" charset="2"/>
+                <a:cs typeface="Euclid Symbol" charset="2"/>
+              </a:rPr>
+              <a:t>=</a:t>
+            </a:r>
+            <a:r>
+              <a:rPr lang="en-US" sz="6600" dirty="0" smtClean="0">
+                <a:solidFill>
+                  <a:srgbClr val="0000FF"/>
+                </a:solidFill>
+              </a:rPr>
+              <a:t> </a:t>
+            </a:r>
+            <a:endParaRPr lang="en-US" sz="5400" dirty="0">
+              <a:solidFill>
+                <a:srgbClr val="0000FF"/>
+              </a:solidFill>
+            </a:endParaRPr>
+          </a:p>
+        </p:txBody>
+      </p:sp>
+      <p:sp>
+        <p:nvSpPr>
+          <p:cNvPr id="2" name="Title 1"/>
+          <p:cNvSpPr>
+            <a:spLocks noGrp="1"/>
+          </p:cNvSpPr>
+          <p:nvPr>
+            <p:ph type="title"/>
+          </p:nvPr>
+        </p:nvSpPr>
+        <p:spPr>
+          <a:xfrm>
+            <a:off x="1443038" y="301625"/>
+            <a:ext cx="6710362" cy="1069975"/>
+          </a:xfrm>
+        </p:spPr>
+        <p:txBody>
+          <a:bodyPr/>
+          <a:lstStyle/>
+          <a:p>
+            <a:r>
+              <a:rPr lang="en-US" dirty="0" smtClean="0"/>
+              <a:t>Linear Algebra</a:t>
+            </a:r>
+            <a:endParaRPr lang="en-US" dirty="0"/>
+          </a:p>
+        </p:txBody>
+      </p:sp>
+      <p:sp>
+        <p:nvSpPr>
+          <p:cNvPr id="4" name="Date Placeholder 3"/>
+          <p:cNvSpPr>
+            <a:spLocks noGrp="1"/>
+          </p:cNvSpPr>
+          <p:nvPr>
+            <p:ph type="dt" sz="half" idx="10"/>
+          </p:nvPr>
+        </p:nvSpPr>
+        <p:spPr/>
+        <p:txBody>
+          <a:bodyPr/>
+          <a:lstStyle/>
+          <a:p>
+            <a:pPr>
+              <a:defRPr/>
+            </a:pPr>
+            <a:r>
+              <a:rPr lang="en-US" smtClean="0"/>
+              <a:t>May 11, 2010</a:t>
+            </a:r>
+            <a:endParaRPr lang="en-US" dirty="0"/>
+          </a:p>
+        </p:txBody>
+      </p:sp>
+      <p:sp>
+        <p:nvSpPr>
+          <p:cNvPr id="5" name="Slide Number Placeholder 4"/>
+          <p:cNvSpPr>
+            <a:spLocks noGrp="1"/>
+          </p:cNvSpPr>
+          <p:nvPr>
+            <p:ph type="sldNum" sz="quarter" idx="12"/>
+          </p:nvPr>
+        </p:nvSpPr>
+        <p:spPr/>
+        <p:txBody>
+          <a:bodyPr/>
+          <a:lstStyle/>
+          <a:p>
+            <a:pPr>
+              <a:defRPr/>
+            </a:pPr>
+            <a:r>
+              <a:rPr lang="en-US" smtClean="0"/>
+              <a:t>random-walk.</a:t>
+            </a:r>
+            <a:fld id="{E877D3CB-F960-BD47-98A7-06971C504846}" type="slidenum">
+              <a:rPr lang="en-US" smtClean="0"/>
+              <a:pPr>
+                <a:defRPr/>
+              </a:pPr>
+              <a:t>24</a:t>
+            </a:fld>
+            <a:endParaRPr lang="en-US" smtClean="0"/>
+          </a:p>
+          <a:p>
+            <a:pPr>
+              <a:defRPr/>
+            </a:pPr>
+            <a:endParaRPr lang="en-US" dirty="0"/>
+          </a:p>
+        </p:txBody>
+      </p:sp>
+      <p:grpSp>
+        <p:nvGrpSpPr>
+          <p:cNvPr id="13" name="Group 12"/>
+          <p:cNvGrpSpPr/>
+          <p:nvPr/>
+        </p:nvGrpSpPr>
+        <p:grpSpPr>
+          <a:xfrm>
+            <a:off x="7086600" y="2895600"/>
+            <a:ext cx="1447800" cy="660976"/>
+            <a:chOff x="6705600" y="3530024"/>
+            <a:chExt cx="1447800" cy="660976"/>
+          </a:xfrm>
+        </p:grpSpPr>
+        <p:sp>
+          <p:nvSpPr>
+            <p:cNvPr id="6" name="Oval 5"/>
+            <p:cNvSpPr/>
+            <p:nvPr/>
+          </p:nvSpPr>
+          <p:spPr bwMode="auto">
+            <a:xfrm>
+              <a:off x="6705600" y="3657600"/>
+              <a:ext cx="533400" cy="533400"/>
+            </a:xfrm>
+            <a:prstGeom prst="ellipse">
+              <a:avLst/>
+            </a:prstGeom>
+            <a:solidFill>
+              <a:schemeClr val="accent1"/>
+            </a:solidFill>
+            <a:ln w="9525" cap="flat" cmpd="sng" algn="ctr">
+              <a:solidFill>
+                <a:schemeClr val="tx1"/>
+              </a:solidFill>
+              <a:prstDash val="solid"/>
+              <a:round/>
+              <a:headEnd type="none" w="med" len="med"/>
+              <a:tailEnd type="none" w="med" len="med"/>
+            </a:ln>
+            <a:effectLst/>
+          </p:spPr>
+          <p:txBody>
+            <a:bodyPr vert="horz" wrap="square" lIns="91440" tIns="45720" rIns="91440" bIns="45720" numCol="1" rtlCol="0" anchor="t" anchorCtr="0" compatLnSpc="1">
+              <a:prstTxWarp prst="textNoShape">
+                <a:avLst/>
+              </a:prstTxWarp>
+            </a:bodyPr>
+            <a:lstStyle/>
+            <a:p>
+              <a:pPr marL="0" marR="0" indent="0" algn="l" defTabSz="914400" rtl="0" eaLnBrk="0" fontAlgn="base" latinLnBrk="0" hangingPunct="0">
+                <a:lnSpc>
+                  <a:spcPct val="100000"/>
+                </a:lnSpc>
+                <a:spcBef>
+                  <a:spcPct val="0"/>
+                </a:spcBef>
+                <a:spcAft>
+                  <a:spcPct val="0"/>
+                </a:spcAft>
+                <a:buClrTx/>
+                <a:buSzTx/>
+                <a:buFontTx/>
+                <a:buNone/>
+                <a:tabLst/>
+              </a:pPr>
+              <a:endParaRPr kumimoji="0" lang="en-US" sz="2400" b="0" i="0" u="none" strike="noStrike" cap="none" normalizeH="0" baseline="0" smtClean="0">
+                <a:ln>
+                  <a:noFill/>
+                </a:ln>
+                <a:solidFill>
+                  <a:schemeClr val="tx1"/>
+                </a:solidFill>
+                <a:effectLst/>
+                <a:latin typeface="Comic Sans MS" pitchFamily="-64" charset="0"/>
+                <a:ea typeface="ＭＳ Ｐゴシック" pitchFamily="-64" charset="-128"/>
+              </a:endParaRPr>
+            </a:p>
+          </p:txBody>
+        </p:sp>
+        <p:sp>
+          <p:nvSpPr>
+            <p:cNvPr id="7" name="Oval 6"/>
+            <p:cNvSpPr/>
+            <p:nvPr/>
+          </p:nvSpPr>
+          <p:spPr bwMode="auto">
+            <a:xfrm>
+              <a:off x="7620000" y="3657600"/>
+              <a:ext cx="533400" cy="533400"/>
+            </a:xfrm>
+            <a:prstGeom prst="ellipse">
+              <a:avLst/>
+            </a:prstGeom>
+            <a:solidFill>
+              <a:schemeClr val="accent1"/>
+            </a:solidFill>
+            <a:ln w="9525" cap="flat" cmpd="sng" algn="ctr">
+              <a:solidFill>
+                <a:schemeClr val="tx1"/>
+              </a:solidFill>
+              <a:prstDash val="solid"/>
+              <a:round/>
+              <a:headEnd type="none" w="med" len="med"/>
+              <a:tailEnd type="none" w="med" len="med"/>
+            </a:ln>
+            <a:effectLst/>
+          </p:spPr>
+          <p:txBody>
+            <a:bodyPr vert="horz" wrap="square" lIns="91440" tIns="45720" rIns="91440" bIns="45720" numCol="1" rtlCol="0" anchor="t" anchorCtr="0" compatLnSpc="1">
+              <a:prstTxWarp prst="textNoShape">
+                <a:avLst/>
+              </a:prstTxWarp>
+            </a:bodyPr>
+            <a:lstStyle/>
+            <a:p>
+              <a:pPr marL="0" marR="0" indent="0" algn="l" defTabSz="914400" rtl="0" eaLnBrk="0" fontAlgn="base" latinLnBrk="0" hangingPunct="0">
+                <a:lnSpc>
+                  <a:spcPct val="100000"/>
+                </a:lnSpc>
+                <a:spcBef>
+                  <a:spcPct val="0"/>
+                </a:spcBef>
+                <a:spcAft>
+                  <a:spcPct val="0"/>
+                </a:spcAft>
+                <a:buClrTx/>
+                <a:buSzTx/>
+                <a:buFontTx/>
+                <a:buNone/>
+                <a:tabLst/>
+              </a:pPr>
+              <a:endParaRPr kumimoji="0" lang="en-US" sz="2400" b="0" i="0" u="none" strike="noStrike" cap="none" normalizeH="0" baseline="0" smtClean="0">
+                <a:ln>
+                  <a:noFill/>
+                </a:ln>
+                <a:solidFill>
+                  <a:schemeClr val="tx1"/>
+                </a:solidFill>
+                <a:effectLst/>
+                <a:latin typeface="Comic Sans MS" pitchFamily="-64" charset="0"/>
+                <a:ea typeface="ＭＳ Ｐゴシック" pitchFamily="-64" charset="-128"/>
+              </a:endParaRPr>
+            </a:p>
+          </p:txBody>
+        </p:sp>
+        <p:sp>
+          <p:nvSpPr>
+            <p:cNvPr id="8" name="TextBox 7"/>
+            <p:cNvSpPr txBox="1"/>
+            <p:nvPr/>
+          </p:nvSpPr>
+          <p:spPr>
+            <a:xfrm>
+              <a:off x="6781800" y="3581400"/>
+              <a:ext cx="299681" cy="584776"/>
+            </a:xfrm>
+            <a:prstGeom prst="rect">
+              <a:avLst/>
+            </a:prstGeom>
+            <a:noFill/>
+          </p:spPr>
+          <p:txBody>
+            <a:bodyPr wrap="none" rtlCol="0">
+              <a:spAutoFit/>
+            </a:bodyPr>
+            <a:lstStyle/>
+            <a:p>
+              <a:r>
+                <a:rPr lang="en-US" sz="3200" dirty="0" err="1" smtClean="0">
+                  <a:solidFill>
+                    <a:srgbClr val="0000FF"/>
+                  </a:solidFill>
+                </a:rPr>
+                <a:t>i</a:t>
+              </a:r>
+              <a:endParaRPr lang="en-US" sz="3200" dirty="0">
+                <a:solidFill>
+                  <a:srgbClr val="0000FF"/>
+                </a:solidFill>
+              </a:endParaRPr>
+            </a:p>
+          </p:txBody>
+        </p:sp>
+        <p:sp>
+          <p:nvSpPr>
+            <p:cNvPr id="9" name="TextBox 8"/>
+            <p:cNvSpPr txBox="1"/>
+            <p:nvPr/>
+          </p:nvSpPr>
+          <p:spPr>
+            <a:xfrm>
+              <a:off x="7696200" y="3530024"/>
+              <a:ext cx="350176" cy="584776"/>
+            </a:xfrm>
+            <a:prstGeom prst="rect">
+              <a:avLst/>
+            </a:prstGeom>
+            <a:noFill/>
+          </p:spPr>
+          <p:txBody>
+            <a:bodyPr wrap="none" rtlCol="0">
+              <a:spAutoFit/>
+            </a:bodyPr>
+            <a:lstStyle/>
+            <a:p>
+              <a:r>
+                <a:rPr lang="en-US" sz="3200" dirty="0" smtClean="0">
+                  <a:solidFill>
+                    <a:srgbClr val="0000FF"/>
+                  </a:solidFill>
+                </a:rPr>
+                <a:t>j</a:t>
+              </a:r>
+              <a:endParaRPr lang="en-US" sz="3200" dirty="0">
+                <a:solidFill>
+                  <a:srgbClr val="0000FF"/>
+                </a:solidFill>
+              </a:endParaRPr>
+            </a:p>
+          </p:txBody>
+        </p:sp>
+        <p:cxnSp>
+          <p:nvCxnSpPr>
+            <p:cNvPr id="11" name="Straight Arrow Connector 10"/>
+            <p:cNvCxnSpPr>
+              <a:stCxn id="6" idx="6"/>
+              <a:endCxn id="7" idx="2"/>
+            </p:cNvCxnSpPr>
+            <p:nvPr/>
+          </p:nvCxnSpPr>
+          <p:spPr bwMode="auto">
+            <a:xfrm>
+              <a:off x="7239000" y="3924300"/>
+              <a:ext cx="381000" cy="0"/>
+            </a:xfrm>
+            <a:prstGeom prst="straightConnector1">
+              <a:avLst/>
+            </a:prstGeom>
+            <a:solidFill>
+              <a:schemeClr val="accent1"/>
+            </a:solidFill>
+            <a:ln w="31750" cap="flat" cmpd="sng" algn="ctr">
+              <a:solidFill>
+                <a:schemeClr val="tx1"/>
+              </a:solidFill>
+              <a:prstDash val="solid"/>
+              <a:round/>
+              <a:headEnd type="none" w="med" len="med"/>
+              <a:tailEnd type="stealth" w="lg" len="lg"/>
+            </a:ln>
+            <a:effectLst/>
+          </p:spPr>
+        </p:cxnSp>
+      </p:grpSp>
+      <p:grpSp>
+        <p:nvGrpSpPr>
+          <p:cNvPr id="21" name="Group 20"/>
+          <p:cNvGrpSpPr/>
+          <p:nvPr/>
+        </p:nvGrpSpPr>
+        <p:grpSpPr>
+          <a:xfrm>
+            <a:off x="7389244" y="3657600"/>
+            <a:ext cx="459356" cy="769441"/>
+            <a:chOff x="7389244" y="3657600"/>
+            <a:chExt cx="459356" cy="769441"/>
+          </a:xfrm>
+        </p:grpSpPr>
+        <p:sp>
+          <p:nvSpPr>
+            <p:cNvPr id="19" name="TextBox 18"/>
+            <p:cNvSpPr txBox="1"/>
+            <p:nvPr/>
+          </p:nvSpPr>
+          <p:spPr>
+            <a:xfrm>
+              <a:off x="7389244" y="3657600"/>
+              <a:ext cx="459356" cy="769441"/>
+            </a:xfrm>
+            <a:prstGeom prst="rect">
+              <a:avLst/>
+            </a:prstGeom>
+            <a:noFill/>
+          </p:spPr>
+          <p:txBody>
+            <a:bodyPr wrap="none" rtlCol="0">
+              <a:spAutoFit/>
+            </a:bodyPr>
+            <a:lstStyle/>
+            <a:p>
+              <a:r>
+                <a:rPr lang="en-US" sz="4400" b="1" dirty="0">
+                  <a:solidFill>
+                    <a:srgbClr val="0000FF"/>
+                  </a:solidFill>
+                </a:rPr>
+                <a:t>s</a:t>
+              </a:r>
+              <a:endParaRPr lang="en-US" sz="4400" dirty="0"/>
+            </a:p>
+          </p:txBody>
+        </p:sp>
+        <p:cxnSp>
+          <p:nvCxnSpPr>
+            <p:cNvPr id="17" name="Straight Arrow Connector 16"/>
+            <p:cNvCxnSpPr/>
+            <p:nvPr/>
+          </p:nvCxnSpPr>
+          <p:spPr bwMode="auto">
+            <a:xfrm>
+              <a:off x="7467600" y="3886200"/>
+              <a:ext cx="381000" cy="0"/>
+            </a:xfrm>
+            <a:prstGeom prst="straightConnector1">
+              <a:avLst/>
+            </a:prstGeom>
+            <a:solidFill>
+              <a:schemeClr val="accent1"/>
+            </a:solidFill>
+            <a:ln w="38100" cap="flat" cmpd="sng" algn="ctr">
+              <a:solidFill>
+                <a:srgbClr val="0000FF"/>
+              </a:solidFill>
+              <a:prstDash val="solid"/>
+              <a:round/>
+              <a:headEnd type="none" w="med" len="med"/>
+              <a:tailEnd type="arrow" w="sm" len="sm"/>
+            </a:ln>
+            <a:effectLst/>
+          </p:spPr>
+        </p:cxnSp>
+      </p:grpSp>
+      <p:grpSp>
+        <p:nvGrpSpPr>
+          <p:cNvPr id="26" name="Group 25"/>
+          <p:cNvGrpSpPr/>
+          <p:nvPr/>
+        </p:nvGrpSpPr>
+        <p:grpSpPr>
+          <a:xfrm>
+            <a:off x="3593015" y="4648200"/>
+            <a:ext cx="521785" cy="923330"/>
+            <a:chOff x="1981200" y="4572000"/>
+            <a:chExt cx="521785" cy="923330"/>
+          </a:xfrm>
+        </p:grpSpPr>
+        <p:sp>
+          <p:nvSpPr>
+            <p:cNvPr id="23" name="TextBox 22"/>
+            <p:cNvSpPr txBox="1"/>
+            <p:nvPr/>
+          </p:nvSpPr>
+          <p:spPr>
+            <a:xfrm>
+              <a:off x="1981200" y="4572000"/>
+              <a:ext cx="521785" cy="923330"/>
+            </a:xfrm>
+            <a:prstGeom prst="rect">
+              <a:avLst/>
+            </a:prstGeom>
+            <a:noFill/>
+          </p:spPr>
+          <p:txBody>
+            <a:bodyPr wrap="none" rtlCol="0">
+              <a:spAutoFit/>
+            </a:bodyPr>
+            <a:lstStyle/>
+            <a:p>
+              <a:r>
+                <a:rPr lang="en-US" sz="5400" b="1" dirty="0">
+                  <a:solidFill>
+                    <a:srgbClr val="0000FF"/>
+                  </a:solidFill>
+                </a:rPr>
+                <a:t>s</a:t>
+              </a:r>
+              <a:endParaRPr lang="en-US" sz="5400" dirty="0"/>
+            </a:p>
+          </p:txBody>
+        </p:sp>
+        <p:cxnSp>
+          <p:nvCxnSpPr>
+            <p:cNvPr id="24" name="Straight Arrow Connector 23"/>
+            <p:cNvCxnSpPr/>
+            <p:nvPr/>
+          </p:nvCxnSpPr>
+          <p:spPr bwMode="auto">
+            <a:xfrm>
+              <a:off x="2057400" y="4800600"/>
+              <a:ext cx="381000" cy="0"/>
+            </a:xfrm>
+            <a:prstGeom prst="straightConnector1">
+              <a:avLst/>
+            </a:prstGeom>
+            <a:solidFill>
+              <a:schemeClr val="accent1"/>
+            </a:solidFill>
+            <a:ln w="38100" cap="flat" cmpd="sng" algn="ctr">
+              <a:solidFill>
+                <a:srgbClr val="0000FF"/>
+              </a:solidFill>
+              <a:prstDash val="solid"/>
+              <a:round/>
+              <a:headEnd type="none" w="med" len="med"/>
+              <a:tailEnd type="arrow" w="sm" len="sm"/>
+            </a:ln>
+            <a:effectLst/>
+          </p:spPr>
+        </p:cxnSp>
+      </p:grpSp>
+      <p:grpSp>
+        <p:nvGrpSpPr>
+          <p:cNvPr id="28" name="Group 27"/>
+          <p:cNvGrpSpPr/>
+          <p:nvPr/>
+        </p:nvGrpSpPr>
+        <p:grpSpPr>
+          <a:xfrm>
+            <a:off x="5117015" y="4639270"/>
+            <a:ext cx="521785" cy="923330"/>
+            <a:chOff x="1981200" y="4572000"/>
+            <a:chExt cx="521785" cy="923330"/>
+          </a:xfrm>
+        </p:grpSpPr>
+        <p:sp>
+          <p:nvSpPr>
+            <p:cNvPr id="29" name="TextBox 28"/>
+            <p:cNvSpPr txBox="1"/>
+            <p:nvPr/>
+          </p:nvSpPr>
+          <p:spPr>
+            <a:xfrm>
+              <a:off x="1981200" y="4572000"/>
+              <a:ext cx="521785" cy="923330"/>
+            </a:xfrm>
+            <a:prstGeom prst="rect">
+              <a:avLst/>
+            </a:prstGeom>
+            <a:noFill/>
+          </p:spPr>
+          <p:txBody>
+            <a:bodyPr wrap="none" rtlCol="0">
+              <a:spAutoFit/>
+            </a:bodyPr>
+            <a:lstStyle/>
+            <a:p>
+              <a:r>
+                <a:rPr lang="en-US" sz="5400" b="1" dirty="0">
+                  <a:solidFill>
+                    <a:srgbClr val="0000FF"/>
+                  </a:solidFill>
+                </a:rPr>
+                <a:t>s</a:t>
+              </a:r>
+              <a:endParaRPr lang="en-US" sz="5400" dirty="0"/>
+            </a:p>
+          </p:txBody>
+        </p:sp>
+        <p:cxnSp>
+          <p:nvCxnSpPr>
+            <p:cNvPr id="30" name="Straight Arrow Connector 29"/>
+            <p:cNvCxnSpPr/>
+            <p:nvPr/>
+          </p:nvCxnSpPr>
+          <p:spPr bwMode="auto">
+            <a:xfrm>
+              <a:off x="2057400" y="4800600"/>
+              <a:ext cx="381000" cy="0"/>
+            </a:xfrm>
+            <a:prstGeom prst="straightConnector1">
+              <a:avLst/>
+            </a:prstGeom>
+            <a:solidFill>
+              <a:schemeClr val="accent1"/>
+            </a:solidFill>
+            <a:ln w="38100" cap="flat" cmpd="sng" algn="ctr">
+              <a:solidFill>
+                <a:srgbClr val="0000FF"/>
+              </a:solidFill>
+              <a:prstDash val="solid"/>
+              <a:round/>
+              <a:headEnd type="none" w="med" len="med"/>
+              <a:tailEnd type="arrow" w="sm" len="sm"/>
+            </a:ln>
+            <a:effectLst/>
+          </p:spPr>
+        </p:cxnSp>
+      </p:grpSp>
+    </p:spTree>
+    <p:extLst>
+      <p:ext uri="{BB962C8B-B14F-4D97-AF65-F5344CB8AC3E}">
+        <p14:creationId xmlns:p14="http://schemas.microsoft.com/office/powerpoint/2010/main" val="171586865"/>
+      </p:ext>
+    </p:extLst>
+  </p:cSld>
+  <p:clrMapOvr>
+    <a:masterClrMapping/>
+  </p:clrMapOvr>
 </p:sld>
 </file>
 
@@ -25438,7 +28716,7 @@
 </file>
 
 <file path=ppt/slides/slide6.xml><?xml version="1.0" encoding="utf-8"?>
-<p:sld xmlns:a="http://schemas.openxmlformats.org/drawingml/2006/main" xmlns:r="http://schemas.openxmlformats.org/officeDocument/2006/relationships" xmlns:p="http://schemas.openxmlformats.org/presentationml/2006/main">
+<p:sld xmlns:a="http://schemas.openxmlformats.org/drawingml/2006/main" xmlns:r="http://schemas.openxmlformats.org/officeDocument/2006/relationships" xmlns:p="http://schemas.openxmlformats.org/presentationml/2006/main" show="0">
   <p:cSld>
     <p:spTree>
       <p:nvGrpSpPr>
@@ -27076,7 +30354,7 @@
           <a:graphicData uri="http://schemas.openxmlformats.org/presentationml/2006/ole">
             <mc:AlternateContent xmlns:mc="http://schemas.openxmlformats.org/markup-compatibility/2006">
               <mc:Choice xmlns:v="urn:schemas-microsoft-com:vml" Requires="v">
-                <p:oleObj spid="_x0000_s27674" name="Equation" r:id="rId4" imgW="736600" imgH="533400" progId="Equation.DSMT4">
+                <p:oleObj spid="_x0000_s27680" name="Equation" r:id="rId4" imgW="736600" imgH="533400" progId="Equation.DSMT4">
                   <p:embed/>
                 </p:oleObj>
               </mc:Choice>
@@ -27370,7 +30648,7 @@
 </file>
 
 <file path=ppt/slides/slide7.xml><?xml version="1.0" encoding="utf-8"?>
-<p:sld xmlns:a="http://schemas.openxmlformats.org/drawingml/2006/main" xmlns:r="http://schemas.openxmlformats.org/officeDocument/2006/relationships" xmlns:p="http://schemas.openxmlformats.org/presentationml/2006/main">
+<p:sld xmlns:a="http://schemas.openxmlformats.org/drawingml/2006/main" xmlns:r="http://schemas.openxmlformats.org/officeDocument/2006/relationships" xmlns:p="http://schemas.openxmlformats.org/presentationml/2006/main" show="0">
   <p:cSld>
     <p:spTree>
       <p:nvGrpSpPr>
@@ -29570,7 +32848,7 @@
 </file>
 
 <file path=ppt/slides/slide8.xml><?xml version="1.0" encoding="utf-8"?>
-<p:sld xmlns:a="http://schemas.openxmlformats.org/drawingml/2006/main" xmlns:r="http://schemas.openxmlformats.org/officeDocument/2006/relationships" xmlns:p="http://schemas.openxmlformats.org/presentationml/2006/main">
+<p:sld xmlns:a="http://schemas.openxmlformats.org/drawingml/2006/main" xmlns:r="http://schemas.openxmlformats.org/officeDocument/2006/relationships" xmlns:p="http://schemas.openxmlformats.org/presentationml/2006/main" show="0">
   <p:cSld>
     <p:spTree>
       <p:nvGrpSpPr>
@@ -32641,7 +35919,7 @@
           <a:graphicData uri="http://schemas.openxmlformats.org/presentationml/2006/ole">
             <mc:AlternateContent xmlns:mc="http://schemas.openxmlformats.org/markup-compatibility/2006">
               <mc:Choice xmlns:v="urn:schemas-microsoft-com:vml" Requires="v">
-                <p:oleObj spid="_x0000_s31770" name="Equation" r:id="rId4" imgW="736600" imgH="533400" progId="Equation.DSMT4">
+                <p:oleObj spid="_x0000_s31776" name="Equation" r:id="rId4" imgW="736600" imgH="533400" progId="Equation.DSMT4">
                   <p:embed/>
                 </p:oleObj>
               </mc:Choice>
@@ -33395,66 +36673,22 @@
     </a:spDef>
     <a:lnDef>
       <a:spPr bwMode="auto">
-        <a:xfrm>
-          <a:off x="0" y="0"/>
-          <a:ext cx="1" cy="1"/>
-        </a:xfrm>
-        <a:custGeom>
-          <a:avLst/>
-          <a:gdLst/>
-          <a:ahLst/>
-          <a:cxnLst/>
-          <a:rect l="0" t="0" r="0" b="0"/>
-          <a:pathLst/>
-        </a:custGeom>
         <a:solidFill>
           <a:schemeClr val="accent1"/>
         </a:solidFill>
-        <a:ln w="9525" cap="flat" cmpd="sng" algn="ctr">
+        <a:ln w="31750" cap="flat" cmpd="sng" algn="ctr">
           <a:solidFill>
             <a:schemeClr val="tx1"/>
           </a:solidFill>
           <a:prstDash val="solid"/>
           <a:round/>
           <a:headEnd type="none" w="med" len="med"/>
-          <a:tailEnd type="none" w="med" len="med"/>
+          <a:tailEnd type="stealth" w="lg" len="lg"/>
         </a:ln>
         <a:effectLst/>
       </a:spPr>
-      <a:bodyPr vert="horz" wrap="square" lIns="91440" tIns="45720" rIns="91440" bIns="45720" numCol="1" anchor="t" anchorCtr="0" compatLnSpc="1">
-        <a:prstTxWarp prst="textNoShape">
-          <a:avLst/>
-        </a:prstTxWarp>
-      </a:bodyPr>
-      <a:lstStyle>
-        <a:defPPr marL="0" marR="0" indent="0" algn="l" defTabSz="914400" rtl="0" eaLnBrk="0" fontAlgn="base" latinLnBrk="0" hangingPunct="0">
-          <a:lnSpc>
-            <a:spcPct val="100000"/>
-          </a:lnSpc>
-          <a:spcBef>
-            <a:spcPct val="0"/>
-          </a:spcBef>
-          <a:spcAft>
-            <a:spcPct val="0"/>
-          </a:spcAft>
-          <a:buClrTx/>
-          <a:buSzTx/>
-          <a:buFontTx/>
-          <a:buNone/>
-          <a:tabLst/>
-          <a:defRPr kumimoji="0" lang="en-US" sz="2400" b="0" i="0" u="none" strike="noStrike" cap="none" normalizeH="0" baseline="0" smtClean="0">
-            <a:ln>
-              <a:noFill/>
-            </a:ln>
-            <a:solidFill>
-              <a:schemeClr val="tx1"/>
-            </a:solidFill>
-            <a:effectLst/>
-            <a:latin typeface="Comic Sans MS" pitchFamily="-64" charset="0"/>
-            <a:ea typeface="ＭＳ Ｐゴシック" pitchFamily="-64" charset="-128"/>
-          </a:defRPr>
-        </a:defPPr>
-      </a:lstStyle>
+      <a:bodyPr/>
+      <a:lstStyle/>
     </a:lnDef>
   </a:objectDefaults>
   <a:extraClrSchemeLst>

--- a/fall13/slidesF13/random-walks.pptx
+++ b/fall13/slidesF13/random-walks.pptx
@@ -6212,7 +6212,7 @@
           <a:graphicData uri="http://schemas.openxmlformats.org/presentationml/2006/ole">
             <mc:AlternateContent xmlns:mc="http://schemas.openxmlformats.org/markup-compatibility/2006">
               <mc:Choice xmlns:v="urn:schemas-microsoft-com:vml" Requires="v">
-                <p:oleObj spid="_x0000_s100384" name="Equation" r:id="rId4" imgW="736600" imgH="533400" progId="Equation.DSMT4">
+                <p:oleObj spid="_x0000_s100386" name="Equation" r:id="rId4" imgW="736600" imgH="533400" progId="Equation.DSMT4">
                   <p:embed/>
                 </p:oleObj>
               </mc:Choice>
@@ -7982,7 +7982,7 @@
           <a:graphicData uri="http://schemas.openxmlformats.org/presentationml/2006/ole">
             <mc:AlternateContent xmlns:mc="http://schemas.openxmlformats.org/markup-compatibility/2006">
               <mc:Choice xmlns:v="urn:schemas-microsoft-com:vml" Requires="v">
-                <p:oleObj spid="_x0000_s162848" name="Equation" r:id="rId4" imgW="736600" imgH="533400" progId="Equation.DSMT4">
+                <p:oleObj spid="_x0000_s162850" name="Equation" r:id="rId4" imgW="736600" imgH="533400" progId="Equation.DSMT4">
                   <p:embed/>
                 </p:oleObj>
               </mc:Choice>
@@ -10206,7 +10206,7 @@
           <a:graphicData uri="http://schemas.openxmlformats.org/presentationml/2006/ole">
             <mc:AlternateContent xmlns:mc="http://schemas.openxmlformats.org/markup-compatibility/2006">
               <mc:Choice xmlns:v="urn:schemas-microsoft-com:vml" Requires="v">
-                <p:oleObj spid="_x0000_s102432" name="Equation" r:id="rId4" imgW="901700" imgH="533400" progId="Equation.DSMT4">
+                <p:oleObj spid="_x0000_s102434" name="Equation" r:id="rId4" imgW="901700" imgH="533400" progId="Equation.DSMT4">
                   <p:embed/>
                 </p:oleObj>
               </mc:Choice>
@@ -14843,7 +14843,7 @@
           <a:graphicData uri="http://schemas.openxmlformats.org/presentationml/2006/ole">
             <mc:AlternateContent xmlns:mc="http://schemas.openxmlformats.org/markup-compatibility/2006">
               <mc:Choice xmlns:v="urn:schemas-microsoft-com:vml" Requires="v">
-                <p:oleObj spid="_x0000_s114720" name="Equation" r:id="rId4" imgW="914400" imgH="533400" progId="Equation.DSMT4">
+                <p:oleObj spid="_x0000_s114722" name="Equation" r:id="rId4" imgW="914400" imgH="533400" progId="Equation.DSMT4">
                   <p:embed/>
                 </p:oleObj>
               </mc:Choice>
@@ -22332,8 +22332,8 @@
         </p:nvSpPr>
         <p:spPr>
           <a:xfrm>
-            <a:off x="228600" y="1371600"/>
-            <a:ext cx="8610600" cy="4191000"/>
+            <a:off x="228600" y="1219200"/>
+            <a:ext cx="8763000" cy="4419600"/>
           </a:xfrm>
         </p:spPr>
         <p:txBody>
@@ -22886,7 +22886,7 @@
         </p:nvGrpSpPr>
         <p:grpSpPr>
           <a:xfrm>
-            <a:off x="3593015" y="4648200"/>
+            <a:off x="3593015" y="4504730"/>
             <a:ext cx="521785" cy="923330"/>
             <a:chOff x="1981200" y="4572000"/>
             <a:chExt cx="521785" cy="923330"/>
@@ -22964,7 +22964,7 @@
         </p:nvGrpSpPr>
         <p:grpSpPr>
           <a:xfrm>
-            <a:off x="5117015" y="4639270"/>
+            <a:off x="5117015" y="4495800"/>
             <a:ext cx="521785" cy="923330"/>
             <a:chOff x="1981200" y="4572000"/>
             <a:chExt cx="521785" cy="923330"/>
@@ -30354,7 +30354,7 @@
           <a:graphicData uri="http://schemas.openxmlformats.org/presentationml/2006/ole">
             <mc:AlternateContent xmlns:mc="http://schemas.openxmlformats.org/markup-compatibility/2006">
               <mc:Choice xmlns:v="urn:schemas-microsoft-com:vml" Requires="v">
-                <p:oleObj spid="_x0000_s27680" name="Equation" r:id="rId4" imgW="736600" imgH="533400" progId="Equation.DSMT4">
+                <p:oleObj spid="_x0000_s27682" name="Equation" r:id="rId4" imgW="736600" imgH="533400" progId="Equation.DSMT4">
                   <p:embed/>
                 </p:oleObj>
               </mc:Choice>
@@ -35919,7 +35919,7 @@
           <a:graphicData uri="http://schemas.openxmlformats.org/presentationml/2006/ole">
             <mc:AlternateContent xmlns:mc="http://schemas.openxmlformats.org/markup-compatibility/2006">
               <mc:Choice xmlns:v="urn:schemas-microsoft-com:vml" Requires="v">
-                <p:oleObj spid="_x0000_s31776" name="Equation" r:id="rId4" imgW="736600" imgH="533400" progId="Equation.DSMT4">
+                <p:oleObj spid="_x0000_s31778" name="Equation" r:id="rId4" imgW="736600" imgH="533400" progId="Equation.DSMT4">
                   <p:embed/>
                 </p:oleObj>
               </mc:Choice>

--- a/fall13/slidesF13/random-walks.pptx
+++ b/fall13/slidesF13/random-walks.pptx
@@ -2954,41 +2954,6 @@
       </p:sp>
       <p:sp>
         <p:nvSpPr>
-          <p:cNvPr id="4" name="Date Placeholder 3"/>
-          <p:cNvSpPr>
-            <a:spLocks noGrp="1"/>
-          </p:cNvSpPr>
-          <p:nvPr>
-            <p:ph type="dt" sz="half" idx="10"/>
-          </p:nvPr>
-        </p:nvSpPr>
-        <p:spPr>
-          <a:xfrm>
-            <a:off x="3124200" y="6553200"/>
-            <a:ext cx="2863850" cy="228600"/>
-          </a:xfrm>
-        </p:spPr>
-        <p:txBody>
-          <a:bodyPr/>
-          <a:lstStyle>
-            <a:lvl1pPr>
-              <a:defRPr/>
-            </a:lvl1pPr>
-          </a:lstStyle>
-          <a:p>
-            <a:pPr>
-              <a:defRPr/>
-            </a:pPr>
-            <a:r>
-              <a:rPr lang="en-US" dirty="0" smtClean="0"/>
-              <a:t>May 16, 2012</a:t>
-            </a:r>
-            <a:endParaRPr lang="en-US" dirty="0"/>
-          </a:p>
-        </p:txBody>
-      </p:sp>
-      <p:sp>
-        <p:nvSpPr>
           <p:cNvPr id="6" name="Slide Number Placeholder 5"/>
           <p:cNvSpPr>
             <a:spLocks noGrp="1"/>
@@ -3026,6 +2991,59 @@
             <a:pPr>
               <a:defRPr/>
             </a:pPr>
+            <a:endParaRPr lang="en-US" dirty="0"/>
+          </a:p>
+        </p:txBody>
+      </p:sp>
+      <p:sp>
+        <p:nvSpPr>
+          <p:cNvPr id="7" name="Rectangle 4"/>
+          <p:cNvSpPr>
+            <a:spLocks noGrp="1" noChangeArrowheads="1"/>
+          </p:cNvSpPr>
+          <p:nvPr>
+            <p:ph type="dt" sz="half" idx="2"/>
+          </p:nvPr>
+        </p:nvSpPr>
+        <p:spPr bwMode="auto">
+          <a:xfrm>
+            <a:off x="3124200" y="6629400"/>
+            <a:ext cx="2863850" cy="228600"/>
+          </a:xfrm>
+          <a:prstGeom prst="rect">
+            <a:avLst/>
+          </a:prstGeom>
+          <a:noFill/>
+          <a:ln w="9525">
+            <a:noFill/>
+            <a:miter lim="800000"/>
+            <a:headEnd/>
+            <a:tailEnd/>
+          </a:ln>
+        </p:spPr>
+        <p:txBody>
+          <a:bodyPr vert="horz" wrap="square" lIns="91440" tIns="45720" rIns="91440" bIns="45720" numCol="1" anchor="t" anchorCtr="0" compatLnSpc="1">
+            <a:prstTxWarp prst="textNoShape">
+              <a:avLst/>
+            </a:prstTxWarp>
+          </a:bodyPr>
+          <a:lstStyle>
+            <a:lvl1pPr algn="ctr" eaLnBrk="1" hangingPunct="1">
+              <a:defRPr sz="1000">
+                <a:latin typeface="Comic Sans MS" pitchFamily="-64" charset="0"/>
+                <a:ea typeface="ＭＳ Ｐゴシック" pitchFamily="-64" charset="-128"/>
+                <a:cs typeface="+mn-cs"/>
+              </a:defRPr>
+            </a:lvl1pPr>
+          </a:lstStyle>
+          <a:p>
+            <a:pPr>
+              <a:defRPr/>
+            </a:pPr>
+            <a:r>
+              <a:rPr lang="en-US" dirty="0" smtClean="0"/>
+              <a:t>Albert R Meyer,           December 11, 2013</a:t>
+            </a:r>
             <a:endParaRPr lang="en-US" dirty="0"/>
           </a:p>
         </p:txBody>
@@ -3132,36 +3150,6 @@
       </p:sp>
       <p:sp>
         <p:nvSpPr>
-          <p:cNvPr id="4" name="Date Placeholder 3"/>
-          <p:cNvSpPr>
-            <a:spLocks noGrp="1"/>
-          </p:cNvSpPr>
-          <p:nvPr>
-            <p:ph type="dt" sz="half" idx="10"/>
-          </p:nvPr>
-        </p:nvSpPr>
-        <p:spPr/>
-        <p:txBody>
-          <a:bodyPr/>
-          <a:lstStyle>
-            <a:lvl1pPr>
-              <a:defRPr/>
-            </a:lvl1pPr>
-          </a:lstStyle>
-          <a:p>
-            <a:pPr>
-              <a:defRPr/>
-            </a:pPr>
-            <a:r>
-              <a:rPr lang="en-US" dirty="0" smtClean="0"/>
-              <a:t>May 11, 2010</a:t>
-            </a:r>
-            <a:endParaRPr lang="en-US" dirty="0"/>
-          </a:p>
-        </p:txBody>
-      </p:sp>
-      <p:sp>
-        <p:nvSpPr>
           <p:cNvPr id="6" name="Slide Number Placeholder 5"/>
           <p:cNvSpPr>
             <a:spLocks noGrp="1"/>
@@ -3199,6 +3187,59 @@
             <a:pPr>
               <a:defRPr/>
             </a:pPr>
+            <a:endParaRPr lang="en-US" dirty="0"/>
+          </a:p>
+        </p:txBody>
+      </p:sp>
+      <p:sp>
+        <p:nvSpPr>
+          <p:cNvPr id="7" name="Rectangle 4"/>
+          <p:cNvSpPr>
+            <a:spLocks noGrp="1" noChangeArrowheads="1"/>
+          </p:cNvSpPr>
+          <p:nvPr>
+            <p:ph type="dt" sz="half" idx="2"/>
+          </p:nvPr>
+        </p:nvSpPr>
+        <p:spPr bwMode="auto">
+          <a:xfrm>
+            <a:off x="3124200" y="6629400"/>
+            <a:ext cx="2863850" cy="228600"/>
+          </a:xfrm>
+          <a:prstGeom prst="rect">
+            <a:avLst/>
+          </a:prstGeom>
+          <a:noFill/>
+          <a:ln w="9525">
+            <a:noFill/>
+            <a:miter lim="800000"/>
+            <a:headEnd/>
+            <a:tailEnd/>
+          </a:ln>
+        </p:spPr>
+        <p:txBody>
+          <a:bodyPr vert="horz" wrap="square" lIns="91440" tIns="45720" rIns="91440" bIns="45720" numCol="1" anchor="t" anchorCtr="0" compatLnSpc="1">
+            <a:prstTxWarp prst="textNoShape">
+              <a:avLst/>
+            </a:prstTxWarp>
+          </a:bodyPr>
+          <a:lstStyle>
+            <a:lvl1pPr algn="ctr" eaLnBrk="1" hangingPunct="1">
+              <a:defRPr sz="1000">
+                <a:latin typeface="Comic Sans MS" pitchFamily="-64" charset="0"/>
+                <a:ea typeface="ＭＳ Ｐゴシック" pitchFamily="-64" charset="-128"/>
+                <a:cs typeface="+mn-cs"/>
+              </a:defRPr>
+            </a:lvl1pPr>
+          </a:lstStyle>
+          <a:p>
+            <a:pPr>
+              <a:defRPr/>
+            </a:pPr>
+            <a:r>
+              <a:rPr lang="en-US" dirty="0" smtClean="0"/>
+              <a:t>Albert R Meyer,           December 11, 2013</a:t>
+            </a:r>
             <a:endParaRPr lang="en-US" dirty="0"/>
           </a:p>
         </p:txBody>
@@ -3327,36 +3368,6 @@
       </p:sp>
       <p:sp>
         <p:nvSpPr>
-          <p:cNvPr id="4" name="Date Placeholder 3"/>
-          <p:cNvSpPr>
-            <a:spLocks noGrp="1"/>
-          </p:cNvSpPr>
-          <p:nvPr>
-            <p:ph type="dt" sz="half" idx="10"/>
-          </p:nvPr>
-        </p:nvSpPr>
-        <p:spPr/>
-        <p:txBody>
-          <a:bodyPr/>
-          <a:lstStyle>
-            <a:lvl1pPr>
-              <a:defRPr/>
-            </a:lvl1pPr>
-          </a:lstStyle>
-          <a:p>
-            <a:pPr>
-              <a:defRPr/>
-            </a:pPr>
-            <a:r>
-              <a:rPr lang="en-US" dirty="0" smtClean="0"/>
-              <a:t>May 11, 2010</a:t>
-            </a:r>
-            <a:endParaRPr lang="en-US" dirty="0"/>
-          </a:p>
-        </p:txBody>
-      </p:sp>
-      <p:sp>
-        <p:nvSpPr>
           <p:cNvPr id="6" name="Slide Number Placeholder 5"/>
           <p:cNvSpPr>
             <a:spLocks noGrp="1"/>
@@ -3394,6 +3405,59 @@
             <a:pPr>
               <a:defRPr/>
             </a:pPr>
+            <a:endParaRPr lang="en-US" dirty="0"/>
+          </a:p>
+        </p:txBody>
+      </p:sp>
+      <p:sp>
+        <p:nvSpPr>
+          <p:cNvPr id="7" name="Rectangle 4"/>
+          <p:cNvSpPr>
+            <a:spLocks noGrp="1" noChangeArrowheads="1"/>
+          </p:cNvSpPr>
+          <p:nvPr>
+            <p:ph type="dt" sz="half" idx="2"/>
+          </p:nvPr>
+        </p:nvSpPr>
+        <p:spPr bwMode="auto">
+          <a:xfrm>
+            <a:off x="3124200" y="6629400"/>
+            <a:ext cx="2863850" cy="228600"/>
+          </a:xfrm>
+          <a:prstGeom prst="rect">
+            <a:avLst/>
+          </a:prstGeom>
+          <a:noFill/>
+          <a:ln w="9525">
+            <a:noFill/>
+            <a:miter lim="800000"/>
+            <a:headEnd/>
+            <a:tailEnd/>
+          </a:ln>
+        </p:spPr>
+        <p:txBody>
+          <a:bodyPr vert="horz" wrap="square" lIns="91440" tIns="45720" rIns="91440" bIns="45720" numCol="1" anchor="t" anchorCtr="0" compatLnSpc="1">
+            <a:prstTxWarp prst="textNoShape">
+              <a:avLst/>
+            </a:prstTxWarp>
+          </a:bodyPr>
+          <a:lstStyle>
+            <a:lvl1pPr algn="ctr" eaLnBrk="1" hangingPunct="1">
+              <a:defRPr sz="1000">
+                <a:latin typeface="Comic Sans MS" pitchFamily="-64" charset="0"/>
+                <a:ea typeface="ＭＳ Ｐゴシック" pitchFamily="-64" charset="-128"/>
+                <a:cs typeface="+mn-cs"/>
+              </a:defRPr>
+            </a:lvl1pPr>
+          </a:lstStyle>
+          <a:p>
+            <a:pPr>
+              <a:defRPr/>
+            </a:pPr>
+            <a:r>
+              <a:rPr lang="en-US" dirty="0" smtClean="0"/>
+              <a:t>Albert R Meyer,           December 11, 2013</a:t>
+            </a:r>
             <a:endParaRPr lang="en-US" dirty="0"/>
           </a:p>
         </p:txBody>
@@ -3448,36 +3512,6 @@
       </p:sp>
       <p:sp>
         <p:nvSpPr>
-          <p:cNvPr id="3" name="Date Placeholder 2"/>
-          <p:cNvSpPr>
-            <a:spLocks noGrp="1"/>
-          </p:cNvSpPr>
-          <p:nvPr>
-            <p:ph type="dt" sz="half" idx="10"/>
-          </p:nvPr>
-        </p:nvSpPr>
-        <p:spPr/>
-        <p:txBody>
-          <a:bodyPr/>
-          <a:lstStyle>
-            <a:lvl1pPr>
-              <a:defRPr/>
-            </a:lvl1pPr>
-          </a:lstStyle>
-          <a:p>
-            <a:pPr>
-              <a:defRPr/>
-            </a:pPr>
-            <a:r>
-              <a:rPr lang="en-US" dirty="0" smtClean="0"/>
-              <a:t>May 11, 2010</a:t>
-            </a:r>
-            <a:endParaRPr lang="en-US" dirty="0"/>
-          </a:p>
-        </p:txBody>
-      </p:sp>
-      <p:sp>
-        <p:nvSpPr>
           <p:cNvPr id="5" name="Slide Number Placeholder 4"/>
           <p:cNvSpPr>
             <a:spLocks noGrp="1"/>
@@ -3515,6 +3549,59 @@
             <a:pPr>
               <a:defRPr/>
             </a:pPr>
+            <a:endParaRPr lang="en-US" dirty="0"/>
+          </a:p>
+        </p:txBody>
+      </p:sp>
+      <p:sp>
+        <p:nvSpPr>
+          <p:cNvPr id="6" name="Rectangle 4"/>
+          <p:cNvSpPr>
+            <a:spLocks noGrp="1" noChangeArrowheads="1"/>
+          </p:cNvSpPr>
+          <p:nvPr>
+            <p:ph type="dt" sz="half" idx="2"/>
+          </p:nvPr>
+        </p:nvSpPr>
+        <p:spPr bwMode="auto">
+          <a:xfrm>
+            <a:off x="3124200" y="6629400"/>
+            <a:ext cx="2863850" cy="228600"/>
+          </a:xfrm>
+          <a:prstGeom prst="rect">
+            <a:avLst/>
+          </a:prstGeom>
+          <a:noFill/>
+          <a:ln w="9525">
+            <a:noFill/>
+            <a:miter lim="800000"/>
+            <a:headEnd/>
+            <a:tailEnd/>
+          </a:ln>
+        </p:spPr>
+        <p:txBody>
+          <a:bodyPr vert="horz" wrap="square" lIns="91440" tIns="45720" rIns="91440" bIns="45720" numCol="1" anchor="t" anchorCtr="0" compatLnSpc="1">
+            <a:prstTxWarp prst="textNoShape">
+              <a:avLst/>
+            </a:prstTxWarp>
+          </a:bodyPr>
+          <a:lstStyle>
+            <a:lvl1pPr algn="ctr" eaLnBrk="1" hangingPunct="1">
+              <a:defRPr sz="1000">
+                <a:latin typeface="Comic Sans MS" pitchFamily="-64" charset="0"/>
+                <a:ea typeface="ＭＳ Ｐゴシック" pitchFamily="-64" charset="-128"/>
+                <a:cs typeface="+mn-cs"/>
+              </a:defRPr>
+            </a:lvl1pPr>
+          </a:lstStyle>
+          <a:p>
+            <a:pPr>
+              <a:defRPr/>
+            </a:pPr>
+            <a:r>
+              <a:rPr lang="en-US" dirty="0" smtClean="0"/>
+              <a:t>Albert R Meyer,           December 11, 2013</a:t>
+            </a:r>
             <a:endParaRPr lang="en-US" dirty="0"/>
           </a:p>
         </p:txBody>
@@ -3546,36 +3633,6 @@
       </p:grpSpPr>
       <p:sp>
         <p:nvSpPr>
-          <p:cNvPr id="2" name="Date Placeholder 1"/>
-          <p:cNvSpPr>
-            <a:spLocks noGrp="1"/>
-          </p:cNvSpPr>
-          <p:nvPr>
-            <p:ph type="dt" sz="half" idx="10"/>
-          </p:nvPr>
-        </p:nvSpPr>
-        <p:spPr/>
-        <p:txBody>
-          <a:bodyPr/>
-          <a:lstStyle>
-            <a:lvl1pPr>
-              <a:defRPr/>
-            </a:lvl1pPr>
-          </a:lstStyle>
-          <a:p>
-            <a:pPr>
-              <a:defRPr/>
-            </a:pPr>
-            <a:r>
-              <a:rPr lang="en-US" dirty="0" smtClean="0"/>
-              <a:t>May 11, 2010</a:t>
-            </a:r>
-            <a:endParaRPr lang="en-US" dirty="0"/>
-          </a:p>
-        </p:txBody>
-      </p:sp>
-      <p:sp>
-        <p:nvSpPr>
           <p:cNvPr id="4" name="Slide Number Placeholder 3"/>
           <p:cNvSpPr>
             <a:spLocks noGrp="1"/>
@@ -3613,6 +3670,59 @@
             <a:pPr>
               <a:defRPr/>
             </a:pPr>
+            <a:endParaRPr lang="en-US" dirty="0"/>
+          </a:p>
+        </p:txBody>
+      </p:sp>
+      <p:sp>
+        <p:nvSpPr>
+          <p:cNvPr id="5" name="Date Placeholder 4"/>
+          <p:cNvSpPr>
+            <a:spLocks noGrp="1" noChangeArrowheads="1"/>
+          </p:cNvSpPr>
+          <p:nvPr>
+            <p:ph type="dt" sz="half" idx="2"/>
+          </p:nvPr>
+        </p:nvSpPr>
+        <p:spPr bwMode="auto">
+          <a:xfrm>
+            <a:off x="3124200" y="6629400"/>
+            <a:ext cx="2863850" cy="228600"/>
+          </a:xfrm>
+          <a:prstGeom prst="rect">
+            <a:avLst/>
+          </a:prstGeom>
+          <a:noFill/>
+          <a:ln w="9525">
+            <a:noFill/>
+            <a:miter lim="800000"/>
+            <a:headEnd/>
+            <a:tailEnd/>
+          </a:ln>
+        </p:spPr>
+        <p:txBody>
+          <a:bodyPr vert="horz" wrap="square" lIns="91440" tIns="45720" rIns="91440" bIns="45720" numCol="1" anchor="t" anchorCtr="0" compatLnSpc="1">
+            <a:prstTxWarp prst="textNoShape">
+              <a:avLst/>
+            </a:prstTxWarp>
+          </a:bodyPr>
+          <a:lstStyle>
+            <a:lvl1pPr algn="ctr" eaLnBrk="1" hangingPunct="1">
+              <a:defRPr sz="1000">
+                <a:latin typeface="Comic Sans MS" pitchFamily="-64" charset="0"/>
+                <a:ea typeface="ＭＳ Ｐゴシック" pitchFamily="-64" charset="-128"/>
+                <a:cs typeface="+mn-cs"/>
+              </a:defRPr>
+            </a:lvl1pPr>
+          </a:lstStyle>
+          <a:p>
+            <a:pPr>
+              <a:defRPr/>
+            </a:pPr>
+            <a:r>
+              <a:rPr lang="en-US" dirty="0" smtClean="0"/>
+              <a:t>Albert R Meyer,           December 11, 2013</a:t>
+            </a:r>
             <a:endParaRPr lang="en-US" dirty="0"/>
           </a:p>
         </p:txBody>
@@ -3803,36 +3913,6 @@
       </p:sp>
       <p:sp>
         <p:nvSpPr>
-          <p:cNvPr id="5" name="Date Placeholder 4"/>
-          <p:cNvSpPr>
-            <a:spLocks noGrp="1"/>
-          </p:cNvSpPr>
-          <p:nvPr>
-            <p:ph type="dt" sz="half" idx="10"/>
-          </p:nvPr>
-        </p:nvSpPr>
-        <p:spPr/>
-        <p:txBody>
-          <a:bodyPr/>
-          <a:lstStyle>
-            <a:lvl1pPr>
-              <a:defRPr/>
-            </a:lvl1pPr>
-          </a:lstStyle>
-          <a:p>
-            <a:pPr>
-              <a:defRPr/>
-            </a:pPr>
-            <a:r>
-              <a:rPr lang="en-US" dirty="0" smtClean="0"/>
-              <a:t>May 11, 2010</a:t>
-            </a:r>
-            <a:endParaRPr lang="en-US" dirty="0"/>
-          </a:p>
-        </p:txBody>
-      </p:sp>
-      <p:sp>
-        <p:nvSpPr>
           <p:cNvPr id="7" name="Slide Number Placeholder 6"/>
           <p:cNvSpPr>
             <a:spLocks noGrp="1"/>
@@ -3870,6 +3950,59 @@
             <a:pPr>
               <a:defRPr/>
             </a:pPr>
+            <a:endParaRPr lang="en-US" dirty="0"/>
+          </a:p>
+        </p:txBody>
+      </p:sp>
+      <p:sp>
+        <p:nvSpPr>
+          <p:cNvPr id="8" name="Rectangle 4"/>
+          <p:cNvSpPr>
+            <a:spLocks noGrp="1" noChangeArrowheads="1"/>
+          </p:cNvSpPr>
+          <p:nvPr>
+            <p:ph type="dt" sz="half" idx="13"/>
+          </p:nvPr>
+        </p:nvSpPr>
+        <p:spPr bwMode="auto">
+          <a:xfrm>
+            <a:off x="3124200" y="6629400"/>
+            <a:ext cx="2863850" cy="228600"/>
+          </a:xfrm>
+          <a:prstGeom prst="rect">
+            <a:avLst/>
+          </a:prstGeom>
+          <a:noFill/>
+          <a:ln w="9525">
+            <a:noFill/>
+            <a:miter lim="800000"/>
+            <a:headEnd/>
+            <a:tailEnd/>
+          </a:ln>
+        </p:spPr>
+        <p:txBody>
+          <a:bodyPr vert="horz" wrap="square" lIns="91440" tIns="45720" rIns="91440" bIns="45720" numCol="1" anchor="t" anchorCtr="0" compatLnSpc="1">
+            <a:prstTxWarp prst="textNoShape">
+              <a:avLst/>
+            </a:prstTxWarp>
+          </a:bodyPr>
+          <a:lstStyle>
+            <a:lvl1pPr algn="ctr" eaLnBrk="1" hangingPunct="1">
+              <a:defRPr sz="1000">
+                <a:latin typeface="Comic Sans MS" pitchFamily="-64" charset="0"/>
+                <a:ea typeface="ＭＳ Ｐゴシック" pitchFamily="-64" charset="-128"/>
+                <a:cs typeface="+mn-cs"/>
+              </a:defRPr>
+            </a:lvl1pPr>
+          </a:lstStyle>
+          <a:p>
+            <a:pPr>
+              <a:defRPr/>
+            </a:pPr>
+            <a:r>
+              <a:rPr lang="en-US" dirty="0" smtClean="0"/>
+              <a:t>Albert R Meyer,           December 11, 2013</a:t>
+            </a:r>
             <a:endParaRPr lang="en-US" dirty="0"/>
           </a:p>
         </p:txBody>
@@ -4802,7 +4935,7 @@
             <a:spLocks noGrp="1" noChangeArrowheads="1"/>
           </p:cNvSpPr>
           <p:nvPr>
-            <p:ph type="dt" sz="half" idx="4294967295"/>
+            <p:ph type="dt" sz="half" idx="2"/>
           </p:nvPr>
         </p:nvSpPr>
         <p:spPr bwMode="auto">
@@ -4842,7 +4975,7 @@
             </a:pPr>
             <a:r>
               <a:rPr lang="en-US" dirty="0" smtClean="0"/>
-              <a:t>Albert R Meyer,                       May 16, 2012</a:t>
+              <a:t>Albert R Meyer,        December 6, 2013</a:t>
             </a:r>
             <a:endParaRPr lang="en-US" dirty="0"/>
           </a:p>
@@ -6013,7 +6146,7 @@
             <a:spLocks noGrp="1" noChangeArrowheads="1"/>
           </p:cNvSpPr>
           <p:nvPr>
-            <p:ph type="dt" sz="half" idx="4294967295"/>
+            <p:ph type="dt" sz="half" idx="2"/>
           </p:nvPr>
         </p:nvSpPr>
         <p:spPr bwMode="auto">
@@ -6053,7 +6186,7 @@
             </a:pPr>
             <a:r>
               <a:rPr lang="en-US" dirty="0" smtClean="0"/>
-              <a:t>Albert R Meyer,                       May 16, 2012</a:t>
+              <a:t>Albert R Meyer,               December 6, 2013</a:t>
             </a:r>
             <a:endParaRPr lang="en-US" dirty="0"/>
           </a:p>
@@ -6212,7 +6345,7 @@
           <a:graphicData uri="http://schemas.openxmlformats.org/presentationml/2006/ole">
             <mc:AlternateContent xmlns:mc="http://schemas.openxmlformats.org/markup-compatibility/2006">
               <mc:Choice xmlns:v="urn:schemas-microsoft-com:vml" Requires="v">
-                <p:oleObj spid="_x0000_s100386" name="Equation" r:id="rId4" imgW="736600" imgH="533400" progId="Equation.DSMT4">
+                <p:oleObj spid="_x0000_s100391" name="Equation" r:id="rId4" imgW="736600" imgH="533400" progId="Equation.DSMT4">
                   <p:embed/>
                 </p:oleObj>
               </mc:Choice>
@@ -7783,7 +7916,7 @@
             <a:spLocks noGrp="1" noChangeArrowheads="1"/>
           </p:cNvSpPr>
           <p:nvPr>
-            <p:ph type="dt" sz="half" idx="4294967295"/>
+            <p:ph type="dt" sz="half" idx="2"/>
           </p:nvPr>
         </p:nvSpPr>
         <p:spPr bwMode="auto">
@@ -7823,7 +7956,7 @@
             </a:pPr>
             <a:r>
               <a:rPr lang="en-US" dirty="0" smtClean="0"/>
-              <a:t>Albert R Meyer,                       May 16, 2012</a:t>
+              <a:t>Albert R Meyer,               December 6, 2013</a:t>
             </a:r>
             <a:endParaRPr lang="en-US" dirty="0"/>
           </a:p>
@@ -7982,7 +8115,7 @@
           <a:graphicData uri="http://schemas.openxmlformats.org/presentationml/2006/ole">
             <mc:AlternateContent xmlns:mc="http://schemas.openxmlformats.org/markup-compatibility/2006">
               <mc:Choice xmlns:v="urn:schemas-microsoft-com:vml" Requires="v">
-                <p:oleObj spid="_x0000_s162850" name="Equation" r:id="rId4" imgW="736600" imgH="533400" progId="Equation.DSMT4">
+                <p:oleObj spid="_x0000_s162855" name="Equation" r:id="rId4" imgW="736600" imgH="533400" progId="Equation.DSMT4">
                   <p:embed/>
                 </p:oleObj>
               </mc:Choice>
@@ -10144,7 +10277,7 @@
             <a:spLocks noGrp="1" noChangeArrowheads="1"/>
           </p:cNvSpPr>
           <p:nvPr>
-            <p:ph type="dt" sz="half" idx="4294967295"/>
+            <p:ph type="dt" sz="half" idx="2"/>
           </p:nvPr>
         </p:nvSpPr>
         <p:spPr bwMode="auto">
@@ -10184,7 +10317,7 @@
             </a:pPr>
             <a:r>
               <a:rPr lang="en-US" dirty="0" smtClean="0"/>
-              <a:t>Albert R Meyer,                       May 16, 2012</a:t>
+              <a:t>Albert R Meyer,               December 6, 2013</a:t>
             </a:r>
             <a:endParaRPr lang="en-US" dirty="0"/>
           </a:p>
@@ -10206,7 +10339,7 @@
           <a:graphicData uri="http://schemas.openxmlformats.org/presentationml/2006/ole">
             <mc:AlternateContent xmlns:mc="http://schemas.openxmlformats.org/markup-compatibility/2006">
               <mc:Choice xmlns:v="urn:schemas-microsoft-com:vml" Requires="v">
-                <p:oleObj spid="_x0000_s102434" name="Equation" r:id="rId4" imgW="901700" imgH="533400" progId="Equation.DSMT4">
+                <p:oleObj spid="_x0000_s102439" name="Equation" r:id="rId4" imgW="901700" imgH="533400" progId="Equation.DSMT4">
                   <p:embed/>
                 </p:oleObj>
               </mc:Choice>
@@ -11415,7 +11548,7 @@
             <a:spLocks noGrp="1" noChangeArrowheads="1"/>
           </p:cNvSpPr>
           <p:nvPr>
-            <p:ph type="dt" sz="half" idx="4294967295"/>
+            <p:ph type="dt" sz="half" idx="2"/>
           </p:nvPr>
         </p:nvSpPr>
         <p:spPr bwMode="auto">
@@ -11455,7 +11588,7 @@
             </a:pPr>
             <a:r>
               <a:rPr lang="en-US" dirty="0" smtClean="0"/>
-              <a:t>Albert R Meyer,                       May 16, 2012</a:t>
+              <a:t>Albert R Meyer,               December 6, 2013</a:t>
             </a:r>
             <a:endParaRPr lang="en-US" dirty="0"/>
           </a:p>
@@ -11974,7 +12107,7 @@
             <a:spLocks noGrp="1" noChangeArrowheads="1"/>
           </p:cNvSpPr>
           <p:nvPr>
-            <p:ph type="dt" sz="half" idx="4294967295"/>
+            <p:ph type="dt" sz="half" idx="2"/>
           </p:nvPr>
         </p:nvSpPr>
         <p:spPr bwMode="auto">
@@ -12014,7 +12147,7 @@
             </a:pPr>
             <a:r>
               <a:rPr lang="en-US" dirty="0" smtClean="0"/>
-              <a:t>Albert R Meyer,                       May 16, 2012</a:t>
+              <a:t>Albert R Meyer,               December 6, 2013</a:t>
             </a:r>
             <a:endParaRPr lang="en-US" dirty="0"/>
           </a:p>
@@ -13639,7 +13772,7 @@
             <a:spLocks noGrp="1" noChangeArrowheads="1"/>
           </p:cNvSpPr>
           <p:nvPr>
-            <p:ph type="dt" sz="half" idx="4294967295"/>
+            <p:ph type="dt" sz="half" idx="2"/>
           </p:nvPr>
         </p:nvSpPr>
         <p:spPr bwMode="auto">
@@ -13679,7 +13812,7 @@
             </a:pPr>
             <a:r>
               <a:rPr lang="en-US" dirty="0" smtClean="0"/>
-              <a:t>Albert R Meyer,                       May 16, 2012</a:t>
+              <a:t>Albert R Meyer,               December 6, 2013</a:t>
             </a:r>
             <a:endParaRPr lang="en-US" dirty="0"/>
           </a:p>
@@ -14781,7 +14914,7 @@
             <a:spLocks noGrp="1" noChangeArrowheads="1"/>
           </p:cNvSpPr>
           <p:nvPr>
-            <p:ph type="dt" sz="half" idx="4294967295"/>
+            <p:ph type="dt" sz="half" idx="2"/>
           </p:nvPr>
         </p:nvSpPr>
         <p:spPr bwMode="auto">
@@ -14821,7 +14954,7 @@
             </a:pPr>
             <a:r>
               <a:rPr lang="en-US" dirty="0" smtClean="0"/>
-              <a:t>Albert R Meyer,                       May 16, 2012</a:t>
+              <a:t>Albert R Meyer,               December 6, 2013</a:t>
             </a:r>
             <a:endParaRPr lang="en-US" dirty="0"/>
           </a:p>
@@ -14843,7 +14976,7 @@
           <a:graphicData uri="http://schemas.openxmlformats.org/presentationml/2006/ole">
             <mc:AlternateContent xmlns:mc="http://schemas.openxmlformats.org/markup-compatibility/2006">
               <mc:Choice xmlns:v="urn:schemas-microsoft-com:vml" Requires="v">
-                <p:oleObj spid="_x0000_s114722" name="Equation" r:id="rId4" imgW="914400" imgH="533400" progId="Equation.DSMT4">
+                <p:oleObj spid="_x0000_s114727" name="Equation" r:id="rId4" imgW="914400" imgH="533400" progId="Equation.DSMT4">
                   <p:embed/>
                 </p:oleObj>
               </mc:Choice>
@@ -16147,7 +16280,7 @@
             <a:spLocks noGrp="1" noChangeArrowheads="1"/>
           </p:cNvSpPr>
           <p:nvPr>
-            <p:ph type="dt" sz="half" idx="4294967295"/>
+            <p:ph type="dt" sz="half" idx="2"/>
           </p:nvPr>
         </p:nvSpPr>
         <p:spPr bwMode="auto">
@@ -16187,7 +16320,7 @@
             </a:pPr>
             <a:r>
               <a:rPr lang="en-US" dirty="0" smtClean="0"/>
-              <a:t>Albert R Meyer,                       May 16, 2012</a:t>
+              <a:t>Albert R Meyer,               December 6, 2013</a:t>
             </a:r>
             <a:endParaRPr lang="en-US" dirty="0"/>
           </a:p>
@@ -16741,10 +16874,15 @@
             <a:spLocks noGrp="1"/>
           </p:cNvSpPr>
           <p:nvPr>
-            <p:ph type="dt" sz="half" idx="10"/>
+            <p:ph type="dt" sz="half" idx="2"/>
           </p:nvPr>
         </p:nvSpPr>
-        <p:spPr/>
+        <p:spPr>
+          <a:xfrm>
+            <a:off x="3124200" y="6629400"/>
+            <a:ext cx="2863850" cy="228600"/>
+          </a:xfrm>
+        </p:spPr>
         <p:txBody>
           <a:bodyPr/>
           <a:lstStyle/>
@@ -16753,8 +16891,8 @@
               <a:defRPr/>
             </a:pPr>
             <a:r>
-              <a:rPr lang="en-US" smtClean="0"/>
-              <a:t>May 11, 2010</a:t>
+              <a:rPr lang="en-US" dirty="0" smtClean="0"/>
+              <a:t>December 6, 2013</a:t>
             </a:r>
             <a:endParaRPr lang="en-US" dirty="0"/>
           </a:p>
@@ -19364,7 +19502,7 @@
             <a:spLocks noGrp="1" noChangeArrowheads="1"/>
           </p:cNvSpPr>
           <p:nvPr>
-            <p:ph type="dt" sz="half" idx="4294967295"/>
+            <p:ph type="dt" sz="half" idx="2"/>
           </p:nvPr>
         </p:nvSpPr>
         <p:spPr bwMode="auto">
@@ -19404,7 +19542,7 @@
             </a:pPr>
             <a:r>
               <a:rPr lang="en-US" dirty="0" smtClean="0"/>
-              <a:t>Albert R Meyer,                       May 16, 2012</a:t>
+              <a:t>Albert R Meyer,               December 6, 2013</a:t>
             </a:r>
             <a:endParaRPr lang="en-US" dirty="0"/>
           </a:p>
@@ -19707,7 +19845,7 @@
             <a:spLocks noGrp="1" noChangeArrowheads="1"/>
           </p:cNvSpPr>
           <p:nvPr>
-            <p:ph type="dt" sz="half" idx="4294967295"/>
+            <p:ph type="dt" sz="half" idx="2"/>
           </p:nvPr>
         </p:nvSpPr>
         <p:spPr bwMode="auto">
@@ -19747,7 +19885,7 @@
             </a:pPr>
             <a:r>
               <a:rPr lang="en-US" dirty="0" smtClean="0"/>
-              <a:t>Albert R Meyer,                       May 16, 2012</a:t>
+              <a:t>Albert R Meyer,               December 6, 2013</a:t>
             </a:r>
             <a:endParaRPr lang="en-US" dirty="0"/>
           </a:p>
@@ -19981,7 +20119,7 @@
 </file>
 
 <file path=ppt/slides/slide20.xml><?xml version="1.0" encoding="utf-8"?>
-<p:sld xmlns:a="http://schemas.openxmlformats.org/drawingml/2006/main" xmlns:r="http://schemas.openxmlformats.org/officeDocument/2006/relationships" xmlns:p="http://schemas.openxmlformats.org/presentationml/2006/main">
+<p:sld xmlns:a="http://schemas.openxmlformats.org/drawingml/2006/main" xmlns:r="http://schemas.openxmlformats.org/officeDocument/2006/relationships" xmlns:p="http://schemas.openxmlformats.org/presentationml/2006/main" show="0">
   <p:cSld>
     <p:spTree>
       <p:nvGrpSpPr>
@@ -20178,7 +20316,7 @@
             <a:spLocks noGrp="1" noChangeArrowheads="1"/>
           </p:cNvSpPr>
           <p:nvPr>
-            <p:ph type="dt" sz="half" idx="4294967295"/>
+            <p:ph type="dt" sz="half" idx="2"/>
           </p:nvPr>
         </p:nvSpPr>
         <p:spPr bwMode="auto">
@@ -20218,7 +20356,7 @@
             </a:pPr>
             <a:r>
               <a:rPr lang="en-US" dirty="0" smtClean="0"/>
-              <a:t>Albert R Meyer,                       May 16, 2012</a:t>
+              <a:t>Albert R Meyer,               December 6, 2013</a:t>
             </a:r>
             <a:endParaRPr lang="en-US" dirty="0"/>
           </a:p>
@@ -20424,7 +20562,7 @@
 </file>
 
 <file path=ppt/slides/slide21.xml><?xml version="1.0" encoding="utf-8"?>
-<p:sld xmlns:a="http://schemas.openxmlformats.org/drawingml/2006/main" xmlns:r="http://schemas.openxmlformats.org/officeDocument/2006/relationships" xmlns:p="http://schemas.openxmlformats.org/presentationml/2006/main">
+<p:sld xmlns:a="http://schemas.openxmlformats.org/drawingml/2006/main" xmlns:r="http://schemas.openxmlformats.org/officeDocument/2006/relationships" xmlns:p="http://schemas.openxmlformats.org/presentationml/2006/main" show="0">
   <p:cSld>
     <p:spTree>
       <p:nvGrpSpPr>
@@ -20604,7 +20742,7 @@
             <a:spLocks noGrp="1" noChangeArrowheads="1"/>
           </p:cNvSpPr>
           <p:nvPr>
-            <p:ph type="dt" sz="half" idx="4294967295"/>
+            <p:ph type="dt" sz="half" idx="2"/>
           </p:nvPr>
         </p:nvSpPr>
         <p:spPr bwMode="auto">
@@ -20644,7 +20782,7 @@
             </a:pPr>
             <a:r>
               <a:rPr lang="en-US" dirty="0" smtClean="0"/>
-              <a:t>Albert R Meyer,                       May 16, 2012</a:t>
+              <a:t>Albert R Meyer,               December 6, 2013</a:t>
             </a:r>
             <a:endParaRPr lang="en-US" dirty="0"/>
           </a:p>
@@ -20944,7 +21082,7 @@
 </file>
 
 <file path=ppt/slides/slide22.xml><?xml version="1.0" encoding="utf-8"?>
-<p:sld xmlns:a="http://schemas.openxmlformats.org/drawingml/2006/main" xmlns:r="http://schemas.openxmlformats.org/officeDocument/2006/relationships" xmlns:p="http://schemas.openxmlformats.org/presentationml/2006/main">
+<p:sld xmlns:a="http://schemas.openxmlformats.org/drawingml/2006/main" xmlns:r="http://schemas.openxmlformats.org/officeDocument/2006/relationships" xmlns:p="http://schemas.openxmlformats.org/presentationml/2006/main" show="0">
   <p:cSld>
     <p:spTree>
       <p:nvGrpSpPr>
@@ -21321,7 +21459,7 @@
             <a:spLocks noGrp="1" noChangeArrowheads="1"/>
           </p:cNvSpPr>
           <p:nvPr>
-            <p:ph type="dt" sz="half" idx="4294967295"/>
+            <p:ph type="dt" sz="half" idx="2"/>
           </p:nvPr>
         </p:nvSpPr>
         <p:spPr bwMode="auto">
@@ -21361,7 +21499,7 @@
             </a:pPr>
             <a:r>
               <a:rPr lang="en-US" dirty="0" smtClean="0"/>
-              <a:t>Albert R Meyer,                       May 16, 2012</a:t>
+              <a:t>Albert R Meyer,               December 6, 2013</a:t>
             </a:r>
             <a:endParaRPr lang="en-US" dirty="0"/>
           </a:p>
@@ -21806,7 +21944,7 @@
 </file>
 
 <file path=ppt/slides/slide23.xml><?xml version="1.0" encoding="utf-8"?>
-<p:sld xmlns:a="http://schemas.openxmlformats.org/drawingml/2006/main" xmlns:r="http://schemas.openxmlformats.org/officeDocument/2006/relationships" xmlns:p="http://schemas.openxmlformats.org/presentationml/2006/main">
+<p:sld xmlns:a="http://schemas.openxmlformats.org/drawingml/2006/main" xmlns:r="http://schemas.openxmlformats.org/officeDocument/2006/relationships" xmlns:p="http://schemas.openxmlformats.org/presentationml/2006/main" show="0">
   <p:cSld>
     <p:spTree>
       <p:nvGrpSpPr>
@@ -21936,7 +22074,7 @@
             <a:spLocks noGrp="1" noChangeArrowheads="1"/>
           </p:cNvSpPr>
           <p:nvPr>
-            <p:ph type="dt" sz="half" idx="4294967295"/>
+            <p:ph type="dt" sz="half" idx="2"/>
           </p:nvPr>
         </p:nvSpPr>
         <p:spPr bwMode="auto">
@@ -21976,7 +22114,7 @@
             </a:pPr>
             <a:r>
               <a:rPr lang="en-US" dirty="0" smtClean="0"/>
-              <a:t>Albert R Meyer,                       May 16, 2012</a:t>
+              <a:t>Albert R Meyer,               December 6, 2013</a:t>
             </a:r>
             <a:endParaRPr lang="en-US" dirty="0"/>
           </a:p>
@@ -22304,7 +22442,7 @@
 </file>
 
 <file path=ppt/slides/slide24.xml><?xml version="1.0" encoding="utf-8"?>
-<p:sld xmlns:a="http://schemas.openxmlformats.org/drawingml/2006/main" xmlns:r="http://schemas.openxmlformats.org/officeDocument/2006/relationships" xmlns:p="http://schemas.openxmlformats.org/presentationml/2006/main">
+<p:sld xmlns:a="http://schemas.openxmlformats.org/drawingml/2006/main" xmlns:r="http://schemas.openxmlformats.org/officeDocument/2006/relationships" xmlns:p="http://schemas.openxmlformats.org/presentationml/2006/main" show="0">
   <p:cSld>
     <p:spTree>
       <p:nvGrpSpPr>
@@ -22487,10 +22625,15 @@
             <a:spLocks noGrp="1"/>
           </p:cNvSpPr>
           <p:nvPr>
-            <p:ph type="dt" sz="half" idx="10"/>
+            <p:ph type="dt" sz="half" idx="2"/>
           </p:nvPr>
         </p:nvSpPr>
-        <p:spPr/>
+        <p:spPr>
+          <a:xfrm>
+            <a:off x="3124200" y="6629400"/>
+            <a:ext cx="2863850" cy="228600"/>
+          </a:xfrm>
+        </p:spPr>
         <p:txBody>
           <a:bodyPr/>
           <a:lstStyle/>
@@ -22499,8 +22642,8 @@
               <a:defRPr/>
             </a:pPr>
             <a:r>
-              <a:rPr lang="en-US" smtClean="0"/>
-              <a:t>May 11, 2010</a:t>
+              <a:rPr lang="en-US" dirty="0" smtClean="0"/>
+              <a:t>December 6, 2013</a:t>
             </a:r>
             <a:endParaRPr lang="en-US" dirty="0"/>
           </a:p>
@@ -23044,6 +23187,14 @@
   <p:clrMapOvr>
     <a:masterClrMapping/>
   </p:clrMapOvr>
+  <mc:AlternateContent xmlns:mc="http://schemas.openxmlformats.org/markup-compatibility/2006">
+    <mc:Choice xmlns:p14="http://schemas.microsoft.com/office/powerpoint/2010/main" Requires="p14">
+      <p:transition spd="slow" p14:dur="2000"/>
+    </mc:Choice>
+    <mc:Fallback>
+      <p:transition xmlns:p14="http://schemas.microsoft.com/office/powerpoint/2010/main" spd="slow"/>
+    </mc:Fallback>
+  </mc:AlternateContent>
 </p:sld>
 </file>
 
@@ -24738,7 +24889,7 @@
             <a:spLocks noGrp="1" noChangeArrowheads="1"/>
           </p:cNvSpPr>
           <p:nvPr>
-            <p:ph type="dt" sz="half" idx="4294967295"/>
+            <p:ph type="dt" sz="half" idx="2"/>
           </p:nvPr>
         </p:nvSpPr>
         <p:spPr bwMode="auto">
@@ -24778,7 +24929,7 @@
             </a:pPr>
             <a:r>
               <a:rPr lang="en-US" dirty="0" smtClean="0"/>
-              <a:t>Albert R Meyer,               May 14, 2012</a:t>
+              <a:t>Albert R Meyer,        December 6, 2013</a:t>
             </a:r>
             <a:endParaRPr lang="en-US" dirty="0"/>
           </a:p>
@@ -26188,7 +26339,7 @@
             <a:spLocks noGrp="1" noChangeArrowheads="1"/>
           </p:cNvSpPr>
           <p:nvPr>
-            <p:ph type="dt" sz="half" idx="4294967295"/>
+            <p:ph type="dt" sz="half" idx="2"/>
           </p:nvPr>
         </p:nvSpPr>
         <p:spPr bwMode="auto">
@@ -26228,7 +26379,7 @@
             </a:pPr>
             <a:r>
               <a:rPr lang="en-US" dirty="0" smtClean="0"/>
-              <a:t>Albert R Meyer,                       May 16, 2012</a:t>
+              <a:t>Albert R Meyer,               December 6, 2013</a:t>
             </a:r>
             <a:endParaRPr lang="en-US" dirty="0"/>
           </a:p>
@@ -28180,7 +28331,7 @@
             <a:spLocks noGrp="1" noChangeArrowheads="1"/>
           </p:cNvSpPr>
           <p:nvPr>
-            <p:ph type="dt" sz="half" idx="4294967295"/>
+            <p:ph type="dt" sz="half" idx="2"/>
           </p:nvPr>
         </p:nvSpPr>
         <p:spPr bwMode="auto">
@@ -28220,7 +28371,7 @@
             </a:pPr>
             <a:r>
               <a:rPr lang="en-US" dirty="0" smtClean="0"/>
-              <a:t>Albert R Meyer,                       May 16, 2012</a:t>
+              <a:t>Albert R Meyer,               December 6, 2013</a:t>
             </a:r>
             <a:endParaRPr lang="en-US" dirty="0"/>
           </a:p>
@@ -30149,7 +30300,7 @@
             <a:spLocks noGrp="1" noChangeArrowheads="1"/>
           </p:cNvSpPr>
           <p:nvPr>
-            <p:ph type="dt" sz="half" idx="4294967295"/>
+            <p:ph type="dt" sz="half" idx="2"/>
           </p:nvPr>
         </p:nvSpPr>
         <p:spPr bwMode="auto">
@@ -30189,7 +30340,7 @@
             </a:pPr>
             <a:r>
               <a:rPr lang="en-US" dirty="0" smtClean="0"/>
-              <a:t>Albert R Meyer,                       May 16, 2012</a:t>
+              <a:t>Albert R Meyer,               December 6, 2013</a:t>
             </a:r>
             <a:endParaRPr lang="en-US" dirty="0"/>
           </a:p>
@@ -30354,7 +30505,7 @@
           <a:graphicData uri="http://schemas.openxmlformats.org/presentationml/2006/ole">
             <mc:AlternateContent xmlns:mc="http://schemas.openxmlformats.org/markup-compatibility/2006">
               <mc:Choice xmlns:v="urn:schemas-microsoft-com:vml" Requires="v">
-                <p:oleObj spid="_x0000_s27682" name="Equation" r:id="rId4" imgW="736600" imgH="533400" progId="Equation.DSMT4">
+                <p:oleObj spid="_x0000_s27687" name="Equation" r:id="rId4" imgW="736600" imgH="533400" progId="Equation.DSMT4">
                   <p:embed/>
                 </p:oleObj>
               </mc:Choice>
@@ -32289,7 +32440,7 @@
             <a:spLocks noGrp="1" noChangeArrowheads="1"/>
           </p:cNvSpPr>
           <p:nvPr>
-            <p:ph type="dt" sz="half" idx="4294967295"/>
+            <p:ph type="dt" sz="half" idx="2"/>
           </p:nvPr>
         </p:nvSpPr>
         <p:spPr bwMode="auto">
@@ -32329,7 +32480,7 @@
             </a:pPr>
             <a:r>
               <a:rPr lang="en-US" dirty="0" smtClean="0"/>
-              <a:t>Albert R Meyer,                       May 16, 2012</a:t>
+              <a:t>Albert R Meyer,               December 6, 2013</a:t>
             </a:r>
             <a:endParaRPr lang="en-US" dirty="0"/>
           </a:p>
@@ -34489,7 +34640,7 @@
             <a:spLocks noGrp="1" noChangeArrowheads="1"/>
           </p:cNvSpPr>
           <p:nvPr>
-            <p:ph type="dt" sz="half" idx="4294967295"/>
+            <p:ph type="dt" sz="half" idx="2"/>
           </p:nvPr>
         </p:nvSpPr>
         <p:spPr bwMode="auto">
@@ -34529,7 +34680,7 @@
             </a:pPr>
             <a:r>
               <a:rPr lang="en-US" dirty="0" smtClean="0"/>
-              <a:t>Albert R Meyer,                       May 16, 2012</a:t>
+              <a:t>Albert R Meyer,               December 6, 2013</a:t>
             </a:r>
             <a:endParaRPr lang="en-US" dirty="0"/>
           </a:p>
@@ -35857,7 +36008,7 @@
             <a:spLocks noGrp="1" noChangeArrowheads="1"/>
           </p:cNvSpPr>
           <p:nvPr>
-            <p:ph type="dt" sz="half" idx="4294967295"/>
+            <p:ph type="dt" sz="half" idx="2"/>
           </p:nvPr>
         </p:nvSpPr>
         <p:spPr bwMode="auto">
@@ -35897,7 +36048,7 @@
             </a:pPr>
             <a:r>
               <a:rPr lang="en-US" dirty="0" smtClean="0"/>
-              <a:t>Albert R Meyer,                       May 16, 2012</a:t>
+              <a:t>Albert R Meyer,               December 6, 2013</a:t>
             </a:r>
             <a:endParaRPr lang="en-US" dirty="0"/>
           </a:p>
@@ -35919,7 +36070,7 @@
           <a:graphicData uri="http://schemas.openxmlformats.org/presentationml/2006/ole">
             <mc:AlternateContent xmlns:mc="http://schemas.openxmlformats.org/markup-compatibility/2006">
               <mc:Choice xmlns:v="urn:schemas-microsoft-com:vml" Requires="v">
-                <p:oleObj spid="_x0000_s31778" name="Equation" r:id="rId4" imgW="736600" imgH="533400" progId="Equation.DSMT4">
+                <p:oleObj spid="_x0000_s31783" name="Equation" r:id="rId4" imgW="736600" imgH="533400" progId="Equation.DSMT4">
                   <p:embed/>
                 </p:oleObj>
               </mc:Choice>

--- a/fall13/slidesF13/random-walks.pptx
+++ b/fall13/slidesF13/random-walks.pptx
@@ -5,10 +5,10 @@
     <p:sldMasterId id="2147483648" r:id="rId1"/>
   </p:sldMasterIdLst>
   <p:notesMasterIdLst>
-    <p:notesMasterId r:id="rId26"/>
+    <p:notesMasterId r:id="rId21"/>
   </p:notesMasterIdLst>
   <p:handoutMasterIdLst>
-    <p:handoutMasterId r:id="rId27"/>
+    <p:handoutMasterId r:id="rId22"/>
   </p:handoutMasterIdLst>
   <p:sldIdLst>
     <p:sldId id="256" r:id="rId2"/>
@@ -30,11 +30,6 @@
     <p:sldId id="300" r:id="rId18"/>
     <p:sldId id="334" r:id="rId19"/>
     <p:sldId id="327" r:id="rId20"/>
-    <p:sldId id="333" r:id="rId21"/>
-    <p:sldId id="332" r:id="rId22"/>
-    <p:sldId id="296" r:id="rId23"/>
-    <p:sldId id="335" r:id="rId24"/>
-    <p:sldId id="336" r:id="rId25"/>
   </p:sldIdLst>
   <p:sldSz cx="9144000" cy="6858000" type="screen4x3"/>
   <p:notesSz cx="9601200" cy="7315200"/>
@@ -1661,97 +1656,6 @@
 </p:notes>
 </file>
 
-<file path=ppt/notesSlides/notesSlide19.xml><?xml version="1.0" encoding="utf-8"?>
-<p:notes xmlns:a="http://schemas.openxmlformats.org/drawingml/2006/main" xmlns:r="http://schemas.openxmlformats.org/officeDocument/2006/relationships" xmlns:p="http://schemas.openxmlformats.org/presentationml/2006/main">
-  <p:cSld>
-    <p:spTree>
-      <p:nvGrpSpPr>
-        <p:cNvPr id="1" name=""/>
-        <p:cNvGrpSpPr/>
-        <p:nvPr/>
-      </p:nvGrpSpPr>
-      <p:grpSpPr>
-        <a:xfrm>
-          <a:off x="0" y="0"/>
-          <a:ext cx="0" cy="0"/>
-          <a:chOff x="0" y="0"/>
-          <a:chExt cx="0" cy="0"/>
-        </a:xfrm>
-      </p:grpSpPr>
-      <p:sp>
-        <p:nvSpPr>
-          <p:cNvPr id="16386" name="Rectangle 7"/>
-          <p:cNvSpPr>
-            <a:spLocks noGrp="1" noChangeArrowheads="1"/>
-          </p:cNvSpPr>
-          <p:nvPr>
-            <p:ph type="sldNum" sz="quarter" idx="5"/>
-          </p:nvPr>
-        </p:nvSpPr>
-        <p:spPr>
-          <a:noFill/>
-        </p:spPr>
-        <p:txBody>
-          <a:bodyPr/>
-          <a:lstStyle/>
-          <a:p>
-            <a:fld id="{4E9946D8-74A5-EA4B-AC36-0FBEE73033D6}" type="slidenum">
-              <a:rPr lang="en-US"/>
-              <a:pPr/>
-              <a:t>20</a:t>
-            </a:fld>
-            <a:endParaRPr lang="en-US"/>
-          </a:p>
-        </p:txBody>
-      </p:sp>
-      <p:sp>
-        <p:nvSpPr>
-          <p:cNvPr id="16387" name="Rectangle 2"/>
-          <p:cNvSpPr>
-            <a:spLocks noGrp="1" noRot="1" noChangeAspect="1" noChangeArrowheads="1" noTextEdit="1"/>
-          </p:cNvSpPr>
-          <p:nvPr>
-            <p:ph type="sldImg"/>
-          </p:nvPr>
-        </p:nvSpPr>
-        <p:spPr>
-          <a:ln/>
-        </p:spPr>
-      </p:sp>
-      <p:sp>
-        <p:nvSpPr>
-          <p:cNvPr id="16388" name="Rectangle 3"/>
-          <p:cNvSpPr>
-            <a:spLocks noGrp="1" noChangeArrowheads="1"/>
-          </p:cNvSpPr>
-          <p:nvPr>
-            <p:ph type="body" idx="1"/>
-          </p:nvPr>
-        </p:nvSpPr>
-        <p:spPr>
-          <a:noFill/>
-          <a:ln/>
-        </p:spPr>
-        <p:txBody>
-          <a:bodyPr/>
-          <a:lstStyle/>
-          <a:p>
-            <a:pPr eaLnBrk="1" hangingPunct="1"/>
-            <a:endParaRPr lang="en-US">
-              <a:latin typeface="Arial" pitchFamily="-111" charset="0"/>
-              <a:ea typeface="ＭＳ Ｐゴシック" pitchFamily="-111" charset="-128"/>
-            </a:endParaRPr>
-          </a:p>
-        </p:txBody>
-      </p:sp>
-    </p:spTree>
-  </p:cSld>
-  <p:clrMapOvr>
-    <a:masterClrMapping/>
-  </p:clrMapOvr>
-</p:notes>
-</file>
-
 <file path=ppt/notesSlides/notesSlide2.xml><?xml version="1.0" encoding="utf-8"?>
 <p:notes xmlns:a="http://schemas.openxmlformats.org/drawingml/2006/main" xmlns:r="http://schemas.openxmlformats.org/officeDocument/2006/relationships" xmlns:p="http://schemas.openxmlformats.org/presentationml/2006/main">
   <p:cSld>
@@ -1812,279 +1716,6 @@
       <p:sp>
         <p:nvSpPr>
           <p:cNvPr id="18436" name="Rectangle 3"/>
-          <p:cNvSpPr>
-            <a:spLocks noGrp="1" noChangeArrowheads="1"/>
-          </p:cNvSpPr>
-          <p:nvPr>
-            <p:ph type="body" idx="1"/>
-          </p:nvPr>
-        </p:nvSpPr>
-        <p:spPr>
-          <a:noFill/>
-          <a:ln/>
-        </p:spPr>
-        <p:txBody>
-          <a:bodyPr/>
-          <a:lstStyle/>
-          <a:p>
-            <a:pPr eaLnBrk="1" hangingPunct="1"/>
-            <a:endParaRPr lang="en-US">
-              <a:latin typeface="Arial" pitchFamily="-111" charset="0"/>
-              <a:ea typeface="ＭＳ Ｐゴシック" pitchFamily="-111" charset="-128"/>
-            </a:endParaRPr>
-          </a:p>
-        </p:txBody>
-      </p:sp>
-    </p:spTree>
-  </p:cSld>
-  <p:clrMapOvr>
-    <a:masterClrMapping/>
-  </p:clrMapOvr>
-</p:notes>
-</file>
-
-<file path=ppt/notesSlides/notesSlide20.xml><?xml version="1.0" encoding="utf-8"?>
-<p:notes xmlns:a="http://schemas.openxmlformats.org/drawingml/2006/main" xmlns:r="http://schemas.openxmlformats.org/officeDocument/2006/relationships" xmlns:p="http://schemas.openxmlformats.org/presentationml/2006/main">
-  <p:cSld>
-    <p:spTree>
-      <p:nvGrpSpPr>
-        <p:cNvPr id="1" name=""/>
-        <p:cNvGrpSpPr/>
-        <p:nvPr/>
-      </p:nvGrpSpPr>
-      <p:grpSpPr>
-        <a:xfrm>
-          <a:off x="0" y="0"/>
-          <a:ext cx="0" cy="0"/>
-          <a:chOff x="0" y="0"/>
-          <a:chExt cx="0" cy="0"/>
-        </a:xfrm>
-      </p:grpSpPr>
-      <p:sp>
-        <p:nvSpPr>
-          <p:cNvPr id="22530" name="Rectangle 7"/>
-          <p:cNvSpPr>
-            <a:spLocks noGrp="1" noChangeArrowheads="1"/>
-          </p:cNvSpPr>
-          <p:nvPr>
-            <p:ph type="sldNum" sz="quarter" idx="5"/>
-          </p:nvPr>
-        </p:nvSpPr>
-        <p:spPr>
-          <a:noFill/>
-        </p:spPr>
-        <p:txBody>
-          <a:bodyPr/>
-          <a:lstStyle/>
-          <a:p>
-            <a:fld id="{894EDB78-E222-BF42-A230-8DA6344B38F5}" type="slidenum">
-              <a:rPr lang="en-US"/>
-              <a:pPr/>
-              <a:t>21</a:t>
-            </a:fld>
-            <a:endParaRPr lang="en-US"/>
-          </a:p>
-        </p:txBody>
-      </p:sp>
-      <p:sp>
-        <p:nvSpPr>
-          <p:cNvPr id="22531" name="Rectangle 2"/>
-          <p:cNvSpPr>
-            <a:spLocks noGrp="1" noRot="1" noChangeAspect="1" noChangeArrowheads="1" noTextEdit="1"/>
-          </p:cNvSpPr>
-          <p:nvPr>
-            <p:ph type="sldImg"/>
-          </p:nvPr>
-        </p:nvSpPr>
-        <p:spPr>
-          <a:ln/>
-        </p:spPr>
-      </p:sp>
-      <p:sp>
-        <p:nvSpPr>
-          <p:cNvPr id="22532" name="Rectangle 3"/>
-          <p:cNvSpPr>
-            <a:spLocks noGrp="1" noChangeArrowheads="1"/>
-          </p:cNvSpPr>
-          <p:nvPr>
-            <p:ph type="body" idx="1"/>
-          </p:nvPr>
-        </p:nvSpPr>
-        <p:spPr>
-          <a:noFill/>
-          <a:ln/>
-        </p:spPr>
-        <p:txBody>
-          <a:bodyPr/>
-          <a:lstStyle/>
-          <a:p>
-            <a:pPr eaLnBrk="1" hangingPunct="1"/>
-            <a:endParaRPr lang="en-US">
-              <a:latin typeface="Arial" pitchFamily="-111" charset="0"/>
-              <a:ea typeface="ＭＳ Ｐゴシック" pitchFamily="-111" charset="-128"/>
-            </a:endParaRPr>
-          </a:p>
-        </p:txBody>
-      </p:sp>
-    </p:spTree>
-  </p:cSld>
-  <p:clrMapOvr>
-    <a:masterClrMapping/>
-  </p:clrMapOvr>
-</p:notes>
-</file>
-
-<file path=ppt/notesSlides/notesSlide21.xml><?xml version="1.0" encoding="utf-8"?>
-<p:notes xmlns:a="http://schemas.openxmlformats.org/drawingml/2006/main" xmlns:r="http://schemas.openxmlformats.org/officeDocument/2006/relationships" xmlns:p="http://schemas.openxmlformats.org/presentationml/2006/main">
-  <p:cSld>
-    <p:spTree>
-      <p:nvGrpSpPr>
-        <p:cNvPr id="1" name=""/>
-        <p:cNvGrpSpPr/>
-        <p:nvPr/>
-      </p:nvGrpSpPr>
-      <p:grpSpPr>
-        <a:xfrm>
-          <a:off x="0" y="0"/>
-          <a:ext cx="0" cy="0"/>
-          <a:chOff x="0" y="0"/>
-          <a:chExt cx="0" cy="0"/>
-        </a:xfrm>
-      </p:grpSpPr>
-      <p:sp>
-        <p:nvSpPr>
-          <p:cNvPr id="36866" name="Rectangle 7"/>
-          <p:cNvSpPr>
-            <a:spLocks noGrp="1" noChangeArrowheads="1"/>
-          </p:cNvSpPr>
-          <p:nvPr>
-            <p:ph type="sldNum" sz="quarter" idx="5"/>
-          </p:nvPr>
-        </p:nvSpPr>
-        <p:spPr>
-          <a:noFill/>
-        </p:spPr>
-        <p:txBody>
-          <a:bodyPr/>
-          <a:lstStyle/>
-          <a:p>
-            <a:fld id="{E9048385-A0D9-4A46-8E8D-37B293B72609}" type="slidenum">
-              <a:rPr lang="en-US"/>
-              <a:pPr/>
-              <a:t>22</a:t>
-            </a:fld>
-            <a:endParaRPr lang="en-US"/>
-          </a:p>
-        </p:txBody>
-      </p:sp>
-      <p:sp>
-        <p:nvSpPr>
-          <p:cNvPr id="36867" name="Rectangle 2"/>
-          <p:cNvSpPr>
-            <a:spLocks noGrp="1" noRot="1" noChangeAspect="1" noChangeArrowheads="1" noTextEdit="1"/>
-          </p:cNvSpPr>
-          <p:nvPr>
-            <p:ph type="sldImg"/>
-          </p:nvPr>
-        </p:nvSpPr>
-        <p:spPr>
-          <a:ln/>
-        </p:spPr>
-      </p:sp>
-      <p:sp>
-        <p:nvSpPr>
-          <p:cNvPr id="36868" name="Rectangle 3"/>
-          <p:cNvSpPr>
-            <a:spLocks noGrp="1" noChangeArrowheads="1"/>
-          </p:cNvSpPr>
-          <p:nvPr>
-            <p:ph type="body" idx="1"/>
-          </p:nvPr>
-        </p:nvSpPr>
-        <p:spPr>
-          <a:noFill/>
-          <a:ln/>
-        </p:spPr>
-        <p:txBody>
-          <a:bodyPr/>
-          <a:lstStyle/>
-          <a:p>
-            <a:pPr eaLnBrk="1" hangingPunct="1"/>
-            <a:endParaRPr lang="en-US">
-              <a:latin typeface="Arial" pitchFamily="-111" charset="0"/>
-              <a:ea typeface="ＭＳ Ｐゴシック" pitchFamily="-111" charset="-128"/>
-            </a:endParaRPr>
-          </a:p>
-        </p:txBody>
-      </p:sp>
-    </p:spTree>
-  </p:cSld>
-  <p:clrMapOvr>
-    <a:masterClrMapping/>
-  </p:clrMapOvr>
-</p:notes>
-</file>
-
-<file path=ppt/notesSlides/notesSlide22.xml><?xml version="1.0" encoding="utf-8"?>
-<p:notes xmlns:a="http://schemas.openxmlformats.org/drawingml/2006/main" xmlns:r="http://schemas.openxmlformats.org/officeDocument/2006/relationships" xmlns:p="http://schemas.openxmlformats.org/presentationml/2006/main">
-  <p:cSld>
-    <p:spTree>
-      <p:nvGrpSpPr>
-        <p:cNvPr id="1" name=""/>
-        <p:cNvGrpSpPr/>
-        <p:nvPr/>
-      </p:nvGrpSpPr>
-      <p:grpSpPr>
-        <a:xfrm>
-          <a:off x="0" y="0"/>
-          <a:ext cx="0" cy="0"/>
-          <a:chOff x="0" y="0"/>
-          <a:chExt cx="0" cy="0"/>
-        </a:xfrm>
-      </p:grpSpPr>
-      <p:sp>
-        <p:nvSpPr>
-          <p:cNvPr id="36866" name="Rectangle 7"/>
-          <p:cNvSpPr>
-            <a:spLocks noGrp="1" noChangeArrowheads="1"/>
-          </p:cNvSpPr>
-          <p:nvPr>
-            <p:ph type="sldNum" sz="quarter" idx="5"/>
-          </p:nvPr>
-        </p:nvSpPr>
-        <p:spPr>
-          <a:noFill/>
-        </p:spPr>
-        <p:txBody>
-          <a:bodyPr/>
-          <a:lstStyle/>
-          <a:p>
-            <a:fld id="{E9048385-A0D9-4A46-8E8D-37B293B72609}" type="slidenum">
-              <a:rPr lang="en-US"/>
-              <a:pPr/>
-              <a:t>23</a:t>
-            </a:fld>
-            <a:endParaRPr lang="en-US"/>
-          </a:p>
-        </p:txBody>
-      </p:sp>
-      <p:sp>
-        <p:nvSpPr>
-          <p:cNvPr id="36867" name="Rectangle 2"/>
-          <p:cNvSpPr>
-            <a:spLocks noGrp="1" noRot="1" noChangeAspect="1" noChangeArrowheads="1" noTextEdit="1"/>
-          </p:cNvSpPr>
-          <p:nvPr>
-            <p:ph type="sldImg"/>
-          </p:nvPr>
-        </p:nvSpPr>
-        <p:spPr>
-          <a:ln/>
-        </p:spPr>
-      </p:sp>
-      <p:sp>
-        <p:nvSpPr>
-          <p:cNvPr id="36868" name="Rectangle 3"/>
           <p:cNvSpPr>
             <a:spLocks noGrp="1" noChangeArrowheads="1"/>
           </p:cNvSpPr>
@@ -5067,10 +4698,14 @@
             </a:r>
             <a:r>
               <a:rPr lang="en-US" sz="3600" dirty="0" err="1" smtClean="0"/>
-              <a:t>Pr{</a:t>
-            </a:r>
-            <a:r>
-              <a:rPr lang="en-US" sz="3600" dirty="0" err="1" smtClean="0">
+              <a:t>Pr</a:t>
+            </a:r>
+            <a:r>
+              <a:rPr lang="en-US" sz="3600" dirty="0" smtClean="0"/>
+              <a:t>[</a:t>
+            </a:r>
+            <a:r>
+              <a:rPr lang="en-US" sz="3600" dirty="0" smtClean="0">
                 <a:solidFill>
                   <a:srgbClr val="008000"/>
                 </a:solidFill>
@@ -5081,7 +4716,13 @@
               <a:rPr lang="en-US" sz="3600" dirty="0" smtClean="0">
                 <a:sym typeface="Symbol" pitchFamily="-111" charset="2"/>
               </a:rPr>
-              <a:t> to </a:t>
+              <a:t> </a:t>
+            </a:r>
+            <a:r>
+              <a:rPr lang="en-US" sz="3600" dirty="0" smtClean="0">
+                <a:sym typeface="Symbol" pitchFamily="-111" charset="2"/>
+              </a:rPr>
+              <a:t>to </a:t>
             </a:r>
             <a:r>
               <a:rPr lang="en-US" sz="3600" dirty="0" err="1" smtClean="0">
@@ -5110,7 +4751,7 @@
               <a:t> </a:t>
             </a:r>
             <a:r>
-              <a:rPr lang="en-US" sz="3600" dirty="0" err="1" smtClean="0">
+              <a:rPr lang="en-US" sz="3600" dirty="0" smtClean="0">
                 <a:solidFill>
                   <a:srgbClr val="008000"/>
                 </a:solidFill>
@@ -5119,10 +4760,10 @@
               <a:t>G</a:t>
             </a:r>
             <a:r>
-              <a:rPr lang="en-US" sz="3600" dirty="0" err="1" smtClean="0">
+              <a:rPr lang="en-US" sz="3600" dirty="0" smtClean="0">
                 <a:sym typeface="Symbol" pitchFamily="-111" charset="2"/>
               </a:rPr>
-              <a:t>}•</a:t>
+              <a:t>]•</a:t>
             </a:r>
             <a:r>
               <a:rPr lang="en-US" sz="3600" dirty="0" err="1" smtClean="0">
@@ -5215,11 +4856,15 @@
               <a:t>= </a:t>
             </a:r>
             <a:r>
-              <a:rPr lang="en-US" sz="3600" dirty="0" err="1"/>
-              <a:t>Pr{</a:t>
-            </a:r>
-            <a:r>
-              <a:rPr lang="en-US" sz="3600" dirty="0" err="1" smtClean="0">
+              <a:rPr lang="en-US" sz="3600" dirty="0" err="1" smtClean="0"/>
+              <a:t>Pr</a:t>
+            </a:r>
+            <a:r>
+              <a:rPr lang="en-US" sz="3600" dirty="0" smtClean="0"/>
+              <a:t>[</a:t>
+            </a:r>
+            <a:r>
+              <a:rPr lang="en-US" sz="3600" dirty="0" smtClean="0">
                 <a:solidFill>
                   <a:srgbClr val="0000FF"/>
                 </a:solidFill>
@@ -5261,7 +4906,7 @@
               <a:t> </a:t>
             </a:r>
             <a:r>
-              <a:rPr lang="en-US" sz="3600" dirty="0" err="1">
+              <a:rPr lang="en-US" sz="3600" dirty="0" smtClean="0">
                 <a:solidFill>
                   <a:srgbClr val="0000FF"/>
                 </a:solidFill>
@@ -5270,10 +4915,10 @@
               <a:t>B</a:t>
             </a:r>
             <a:r>
-              <a:rPr lang="en-US" sz="3600" dirty="0" err="1">
+              <a:rPr lang="en-US" sz="3600" dirty="0" smtClean="0">
                 <a:sym typeface="Symbol" pitchFamily="-111" charset="2"/>
               </a:rPr>
-              <a:t>}•</a:t>
+              <a:t>]•</a:t>
             </a:r>
             <a:r>
               <a:rPr lang="en-US" sz="3600" dirty="0" err="1" smtClean="0">
@@ -6246,10 +5891,14 @@
             </a:r>
             <a:r>
               <a:rPr lang="en-US" sz="3600" dirty="0" err="1" smtClean="0"/>
-              <a:t>Pr{</a:t>
-            </a:r>
-            <a:r>
-              <a:rPr lang="en-US" sz="3600" dirty="0" err="1" smtClean="0">
+              <a:t>Pr</a:t>
+            </a:r>
+            <a:r>
+              <a:rPr lang="en-US" sz="3600" dirty="0" smtClean="0"/>
+              <a:t>[</a:t>
+            </a:r>
+            <a:r>
+              <a:rPr lang="en-US" sz="3600" dirty="0" smtClean="0">
                 <a:solidFill>
                   <a:srgbClr val="FF6600"/>
                 </a:solidFill>
@@ -6289,7 +5938,7 @@
               <a:t> </a:t>
             </a:r>
             <a:r>
-              <a:rPr lang="en-US" sz="3600" dirty="0" err="1" smtClean="0">
+              <a:rPr lang="en-US" sz="3600" dirty="0" smtClean="0">
                 <a:solidFill>
                   <a:srgbClr val="FF6600"/>
                 </a:solidFill>
@@ -6298,10 +5947,10 @@
               <a:t>O</a:t>
             </a:r>
             <a:r>
-              <a:rPr lang="en-US" sz="3600" dirty="0" err="1" smtClean="0">
+              <a:rPr lang="en-US" sz="3600" dirty="0" smtClean="0">
                 <a:sym typeface="Symbol" pitchFamily="-111" charset="2"/>
               </a:rPr>
-              <a:t>}•</a:t>
+              <a:t>]•</a:t>
             </a:r>
             <a:r>
               <a:rPr lang="en-US" sz="3600" dirty="0" err="1" smtClean="0">
@@ -6345,7 +5994,7 @@
           <a:graphicData uri="http://schemas.openxmlformats.org/presentationml/2006/ole">
             <mc:AlternateContent xmlns:mc="http://schemas.openxmlformats.org/markup-compatibility/2006">
               <mc:Choice xmlns:v="urn:schemas-microsoft-com:vml" Requires="v">
-                <p:oleObj spid="_x0000_s100391" name="Equation" r:id="rId4" imgW="736600" imgH="533400" progId="Equation.DSMT4">
+                <p:oleObj spid="_x0000_s100393" name="Equation" r:id="rId4" imgW="736600" imgH="533400" progId="Equation.DSMT4">
                   <p:embed/>
                 </p:oleObj>
               </mc:Choice>
@@ -8115,7 +7764,7 @@
           <a:graphicData uri="http://schemas.openxmlformats.org/presentationml/2006/ole">
             <mc:AlternateContent xmlns:mc="http://schemas.openxmlformats.org/markup-compatibility/2006">
               <mc:Choice xmlns:v="urn:schemas-microsoft-com:vml" Requires="v">
-                <p:oleObj spid="_x0000_s162855" name="Equation" r:id="rId4" imgW="736600" imgH="533400" progId="Equation.DSMT4">
+                <p:oleObj spid="_x0000_s162857" name="Equation" r:id="rId4" imgW="736600" imgH="533400" progId="Equation.DSMT4">
                   <p:embed/>
                 </p:oleObj>
               </mc:Choice>
@@ -10339,7 +9988,7 @@
           <a:graphicData uri="http://schemas.openxmlformats.org/presentationml/2006/ole">
             <mc:AlternateContent xmlns:mc="http://schemas.openxmlformats.org/markup-compatibility/2006">
               <mc:Choice xmlns:v="urn:schemas-microsoft-com:vml" Requires="v">
-                <p:oleObj spid="_x0000_s102439" name="Equation" r:id="rId4" imgW="901700" imgH="533400" progId="Equation.DSMT4">
+                <p:oleObj spid="_x0000_s102441" name="Equation" r:id="rId4" imgW="901700" imgH="533400" progId="Equation.DSMT4">
                   <p:embed/>
                 </p:oleObj>
               </mc:Choice>
@@ -14976,7 +14625,7 @@
           <a:graphicData uri="http://schemas.openxmlformats.org/presentationml/2006/ole">
             <mc:AlternateContent xmlns:mc="http://schemas.openxmlformats.org/markup-compatibility/2006">
               <mc:Choice xmlns:v="urn:schemas-microsoft-com:vml" Requires="v">
-                <p:oleObj spid="_x0000_s114727" name="Equation" r:id="rId4" imgW="914400" imgH="533400" progId="Equation.DSMT4">
+                <p:oleObj spid="_x0000_s114729" name="Equation" r:id="rId4" imgW="914400" imgH="533400" progId="Equation.DSMT4">
                   <p:embed/>
                 </p:oleObj>
               </mc:Choice>
@@ -18675,12 +18324,12 @@
               <a:t>Pr</a:t>
             </a:r>
             <a:r>
-              <a:rPr lang="en-US" sz="4000" dirty="0" err="1"/>
-              <a:t>{ever</a:t>
+              <a:rPr lang="en-US" sz="4000" dirty="0" smtClean="0"/>
+              <a:t>[ever </a:t>
             </a:r>
             <a:r>
               <a:rPr lang="en-US" sz="4000" dirty="0"/>
-              <a:t> reach </a:t>
+              <a:t>reach </a:t>
             </a:r>
             <a:r>
               <a:rPr lang="en-US" sz="4000" dirty="0">
@@ -18695,7 +18344,7 @@
               <a:t> | start at </a:t>
             </a:r>
             <a:r>
-              <a:rPr lang="en-US" sz="4000" dirty="0">
+              <a:rPr lang="en-US" sz="4000" dirty="0" smtClean="0">
                 <a:solidFill>
                   <a:schemeClr val="accent2"/>
                 </a:solidFill>
@@ -18704,18 +18353,19 @@
             </a:r>
             <a:r>
               <a:rPr lang="en-US" sz="4000" dirty="0" smtClean="0"/>
-              <a:t>}</a:t>
-            </a:r>
+              <a:t>]</a:t>
+            </a:r>
+            <a:endParaRPr lang="en-US" sz="4000" dirty="0" smtClean="0"/>
           </a:p>
           <a:p>
             <a:pPr eaLnBrk="1" hangingPunct="1"/>
             <a:r>
               <a:rPr lang="en-US" sz="4000" dirty="0" err="1" smtClean="0"/>
-              <a:t>Pr{reach</a:t>
+              <a:t>Pr</a:t>
             </a:r>
             <a:r>
               <a:rPr lang="en-US" sz="4000" dirty="0" smtClean="0"/>
-              <a:t> </a:t>
+              <a:t>[reach </a:t>
             </a:r>
             <a:r>
               <a:rPr lang="en-US" sz="4000" dirty="0" smtClean="0">
@@ -18751,8 +18401,9 @@
             </a:r>
             <a:r>
               <a:rPr lang="en-US" sz="4000" dirty="0" smtClean="0"/>
-              <a:t>}</a:t>
-            </a:r>
+              <a:t>]</a:t>
+            </a:r>
+            <a:endParaRPr lang="en-US" sz="4000" dirty="0" smtClean="0"/>
           </a:p>
           <a:p>
             <a:pPr eaLnBrk="1" hangingPunct="1"/>
@@ -20115,3086 +19766,6 @@
       <p:bldP spid="17414" grpId="0" build="p"/>
     </p:bldLst>
   </p:timing>
-</p:sld>
-</file>
-
-<file path=ppt/slides/slide20.xml><?xml version="1.0" encoding="utf-8"?>
-<p:sld xmlns:a="http://schemas.openxmlformats.org/drawingml/2006/main" xmlns:r="http://schemas.openxmlformats.org/officeDocument/2006/relationships" xmlns:p="http://schemas.openxmlformats.org/presentationml/2006/main" show="0">
-  <p:cSld>
-    <p:spTree>
-      <p:nvGrpSpPr>
-        <p:cNvPr id="1" name=""/>
-        <p:cNvGrpSpPr/>
-        <p:nvPr/>
-      </p:nvGrpSpPr>
-      <p:grpSpPr>
-        <a:xfrm>
-          <a:off x="0" y="0"/>
-          <a:ext cx="0" cy="0"/>
-          <a:chOff x="0" y="0"/>
-          <a:chExt cx="0" cy="0"/>
-        </a:xfrm>
-      </p:grpSpPr>
-      <p:sp>
-        <p:nvSpPr>
-          <p:cNvPr id="15364" name="Slide Number Placeholder 5"/>
-          <p:cNvSpPr>
-            <a:spLocks noGrp="1"/>
-          </p:cNvSpPr>
-          <p:nvPr>
-            <p:ph type="sldNum" sz="quarter" idx="12"/>
-          </p:nvPr>
-        </p:nvSpPr>
-        <p:spPr>
-          <a:noFill/>
-        </p:spPr>
-        <p:txBody>
-          <a:bodyPr/>
-          <a:lstStyle/>
-          <a:p>
-            <a:r>
-              <a:rPr lang="en-US" dirty="0" smtClean="0"/>
-              <a:t>random-walk.</a:t>
-            </a:r>
-            <a:fld id="{2D031A48-BBCF-B248-9771-B601B0D38C0B}" type="slidenum">
-              <a:rPr lang="en-US" smtClean="0"/>
-              <a:pPr/>
-              <a:t>20</a:t>
-            </a:fld>
-            <a:endParaRPr lang="en-US" dirty="0"/>
-          </a:p>
-          <a:p>
-            <a:endParaRPr lang="en-US" dirty="0"/>
-          </a:p>
-        </p:txBody>
-      </p:sp>
-      <p:sp>
-        <p:nvSpPr>
-          <p:cNvPr id="2" name="TextBox 1"/>
-          <p:cNvSpPr txBox="1"/>
-          <p:nvPr/>
-        </p:nvSpPr>
-        <p:spPr>
-          <a:xfrm>
-            <a:off x="685800" y="1371600"/>
-            <a:ext cx="7696200" cy="1446550"/>
-          </a:xfrm>
-          <a:prstGeom prst="rect">
-            <a:avLst/>
-          </a:prstGeom>
-          <a:noFill/>
-        </p:spPr>
-        <p:txBody>
-          <a:bodyPr wrap="square" rtlCol="0">
-            <a:spAutoFit/>
-          </a:bodyPr>
-          <a:lstStyle/>
-          <a:p>
-            <a:pPr algn="ctr"/>
-            <a:r>
-              <a:rPr lang="en-US" sz="8800" b="1" kern="0" dirty="0">
-                <a:solidFill>
-                  <a:srgbClr val="0000FF"/>
-                </a:solidFill>
-                <a:latin typeface="Comic Sans MS"/>
-                <a:ea typeface="ＭＳ Ｐゴシック"/>
-              </a:rPr>
-              <a:t>Page</a:t>
-            </a:r>
-            <a:r>
-              <a:rPr lang="en-US" sz="8800" b="1" kern="0" dirty="0">
-                <a:solidFill>
-                  <a:srgbClr val="000000"/>
-                </a:solidFill>
-                <a:latin typeface="Comic Sans MS"/>
-                <a:ea typeface="ＭＳ Ｐゴシック"/>
-              </a:rPr>
-              <a:t> </a:t>
-            </a:r>
-            <a:r>
-              <a:rPr lang="en-US" sz="8800" b="1" kern="0" dirty="0" smtClean="0">
-                <a:solidFill>
-                  <a:srgbClr val="000000"/>
-                </a:solidFill>
-                <a:latin typeface="Comic Sans MS"/>
-                <a:ea typeface="ＭＳ Ｐゴシック"/>
-              </a:rPr>
-              <a:t>Rank</a:t>
-            </a:r>
-            <a:endParaRPr lang="en-US" dirty="0"/>
-          </a:p>
-        </p:txBody>
-      </p:sp>
-      <p:sp>
-        <p:nvSpPr>
-          <p:cNvPr id="15366" name="Text Box 2"/>
-          <p:cNvSpPr txBox="1">
-            <a:spLocks noChangeArrowheads="1"/>
-          </p:cNvSpPr>
-          <p:nvPr/>
-        </p:nvSpPr>
-        <p:spPr bwMode="auto">
-          <a:xfrm>
-            <a:off x="2084388" y="381000"/>
-            <a:ext cx="6256337" cy="1068388"/>
-          </a:xfrm>
-          <a:prstGeom prst="rect">
-            <a:avLst/>
-          </a:prstGeom>
-          <a:noFill/>
-          <a:ln w="9525">
-            <a:noFill/>
-            <a:miter lim="800000"/>
-            <a:headEnd/>
-            <a:tailEnd type="none" w="lg" len="lg"/>
-          </a:ln>
-        </p:spPr>
-        <p:txBody>
-          <a:bodyPr wrap="none">
-            <a:prstTxWarp prst="textNoShape">
-              <a:avLst/>
-            </a:prstTxWarp>
-            <a:spAutoFit/>
-          </a:bodyPr>
-          <a:lstStyle/>
-          <a:p>
-            <a:pPr algn="ctr" eaLnBrk="1" hangingPunct="1"/>
-            <a:r>
-              <a:rPr lang="en-US" sz="2800" b="1" i="1" dirty="0">
-                <a:solidFill>
-                  <a:schemeClr val="tx2"/>
-                </a:solidFill>
-              </a:rPr>
-              <a:t>Mathematics for Computer Science</a:t>
-            </a:r>
-            <a:r>
-              <a:rPr lang="en-US" sz="3600" b="1" i="1" dirty="0">
-                <a:solidFill>
-                  <a:schemeClr val="tx2"/>
-                </a:solidFill>
-              </a:rPr>
-              <a:t/>
-            </a:r>
-            <a:br>
-              <a:rPr lang="en-US" sz="3600" b="1" i="1" dirty="0">
-                <a:solidFill>
-                  <a:schemeClr val="tx2"/>
-                </a:solidFill>
-              </a:rPr>
-            </a:br>
-            <a:r>
-              <a:rPr lang="en-US" b="1" dirty="0">
-                <a:solidFill>
-                  <a:srgbClr val="008000"/>
-                </a:solidFill>
-              </a:rPr>
-              <a:t>MIT</a:t>
-            </a:r>
-            <a:r>
-              <a:rPr lang="en-US" sz="3600" b="1" i="1" dirty="0">
-                <a:solidFill>
-                  <a:schemeClr val="tx2"/>
-                </a:solidFill>
-              </a:rPr>
-              <a:t> </a:t>
-            </a:r>
-            <a:r>
-              <a:rPr lang="en-US" b="1" dirty="0">
-                <a:solidFill>
-                  <a:srgbClr val="008000"/>
-                </a:solidFill>
-              </a:rPr>
-              <a:t>6.042J/18.062J</a:t>
-            </a:r>
-          </a:p>
-        </p:txBody>
-      </p:sp>
-      <p:sp>
-        <p:nvSpPr>
-          <p:cNvPr id="7" name="Rectangle 4"/>
-          <p:cNvSpPr>
-            <a:spLocks noGrp="1" noChangeArrowheads="1"/>
-          </p:cNvSpPr>
-          <p:nvPr>
-            <p:ph type="dt" sz="half" idx="2"/>
-          </p:nvPr>
-        </p:nvSpPr>
-        <p:spPr bwMode="auto">
-          <a:xfrm>
-            <a:off x="3124200" y="6629400"/>
-            <a:ext cx="2863850" cy="228600"/>
-          </a:xfrm>
-          <a:prstGeom prst="rect">
-            <a:avLst/>
-          </a:prstGeom>
-          <a:noFill/>
-          <a:ln w="9525">
-            <a:noFill/>
-            <a:miter lim="800000"/>
-            <a:headEnd/>
-            <a:tailEnd/>
-          </a:ln>
-        </p:spPr>
-        <p:txBody>
-          <a:bodyPr vert="horz" wrap="square" lIns="91440" tIns="45720" rIns="91440" bIns="45720" numCol="1" anchor="t" anchorCtr="0" compatLnSpc="1">
-            <a:prstTxWarp prst="textNoShape">
-              <a:avLst/>
-            </a:prstTxWarp>
-          </a:bodyPr>
-          <a:lstStyle>
-            <a:lvl1pPr algn="ctr" eaLnBrk="1" hangingPunct="1">
-              <a:defRPr sz="1000">
-                <a:latin typeface="Comic Sans MS" pitchFamily="-64" charset="0"/>
-                <a:ea typeface="ＭＳ Ｐゴシック" pitchFamily="-64" charset="-128"/>
-                <a:cs typeface="+mn-cs"/>
-              </a:defRPr>
-            </a:lvl1pPr>
-          </a:lstStyle>
-          <a:p>
-            <a:pPr>
-              <a:defRPr/>
-            </a:pPr>
-            <a:r>
-              <a:rPr lang="en-US" dirty="0" smtClean="0"/>
-              <a:t>Albert R Meyer,               December 6, 2013</a:t>
-            </a:r>
-            <a:endParaRPr lang="en-US" dirty="0"/>
-          </a:p>
-        </p:txBody>
-      </p:sp>
-      <p:sp>
-        <p:nvSpPr>
-          <p:cNvPr id="3" name="Rectangle 2"/>
-          <p:cNvSpPr/>
-          <p:nvPr/>
-        </p:nvSpPr>
-        <p:spPr>
-          <a:xfrm>
-            <a:off x="228600" y="2873276"/>
-            <a:ext cx="8763000" cy="2308324"/>
-          </a:xfrm>
-          <a:prstGeom prst="rect">
-            <a:avLst/>
-          </a:prstGeom>
-        </p:spPr>
-        <p:txBody>
-          <a:bodyPr wrap="square">
-            <a:spAutoFit/>
-          </a:bodyPr>
-          <a:lstStyle/>
-          <a:p>
-            <a:pPr algn="ctr"/>
-            <a:r>
-              <a:rPr lang="en-US" sz="7200" b="1" kern="0" dirty="0" smtClean="0">
-                <a:solidFill>
-                  <a:srgbClr val="000000"/>
-                </a:solidFill>
-                <a:latin typeface="Comic Sans MS"/>
-                <a:ea typeface="ＭＳ Ｐゴシック"/>
-              </a:rPr>
-              <a:t>(by </a:t>
-            </a:r>
-            <a:r>
-              <a:rPr lang="en-US" sz="7200" b="1" kern="0" dirty="0">
-                <a:solidFill>
-                  <a:srgbClr val="000000"/>
-                </a:solidFill>
-                <a:latin typeface="Comic Sans MS"/>
-                <a:ea typeface="ＭＳ Ｐゴシック"/>
-              </a:rPr>
-              <a:t>Google founder</a:t>
-            </a:r>
-            <a:br>
-              <a:rPr lang="en-US" sz="7200" b="1" kern="0" dirty="0">
-                <a:solidFill>
-                  <a:srgbClr val="000000"/>
-                </a:solidFill>
-                <a:latin typeface="Comic Sans MS"/>
-                <a:ea typeface="ＭＳ Ｐゴシック"/>
-              </a:rPr>
-            </a:br>
-            <a:r>
-              <a:rPr lang="en-US" sz="7200" b="1" kern="0" dirty="0">
-                <a:latin typeface="Comic Sans MS"/>
-                <a:ea typeface="ＭＳ Ｐゴシック"/>
-              </a:rPr>
-              <a:t>Larry</a:t>
-            </a:r>
-            <a:r>
-              <a:rPr lang="en-US" sz="7200" b="1" kern="0" dirty="0">
-                <a:solidFill>
-                  <a:srgbClr val="0000FF"/>
-                </a:solidFill>
-                <a:latin typeface="Comic Sans MS"/>
-                <a:ea typeface="ＭＳ Ｐゴシック"/>
-              </a:rPr>
-              <a:t> </a:t>
-            </a:r>
-            <a:r>
-              <a:rPr lang="en-US" sz="7200" b="1" kern="0" dirty="0" smtClean="0">
-                <a:solidFill>
-                  <a:srgbClr val="0000FF"/>
-                </a:solidFill>
-                <a:latin typeface="Comic Sans MS"/>
-                <a:ea typeface="ＭＳ Ｐゴシック"/>
-              </a:rPr>
-              <a:t>Page</a:t>
-            </a:r>
-            <a:r>
-              <a:rPr lang="en-US" sz="7200" b="1" kern="0" dirty="0" smtClean="0">
-                <a:solidFill>
-                  <a:srgbClr val="000000"/>
-                </a:solidFill>
-                <a:latin typeface="Comic Sans MS"/>
-                <a:ea typeface="ＭＳ Ｐゴシック"/>
-              </a:rPr>
-              <a:t>)</a:t>
-            </a:r>
-            <a:endParaRPr lang="en-US" dirty="0"/>
-          </a:p>
-        </p:txBody>
-      </p:sp>
-    </p:spTree>
-    <p:extLst>
-      <p:ext uri="{BB962C8B-B14F-4D97-AF65-F5344CB8AC3E}">
-        <p14:creationId xmlns:p14="http://schemas.microsoft.com/office/powerpoint/2010/main" val="3459820269"/>
-      </p:ext>
-    </p:extLst>
-  </p:cSld>
-  <p:clrMapOvr>
-    <a:masterClrMapping/>
-  </p:clrMapOvr>
-  <p:transition xmlns:p14="http://schemas.microsoft.com/office/powerpoint/2010/main" advClick="0">
-    <p:fade/>
-  </p:transition>
-  <p:timing>
-    <p:tnLst>
-      <p:par>
-        <p:cTn xmlns:p14="http://schemas.microsoft.com/office/powerpoint/2010/main" id="1" dur="indefinite" restart="never" nodeType="tmRoot">
-          <p:childTnLst>
-            <p:seq concurrent="1" nextAc="seek">
-              <p:cTn id="2" dur="indefinite" nodeType="mainSeq">
-                <p:childTnLst>
-                  <p:par>
-                    <p:cTn id="3" fill="hold">
-                      <p:stCondLst>
-                        <p:cond delay="indefinite"/>
-                      </p:stCondLst>
-                      <p:childTnLst>
-                        <p:par>
-                          <p:cTn id="4" fill="hold">
-                            <p:stCondLst>
-                              <p:cond delay="0"/>
-                            </p:stCondLst>
-                            <p:childTnLst>
-                              <p:par>
-                                <p:cTn id="5" presetID="10" presetClass="entr" presetSubtype="0" fill="hold" nodeType="clickEffect">
-                                  <p:stCondLst>
-                                    <p:cond delay="0"/>
-                                  </p:stCondLst>
-                                  <p:childTnLst>
-                                    <p:set>
-                                      <p:cBhvr>
-                                        <p:cTn id="6" dur="1" fill="hold">
-                                          <p:stCondLst>
-                                            <p:cond delay="0"/>
-                                          </p:stCondLst>
-                                        </p:cTn>
-                                        <p:tgtEl>
-                                          <p:spTgt spid="3">
-                                            <p:txEl>
-                                              <p:pRg st="0" end="0"/>
-                                            </p:txEl>
-                                          </p:spTgt>
-                                        </p:tgtEl>
-                                        <p:attrNameLst>
-                                          <p:attrName>style.visibility</p:attrName>
-                                        </p:attrNameLst>
-                                      </p:cBhvr>
-                                      <p:to>
-                                        <p:strVal val="visible"/>
-                                      </p:to>
-                                    </p:set>
-                                    <p:animEffect transition="in" filter="fade">
-                                      <p:cBhvr>
-                                        <p:cTn id="7" dur="500"/>
-                                        <p:tgtEl>
-                                          <p:spTgt spid="3">
-                                            <p:txEl>
-                                              <p:pRg st="0" end="0"/>
-                                            </p:txEl>
-                                          </p:spTgt>
-                                        </p:tgtEl>
-                                      </p:cBhvr>
-                                    </p:animEffect>
-                                  </p:childTnLst>
-                                </p:cTn>
-                              </p:par>
-                            </p:childTnLst>
-                          </p:cTn>
-                        </p:par>
-                      </p:childTnLst>
-                    </p:cTn>
-                  </p:par>
-                </p:childTnLst>
-              </p:cTn>
-              <p:prevCondLst>
-                <p:cond evt="onPrev" delay="0">
-                  <p:tgtEl>
-                    <p:sldTgt/>
-                  </p:tgtEl>
-                </p:cond>
-              </p:prevCondLst>
-              <p:nextCondLst>
-                <p:cond evt="onNext" delay="0">
-                  <p:tgtEl>
-                    <p:sldTgt/>
-                  </p:tgtEl>
-                </p:cond>
-              </p:nextCondLst>
-            </p:seq>
-          </p:childTnLst>
-        </p:cTn>
-      </p:par>
-    </p:tnLst>
-  </p:timing>
-</p:sld>
-</file>
-
-<file path=ppt/slides/slide21.xml><?xml version="1.0" encoding="utf-8"?>
-<p:sld xmlns:a="http://schemas.openxmlformats.org/drawingml/2006/main" xmlns:r="http://schemas.openxmlformats.org/officeDocument/2006/relationships" xmlns:p="http://schemas.openxmlformats.org/presentationml/2006/main" show="0">
-  <p:cSld>
-    <p:spTree>
-      <p:nvGrpSpPr>
-        <p:cNvPr id="1" name=""/>
-        <p:cNvGrpSpPr/>
-        <p:nvPr/>
-      </p:nvGrpSpPr>
-      <p:grpSpPr>
-        <a:xfrm>
-          <a:off x="0" y="0"/>
-          <a:ext cx="0" cy="0"/>
-          <a:chOff x="0" y="0"/>
-          <a:chExt cx="0" cy="0"/>
-        </a:xfrm>
-      </p:grpSpPr>
-      <p:sp>
-        <p:nvSpPr>
-          <p:cNvPr id="21508" name="Slide Number Placeholder 5"/>
-          <p:cNvSpPr>
-            <a:spLocks noGrp="1"/>
-          </p:cNvSpPr>
-          <p:nvPr>
-            <p:ph type="sldNum" sz="quarter" idx="12"/>
-          </p:nvPr>
-        </p:nvSpPr>
-        <p:spPr>
-          <a:noFill/>
-        </p:spPr>
-        <p:txBody>
-          <a:bodyPr/>
-          <a:lstStyle/>
-          <a:p>
-            <a:r>
-              <a:rPr lang="en-US" dirty="0" smtClean="0"/>
-              <a:t>random-walk.</a:t>
-            </a:r>
-            <a:fld id="{D73E32CF-FE78-5945-942C-324A7986BBD0}" type="slidenum">
-              <a:rPr lang="en-US" smtClean="0"/>
-              <a:pPr/>
-              <a:t>21</a:t>
-            </a:fld>
-            <a:endParaRPr lang="en-US" dirty="0"/>
-          </a:p>
-          <a:p>
-            <a:endParaRPr lang="en-US" dirty="0"/>
-          </a:p>
-        </p:txBody>
-      </p:sp>
-      <p:sp>
-        <p:nvSpPr>
-          <p:cNvPr id="21509" name="Rectangle 2"/>
-          <p:cNvSpPr>
-            <a:spLocks noGrp="1" noChangeArrowheads="1"/>
-          </p:cNvSpPr>
-          <p:nvPr>
-            <p:ph type="title"/>
-          </p:nvPr>
-        </p:nvSpPr>
-        <p:spPr>
-          <a:xfrm>
-            <a:off x="1519238" y="301625"/>
-            <a:ext cx="5872162" cy="993775"/>
-          </a:xfrm>
-        </p:spPr>
-        <p:txBody>
-          <a:bodyPr/>
-          <a:lstStyle/>
-          <a:p>
-            <a:pPr eaLnBrk="1" hangingPunct="1"/>
-            <a:r>
-              <a:rPr lang="en-US" dirty="0"/>
-              <a:t>Google Page Rank</a:t>
-            </a:r>
-          </a:p>
-        </p:txBody>
-      </p:sp>
-      <p:sp>
-        <p:nvSpPr>
-          <p:cNvPr id="16390" name="Rectangle 3"/>
-          <p:cNvSpPr>
-            <a:spLocks noGrp="1" noChangeArrowheads="1"/>
-          </p:cNvSpPr>
-          <p:nvPr>
-            <p:ph type="body" idx="1"/>
-          </p:nvPr>
-        </p:nvSpPr>
-        <p:spPr>
-          <a:xfrm>
-            <a:off x="228600" y="1219200"/>
-            <a:ext cx="8686800" cy="4495800"/>
-          </a:xfrm>
-        </p:spPr>
-        <p:txBody>
-          <a:bodyPr/>
-          <a:lstStyle/>
-          <a:p>
-            <a:pPr eaLnBrk="1" hangingPunct="1">
-              <a:buFontTx/>
-              <a:buNone/>
-            </a:pPr>
-            <a:r>
-              <a:rPr lang="en-US" dirty="0" smtClean="0"/>
-              <a:t>Which webpages </a:t>
-            </a:r>
-            <a:r>
-              <a:rPr lang="en-US" dirty="0"/>
-              <a:t>are “more important?”</a:t>
-            </a:r>
-          </a:p>
-          <a:p>
-            <a:pPr eaLnBrk="1" hangingPunct="1">
-              <a:buFontTx/>
-              <a:buNone/>
-            </a:pPr>
-            <a:endParaRPr lang="en-US" sz="1000" dirty="0"/>
-          </a:p>
-          <a:p>
-            <a:pPr eaLnBrk="1" hangingPunct="1">
-              <a:buFontTx/>
-              <a:buNone/>
-            </a:pPr>
-            <a:r>
-              <a:rPr lang="en-US" dirty="0"/>
-              <a:t>Model of internet:</a:t>
-            </a:r>
-          </a:p>
-          <a:p>
-            <a:pPr eaLnBrk="1" hangingPunct="1"/>
-            <a:r>
-              <a:rPr lang="en-US" dirty="0"/>
-              <a:t>Users click random link on a page.</a:t>
-            </a:r>
-          </a:p>
-          <a:p>
-            <a:pPr eaLnBrk="1" hangingPunct="1"/>
-            <a:r>
-              <a:rPr lang="en-US" dirty="0"/>
-              <a:t>Occasionally start over.</a:t>
-            </a:r>
-          </a:p>
-          <a:p>
-            <a:pPr eaLnBrk="1" hangingPunct="1">
-              <a:buFontTx/>
-              <a:buNone/>
-            </a:pPr>
-            <a:endParaRPr lang="en-US" sz="1000" dirty="0"/>
-          </a:p>
-          <a:p>
-            <a:pPr eaLnBrk="1" hangingPunct="1">
-              <a:buFontTx/>
-              <a:buNone/>
-            </a:pPr>
-            <a:r>
-              <a:rPr lang="en-US" dirty="0"/>
-              <a:t>A page is “more important” if </a:t>
-            </a:r>
-            <a:r>
-              <a:rPr lang="en-US" dirty="0" smtClean="0"/>
-              <a:t>viewed </a:t>
-            </a:r>
-            <a:r>
-              <a:rPr lang="en-US" dirty="0"/>
-              <a:t>a large fraction of </a:t>
-            </a:r>
-            <a:r>
-              <a:rPr lang="en-US" dirty="0" smtClean="0"/>
-              <a:t>time</a:t>
-            </a:r>
-            <a:endParaRPr lang="en-US" dirty="0"/>
-          </a:p>
-        </p:txBody>
-      </p:sp>
-      <p:sp>
-        <p:nvSpPr>
-          <p:cNvPr id="7" name="Rectangle 4"/>
-          <p:cNvSpPr>
-            <a:spLocks noGrp="1" noChangeArrowheads="1"/>
-          </p:cNvSpPr>
-          <p:nvPr>
-            <p:ph type="dt" sz="half" idx="2"/>
-          </p:nvPr>
-        </p:nvSpPr>
-        <p:spPr bwMode="auto">
-          <a:xfrm>
-            <a:off x="3124200" y="6629400"/>
-            <a:ext cx="2863850" cy="228600"/>
-          </a:xfrm>
-          <a:prstGeom prst="rect">
-            <a:avLst/>
-          </a:prstGeom>
-          <a:noFill/>
-          <a:ln w="9525">
-            <a:noFill/>
-            <a:miter lim="800000"/>
-            <a:headEnd/>
-            <a:tailEnd/>
-          </a:ln>
-        </p:spPr>
-        <p:txBody>
-          <a:bodyPr vert="horz" wrap="square" lIns="91440" tIns="45720" rIns="91440" bIns="45720" numCol="1" anchor="t" anchorCtr="0" compatLnSpc="1">
-            <a:prstTxWarp prst="textNoShape">
-              <a:avLst/>
-            </a:prstTxWarp>
-          </a:bodyPr>
-          <a:lstStyle>
-            <a:lvl1pPr algn="ctr" eaLnBrk="1" hangingPunct="1">
-              <a:defRPr sz="1000">
-                <a:latin typeface="Comic Sans MS" pitchFamily="-64" charset="0"/>
-                <a:ea typeface="ＭＳ Ｐゴシック" pitchFamily="-64" charset="-128"/>
-                <a:cs typeface="+mn-cs"/>
-              </a:defRPr>
-            </a:lvl1pPr>
-          </a:lstStyle>
-          <a:p>
-            <a:pPr>
-              <a:defRPr/>
-            </a:pPr>
-            <a:r>
-              <a:rPr lang="en-US" dirty="0" smtClean="0"/>
-              <a:t>Albert R Meyer,               December 6, 2013</a:t>
-            </a:r>
-            <a:endParaRPr lang="en-US" dirty="0"/>
-          </a:p>
-        </p:txBody>
-      </p:sp>
-    </p:spTree>
-    <p:extLst>
-      <p:ext uri="{BB962C8B-B14F-4D97-AF65-F5344CB8AC3E}">
-        <p14:creationId xmlns:p14="http://schemas.microsoft.com/office/powerpoint/2010/main" val="839198817"/>
-      </p:ext>
-    </p:extLst>
-  </p:cSld>
-  <p:clrMapOvr>
-    <a:masterClrMapping/>
-  </p:clrMapOvr>
-  <p:transition xmlns:p14="http://schemas.microsoft.com/office/powerpoint/2010/main" spd="slow" advClick="0">
-    <p:fade thruBlk="1"/>
-  </p:transition>
-  <p:timing>
-    <p:tnLst>
-      <p:par>
-        <p:cTn xmlns:p14="http://schemas.microsoft.com/office/powerpoint/2010/main" id="1" dur="indefinite" restart="never" nodeType="tmRoot">
-          <p:childTnLst>
-            <p:seq concurrent="1" nextAc="seek">
-              <p:cTn id="2" dur="indefinite" nodeType="mainSeq">
-                <p:childTnLst>
-                  <p:par>
-                    <p:cTn id="3" fill="hold">
-                      <p:stCondLst>
-                        <p:cond delay="indefinite"/>
-                      </p:stCondLst>
-                      <p:childTnLst>
-                        <p:par>
-                          <p:cTn id="4" fill="hold">
-                            <p:stCondLst>
-                              <p:cond delay="0"/>
-                            </p:stCondLst>
-                            <p:childTnLst>
-                              <p:par>
-                                <p:cTn id="5" presetID="9" presetClass="entr" presetSubtype="0" fill="hold" grpId="0" nodeType="clickEffect">
-                                  <p:stCondLst>
-                                    <p:cond delay="0"/>
-                                  </p:stCondLst>
-                                  <p:childTnLst>
-                                    <p:set>
-                                      <p:cBhvr>
-                                        <p:cTn id="6" dur="1" fill="hold">
-                                          <p:stCondLst>
-                                            <p:cond delay="0"/>
-                                          </p:stCondLst>
-                                        </p:cTn>
-                                        <p:tgtEl>
-                                          <p:spTgt spid="16390">
-                                            <p:txEl>
-                                              <p:pRg st="2" end="2"/>
-                                            </p:txEl>
-                                          </p:spTgt>
-                                        </p:tgtEl>
-                                        <p:attrNameLst>
-                                          <p:attrName>style.visibility</p:attrName>
-                                        </p:attrNameLst>
-                                      </p:cBhvr>
-                                      <p:to>
-                                        <p:strVal val="visible"/>
-                                      </p:to>
-                                    </p:set>
-                                    <p:animEffect transition="in" filter="dissolve">
-                                      <p:cBhvr>
-                                        <p:cTn id="7" dur="500"/>
-                                        <p:tgtEl>
-                                          <p:spTgt spid="16390">
-                                            <p:txEl>
-                                              <p:pRg st="2" end="2"/>
-                                            </p:txEl>
-                                          </p:spTgt>
-                                        </p:tgtEl>
-                                      </p:cBhvr>
-                                    </p:animEffect>
-                                  </p:childTnLst>
-                                </p:cTn>
-                              </p:par>
-                            </p:childTnLst>
-                          </p:cTn>
-                        </p:par>
-                      </p:childTnLst>
-                    </p:cTn>
-                  </p:par>
-                  <p:par>
-                    <p:cTn id="8" fill="hold">
-                      <p:stCondLst>
-                        <p:cond delay="indefinite"/>
-                      </p:stCondLst>
-                      <p:childTnLst>
-                        <p:par>
-                          <p:cTn id="9" fill="hold">
-                            <p:stCondLst>
-                              <p:cond delay="0"/>
-                            </p:stCondLst>
-                            <p:childTnLst>
-                              <p:par>
-                                <p:cTn id="10" presetID="9" presetClass="entr" presetSubtype="0" fill="hold" grpId="0" nodeType="clickEffect">
-                                  <p:stCondLst>
-                                    <p:cond delay="0"/>
-                                  </p:stCondLst>
-                                  <p:childTnLst>
-                                    <p:set>
-                                      <p:cBhvr>
-                                        <p:cTn id="11" dur="1" fill="hold">
-                                          <p:stCondLst>
-                                            <p:cond delay="0"/>
-                                          </p:stCondLst>
-                                        </p:cTn>
-                                        <p:tgtEl>
-                                          <p:spTgt spid="16390">
-                                            <p:txEl>
-                                              <p:pRg st="3" end="3"/>
-                                            </p:txEl>
-                                          </p:spTgt>
-                                        </p:tgtEl>
-                                        <p:attrNameLst>
-                                          <p:attrName>style.visibility</p:attrName>
-                                        </p:attrNameLst>
-                                      </p:cBhvr>
-                                      <p:to>
-                                        <p:strVal val="visible"/>
-                                      </p:to>
-                                    </p:set>
-                                    <p:animEffect transition="in" filter="dissolve">
-                                      <p:cBhvr>
-                                        <p:cTn id="12" dur="500"/>
-                                        <p:tgtEl>
-                                          <p:spTgt spid="16390">
-                                            <p:txEl>
-                                              <p:pRg st="3" end="3"/>
-                                            </p:txEl>
-                                          </p:spTgt>
-                                        </p:tgtEl>
-                                      </p:cBhvr>
-                                    </p:animEffect>
-                                  </p:childTnLst>
-                                </p:cTn>
-                              </p:par>
-                            </p:childTnLst>
-                          </p:cTn>
-                        </p:par>
-                      </p:childTnLst>
-                    </p:cTn>
-                  </p:par>
-                  <p:par>
-                    <p:cTn id="13" fill="hold">
-                      <p:stCondLst>
-                        <p:cond delay="indefinite"/>
-                      </p:stCondLst>
-                      <p:childTnLst>
-                        <p:par>
-                          <p:cTn id="14" fill="hold">
-                            <p:stCondLst>
-                              <p:cond delay="0"/>
-                            </p:stCondLst>
-                            <p:childTnLst>
-                              <p:par>
-                                <p:cTn id="15" presetID="9" presetClass="entr" presetSubtype="0" fill="hold" grpId="0" nodeType="clickEffect">
-                                  <p:stCondLst>
-                                    <p:cond delay="0"/>
-                                  </p:stCondLst>
-                                  <p:childTnLst>
-                                    <p:set>
-                                      <p:cBhvr>
-                                        <p:cTn id="16" dur="1" fill="hold">
-                                          <p:stCondLst>
-                                            <p:cond delay="0"/>
-                                          </p:stCondLst>
-                                        </p:cTn>
-                                        <p:tgtEl>
-                                          <p:spTgt spid="16390">
-                                            <p:txEl>
-                                              <p:pRg st="4" end="4"/>
-                                            </p:txEl>
-                                          </p:spTgt>
-                                        </p:tgtEl>
-                                        <p:attrNameLst>
-                                          <p:attrName>style.visibility</p:attrName>
-                                        </p:attrNameLst>
-                                      </p:cBhvr>
-                                      <p:to>
-                                        <p:strVal val="visible"/>
-                                      </p:to>
-                                    </p:set>
-                                    <p:animEffect transition="in" filter="dissolve">
-                                      <p:cBhvr>
-                                        <p:cTn id="17" dur="500"/>
-                                        <p:tgtEl>
-                                          <p:spTgt spid="16390">
-                                            <p:txEl>
-                                              <p:pRg st="4" end="4"/>
-                                            </p:txEl>
-                                          </p:spTgt>
-                                        </p:tgtEl>
-                                      </p:cBhvr>
-                                    </p:animEffect>
-                                  </p:childTnLst>
-                                </p:cTn>
-                              </p:par>
-                            </p:childTnLst>
-                          </p:cTn>
-                        </p:par>
-                      </p:childTnLst>
-                    </p:cTn>
-                  </p:par>
-                  <p:par>
-                    <p:cTn id="18" fill="hold">
-                      <p:stCondLst>
-                        <p:cond delay="indefinite"/>
-                      </p:stCondLst>
-                      <p:childTnLst>
-                        <p:par>
-                          <p:cTn id="19" fill="hold">
-                            <p:stCondLst>
-                              <p:cond delay="0"/>
-                            </p:stCondLst>
-                            <p:childTnLst>
-                              <p:par>
-                                <p:cTn id="20" presetID="9" presetClass="entr" presetSubtype="0" fill="hold" grpId="0" nodeType="clickEffect">
-                                  <p:stCondLst>
-                                    <p:cond delay="0"/>
-                                  </p:stCondLst>
-                                  <p:childTnLst>
-                                    <p:set>
-                                      <p:cBhvr>
-                                        <p:cTn id="21" dur="1" fill="hold">
-                                          <p:stCondLst>
-                                            <p:cond delay="0"/>
-                                          </p:stCondLst>
-                                        </p:cTn>
-                                        <p:tgtEl>
-                                          <p:spTgt spid="16390">
-                                            <p:txEl>
-                                              <p:pRg st="6" end="6"/>
-                                            </p:txEl>
-                                          </p:spTgt>
-                                        </p:tgtEl>
-                                        <p:attrNameLst>
-                                          <p:attrName>style.visibility</p:attrName>
-                                        </p:attrNameLst>
-                                      </p:cBhvr>
-                                      <p:to>
-                                        <p:strVal val="visible"/>
-                                      </p:to>
-                                    </p:set>
-                                    <p:animEffect transition="in" filter="dissolve">
-                                      <p:cBhvr>
-                                        <p:cTn id="22" dur="500"/>
-                                        <p:tgtEl>
-                                          <p:spTgt spid="16390">
-                                            <p:txEl>
-                                              <p:pRg st="6" end="6"/>
-                                            </p:txEl>
-                                          </p:spTgt>
-                                        </p:tgtEl>
-                                      </p:cBhvr>
-                                    </p:animEffect>
-                                  </p:childTnLst>
-                                </p:cTn>
-                              </p:par>
-                            </p:childTnLst>
-                          </p:cTn>
-                        </p:par>
-                      </p:childTnLst>
-                    </p:cTn>
-                  </p:par>
-                </p:childTnLst>
-              </p:cTn>
-              <p:prevCondLst>
-                <p:cond evt="onPrev" delay="0">
-                  <p:tgtEl>
-                    <p:sldTgt/>
-                  </p:tgtEl>
-                </p:cond>
-              </p:prevCondLst>
-              <p:nextCondLst>
-                <p:cond evt="onNext" delay="0">
-                  <p:tgtEl>
-                    <p:sldTgt/>
-                  </p:tgtEl>
-                </p:cond>
-              </p:nextCondLst>
-            </p:seq>
-          </p:childTnLst>
-        </p:cTn>
-      </p:par>
-    </p:tnLst>
-    <p:bldLst>
-      <p:bldP spid="16390" grpId="0" build="p"/>
-    </p:bldLst>
-  </p:timing>
-</p:sld>
-</file>
-
-<file path=ppt/slides/slide22.xml><?xml version="1.0" encoding="utf-8"?>
-<p:sld xmlns:a="http://schemas.openxmlformats.org/drawingml/2006/main" xmlns:r="http://schemas.openxmlformats.org/officeDocument/2006/relationships" xmlns:p="http://schemas.openxmlformats.org/presentationml/2006/main" show="0">
-  <p:cSld>
-    <p:spTree>
-      <p:nvGrpSpPr>
-        <p:cNvPr id="1" name=""/>
-        <p:cNvGrpSpPr/>
-        <p:nvPr/>
-      </p:nvGrpSpPr>
-      <p:grpSpPr>
-        <a:xfrm>
-          <a:off x="0" y="0"/>
-          <a:ext cx="0" cy="0"/>
-          <a:chOff x="0" y="0"/>
-          <a:chExt cx="0" cy="0"/>
-        </a:xfrm>
-      </p:grpSpPr>
-      <p:sp>
-        <p:nvSpPr>
-          <p:cNvPr id="35844" name="Slide Number Placeholder 5"/>
-          <p:cNvSpPr>
-            <a:spLocks noGrp="1"/>
-          </p:cNvSpPr>
-          <p:nvPr>
-            <p:ph type="sldNum" sz="quarter" idx="12"/>
-          </p:nvPr>
-        </p:nvSpPr>
-        <p:spPr>
-          <a:noFill/>
-        </p:spPr>
-        <p:txBody>
-          <a:bodyPr/>
-          <a:lstStyle/>
-          <a:p>
-            <a:r>
-              <a:rPr lang="en-US" dirty="0" smtClean="0"/>
-              <a:t>random-walk.</a:t>
-            </a:r>
-            <a:fld id="{42298CDA-044A-0949-8A0D-DDA7F6833251}" type="slidenum">
-              <a:rPr lang="en-US" smtClean="0"/>
-              <a:pPr/>
-              <a:t>22</a:t>
-            </a:fld>
-            <a:endParaRPr lang="en-US" dirty="0"/>
-          </a:p>
-          <a:p>
-            <a:endParaRPr lang="en-US" dirty="0"/>
-          </a:p>
-        </p:txBody>
-      </p:sp>
-      <p:sp>
-        <p:nvSpPr>
-          <p:cNvPr id="22534" name="Rectangle 3"/>
-          <p:cNvSpPr>
-            <a:spLocks noGrp="1" noChangeArrowheads="1"/>
-          </p:cNvSpPr>
-          <p:nvPr>
-            <p:ph type="body" idx="1"/>
-          </p:nvPr>
-        </p:nvSpPr>
-        <p:spPr>
-          <a:xfrm>
-            <a:off x="381000" y="1219200"/>
-            <a:ext cx="8382000" cy="4800600"/>
-          </a:xfrm>
-        </p:spPr>
-        <p:txBody>
-          <a:bodyPr/>
-          <a:lstStyle/>
-          <a:p>
-            <a:pPr eaLnBrk="1" hangingPunct="1">
-              <a:lnSpc>
-                <a:spcPct val="90000"/>
-              </a:lnSpc>
-              <a:buFontTx/>
-              <a:buNone/>
-            </a:pPr>
-            <a:r>
-              <a:rPr lang="en-US" sz="4000" dirty="0"/>
-              <a:t>View the entire web as </a:t>
-            </a:r>
-            <a:r>
-              <a:rPr lang="en-US" sz="4000" dirty="0" smtClean="0"/>
-              <a:t>digraph</a:t>
-            </a:r>
-          </a:p>
-          <a:p>
-            <a:pPr eaLnBrk="1" hangingPunct="1">
-              <a:lnSpc>
-                <a:spcPct val="90000"/>
-              </a:lnSpc>
-            </a:pPr>
-            <a:r>
-              <a:rPr lang="en-US" sz="4000" dirty="0" smtClean="0"/>
-              <a:t>vertices </a:t>
-            </a:r>
-            <a:r>
-              <a:rPr lang="en-US" sz="4000" dirty="0"/>
-              <a:t>are </a:t>
-            </a:r>
-            <a:r>
-              <a:rPr lang="en-US" sz="4000" dirty="0" err="1"/>
-              <a:t>webpages</a:t>
-            </a:r>
-            <a:r>
-              <a:rPr lang="en-US" sz="4000" dirty="0"/>
-              <a:t> </a:t>
-            </a:r>
-            <a:endParaRPr lang="en-US" sz="4000" dirty="0" smtClean="0"/>
-          </a:p>
-          <a:p>
-            <a:pPr eaLnBrk="1" hangingPunct="1">
-              <a:lnSpc>
-                <a:spcPct val="90000"/>
-              </a:lnSpc>
-            </a:pPr>
-            <a:r>
-              <a:rPr lang="en-US" sz="4000" dirty="0" smtClean="0"/>
-              <a:t>edge </a:t>
-            </a:r>
-            <a:r>
-              <a:rPr lang="en-US" sz="4000" dirty="0"/>
-              <a:t>(</a:t>
-            </a:r>
-            <a:r>
-              <a:rPr lang="en-US" sz="4000" dirty="0" err="1">
-                <a:solidFill>
-                  <a:srgbClr val="0000FF"/>
-                </a:solidFill>
-              </a:rPr>
-              <a:t>u,v</a:t>
-            </a:r>
-            <a:r>
-              <a:rPr lang="en-US" sz="4000" dirty="0"/>
-              <a:t>) exists if link from page </a:t>
-            </a:r>
-            <a:r>
-              <a:rPr lang="en-US" sz="4000" dirty="0" err="1">
-                <a:solidFill>
-                  <a:srgbClr val="0000FF"/>
-                </a:solidFill>
-              </a:rPr>
-              <a:t>u</a:t>
-            </a:r>
-            <a:r>
-              <a:rPr lang="en-US" sz="4000" dirty="0"/>
-              <a:t> to page </a:t>
-            </a:r>
-            <a:r>
-              <a:rPr lang="en-US" sz="4000" dirty="0" err="1">
-                <a:solidFill>
-                  <a:srgbClr val="0000FF"/>
-                </a:solidFill>
-              </a:rPr>
-              <a:t>v</a:t>
-            </a:r>
-            <a:endParaRPr lang="en-US" sz="4000" dirty="0">
-              <a:solidFill>
-                <a:srgbClr val="0000FF"/>
-              </a:solidFill>
-            </a:endParaRPr>
-          </a:p>
-          <a:p>
-            <a:pPr eaLnBrk="1" hangingPunct="1">
-              <a:lnSpc>
-                <a:spcPct val="90000"/>
-              </a:lnSpc>
-            </a:pPr>
-            <a:r>
-              <a:rPr lang="en-US" sz="4000" dirty="0" err="1"/>
-              <a:t>Pr{go</a:t>
-            </a:r>
-            <a:r>
-              <a:rPr lang="en-US" sz="4000" dirty="0"/>
-              <a:t> to</a:t>
-            </a:r>
-            <a:r>
-              <a:rPr lang="en-US" sz="4000" dirty="0">
-                <a:solidFill>
-                  <a:srgbClr val="0000FF"/>
-                </a:solidFill>
-              </a:rPr>
-              <a:t> </a:t>
-            </a:r>
-            <a:r>
-              <a:rPr lang="en-US" sz="4000" dirty="0" err="1">
-                <a:solidFill>
-                  <a:srgbClr val="0000FF"/>
-                </a:solidFill>
-              </a:rPr>
-              <a:t>v</a:t>
-            </a:r>
-            <a:r>
-              <a:rPr lang="en-US" sz="4000" dirty="0"/>
-              <a:t> from </a:t>
-            </a:r>
-            <a:r>
-              <a:rPr lang="en-US" sz="4000" dirty="0" err="1">
-                <a:solidFill>
-                  <a:srgbClr val="0000FF"/>
-                </a:solidFill>
-              </a:rPr>
-              <a:t>u</a:t>
-            </a:r>
-            <a:r>
-              <a:rPr lang="en-US" sz="4000" dirty="0"/>
-              <a:t>} = </a:t>
-            </a:r>
-            <a:r>
-              <a:rPr lang="en-US" sz="4000" dirty="0">
-                <a:solidFill>
-                  <a:srgbClr val="0000FF"/>
-                </a:solidFill>
-              </a:rPr>
-              <a:t>1/outdeg(u)</a:t>
-            </a:r>
-          </a:p>
-          <a:p>
-            <a:pPr eaLnBrk="1" hangingPunct="1">
-              <a:lnSpc>
-                <a:spcPct val="90000"/>
-              </a:lnSpc>
-              <a:buFontTx/>
-              <a:buNone/>
-            </a:pPr>
-            <a:r>
-              <a:rPr lang="en-US" sz="4000" dirty="0"/>
-              <a:t>Find </a:t>
-            </a:r>
-            <a:r>
-              <a:rPr lang="en-US" sz="4000" dirty="0">
-                <a:solidFill>
-                  <a:srgbClr val="FF00FF"/>
-                </a:solidFill>
-              </a:rPr>
-              <a:t>stationary distribution</a:t>
-            </a:r>
-            <a:r>
-              <a:rPr lang="en-US" sz="4000" dirty="0"/>
-              <a:t> {</a:t>
-            </a:r>
-            <a:r>
-              <a:rPr lang="en-US" sz="4000" dirty="0" err="1">
-                <a:solidFill>
-                  <a:schemeClr val="accent2"/>
-                </a:solidFill>
-              </a:rPr>
-              <a:t>p</a:t>
-            </a:r>
-            <a:r>
-              <a:rPr lang="en-US" sz="4000" baseline="-25000" dirty="0" err="1">
-                <a:solidFill>
-                  <a:srgbClr val="0000FF"/>
-                </a:solidFill>
-              </a:rPr>
-              <a:t>u</a:t>
-            </a:r>
-            <a:r>
-              <a:rPr lang="en-US" sz="4000" dirty="0"/>
-              <a:t>}</a:t>
-            </a:r>
-          </a:p>
-          <a:p>
-            <a:pPr eaLnBrk="1" hangingPunct="1">
-              <a:lnSpc>
-                <a:spcPct val="90000"/>
-              </a:lnSpc>
-              <a:buFontTx/>
-              <a:buNone/>
-            </a:pPr>
-            <a:r>
-              <a:rPr lang="en-US" sz="4000" dirty="0"/>
-              <a:t>Rank </a:t>
-            </a:r>
-            <a:r>
-              <a:rPr lang="en-US" sz="4000" dirty="0" err="1">
-                <a:solidFill>
-                  <a:srgbClr val="0000FF"/>
-                </a:solidFill>
-              </a:rPr>
-              <a:t>u</a:t>
-            </a:r>
-            <a:r>
-              <a:rPr lang="en-US" sz="4000" dirty="0"/>
-              <a:t> above</a:t>
-            </a:r>
-            <a:r>
-              <a:rPr lang="en-US" sz="4000" dirty="0">
-                <a:solidFill>
-                  <a:srgbClr val="0000FF"/>
-                </a:solidFill>
-              </a:rPr>
-              <a:t> </a:t>
-            </a:r>
-            <a:r>
-              <a:rPr lang="en-US" sz="4000" dirty="0" err="1">
-                <a:solidFill>
-                  <a:srgbClr val="0000FF"/>
-                </a:solidFill>
-              </a:rPr>
-              <a:t>v</a:t>
-            </a:r>
-            <a:r>
-              <a:rPr lang="en-US" sz="4000" dirty="0"/>
-              <a:t> if </a:t>
-            </a:r>
-            <a:r>
-              <a:rPr lang="en-US" sz="4000" dirty="0" err="1">
-                <a:solidFill>
-                  <a:srgbClr val="0000FF"/>
-                </a:solidFill>
-              </a:rPr>
-              <a:t>p</a:t>
-            </a:r>
-            <a:r>
-              <a:rPr lang="en-US" sz="4000" baseline="-25000" dirty="0" err="1">
-                <a:solidFill>
-                  <a:srgbClr val="0000FF"/>
-                </a:solidFill>
-              </a:rPr>
-              <a:t>u</a:t>
-            </a:r>
-            <a:r>
-              <a:rPr lang="en-US" sz="4000" dirty="0">
-                <a:solidFill>
-                  <a:schemeClr val="accent2"/>
-                </a:solidFill>
-              </a:rPr>
-              <a:t> </a:t>
-            </a:r>
-            <a:r>
-              <a:rPr lang="en-US" sz="4000" b="1" dirty="0">
-                <a:solidFill>
-                  <a:schemeClr val="accent2"/>
-                </a:solidFill>
-                <a:latin typeface="Euclid Symbol" charset="2"/>
-                <a:cs typeface="Euclid Symbol" charset="2"/>
-              </a:rPr>
-              <a:t>&gt;</a:t>
-            </a:r>
-            <a:r>
-              <a:rPr lang="en-US" sz="4000" dirty="0">
-                <a:solidFill>
-                  <a:schemeClr val="accent2"/>
-                </a:solidFill>
-              </a:rPr>
-              <a:t> </a:t>
-            </a:r>
-            <a:r>
-              <a:rPr lang="en-US" sz="4000" dirty="0" err="1">
-                <a:solidFill>
-                  <a:srgbClr val="0000FF"/>
-                </a:solidFill>
-              </a:rPr>
-              <a:t>p</a:t>
-            </a:r>
-            <a:r>
-              <a:rPr lang="en-US" sz="4000" baseline="-25000" dirty="0" err="1">
-                <a:solidFill>
-                  <a:srgbClr val="0000FF"/>
-                </a:solidFill>
-              </a:rPr>
-              <a:t>v</a:t>
-            </a:r>
-            <a:r>
-              <a:rPr lang="en-US" sz="4000" dirty="0"/>
-              <a:t>.</a:t>
-            </a:r>
-          </a:p>
-        </p:txBody>
-      </p:sp>
-      <p:sp>
-        <p:nvSpPr>
-          <p:cNvPr id="7" name="Rectangle 4"/>
-          <p:cNvSpPr>
-            <a:spLocks noGrp="1" noChangeArrowheads="1"/>
-          </p:cNvSpPr>
-          <p:nvPr>
-            <p:ph type="dt" sz="half" idx="2"/>
-          </p:nvPr>
-        </p:nvSpPr>
-        <p:spPr bwMode="auto">
-          <a:xfrm>
-            <a:off x="3124200" y="6629400"/>
-            <a:ext cx="2863850" cy="228600"/>
-          </a:xfrm>
-          <a:prstGeom prst="rect">
-            <a:avLst/>
-          </a:prstGeom>
-          <a:noFill/>
-          <a:ln w="9525">
-            <a:noFill/>
-            <a:miter lim="800000"/>
-            <a:headEnd/>
-            <a:tailEnd/>
-          </a:ln>
-        </p:spPr>
-        <p:txBody>
-          <a:bodyPr vert="horz" wrap="square" lIns="91440" tIns="45720" rIns="91440" bIns="45720" numCol="1" anchor="t" anchorCtr="0" compatLnSpc="1">
-            <a:prstTxWarp prst="textNoShape">
-              <a:avLst/>
-            </a:prstTxWarp>
-          </a:bodyPr>
-          <a:lstStyle>
-            <a:lvl1pPr algn="ctr" eaLnBrk="1" hangingPunct="1">
-              <a:defRPr sz="1000">
-                <a:latin typeface="Comic Sans MS" pitchFamily="-64" charset="0"/>
-                <a:ea typeface="ＭＳ Ｐゴシック" pitchFamily="-64" charset="-128"/>
-                <a:cs typeface="+mn-cs"/>
-              </a:defRPr>
-            </a:lvl1pPr>
-          </a:lstStyle>
-          <a:p>
-            <a:pPr>
-              <a:defRPr/>
-            </a:pPr>
-            <a:r>
-              <a:rPr lang="en-US" dirty="0" smtClean="0"/>
-              <a:t>Albert R Meyer,               December 6, 2013</a:t>
-            </a:r>
-            <a:endParaRPr lang="en-US" dirty="0"/>
-          </a:p>
-        </p:txBody>
-      </p:sp>
-      <p:sp>
-        <p:nvSpPr>
-          <p:cNvPr id="8" name="Rectangle 2"/>
-          <p:cNvSpPr>
-            <a:spLocks noGrp="1" noChangeArrowheads="1"/>
-          </p:cNvSpPr>
-          <p:nvPr>
-            <p:ph type="title"/>
-          </p:nvPr>
-        </p:nvSpPr>
-        <p:spPr>
-          <a:xfrm>
-            <a:off x="1519238" y="301625"/>
-            <a:ext cx="5872162" cy="993775"/>
-          </a:xfrm>
-        </p:spPr>
-        <p:txBody>
-          <a:bodyPr/>
-          <a:lstStyle/>
-          <a:p>
-            <a:pPr eaLnBrk="1" hangingPunct="1"/>
-            <a:r>
-              <a:rPr lang="en-US" dirty="0"/>
-              <a:t>Google Page Rank</a:t>
-            </a:r>
-          </a:p>
-        </p:txBody>
-      </p:sp>
-    </p:spTree>
-  </p:cSld>
-  <p:clrMapOvr>
-    <a:masterClrMapping/>
-  </p:clrMapOvr>
-  <p:transition xmlns:p14="http://schemas.microsoft.com/office/powerpoint/2010/main" spd="slow">
-    <p:fade thruBlk="1"/>
-  </p:transition>
-  <p:timing>
-    <p:tnLst>
-      <p:par>
-        <p:cTn xmlns:p14="http://schemas.microsoft.com/office/powerpoint/2010/main" id="1" dur="indefinite" restart="never" nodeType="tmRoot">
-          <p:childTnLst>
-            <p:seq concurrent="1" nextAc="seek">
-              <p:cTn id="2" dur="indefinite" nodeType="mainSeq">
-                <p:childTnLst>
-                  <p:par>
-                    <p:cTn id="3" fill="hold">
-                      <p:stCondLst>
-                        <p:cond delay="indefinite"/>
-                      </p:stCondLst>
-                      <p:childTnLst>
-                        <p:par>
-                          <p:cTn id="4" fill="hold">
-                            <p:stCondLst>
-                              <p:cond delay="0"/>
-                            </p:stCondLst>
-                            <p:childTnLst>
-                              <p:par>
-                                <p:cTn id="5" presetID="9" presetClass="entr" presetSubtype="0" fill="hold" grpId="0" nodeType="clickEffect">
-                                  <p:stCondLst>
-                                    <p:cond delay="0"/>
-                                  </p:stCondLst>
-                                  <p:childTnLst>
-                                    <p:set>
-                                      <p:cBhvr>
-                                        <p:cTn id="6" dur="1" fill="hold">
-                                          <p:stCondLst>
-                                            <p:cond delay="0"/>
-                                          </p:stCondLst>
-                                        </p:cTn>
-                                        <p:tgtEl>
-                                          <p:spTgt spid="22534">
-                                            <p:txEl>
-                                              <p:pRg st="0" end="0"/>
-                                            </p:txEl>
-                                          </p:spTgt>
-                                        </p:tgtEl>
-                                        <p:attrNameLst>
-                                          <p:attrName>style.visibility</p:attrName>
-                                        </p:attrNameLst>
-                                      </p:cBhvr>
-                                      <p:to>
-                                        <p:strVal val="visible"/>
-                                      </p:to>
-                                    </p:set>
-                                    <p:animEffect transition="in" filter="dissolve">
-                                      <p:cBhvr>
-                                        <p:cTn id="7" dur="500"/>
-                                        <p:tgtEl>
-                                          <p:spTgt spid="22534">
-                                            <p:txEl>
-                                              <p:pRg st="0" end="0"/>
-                                            </p:txEl>
-                                          </p:spTgt>
-                                        </p:tgtEl>
-                                      </p:cBhvr>
-                                    </p:animEffect>
-                                  </p:childTnLst>
-                                </p:cTn>
-                              </p:par>
-                            </p:childTnLst>
-                          </p:cTn>
-                        </p:par>
-                      </p:childTnLst>
-                    </p:cTn>
-                  </p:par>
-                  <p:par>
-                    <p:cTn id="8" fill="hold">
-                      <p:stCondLst>
-                        <p:cond delay="indefinite"/>
-                      </p:stCondLst>
-                      <p:childTnLst>
-                        <p:par>
-                          <p:cTn id="9" fill="hold">
-                            <p:stCondLst>
-                              <p:cond delay="0"/>
-                            </p:stCondLst>
-                            <p:childTnLst>
-                              <p:par>
-                                <p:cTn id="10" presetID="9" presetClass="entr" presetSubtype="0" fill="hold" grpId="0" nodeType="clickEffect">
-                                  <p:stCondLst>
-                                    <p:cond delay="0"/>
-                                  </p:stCondLst>
-                                  <p:childTnLst>
-                                    <p:set>
-                                      <p:cBhvr>
-                                        <p:cTn id="11" dur="1" fill="hold">
-                                          <p:stCondLst>
-                                            <p:cond delay="0"/>
-                                          </p:stCondLst>
-                                        </p:cTn>
-                                        <p:tgtEl>
-                                          <p:spTgt spid="22534">
-                                            <p:txEl>
-                                              <p:pRg st="1" end="1"/>
-                                            </p:txEl>
-                                          </p:spTgt>
-                                        </p:tgtEl>
-                                        <p:attrNameLst>
-                                          <p:attrName>style.visibility</p:attrName>
-                                        </p:attrNameLst>
-                                      </p:cBhvr>
-                                      <p:to>
-                                        <p:strVal val="visible"/>
-                                      </p:to>
-                                    </p:set>
-                                    <p:animEffect transition="in" filter="dissolve">
-                                      <p:cBhvr>
-                                        <p:cTn id="12" dur="500"/>
-                                        <p:tgtEl>
-                                          <p:spTgt spid="22534">
-                                            <p:txEl>
-                                              <p:pRg st="1" end="1"/>
-                                            </p:txEl>
-                                          </p:spTgt>
-                                        </p:tgtEl>
-                                      </p:cBhvr>
-                                    </p:animEffect>
-                                  </p:childTnLst>
-                                </p:cTn>
-                              </p:par>
-                            </p:childTnLst>
-                          </p:cTn>
-                        </p:par>
-                      </p:childTnLst>
-                    </p:cTn>
-                  </p:par>
-                  <p:par>
-                    <p:cTn id="13" fill="hold">
-                      <p:stCondLst>
-                        <p:cond delay="indefinite"/>
-                      </p:stCondLst>
-                      <p:childTnLst>
-                        <p:par>
-                          <p:cTn id="14" fill="hold">
-                            <p:stCondLst>
-                              <p:cond delay="0"/>
-                            </p:stCondLst>
-                            <p:childTnLst>
-                              <p:par>
-                                <p:cTn id="15" presetID="9" presetClass="entr" presetSubtype="0" fill="hold" grpId="0" nodeType="clickEffect">
-                                  <p:stCondLst>
-                                    <p:cond delay="0"/>
-                                  </p:stCondLst>
-                                  <p:childTnLst>
-                                    <p:set>
-                                      <p:cBhvr>
-                                        <p:cTn id="16" dur="1" fill="hold">
-                                          <p:stCondLst>
-                                            <p:cond delay="0"/>
-                                          </p:stCondLst>
-                                        </p:cTn>
-                                        <p:tgtEl>
-                                          <p:spTgt spid="22534">
-                                            <p:txEl>
-                                              <p:pRg st="2" end="2"/>
-                                            </p:txEl>
-                                          </p:spTgt>
-                                        </p:tgtEl>
-                                        <p:attrNameLst>
-                                          <p:attrName>style.visibility</p:attrName>
-                                        </p:attrNameLst>
-                                      </p:cBhvr>
-                                      <p:to>
-                                        <p:strVal val="visible"/>
-                                      </p:to>
-                                    </p:set>
-                                    <p:animEffect transition="in" filter="dissolve">
-                                      <p:cBhvr>
-                                        <p:cTn id="17" dur="500"/>
-                                        <p:tgtEl>
-                                          <p:spTgt spid="22534">
-                                            <p:txEl>
-                                              <p:pRg st="2" end="2"/>
-                                            </p:txEl>
-                                          </p:spTgt>
-                                        </p:tgtEl>
-                                      </p:cBhvr>
-                                    </p:animEffect>
-                                  </p:childTnLst>
-                                </p:cTn>
-                              </p:par>
-                            </p:childTnLst>
-                          </p:cTn>
-                        </p:par>
-                      </p:childTnLst>
-                    </p:cTn>
-                  </p:par>
-                  <p:par>
-                    <p:cTn id="18" fill="hold">
-                      <p:stCondLst>
-                        <p:cond delay="indefinite"/>
-                      </p:stCondLst>
-                      <p:childTnLst>
-                        <p:par>
-                          <p:cTn id="19" fill="hold">
-                            <p:stCondLst>
-                              <p:cond delay="0"/>
-                            </p:stCondLst>
-                            <p:childTnLst>
-                              <p:par>
-                                <p:cTn id="20" presetID="9" presetClass="entr" presetSubtype="0" fill="hold" grpId="0" nodeType="clickEffect">
-                                  <p:stCondLst>
-                                    <p:cond delay="0"/>
-                                  </p:stCondLst>
-                                  <p:childTnLst>
-                                    <p:set>
-                                      <p:cBhvr>
-                                        <p:cTn id="21" dur="1" fill="hold">
-                                          <p:stCondLst>
-                                            <p:cond delay="0"/>
-                                          </p:stCondLst>
-                                        </p:cTn>
-                                        <p:tgtEl>
-                                          <p:spTgt spid="22534">
-                                            <p:txEl>
-                                              <p:pRg st="3" end="3"/>
-                                            </p:txEl>
-                                          </p:spTgt>
-                                        </p:tgtEl>
-                                        <p:attrNameLst>
-                                          <p:attrName>style.visibility</p:attrName>
-                                        </p:attrNameLst>
-                                      </p:cBhvr>
-                                      <p:to>
-                                        <p:strVal val="visible"/>
-                                      </p:to>
-                                    </p:set>
-                                    <p:animEffect transition="in" filter="dissolve">
-                                      <p:cBhvr>
-                                        <p:cTn id="22" dur="500"/>
-                                        <p:tgtEl>
-                                          <p:spTgt spid="22534">
-                                            <p:txEl>
-                                              <p:pRg st="3" end="3"/>
-                                            </p:txEl>
-                                          </p:spTgt>
-                                        </p:tgtEl>
-                                      </p:cBhvr>
-                                    </p:animEffect>
-                                  </p:childTnLst>
-                                </p:cTn>
-                              </p:par>
-                            </p:childTnLst>
-                          </p:cTn>
-                        </p:par>
-                      </p:childTnLst>
-                    </p:cTn>
-                  </p:par>
-                  <p:par>
-                    <p:cTn id="23" fill="hold">
-                      <p:stCondLst>
-                        <p:cond delay="indefinite"/>
-                      </p:stCondLst>
-                      <p:childTnLst>
-                        <p:par>
-                          <p:cTn id="24" fill="hold">
-                            <p:stCondLst>
-                              <p:cond delay="0"/>
-                            </p:stCondLst>
-                            <p:childTnLst>
-                              <p:par>
-                                <p:cTn id="25" presetID="9" presetClass="entr" presetSubtype="0" fill="hold" grpId="0" nodeType="clickEffect">
-                                  <p:stCondLst>
-                                    <p:cond delay="0"/>
-                                  </p:stCondLst>
-                                  <p:childTnLst>
-                                    <p:set>
-                                      <p:cBhvr>
-                                        <p:cTn id="26" dur="1" fill="hold">
-                                          <p:stCondLst>
-                                            <p:cond delay="0"/>
-                                          </p:stCondLst>
-                                        </p:cTn>
-                                        <p:tgtEl>
-                                          <p:spTgt spid="22534">
-                                            <p:txEl>
-                                              <p:pRg st="4" end="4"/>
-                                            </p:txEl>
-                                          </p:spTgt>
-                                        </p:tgtEl>
-                                        <p:attrNameLst>
-                                          <p:attrName>style.visibility</p:attrName>
-                                        </p:attrNameLst>
-                                      </p:cBhvr>
-                                      <p:to>
-                                        <p:strVal val="visible"/>
-                                      </p:to>
-                                    </p:set>
-                                    <p:animEffect transition="in" filter="dissolve">
-                                      <p:cBhvr>
-                                        <p:cTn id="27" dur="500"/>
-                                        <p:tgtEl>
-                                          <p:spTgt spid="22534">
-                                            <p:txEl>
-                                              <p:pRg st="4" end="4"/>
-                                            </p:txEl>
-                                          </p:spTgt>
-                                        </p:tgtEl>
-                                      </p:cBhvr>
-                                    </p:animEffect>
-                                  </p:childTnLst>
-                                </p:cTn>
-                              </p:par>
-                            </p:childTnLst>
-                          </p:cTn>
-                        </p:par>
-                      </p:childTnLst>
-                    </p:cTn>
-                  </p:par>
-                  <p:par>
-                    <p:cTn id="28" fill="hold">
-                      <p:stCondLst>
-                        <p:cond delay="indefinite"/>
-                      </p:stCondLst>
-                      <p:childTnLst>
-                        <p:par>
-                          <p:cTn id="29" fill="hold">
-                            <p:stCondLst>
-                              <p:cond delay="0"/>
-                            </p:stCondLst>
-                            <p:childTnLst>
-                              <p:par>
-                                <p:cTn id="30" presetID="9" presetClass="entr" presetSubtype="0" fill="hold" grpId="0" nodeType="clickEffect">
-                                  <p:stCondLst>
-                                    <p:cond delay="0"/>
-                                  </p:stCondLst>
-                                  <p:childTnLst>
-                                    <p:set>
-                                      <p:cBhvr>
-                                        <p:cTn id="31" dur="1" fill="hold">
-                                          <p:stCondLst>
-                                            <p:cond delay="0"/>
-                                          </p:stCondLst>
-                                        </p:cTn>
-                                        <p:tgtEl>
-                                          <p:spTgt spid="22534">
-                                            <p:txEl>
-                                              <p:pRg st="5" end="5"/>
-                                            </p:txEl>
-                                          </p:spTgt>
-                                        </p:tgtEl>
-                                        <p:attrNameLst>
-                                          <p:attrName>style.visibility</p:attrName>
-                                        </p:attrNameLst>
-                                      </p:cBhvr>
-                                      <p:to>
-                                        <p:strVal val="visible"/>
-                                      </p:to>
-                                    </p:set>
-                                    <p:animEffect transition="in" filter="dissolve">
-                                      <p:cBhvr>
-                                        <p:cTn id="32" dur="500"/>
-                                        <p:tgtEl>
-                                          <p:spTgt spid="22534">
-                                            <p:txEl>
-                                              <p:pRg st="5" end="5"/>
-                                            </p:txEl>
-                                          </p:spTgt>
-                                        </p:tgtEl>
-                                      </p:cBhvr>
-                                    </p:animEffect>
-                                  </p:childTnLst>
-                                </p:cTn>
-                              </p:par>
-                            </p:childTnLst>
-                          </p:cTn>
-                        </p:par>
-                      </p:childTnLst>
-                    </p:cTn>
-                  </p:par>
-                </p:childTnLst>
-              </p:cTn>
-              <p:prevCondLst>
-                <p:cond evt="onPrev" delay="0">
-                  <p:tgtEl>
-                    <p:sldTgt/>
-                  </p:tgtEl>
-                </p:cond>
-              </p:prevCondLst>
-              <p:nextCondLst>
-                <p:cond evt="onNext" delay="0">
-                  <p:tgtEl>
-                    <p:sldTgt/>
-                  </p:tgtEl>
-                </p:cond>
-              </p:nextCondLst>
-            </p:seq>
-          </p:childTnLst>
-        </p:cTn>
-      </p:par>
-    </p:tnLst>
-    <p:bldLst>
-      <p:bldP spid="22534" grpId="0" build="p"/>
-    </p:bldLst>
-  </p:timing>
-</p:sld>
-</file>
-
-<file path=ppt/slides/slide23.xml><?xml version="1.0" encoding="utf-8"?>
-<p:sld xmlns:a="http://schemas.openxmlformats.org/drawingml/2006/main" xmlns:r="http://schemas.openxmlformats.org/officeDocument/2006/relationships" xmlns:p="http://schemas.openxmlformats.org/presentationml/2006/main" show="0">
-  <p:cSld>
-    <p:spTree>
-      <p:nvGrpSpPr>
-        <p:cNvPr id="1" name=""/>
-        <p:cNvGrpSpPr/>
-        <p:nvPr/>
-      </p:nvGrpSpPr>
-      <p:grpSpPr>
-        <a:xfrm>
-          <a:off x="0" y="0"/>
-          <a:ext cx="0" cy="0"/>
-          <a:chOff x="0" y="0"/>
-          <a:chExt cx="0" cy="0"/>
-        </a:xfrm>
-      </p:grpSpPr>
-      <p:sp>
-        <p:nvSpPr>
-          <p:cNvPr id="35844" name="Slide Number Placeholder 5"/>
-          <p:cNvSpPr>
-            <a:spLocks noGrp="1"/>
-          </p:cNvSpPr>
-          <p:nvPr>
-            <p:ph type="sldNum" sz="quarter" idx="12"/>
-          </p:nvPr>
-        </p:nvSpPr>
-        <p:spPr>
-          <a:noFill/>
-        </p:spPr>
-        <p:txBody>
-          <a:bodyPr/>
-          <a:lstStyle/>
-          <a:p>
-            <a:r>
-              <a:rPr lang="en-US" dirty="0" smtClean="0"/>
-              <a:t>random-walk.</a:t>
-            </a:r>
-            <a:fld id="{42298CDA-044A-0949-8A0D-DDA7F6833251}" type="slidenum">
-              <a:rPr lang="en-US" smtClean="0"/>
-              <a:pPr/>
-              <a:t>23</a:t>
-            </a:fld>
-            <a:endParaRPr lang="en-US" dirty="0"/>
-          </a:p>
-          <a:p>
-            <a:endParaRPr lang="en-US" dirty="0"/>
-          </a:p>
-        </p:txBody>
-      </p:sp>
-      <p:sp>
-        <p:nvSpPr>
-          <p:cNvPr id="22534" name="Rectangle 3"/>
-          <p:cNvSpPr>
-            <a:spLocks noGrp="1" noChangeArrowheads="1"/>
-          </p:cNvSpPr>
-          <p:nvPr>
-            <p:ph type="body" idx="1"/>
-          </p:nvPr>
-        </p:nvSpPr>
-        <p:spPr>
-          <a:xfrm>
-            <a:off x="381000" y="1447800"/>
-            <a:ext cx="8382000" cy="4038600"/>
-          </a:xfrm>
-        </p:spPr>
-        <p:txBody>
-          <a:bodyPr/>
-          <a:lstStyle/>
-          <a:p>
-            <a:pPr eaLnBrk="1" hangingPunct="1">
-              <a:lnSpc>
-                <a:spcPct val="90000"/>
-              </a:lnSpc>
-              <a:buFontTx/>
-              <a:buNone/>
-            </a:pPr>
-            <a:r>
-              <a:rPr lang="en-US" sz="4000" dirty="0" smtClean="0"/>
-              <a:t>To ensure unique stationary:</a:t>
-            </a:r>
-          </a:p>
-          <a:p>
-            <a:pPr eaLnBrk="1" hangingPunct="1">
-              <a:lnSpc>
-                <a:spcPct val="90000"/>
-              </a:lnSpc>
-              <a:buFontTx/>
-              <a:buNone/>
-            </a:pPr>
-            <a:r>
-              <a:rPr lang="en-US" sz="4000" dirty="0" smtClean="0"/>
-              <a:t>* add a “super-node” to the graph</a:t>
-            </a:r>
-          </a:p>
-          <a:p>
-            <a:pPr eaLnBrk="1" hangingPunct="1">
-              <a:lnSpc>
-                <a:spcPct val="90000"/>
-              </a:lnSpc>
-              <a:buFontTx/>
-              <a:buNone/>
-            </a:pPr>
-            <a:r>
-              <a:rPr lang="en-US" sz="4000" dirty="0" smtClean="0"/>
-              <a:t>* an edge from super-node to each other node</a:t>
-            </a:r>
-          </a:p>
-          <a:p>
-            <a:pPr eaLnBrk="1" hangingPunct="1">
-              <a:lnSpc>
-                <a:spcPct val="90000"/>
-              </a:lnSpc>
-              <a:buFontTx/>
-              <a:buNone/>
-            </a:pPr>
-            <a:r>
-              <a:rPr lang="en-US" sz="4000" dirty="0" smtClean="0"/>
-              <a:t>* edges from each other node back to super-node</a:t>
-            </a:r>
-            <a:endParaRPr lang="en-US" sz="4000" dirty="0"/>
-          </a:p>
-        </p:txBody>
-      </p:sp>
-      <p:sp>
-        <p:nvSpPr>
-          <p:cNvPr id="7" name="Rectangle 4"/>
-          <p:cNvSpPr>
-            <a:spLocks noGrp="1" noChangeArrowheads="1"/>
-          </p:cNvSpPr>
-          <p:nvPr>
-            <p:ph type="dt" sz="half" idx="2"/>
-          </p:nvPr>
-        </p:nvSpPr>
-        <p:spPr bwMode="auto">
-          <a:xfrm>
-            <a:off x="3124200" y="6629400"/>
-            <a:ext cx="2863850" cy="228600"/>
-          </a:xfrm>
-          <a:prstGeom prst="rect">
-            <a:avLst/>
-          </a:prstGeom>
-          <a:noFill/>
-          <a:ln w="9525">
-            <a:noFill/>
-            <a:miter lim="800000"/>
-            <a:headEnd/>
-            <a:tailEnd/>
-          </a:ln>
-        </p:spPr>
-        <p:txBody>
-          <a:bodyPr vert="horz" wrap="square" lIns="91440" tIns="45720" rIns="91440" bIns="45720" numCol="1" anchor="t" anchorCtr="0" compatLnSpc="1">
-            <a:prstTxWarp prst="textNoShape">
-              <a:avLst/>
-            </a:prstTxWarp>
-          </a:bodyPr>
-          <a:lstStyle>
-            <a:lvl1pPr algn="ctr" eaLnBrk="1" hangingPunct="1">
-              <a:defRPr sz="1000">
-                <a:latin typeface="Comic Sans MS" pitchFamily="-64" charset="0"/>
-                <a:ea typeface="ＭＳ Ｐゴシック" pitchFamily="-64" charset="-128"/>
-                <a:cs typeface="+mn-cs"/>
-              </a:defRPr>
-            </a:lvl1pPr>
-          </a:lstStyle>
-          <a:p>
-            <a:pPr>
-              <a:defRPr/>
-            </a:pPr>
-            <a:r>
-              <a:rPr lang="en-US" dirty="0" smtClean="0"/>
-              <a:t>Albert R Meyer,               December 6, 2013</a:t>
-            </a:r>
-            <a:endParaRPr lang="en-US" dirty="0"/>
-          </a:p>
-        </p:txBody>
-      </p:sp>
-      <p:sp>
-        <p:nvSpPr>
-          <p:cNvPr id="8" name="Rectangle 2"/>
-          <p:cNvSpPr>
-            <a:spLocks noGrp="1" noChangeArrowheads="1"/>
-          </p:cNvSpPr>
-          <p:nvPr>
-            <p:ph type="title"/>
-          </p:nvPr>
-        </p:nvSpPr>
-        <p:spPr>
-          <a:xfrm>
-            <a:off x="1519238" y="301625"/>
-            <a:ext cx="5872162" cy="993775"/>
-          </a:xfrm>
-        </p:spPr>
-        <p:txBody>
-          <a:bodyPr/>
-          <a:lstStyle/>
-          <a:p>
-            <a:pPr eaLnBrk="1" hangingPunct="1"/>
-            <a:r>
-              <a:rPr lang="en-US" dirty="0"/>
-              <a:t>Google Page Rank</a:t>
-            </a:r>
-          </a:p>
-        </p:txBody>
-      </p:sp>
-    </p:spTree>
-    <p:extLst>
-      <p:ext uri="{BB962C8B-B14F-4D97-AF65-F5344CB8AC3E}">
-        <p14:creationId xmlns:p14="http://schemas.microsoft.com/office/powerpoint/2010/main" val="3562016177"/>
-      </p:ext>
-    </p:extLst>
-  </p:cSld>
-  <p:clrMapOvr>
-    <a:masterClrMapping/>
-  </p:clrMapOvr>
-  <p:transition xmlns:p14="http://schemas.microsoft.com/office/powerpoint/2010/main" spd="slow">
-    <p:fade thruBlk="1"/>
-  </p:transition>
-  <p:timing>
-    <p:tnLst>
-      <p:par>
-        <p:cTn xmlns:p14="http://schemas.microsoft.com/office/powerpoint/2010/main" id="1" dur="indefinite" restart="never" nodeType="tmRoot">
-          <p:childTnLst>
-            <p:seq concurrent="1" nextAc="seek">
-              <p:cTn id="2" dur="indefinite" nodeType="mainSeq">
-                <p:childTnLst>
-                  <p:par>
-                    <p:cTn id="3" fill="hold">
-                      <p:stCondLst>
-                        <p:cond delay="indefinite"/>
-                      </p:stCondLst>
-                      <p:childTnLst>
-                        <p:par>
-                          <p:cTn id="4" fill="hold">
-                            <p:stCondLst>
-                              <p:cond delay="0"/>
-                            </p:stCondLst>
-                            <p:childTnLst>
-                              <p:par>
-                                <p:cTn id="5" presetID="9" presetClass="entr" presetSubtype="0" fill="hold" grpId="0" nodeType="clickEffect">
-                                  <p:stCondLst>
-                                    <p:cond delay="0"/>
-                                  </p:stCondLst>
-                                  <p:childTnLst>
-                                    <p:set>
-                                      <p:cBhvr>
-                                        <p:cTn id="6" dur="1" fill="hold">
-                                          <p:stCondLst>
-                                            <p:cond delay="0"/>
-                                          </p:stCondLst>
-                                        </p:cTn>
-                                        <p:tgtEl>
-                                          <p:spTgt spid="22534">
-                                            <p:txEl>
-                                              <p:pRg st="0" end="0"/>
-                                            </p:txEl>
-                                          </p:spTgt>
-                                        </p:tgtEl>
-                                        <p:attrNameLst>
-                                          <p:attrName>style.visibility</p:attrName>
-                                        </p:attrNameLst>
-                                      </p:cBhvr>
-                                      <p:to>
-                                        <p:strVal val="visible"/>
-                                      </p:to>
-                                    </p:set>
-                                    <p:animEffect transition="in" filter="dissolve">
-                                      <p:cBhvr>
-                                        <p:cTn id="7" dur="500"/>
-                                        <p:tgtEl>
-                                          <p:spTgt spid="22534">
-                                            <p:txEl>
-                                              <p:pRg st="0" end="0"/>
-                                            </p:txEl>
-                                          </p:spTgt>
-                                        </p:tgtEl>
-                                      </p:cBhvr>
-                                    </p:animEffect>
-                                  </p:childTnLst>
-                                </p:cTn>
-                              </p:par>
-                            </p:childTnLst>
-                          </p:cTn>
-                        </p:par>
-                      </p:childTnLst>
-                    </p:cTn>
-                  </p:par>
-                  <p:par>
-                    <p:cTn id="8" fill="hold">
-                      <p:stCondLst>
-                        <p:cond delay="indefinite"/>
-                      </p:stCondLst>
-                      <p:childTnLst>
-                        <p:par>
-                          <p:cTn id="9" fill="hold">
-                            <p:stCondLst>
-                              <p:cond delay="0"/>
-                            </p:stCondLst>
-                            <p:childTnLst>
-                              <p:par>
-                                <p:cTn id="10" presetID="9" presetClass="entr" presetSubtype="0" fill="hold" grpId="0" nodeType="clickEffect">
-                                  <p:stCondLst>
-                                    <p:cond delay="0"/>
-                                  </p:stCondLst>
-                                  <p:childTnLst>
-                                    <p:set>
-                                      <p:cBhvr>
-                                        <p:cTn id="11" dur="1" fill="hold">
-                                          <p:stCondLst>
-                                            <p:cond delay="0"/>
-                                          </p:stCondLst>
-                                        </p:cTn>
-                                        <p:tgtEl>
-                                          <p:spTgt spid="22534">
-                                            <p:txEl>
-                                              <p:pRg st="1" end="1"/>
-                                            </p:txEl>
-                                          </p:spTgt>
-                                        </p:tgtEl>
-                                        <p:attrNameLst>
-                                          <p:attrName>style.visibility</p:attrName>
-                                        </p:attrNameLst>
-                                      </p:cBhvr>
-                                      <p:to>
-                                        <p:strVal val="visible"/>
-                                      </p:to>
-                                    </p:set>
-                                    <p:animEffect transition="in" filter="dissolve">
-                                      <p:cBhvr>
-                                        <p:cTn id="12" dur="500"/>
-                                        <p:tgtEl>
-                                          <p:spTgt spid="22534">
-                                            <p:txEl>
-                                              <p:pRg st="1" end="1"/>
-                                            </p:txEl>
-                                          </p:spTgt>
-                                        </p:tgtEl>
-                                      </p:cBhvr>
-                                    </p:animEffect>
-                                  </p:childTnLst>
-                                </p:cTn>
-                              </p:par>
-                            </p:childTnLst>
-                          </p:cTn>
-                        </p:par>
-                      </p:childTnLst>
-                    </p:cTn>
-                  </p:par>
-                  <p:par>
-                    <p:cTn id="13" fill="hold">
-                      <p:stCondLst>
-                        <p:cond delay="indefinite"/>
-                      </p:stCondLst>
-                      <p:childTnLst>
-                        <p:par>
-                          <p:cTn id="14" fill="hold">
-                            <p:stCondLst>
-                              <p:cond delay="0"/>
-                            </p:stCondLst>
-                            <p:childTnLst>
-                              <p:par>
-                                <p:cTn id="15" presetID="9" presetClass="entr" presetSubtype="0" fill="hold" grpId="0" nodeType="clickEffect">
-                                  <p:stCondLst>
-                                    <p:cond delay="0"/>
-                                  </p:stCondLst>
-                                  <p:childTnLst>
-                                    <p:set>
-                                      <p:cBhvr>
-                                        <p:cTn id="16" dur="1" fill="hold">
-                                          <p:stCondLst>
-                                            <p:cond delay="0"/>
-                                          </p:stCondLst>
-                                        </p:cTn>
-                                        <p:tgtEl>
-                                          <p:spTgt spid="22534">
-                                            <p:txEl>
-                                              <p:pRg st="2" end="2"/>
-                                            </p:txEl>
-                                          </p:spTgt>
-                                        </p:tgtEl>
-                                        <p:attrNameLst>
-                                          <p:attrName>style.visibility</p:attrName>
-                                        </p:attrNameLst>
-                                      </p:cBhvr>
-                                      <p:to>
-                                        <p:strVal val="visible"/>
-                                      </p:to>
-                                    </p:set>
-                                    <p:animEffect transition="in" filter="dissolve">
-                                      <p:cBhvr>
-                                        <p:cTn id="17" dur="500"/>
-                                        <p:tgtEl>
-                                          <p:spTgt spid="22534">
-                                            <p:txEl>
-                                              <p:pRg st="2" end="2"/>
-                                            </p:txEl>
-                                          </p:spTgt>
-                                        </p:tgtEl>
-                                      </p:cBhvr>
-                                    </p:animEffect>
-                                  </p:childTnLst>
-                                </p:cTn>
-                              </p:par>
-                            </p:childTnLst>
-                          </p:cTn>
-                        </p:par>
-                      </p:childTnLst>
-                    </p:cTn>
-                  </p:par>
-                  <p:par>
-                    <p:cTn id="18" fill="hold">
-                      <p:stCondLst>
-                        <p:cond delay="indefinite"/>
-                      </p:stCondLst>
-                      <p:childTnLst>
-                        <p:par>
-                          <p:cTn id="19" fill="hold">
-                            <p:stCondLst>
-                              <p:cond delay="0"/>
-                            </p:stCondLst>
-                            <p:childTnLst>
-                              <p:par>
-                                <p:cTn id="20" presetID="9" presetClass="entr" presetSubtype="0" fill="hold" grpId="0" nodeType="clickEffect">
-                                  <p:stCondLst>
-                                    <p:cond delay="0"/>
-                                  </p:stCondLst>
-                                  <p:childTnLst>
-                                    <p:set>
-                                      <p:cBhvr>
-                                        <p:cTn id="21" dur="1" fill="hold">
-                                          <p:stCondLst>
-                                            <p:cond delay="0"/>
-                                          </p:stCondLst>
-                                        </p:cTn>
-                                        <p:tgtEl>
-                                          <p:spTgt spid="22534">
-                                            <p:txEl>
-                                              <p:pRg st="3" end="3"/>
-                                            </p:txEl>
-                                          </p:spTgt>
-                                        </p:tgtEl>
-                                        <p:attrNameLst>
-                                          <p:attrName>style.visibility</p:attrName>
-                                        </p:attrNameLst>
-                                      </p:cBhvr>
-                                      <p:to>
-                                        <p:strVal val="visible"/>
-                                      </p:to>
-                                    </p:set>
-                                    <p:animEffect transition="in" filter="dissolve">
-                                      <p:cBhvr>
-                                        <p:cTn id="22" dur="500"/>
-                                        <p:tgtEl>
-                                          <p:spTgt spid="22534">
-                                            <p:txEl>
-                                              <p:pRg st="3" end="3"/>
-                                            </p:txEl>
-                                          </p:spTgt>
-                                        </p:tgtEl>
-                                      </p:cBhvr>
-                                    </p:animEffect>
-                                  </p:childTnLst>
-                                </p:cTn>
-                              </p:par>
-                            </p:childTnLst>
-                          </p:cTn>
-                        </p:par>
-                      </p:childTnLst>
-                    </p:cTn>
-                  </p:par>
-                </p:childTnLst>
-              </p:cTn>
-              <p:prevCondLst>
-                <p:cond evt="onPrev" delay="0">
-                  <p:tgtEl>
-                    <p:sldTgt/>
-                  </p:tgtEl>
-                </p:cond>
-              </p:prevCondLst>
-              <p:nextCondLst>
-                <p:cond evt="onNext" delay="0">
-                  <p:tgtEl>
-                    <p:sldTgt/>
-                  </p:tgtEl>
-                </p:cond>
-              </p:nextCondLst>
-            </p:seq>
-          </p:childTnLst>
-        </p:cTn>
-      </p:par>
-    </p:tnLst>
-    <p:bldLst>
-      <p:bldP spid="22534" grpId="0" build="p"/>
-    </p:bldLst>
-  </p:timing>
-</p:sld>
-</file>
-
-<file path=ppt/slides/slide24.xml><?xml version="1.0" encoding="utf-8"?>
-<p:sld xmlns:a="http://schemas.openxmlformats.org/drawingml/2006/main" xmlns:r="http://schemas.openxmlformats.org/officeDocument/2006/relationships" xmlns:p="http://schemas.openxmlformats.org/presentationml/2006/main" show="0">
-  <p:cSld>
-    <p:spTree>
-      <p:nvGrpSpPr>
-        <p:cNvPr id="1" name=""/>
-        <p:cNvGrpSpPr/>
-        <p:nvPr/>
-      </p:nvGrpSpPr>
-      <p:grpSpPr>
-        <a:xfrm>
-          <a:off x="0" y="0"/>
-          <a:ext cx="0" cy="0"/>
-          <a:chOff x="0" y="0"/>
-          <a:chExt cx="0" cy="0"/>
-        </a:xfrm>
-      </p:grpSpPr>
-      <p:sp>
-        <p:nvSpPr>
-          <p:cNvPr id="3" name="Content Placeholder 2"/>
-          <p:cNvSpPr>
-            <a:spLocks noGrp="1"/>
-          </p:cNvSpPr>
-          <p:nvPr>
-            <p:ph idx="1"/>
-          </p:nvPr>
-        </p:nvSpPr>
-        <p:spPr>
-          <a:xfrm>
-            <a:off x="228600" y="1219200"/>
-            <a:ext cx="8763000" cy="4419600"/>
-          </a:xfrm>
-        </p:spPr>
-        <p:txBody>
-          <a:bodyPr/>
-          <a:lstStyle/>
-          <a:p>
-            <a:pPr marL="0" indent="0">
-              <a:buNone/>
-            </a:pPr>
-            <a:r>
-              <a:rPr lang="en-US" sz="4400" dirty="0" smtClean="0"/>
-              <a:t>For </a:t>
-            </a:r>
-            <a:r>
-              <a:rPr lang="en-US" sz="4400" dirty="0" smtClean="0">
-                <a:solidFill>
-                  <a:srgbClr val="0000FF"/>
-                </a:solidFill>
-              </a:rPr>
-              <a:t>n</a:t>
-            </a:r>
-            <a:r>
-              <a:rPr lang="en-US" sz="4400" dirty="0" smtClean="0"/>
-              <a:t>-node graph, the edge-probability matrix </a:t>
-            </a:r>
-            <a:r>
-              <a:rPr lang="en-US" sz="4400" dirty="0" smtClean="0">
-                <a:solidFill>
-                  <a:srgbClr val="0000FF"/>
-                </a:solidFill>
-              </a:rPr>
-              <a:t>M</a:t>
-            </a:r>
-            <a:r>
-              <a:rPr lang="en-US" sz="4400" dirty="0" smtClean="0"/>
-              <a:t> has</a:t>
-            </a:r>
-          </a:p>
-          <a:p>
-            <a:pPr marL="0" indent="0">
-              <a:buNone/>
-            </a:pPr>
-            <a:r>
-              <a:rPr lang="en-US" sz="4400" dirty="0" err="1" smtClean="0">
-                <a:solidFill>
-                  <a:srgbClr val="0000FF"/>
-                </a:solidFill>
-              </a:rPr>
-              <a:t>M</a:t>
-            </a:r>
-            <a:r>
-              <a:rPr lang="en-US" sz="4400" baseline="-25000" dirty="0" err="1" smtClean="0">
-                <a:solidFill>
-                  <a:srgbClr val="0000FF"/>
-                </a:solidFill>
-              </a:rPr>
-              <a:t>ij</a:t>
-            </a:r>
-            <a:r>
-              <a:rPr lang="en-US" sz="4400" dirty="0" smtClean="0"/>
-              <a:t> ::= probability of edge</a:t>
-            </a:r>
-          </a:p>
-          <a:p>
-            <a:pPr marL="0" indent="0">
-              <a:buNone/>
-            </a:pPr>
-            <a:r>
-              <a:rPr lang="en-US" sz="4400" dirty="0" smtClean="0"/>
-              <a:t>Find stationary </a:t>
-            </a:r>
-            <a:r>
-              <a:rPr lang="en-US" sz="4400" dirty="0" err="1" smtClean="0"/>
-              <a:t>dist</a:t>
-            </a:r>
-            <a:r>
-              <a:rPr lang="en-US" sz="4400" dirty="0" smtClean="0"/>
-              <a:t> vector    :</a:t>
-            </a:r>
-          </a:p>
-          <a:p>
-            <a:pPr marL="0" indent="0">
-              <a:buNone/>
-            </a:pPr>
-            <a:r>
-              <a:rPr lang="en-US" sz="6600" dirty="0" smtClean="0">
-                <a:solidFill>
-                  <a:srgbClr val="0000FF"/>
-                </a:solidFill>
-              </a:rPr>
-              <a:t>          M   </a:t>
-            </a:r>
-            <a:r>
-              <a:rPr lang="en-US" sz="6600" b="1" dirty="0" smtClean="0">
-                <a:solidFill>
-                  <a:srgbClr val="0000FF"/>
-                </a:solidFill>
-                <a:latin typeface="Euclid Symbol" charset="2"/>
-                <a:cs typeface="Euclid Symbol" charset="2"/>
-              </a:rPr>
-              <a:t>=</a:t>
-            </a:r>
-            <a:r>
-              <a:rPr lang="en-US" sz="6600" dirty="0" smtClean="0">
-                <a:solidFill>
-                  <a:srgbClr val="0000FF"/>
-                </a:solidFill>
-              </a:rPr>
-              <a:t> </a:t>
-            </a:r>
-            <a:endParaRPr lang="en-US" sz="5400" dirty="0">
-              <a:solidFill>
-                <a:srgbClr val="0000FF"/>
-              </a:solidFill>
-            </a:endParaRPr>
-          </a:p>
-        </p:txBody>
-      </p:sp>
-      <p:sp>
-        <p:nvSpPr>
-          <p:cNvPr id="2" name="Title 1"/>
-          <p:cNvSpPr>
-            <a:spLocks noGrp="1"/>
-          </p:cNvSpPr>
-          <p:nvPr>
-            <p:ph type="title"/>
-          </p:nvPr>
-        </p:nvSpPr>
-        <p:spPr>
-          <a:xfrm>
-            <a:off x="1443038" y="301625"/>
-            <a:ext cx="6710362" cy="1069975"/>
-          </a:xfrm>
-        </p:spPr>
-        <p:txBody>
-          <a:bodyPr/>
-          <a:lstStyle/>
-          <a:p>
-            <a:r>
-              <a:rPr lang="en-US" dirty="0" smtClean="0"/>
-              <a:t>Linear Algebra</a:t>
-            </a:r>
-            <a:endParaRPr lang="en-US" dirty="0"/>
-          </a:p>
-        </p:txBody>
-      </p:sp>
-      <p:sp>
-        <p:nvSpPr>
-          <p:cNvPr id="4" name="Date Placeholder 3"/>
-          <p:cNvSpPr>
-            <a:spLocks noGrp="1"/>
-          </p:cNvSpPr>
-          <p:nvPr>
-            <p:ph type="dt" sz="half" idx="2"/>
-          </p:nvPr>
-        </p:nvSpPr>
-        <p:spPr>
-          <a:xfrm>
-            <a:off x="3124200" y="6629400"/>
-            <a:ext cx="2863850" cy="228600"/>
-          </a:xfrm>
-        </p:spPr>
-        <p:txBody>
-          <a:bodyPr/>
-          <a:lstStyle/>
-          <a:p>
-            <a:pPr>
-              <a:defRPr/>
-            </a:pPr>
-            <a:r>
-              <a:rPr lang="en-US" dirty="0" smtClean="0"/>
-              <a:t>December 6, 2013</a:t>
-            </a:r>
-            <a:endParaRPr lang="en-US" dirty="0"/>
-          </a:p>
-        </p:txBody>
-      </p:sp>
-      <p:sp>
-        <p:nvSpPr>
-          <p:cNvPr id="5" name="Slide Number Placeholder 4"/>
-          <p:cNvSpPr>
-            <a:spLocks noGrp="1"/>
-          </p:cNvSpPr>
-          <p:nvPr>
-            <p:ph type="sldNum" sz="quarter" idx="12"/>
-          </p:nvPr>
-        </p:nvSpPr>
-        <p:spPr/>
-        <p:txBody>
-          <a:bodyPr/>
-          <a:lstStyle/>
-          <a:p>
-            <a:pPr>
-              <a:defRPr/>
-            </a:pPr>
-            <a:r>
-              <a:rPr lang="en-US" smtClean="0"/>
-              <a:t>random-walk.</a:t>
-            </a:r>
-            <a:fld id="{E877D3CB-F960-BD47-98A7-06971C504846}" type="slidenum">
-              <a:rPr lang="en-US" smtClean="0"/>
-              <a:pPr>
-                <a:defRPr/>
-              </a:pPr>
-              <a:t>24</a:t>
-            </a:fld>
-            <a:endParaRPr lang="en-US" smtClean="0"/>
-          </a:p>
-          <a:p>
-            <a:pPr>
-              <a:defRPr/>
-            </a:pPr>
-            <a:endParaRPr lang="en-US" dirty="0"/>
-          </a:p>
-        </p:txBody>
-      </p:sp>
-      <p:grpSp>
-        <p:nvGrpSpPr>
-          <p:cNvPr id="13" name="Group 12"/>
-          <p:cNvGrpSpPr/>
-          <p:nvPr/>
-        </p:nvGrpSpPr>
-        <p:grpSpPr>
-          <a:xfrm>
-            <a:off x="7086600" y="2895600"/>
-            <a:ext cx="1447800" cy="660976"/>
-            <a:chOff x="6705600" y="3530024"/>
-            <a:chExt cx="1447800" cy="660976"/>
-          </a:xfrm>
-        </p:grpSpPr>
-        <p:sp>
-          <p:nvSpPr>
-            <p:cNvPr id="6" name="Oval 5"/>
-            <p:cNvSpPr/>
-            <p:nvPr/>
-          </p:nvSpPr>
-          <p:spPr bwMode="auto">
-            <a:xfrm>
-              <a:off x="6705600" y="3657600"/>
-              <a:ext cx="533400" cy="533400"/>
-            </a:xfrm>
-            <a:prstGeom prst="ellipse">
-              <a:avLst/>
-            </a:prstGeom>
-            <a:solidFill>
-              <a:schemeClr val="accent1"/>
-            </a:solidFill>
-            <a:ln w="9525" cap="flat" cmpd="sng" algn="ctr">
-              <a:solidFill>
-                <a:schemeClr val="tx1"/>
-              </a:solidFill>
-              <a:prstDash val="solid"/>
-              <a:round/>
-              <a:headEnd type="none" w="med" len="med"/>
-              <a:tailEnd type="none" w="med" len="med"/>
-            </a:ln>
-            <a:effectLst/>
-          </p:spPr>
-          <p:txBody>
-            <a:bodyPr vert="horz" wrap="square" lIns="91440" tIns="45720" rIns="91440" bIns="45720" numCol="1" rtlCol="0" anchor="t" anchorCtr="0" compatLnSpc="1">
-              <a:prstTxWarp prst="textNoShape">
-                <a:avLst/>
-              </a:prstTxWarp>
-            </a:bodyPr>
-            <a:lstStyle/>
-            <a:p>
-              <a:pPr marL="0" marR="0" indent="0" algn="l" defTabSz="914400" rtl="0" eaLnBrk="0" fontAlgn="base" latinLnBrk="0" hangingPunct="0">
-                <a:lnSpc>
-                  <a:spcPct val="100000"/>
-                </a:lnSpc>
-                <a:spcBef>
-                  <a:spcPct val="0"/>
-                </a:spcBef>
-                <a:spcAft>
-                  <a:spcPct val="0"/>
-                </a:spcAft>
-                <a:buClrTx/>
-                <a:buSzTx/>
-                <a:buFontTx/>
-                <a:buNone/>
-                <a:tabLst/>
-              </a:pPr>
-              <a:endParaRPr kumimoji="0" lang="en-US" sz="2400" b="0" i="0" u="none" strike="noStrike" cap="none" normalizeH="0" baseline="0" smtClean="0">
-                <a:ln>
-                  <a:noFill/>
-                </a:ln>
-                <a:solidFill>
-                  <a:schemeClr val="tx1"/>
-                </a:solidFill>
-                <a:effectLst/>
-                <a:latin typeface="Comic Sans MS" pitchFamily="-64" charset="0"/>
-                <a:ea typeface="ＭＳ Ｐゴシック" pitchFamily="-64" charset="-128"/>
-              </a:endParaRPr>
-            </a:p>
-          </p:txBody>
-        </p:sp>
-        <p:sp>
-          <p:nvSpPr>
-            <p:cNvPr id="7" name="Oval 6"/>
-            <p:cNvSpPr/>
-            <p:nvPr/>
-          </p:nvSpPr>
-          <p:spPr bwMode="auto">
-            <a:xfrm>
-              <a:off x="7620000" y="3657600"/>
-              <a:ext cx="533400" cy="533400"/>
-            </a:xfrm>
-            <a:prstGeom prst="ellipse">
-              <a:avLst/>
-            </a:prstGeom>
-            <a:solidFill>
-              <a:schemeClr val="accent1"/>
-            </a:solidFill>
-            <a:ln w="9525" cap="flat" cmpd="sng" algn="ctr">
-              <a:solidFill>
-                <a:schemeClr val="tx1"/>
-              </a:solidFill>
-              <a:prstDash val="solid"/>
-              <a:round/>
-              <a:headEnd type="none" w="med" len="med"/>
-              <a:tailEnd type="none" w="med" len="med"/>
-            </a:ln>
-            <a:effectLst/>
-          </p:spPr>
-          <p:txBody>
-            <a:bodyPr vert="horz" wrap="square" lIns="91440" tIns="45720" rIns="91440" bIns="45720" numCol="1" rtlCol="0" anchor="t" anchorCtr="0" compatLnSpc="1">
-              <a:prstTxWarp prst="textNoShape">
-                <a:avLst/>
-              </a:prstTxWarp>
-            </a:bodyPr>
-            <a:lstStyle/>
-            <a:p>
-              <a:pPr marL="0" marR="0" indent="0" algn="l" defTabSz="914400" rtl="0" eaLnBrk="0" fontAlgn="base" latinLnBrk="0" hangingPunct="0">
-                <a:lnSpc>
-                  <a:spcPct val="100000"/>
-                </a:lnSpc>
-                <a:spcBef>
-                  <a:spcPct val="0"/>
-                </a:spcBef>
-                <a:spcAft>
-                  <a:spcPct val="0"/>
-                </a:spcAft>
-                <a:buClrTx/>
-                <a:buSzTx/>
-                <a:buFontTx/>
-                <a:buNone/>
-                <a:tabLst/>
-              </a:pPr>
-              <a:endParaRPr kumimoji="0" lang="en-US" sz="2400" b="0" i="0" u="none" strike="noStrike" cap="none" normalizeH="0" baseline="0" smtClean="0">
-                <a:ln>
-                  <a:noFill/>
-                </a:ln>
-                <a:solidFill>
-                  <a:schemeClr val="tx1"/>
-                </a:solidFill>
-                <a:effectLst/>
-                <a:latin typeface="Comic Sans MS" pitchFamily="-64" charset="0"/>
-                <a:ea typeface="ＭＳ Ｐゴシック" pitchFamily="-64" charset="-128"/>
-              </a:endParaRPr>
-            </a:p>
-          </p:txBody>
-        </p:sp>
-        <p:sp>
-          <p:nvSpPr>
-            <p:cNvPr id="8" name="TextBox 7"/>
-            <p:cNvSpPr txBox="1"/>
-            <p:nvPr/>
-          </p:nvSpPr>
-          <p:spPr>
-            <a:xfrm>
-              <a:off x="6781800" y="3581400"/>
-              <a:ext cx="299681" cy="584776"/>
-            </a:xfrm>
-            <a:prstGeom prst="rect">
-              <a:avLst/>
-            </a:prstGeom>
-            <a:noFill/>
-          </p:spPr>
-          <p:txBody>
-            <a:bodyPr wrap="none" rtlCol="0">
-              <a:spAutoFit/>
-            </a:bodyPr>
-            <a:lstStyle/>
-            <a:p>
-              <a:r>
-                <a:rPr lang="en-US" sz="3200" dirty="0" err="1" smtClean="0">
-                  <a:solidFill>
-                    <a:srgbClr val="0000FF"/>
-                  </a:solidFill>
-                </a:rPr>
-                <a:t>i</a:t>
-              </a:r>
-              <a:endParaRPr lang="en-US" sz="3200" dirty="0">
-                <a:solidFill>
-                  <a:srgbClr val="0000FF"/>
-                </a:solidFill>
-              </a:endParaRPr>
-            </a:p>
-          </p:txBody>
-        </p:sp>
-        <p:sp>
-          <p:nvSpPr>
-            <p:cNvPr id="9" name="TextBox 8"/>
-            <p:cNvSpPr txBox="1"/>
-            <p:nvPr/>
-          </p:nvSpPr>
-          <p:spPr>
-            <a:xfrm>
-              <a:off x="7696200" y="3530024"/>
-              <a:ext cx="350176" cy="584776"/>
-            </a:xfrm>
-            <a:prstGeom prst="rect">
-              <a:avLst/>
-            </a:prstGeom>
-            <a:noFill/>
-          </p:spPr>
-          <p:txBody>
-            <a:bodyPr wrap="none" rtlCol="0">
-              <a:spAutoFit/>
-            </a:bodyPr>
-            <a:lstStyle/>
-            <a:p>
-              <a:r>
-                <a:rPr lang="en-US" sz="3200" dirty="0" smtClean="0">
-                  <a:solidFill>
-                    <a:srgbClr val="0000FF"/>
-                  </a:solidFill>
-                </a:rPr>
-                <a:t>j</a:t>
-              </a:r>
-              <a:endParaRPr lang="en-US" sz="3200" dirty="0">
-                <a:solidFill>
-                  <a:srgbClr val="0000FF"/>
-                </a:solidFill>
-              </a:endParaRPr>
-            </a:p>
-          </p:txBody>
-        </p:sp>
-        <p:cxnSp>
-          <p:nvCxnSpPr>
-            <p:cNvPr id="11" name="Straight Arrow Connector 10"/>
-            <p:cNvCxnSpPr>
-              <a:stCxn id="6" idx="6"/>
-              <a:endCxn id="7" idx="2"/>
-            </p:cNvCxnSpPr>
-            <p:nvPr/>
-          </p:nvCxnSpPr>
-          <p:spPr bwMode="auto">
-            <a:xfrm>
-              <a:off x="7239000" y="3924300"/>
-              <a:ext cx="381000" cy="0"/>
-            </a:xfrm>
-            <a:prstGeom prst="straightConnector1">
-              <a:avLst/>
-            </a:prstGeom>
-            <a:solidFill>
-              <a:schemeClr val="accent1"/>
-            </a:solidFill>
-            <a:ln w="31750" cap="flat" cmpd="sng" algn="ctr">
-              <a:solidFill>
-                <a:schemeClr val="tx1"/>
-              </a:solidFill>
-              <a:prstDash val="solid"/>
-              <a:round/>
-              <a:headEnd type="none" w="med" len="med"/>
-              <a:tailEnd type="stealth" w="lg" len="lg"/>
-            </a:ln>
-            <a:effectLst/>
-          </p:spPr>
-        </p:cxnSp>
-      </p:grpSp>
-      <p:grpSp>
-        <p:nvGrpSpPr>
-          <p:cNvPr id="21" name="Group 20"/>
-          <p:cNvGrpSpPr/>
-          <p:nvPr/>
-        </p:nvGrpSpPr>
-        <p:grpSpPr>
-          <a:xfrm>
-            <a:off x="7389244" y="3657600"/>
-            <a:ext cx="459356" cy="769441"/>
-            <a:chOff x="7389244" y="3657600"/>
-            <a:chExt cx="459356" cy="769441"/>
-          </a:xfrm>
-        </p:grpSpPr>
-        <p:sp>
-          <p:nvSpPr>
-            <p:cNvPr id="19" name="TextBox 18"/>
-            <p:cNvSpPr txBox="1"/>
-            <p:nvPr/>
-          </p:nvSpPr>
-          <p:spPr>
-            <a:xfrm>
-              <a:off x="7389244" y="3657600"/>
-              <a:ext cx="459356" cy="769441"/>
-            </a:xfrm>
-            <a:prstGeom prst="rect">
-              <a:avLst/>
-            </a:prstGeom>
-            <a:noFill/>
-          </p:spPr>
-          <p:txBody>
-            <a:bodyPr wrap="none" rtlCol="0">
-              <a:spAutoFit/>
-            </a:bodyPr>
-            <a:lstStyle/>
-            <a:p>
-              <a:r>
-                <a:rPr lang="en-US" sz="4400" b="1" dirty="0">
-                  <a:solidFill>
-                    <a:srgbClr val="0000FF"/>
-                  </a:solidFill>
-                </a:rPr>
-                <a:t>s</a:t>
-              </a:r>
-              <a:endParaRPr lang="en-US" sz="4400" dirty="0"/>
-            </a:p>
-          </p:txBody>
-        </p:sp>
-        <p:cxnSp>
-          <p:nvCxnSpPr>
-            <p:cNvPr id="17" name="Straight Arrow Connector 16"/>
-            <p:cNvCxnSpPr/>
-            <p:nvPr/>
-          </p:nvCxnSpPr>
-          <p:spPr bwMode="auto">
-            <a:xfrm>
-              <a:off x="7467600" y="3886200"/>
-              <a:ext cx="381000" cy="0"/>
-            </a:xfrm>
-            <a:prstGeom prst="straightConnector1">
-              <a:avLst/>
-            </a:prstGeom>
-            <a:solidFill>
-              <a:schemeClr val="accent1"/>
-            </a:solidFill>
-            <a:ln w="38100" cap="flat" cmpd="sng" algn="ctr">
-              <a:solidFill>
-                <a:srgbClr val="0000FF"/>
-              </a:solidFill>
-              <a:prstDash val="solid"/>
-              <a:round/>
-              <a:headEnd type="none" w="med" len="med"/>
-              <a:tailEnd type="arrow" w="sm" len="sm"/>
-            </a:ln>
-            <a:effectLst/>
-          </p:spPr>
-        </p:cxnSp>
-      </p:grpSp>
-      <p:grpSp>
-        <p:nvGrpSpPr>
-          <p:cNvPr id="26" name="Group 25"/>
-          <p:cNvGrpSpPr/>
-          <p:nvPr/>
-        </p:nvGrpSpPr>
-        <p:grpSpPr>
-          <a:xfrm>
-            <a:off x="3593015" y="4504730"/>
-            <a:ext cx="521785" cy="923330"/>
-            <a:chOff x="1981200" y="4572000"/>
-            <a:chExt cx="521785" cy="923330"/>
-          </a:xfrm>
-        </p:grpSpPr>
-        <p:sp>
-          <p:nvSpPr>
-            <p:cNvPr id="23" name="TextBox 22"/>
-            <p:cNvSpPr txBox="1"/>
-            <p:nvPr/>
-          </p:nvSpPr>
-          <p:spPr>
-            <a:xfrm>
-              <a:off x="1981200" y="4572000"/>
-              <a:ext cx="521785" cy="923330"/>
-            </a:xfrm>
-            <a:prstGeom prst="rect">
-              <a:avLst/>
-            </a:prstGeom>
-            <a:noFill/>
-          </p:spPr>
-          <p:txBody>
-            <a:bodyPr wrap="none" rtlCol="0">
-              <a:spAutoFit/>
-            </a:bodyPr>
-            <a:lstStyle/>
-            <a:p>
-              <a:r>
-                <a:rPr lang="en-US" sz="5400" b="1" dirty="0">
-                  <a:solidFill>
-                    <a:srgbClr val="0000FF"/>
-                  </a:solidFill>
-                </a:rPr>
-                <a:t>s</a:t>
-              </a:r>
-              <a:endParaRPr lang="en-US" sz="5400" dirty="0"/>
-            </a:p>
-          </p:txBody>
-        </p:sp>
-        <p:cxnSp>
-          <p:nvCxnSpPr>
-            <p:cNvPr id="24" name="Straight Arrow Connector 23"/>
-            <p:cNvCxnSpPr/>
-            <p:nvPr/>
-          </p:nvCxnSpPr>
-          <p:spPr bwMode="auto">
-            <a:xfrm>
-              <a:off x="2057400" y="4800600"/>
-              <a:ext cx="381000" cy="0"/>
-            </a:xfrm>
-            <a:prstGeom prst="straightConnector1">
-              <a:avLst/>
-            </a:prstGeom>
-            <a:solidFill>
-              <a:schemeClr val="accent1"/>
-            </a:solidFill>
-            <a:ln w="38100" cap="flat" cmpd="sng" algn="ctr">
-              <a:solidFill>
-                <a:srgbClr val="0000FF"/>
-              </a:solidFill>
-              <a:prstDash val="solid"/>
-              <a:round/>
-              <a:headEnd type="none" w="med" len="med"/>
-              <a:tailEnd type="arrow" w="sm" len="sm"/>
-            </a:ln>
-            <a:effectLst/>
-          </p:spPr>
-        </p:cxnSp>
-      </p:grpSp>
-      <p:grpSp>
-        <p:nvGrpSpPr>
-          <p:cNvPr id="28" name="Group 27"/>
-          <p:cNvGrpSpPr/>
-          <p:nvPr/>
-        </p:nvGrpSpPr>
-        <p:grpSpPr>
-          <a:xfrm>
-            <a:off x="5117015" y="4495800"/>
-            <a:ext cx="521785" cy="923330"/>
-            <a:chOff x="1981200" y="4572000"/>
-            <a:chExt cx="521785" cy="923330"/>
-          </a:xfrm>
-        </p:grpSpPr>
-        <p:sp>
-          <p:nvSpPr>
-            <p:cNvPr id="29" name="TextBox 28"/>
-            <p:cNvSpPr txBox="1"/>
-            <p:nvPr/>
-          </p:nvSpPr>
-          <p:spPr>
-            <a:xfrm>
-              <a:off x="1981200" y="4572000"/>
-              <a:ext cx="521785" cy="923330"/>
-            </a:xfrm>
-            <a:prstGeom prst="rect">
-              <a:avLst/>
-            </a:prstGeom>
-            <a:noFill/>
-          </p:spPr>
-          <p:txBody>
-            <a:bodyPr wrap="none" rtlCol="0">
-              <a:spAutoFit/>
-            </a:bodyPr>
-            <a:lstStyle/>
-            <a:p>
-              <a:r>
-                <a:rPr lang="en-US" sz="5400" b="1" dirty="0">
-                  <a:solidFill>
-                    <a:srgbClr val="0000FF"/>
-                  </a:solidFill>
-                </a:rPr>
-                <a:t>s</a:t>
-              </a:r>
-              <a:endParaRPr lang="en-US" sz="5400" dirty="0"/>
-            </a:p>
-          </p:txBody>
-        </p:sp>
-        <p:cxnSp>
-          <p:nvCxnSpPr>
-            <p:cNvPr id="30" name="Straight Arrow Connector 29"/>
-            <p:cNvCxnSpPr/>
-            <p:nvPr/>
-          </p:nvCxnSpPr>
-          <p:spPr bwMode="auto">
-            <a:xfrm>
-              <a:off x="2057400" y="4800600"/>
-              <a:ext cx="381000" cy="0"/>
-            </a:xfrm>
-            <a:prstGeom prst="straightConnector1">
-              <a:avLst/>
-            </a:prstGeom>
-            <a:solidFill>
-              <a:schemeClr val="accent1"/>
-            </a:solidFill>
-            <a:ln w="38100" cap="flat" cmpd="sng" algn="ctr">
-              <a:solidFill>
-                <a:srgbClr val="0000FF"/>
-              </a:solidFill>
-              <a:prstDash val="solid"/>
-              <a:round/>
-              <a:headEnd type="none" w="med" len="med"/>
-              <a:tailEnd type="arrow" w="sm" len="sm"/>
-            </a:ln>
-            <a:effectLst/>
-          </p:spPr>
-        </p:cxnSp>
-      </p:grpSp>
-    </p:spTree>
-    <p:extLst>
-      <p:ext uri="{BB962C8B-B14F-4D97-AF65-F5344CB8AC3E}">
-        <p14:creationId xmlns:p14="http://schemas.microsoft.com/office/powerpoint/2010/main" val="171586865"/>
-      </p:ext>
-    </p:extLst>
-  </p:cSld>
-  <p:clrMapOvr>
-    <a:masterClrMapping/>
-  </p:clrMapOvr>
-  <mc:AlternateContent xmlns:mc="http://schemas.openxmlformats.org/markup-compatibility/2006">
-    <mc:Choice xmlns:p14="http://schemas.microsoft.com/office/powerpoint/2010/main" Requires="p14">
-      <p:transition spd="slow" p14:dur="2000"/>
-    </mc:Choice>
-    <mc:Fallback>
-      <p:transition xmlns:p14="http://schemas.microsoft.com/office/powerpoint/2010/main" spd="slow"/>
-    </mc:Fallback>
-  </mc:AlternateContent>
 </p:sld>
 </file>
 
@@ -30505,7 +27076,7 @@
           <a:graphicData uri="http://schemas.openxmlformats.org/presentationml/2006/ole">
             <mc:AlternateContent xmlns:mc="http://schemas.openxmlformats.org/markup-compatibility/2006">
               <mc:Choice xmlns:v="urn:schemas-microsoft-com:vml" Requires="v">
-                <p:oleObj spid="_x0000_s27687" name="Equation" r:id="rId4" imgW="736600" imgH="533400" progId="Equation.DSMT4">
+                <p:oleObj spid="_x0000_s27689" name="Equation" r:id="rId4" imgW="736600" imgH="533400" progId="Equation.DSMT4">
                   <p:embed/>
                 </p:oleObj>
               </mc:Choice>
@@ -32540,10 +29111,14 @@
             </a:r>
             <a:r>
               <a:rPr lang="en-US" sz="3600" dirty="0" err="1" smtClean="0"/>
-              <a:t>Pr{</a:t>
-            </a:r>
-            <a:r>
-              <a:rPr lang="en-US" sz="3600" dirty="0" err="1" smtClean="0">
+              <a:t>Pr</a:t>
+            </a:r>
+            <a:r>
+              <a:rPr lang="en-US" sz="3600" dirty="0" smtClean="0"/>
+              <a:t>[</a:t>
+            </a:r>
+            <a:r>
+              <a:rPr lang="en-US" sz="3600" dirty="0" smtClean="0">
                 <a:solidFill>
                   <a:srgbClr val="008000"/>
                 </a:solidFill>
@@ -32596,7 +29171,7 @@
               <a:t> </a:t>
             </a:r>
             <a:r>
-              <a:rPr lang="en-US" sz="3600" dirty="0" err="1" smtClean="0">
+              <a:rPr lang="en-US" sz="3600" dirty="0" smtClean="0">
                 <a:solidFill>
                   <a:srgbClr val="008000"/>
                 </a:solidFill>
@@ -32605,10 +29180,10 @@
               <a:t>G</a:t>
             </a:r>
             <a:r>
-              <a:rPr lang="en-US" sz="3600" dirty="0" err="1" smtClean="0">
+              <a:rPr lang="en-US" sz="3600" dirty="0" smtClean="0">
                 <a:sym typeface="Symbol" pitchFamily="-111" charset="2"/>
               </a:rPr>
-              <a:t>}•</a:t>
+              <a:t>]•</a:t>
             </a:r>
             <a:r>
               <a:rPr lang="en-US" sz="3600" dirty="0" err="1" smtClean="0">
@@ -32697,24 +29272,20 @@
               <a:t>= </a:t>
             </a:r>
             <a:r>
-              <a:rPr lang="en-US" sz="3600" dirty="0" err="1"/>
-              <a:t>Pr{</a:t>
-            </a:r>
-            <a:r>
-              <a:rPr lang="en-US" sz="3600" dirty="0" err="1" smtClean="0">
+              <a:rPr lang="en-US" sz="3600" dirty="0" err="1" smtClean="0"/>
+              <a:t>Pr</a:t>
+            </a:r>
+            <a:r>
+              <a:rPr lang="en-US" sz="3600" dirty="0"/>
+              <a:t>[</a:t>
+            </a:r>
+            <a:r>
+              <a:rPr lang="en-US" sz="3600" dirty="0" smtClean="0">
                 <a:solidFill>
                   <a:schemeClr val="accent2"/>
                 </a:solidFill>
               </a:rPr>
-              <a:t>B</a:t>
-            </a:r>
-            <a:r>
-              <a:rPr lang="en-US" sz="3600" dirty="0" smtClean="0">
-                <a:solidFill>
-                  <a:schemeClr val="accent2"/>
-                </a:solidFill>
-              </a:rPr>
-              <a:t> </a:t>
+              <a:t>B </a:t>
             </a:r>
             <a:r>
               <a:rPr lang="en-US" sz="3600" dirty="0" smtClean="0">
@@ -32744,7 +29315,7 @@
               <a:t> </a:t>
             </a:r>
             <a:r>
-              <a:rPr lang="en-US" sz="3600" dirty="0" err="1">
+              <a:rPr lang="en-US" sz="3600" dirty="0" smtClean="0">
                 <a:solidFill>
                   <a:schemeClr val="accent2"/>
                 </a:solidFill>
@@ -32753,10 +29324,10 @@
               <a:t>B</a:t>
             </a:r>
             <a:r>
-              <a:rPr lang="en-US" sz="3600" dirty="0" err="1">
+              <a:rPr lang="en-US" sz="3600" dirty="0" smtClean="0">
                 <a:sym typeface="Symbol" pitchFamily="-111" charset="2"/>
               </a:rPr>
-              <a:t>}•</a:t>
+              <a:t>]•</a:t>
             </a:r>
             <a:r>
               <a:rPr lang="en-US" sz="3600" dirty="0" err="1">
@@ -32840,10 +29411,14 @@
             </a:r>
             <a:r>
               <a:rPr lang="en-US" sz="3600" dirty="0" err="1" smtClean="0"/>
-              <a:t>Pr{</a:t>
-            </a:r>
-            <a:r>
-              <a:rPr lang="en-US" sz="3600" dirty="0" err="1" smtClean="0">
+              <a:t>Pr</a:t>
+            </a:r>
+            <a:r>
+              <a:rPr lang="en-US" sz="3600" dirty="0" smtClean="0"/>
+              <a:t>[</a:t>
+            </a:r>
+            <a:r>
+              <a:rPr lang="en-US" sz="3600" dirty="0" smtClean="0">
                 <a:solidFill>
                   <a:srgbClr val="FF6600"/>
                 </a:solidFill>
@@ -32896,7 +29471,7 @@
               <a:t> </a:t>
             </a:r>
             <a:r>
-              <a:rPr lang="en-US" sz="3600" dirty="0" err="1" smtClean="0">
+              <a:rPr lang="en-US" sz="3600" dirty="0" smtClean="0">
                 <a:solidFill>
                   <a:srgbClr val="FF6600"/>
                 </a:solidFill>
@@ -32905,10 +29480,10 @@
               <a:t>O</a:t>
             </a:r>
             <a:r>
-              <a:rPr lang="en-US" sz="3600" dirty="0" err="1" smtClean="0">
+              <a:rPr lang="en-US" sz="3600" dirty="0" smtClean="0">
                 <a:sym typeface="Symbol" pitchFamily="-111" charset="2"/>
               </a:rPr>
-              <a:t>}•</a:t>
+              <a:t>]•</a:t>
             </a:r>
             <a:r>
               <a:rPr lang="en-US" sz="3600" dirty="0" err="1" smtClean="0">
@@ -36070,7 +32645,7 @@
           <a:graphicData uri="http://schemas.openxmlformats.org/presentationml/2006/ole">
             <mc:AlternateContent xmlns:mc="http://schemas.openxmlformats.org/markup-compatibility/2006">
               <mc:Choice xmlns:v="urn:schemas-microsoft-com:vml" Requires="v">
-                <p:oleObj spid="_x0000_s31783" name="Equation" r:id="rId4" imgW="736600" imgH="533400" progId="Equation.DSMT4">
+                <p:oleObj spid="_x0000_s31785" name="Equation" r:id="rId4" imgW="736600" imgH="533400" progId="Equation.DSMT4">
                   <p:embed/>
                 </p:oleObj>
               </mc:Choice>

--- a/fall13/slidesF13/random-walks.pptx
+++ b/fall13/slidesF13/random-walks.pptx
@@ -11225,23 +11225,7 @@
                   <a:srgbClr val="0000FF"/>
                 </a:solidFill>
               </a:rPr>
-              <a:t>Just </a:t>
-            </a:r>
-            <a:r>
-              <a:rPr lang="en-US" sz="3600" dirty="0" smtClean="0">
-                <a:solidFill>
-                  <a:srgbClr val="0000FF"/>
-                </a:solidFill>
-              </a:rPr>
-              <a:t>solve </a:t>
-            </a:r>
-            <a:r>
-              <a:rPr lang="en-US" sz="3600" dirty="0" smtClean="0">
-                <a:solidFill>
-                  <a:srgbClr val="0000FF"/>
-                </a:solidFill>
-              </a:rPr>
-              <a:t>systems of</a:t>
+              <a:t>Just solve systems of</a:t>
             </a:r>
           </a:p>
           <a:p>

--- a/fall13/slidesF13/random-walks.pptx
+++ b/fall13/slidesF13/random-walks.pptx
@@ -4012,7 +4012,7 @@
         </p:nvSpPr>
         <p:spPr>
           <a:xfrm>
-            <a:off x="533400" y="1447800"/>
+            <a:off x="533400" y="2057400"/>
             <a:ext cx="8153400" cy="2819400"/>
           </a:xfrm>
         </p:spPr>
@@ -4164,7 +4164,19 @@
             </a:pPr>
             <a:r>
               <a:rPr lang="en-US" dirty="0" smtClean="0"/>
-              <a:t>Albert R Meyer,        December 6, 2013</a:t>
+              <a:t>Albert R Meyer,        December </a:t>
+            </a:r>
+            <a:r>
+              <a:rPr lang="en-US" dirty="0" smtClean="0"/>
+              <a:t>11,</a:t>
+            </a:r>
+            <a:r>
+              <a:rPr lang="en-US" dirty="0" smtClean="0"/>
+              <a:t> </a:t>
+            </a:r>
+            <a:r>
+              <a:rPr lang="en-US" dirty="0" smtClean="0"/>
+              <a:t>2013</a:t>
             </a:r>
             <a:endParaRPr lang="en-US" dirty="0"/>
           </a:p>
@@ -4290,7 +4302,11 @@
             </a:pPr>
             <a:r>
               <a:rPr lang="en-US" dirty="0" smtClean="0"/>
-              <a:t>Albert R Meyer,        December 6, 2013</a:t>
+              <a:t>Albert R Meyer,        December </a:t>
+            </a:r>
+            <a:r>
+              <a:rPr lang="en-US" dirty="0" smtClean="0"/>
+              <a:t>11, 2013</a:t>
             </a:r>
             <a:endParaRPr lang="en-US" dirty="0"/>
           </a:p>
@@ -5645,7 +5661,11 @@
             </a:pPr>
             <a:r>
               <a:rPr lang="en-US" dirty="0" smtClean="0"/>
-              <a:t>Albert R Meyer,        December 6, 2013</a:t>
+              <a:t>Albert R Meyer,        December </a:t>
+            </a:r>
+            <a:r>
+              <a:rPr lang="en-US" dirty="0" smtClean="0"/>
+              <a:t>11, 2013</a:t>
             </a:r>
             <a:endParaRPr lang="en-US" dirty="0"/>
           </a:p>
@@ -7659,7 +7679,11 @@
             </a:pPr>
             <a:r>
               <a:rPr lang="en-US" dirty="0" smtClean="0"/>
-              <a:t>Albert R Meyer,        December 6, 2013</a:t>
+              <a:t>Albert R Meyer,        December </a:t>
+            </a:r>
+            <a:r>
+              <a:rPr lang="en-US" dirty="0" smtClean="0"/>
+              <a:t>11, 2013</a:t>
             </a:r>
             <a:endParaRPr lang="en-US" dirty="0"/>
           </a:p>
@@ -11190,7 +11214,11 @@
             </a:pPr>
             <a:r>
               <a:rPr lang="en-US" dirty="0" smtClean="0"/>
-              <a:t>Albert R Meyer,               December 6, 2013</a:t>
+              <a:t>Albert R Meyer,               December </a:t>
+            </a:r>
+            <a:r>
+              <a:rPr lang="en-US" dirty="0" smtClean="0"/>
+              <a:t>11, 2013</a:t>
             </a:r>
             <a:endParaRPr lang="en-US" dirty="0"/>
           </a:p>
@@ -12253,7 +12281,11 @@
             </a:pPr>
             <a:r>
               <a:rPr lang="en-US" dirty="0" smtClean="0"/>
-              <a:t>Albert R Meyer,               December 6, 2013</a:t>
+              <a:t>Albert R Meyer,               December </a:t>
+            </a:r>
+            <a:r>
+              <a:rPr lang="en-US" dirty="0" smtClean="0"/>
+              <a:t>11, 2013</a:t>
             </a:r>
             <a:endParaRPr lang="en-US" dirty="0"/>
           </a:p>
@@ -13600,7 +13632,11 @@
             </a:pPr>
             <a:r>
               <a:rPr lang="en-US" dirty="0" smtClean="0"/>
-              <a:t>Albert R Meyer,               December 6, 2013</a:t>
+              <a:t>Albert R Meyer,               December </a:t>
+            </a:r>
+            <a:r>
+              <a:rPr lang="en-US" dirty="0" smtClean="0"/>
+              <a:t>11, 2013</a:t>
             </a:r>
             <a:endParaRPr lang="en-US" dirty="0"/>
           </a:p>
@@ -13948,7 +13984,11 @@
             </a:pPr>
             <a:r>
               <a:rPr lang="en-US" dirty="0" smtClean="0"/>
-              <a:t>Albert R Meyer,               December 6, 2013</a:t>
+              <a:t>Albert R Meyer,               December </a:t>
+            </a:r>
+            <a:r>
+              <a:rPr lang="en-US" dirty="0" smtClean="0"/>
+              <a:t>11, 2013</a:t>
             </a:r>
             <a:endParaRPr lang="en-US" dirty="0"/>
           </a:p>
@@ -15912,7 +15952,11 @@
             </a:pPr>
             <a:r>
               <a:rPr lang="en-US" dirty="0" smtClean="0"/>
-              <a:t>Albert R Meyer,        December 6, 2013</a:t>
+              <a:t>Albert R Meyer,        December </a:t>
+            </a:r>
+            <a:r>
+              <a:rPr lang="en-US" dirty="0" smtClean="0"/>
+              <a:t>11, 2013</a:t>
             </a:r>
             <a:endParaRPr lang="en-US" dirty="0"/>
           </a:p>
@@ -16632,7 +16676,11 @@
             </a:pPr>
             <a:r>
               <a:rPr lang="en-US" dirty="0" smtClean="0"/>
-              <a:t>Albert R Meyer,        December 6, 2013</a:t>
+              <a:t>Albert R Meyer,        December </a:t>
+            </a:r>
+            <a:r>
+              <a:rPr lang="en-US" dirty="0" smtClean="0"/>
+              <a:t>11, 2013</a:t>
             </a:r>
             <a:endParaRPr lang="en-US" dirty="0"/>
           </a:p>
@@ -18100,7 +18148,11 @@
             </a:pPr>
             <a:r>
               <a:rPr lang="en-US" dirty="0" smtClean="0"/>
-              <a:t>Albert R Meyer,        December 6, 2013</a:t>
+              <a:t>Albert R Meyer,        December </a:t>
+            </a:r>
+            <a:r>
+              <a:rPr lang="en-US" dirty="0" smtClean="0"/>
+              <a:t>11, 2013</a:t>
             </a:r>
             <a:endParaRPr lang="en-US" dirty="0"/>
           </a:p>
@@ -19621,7 +19673,11 @@
             </a:pPr>
             <a:r>
               <a:rPr lang="en-US" dirty="0" smtClean="0"/>
-              <a:t>Albert R Meyer,        December 6, 2013</a:t>
+              <a:t>Albert R Meyer,        December </a:t>
+            </a:r>
+            <a:r>
+              <a:rPr lang="en-US" dirty="0" smtClean="0"/>
+              <a:t>11, 2013</a:t>
             </a:r>
             <a:endParaRPr lang="en-US" dirty="0"/>
           </a:p>
@@ -20765,7 +20821,11 @@
             </a:pPr>
             <a:r>
               <a:rPr lang="en-US" dirty="0" smtClean="0"/>
-              <a:t>Albert R Meyer,        December 6, 2013</a:t>
+              <a:t>Albert R Meyer,        December </a:t>
+            </a:r>
+            <a:r>
+              <a:rPr lang="en-US" dirty="0" smtClean="0"/>
+              <a:t>11, 2013</a:t>
             </a:r>
             <a:endParaRPr lang="en-US" dirty="0"/>
           </a:p>

--- a/fall13/slidesF13/random-walks.pptx
+++ b/fall13/slidesF13/random-walks.pptx
@@ -28098,10 +28098,18 @@
               <a:r>
                 <a:rPr lang="en-US" sz="1800" dirty="0" smtClean="0">
                   <a:solidFill>
+                    <a:srgbClr val="FF0000"/>
+                  </a:solidFill>
+                </a:rPr>
+                <a:t>T</a:t>
+              </a:r>
+              <a:r>
+                <a:rPr lang="en-US" sz="1800" dirty="0" smtClean="0">
+                  <a:solidFill>
                     <a:srgbClr val="008000"/>
                   </a:solidFill>
                 </a:rPr>
-                <a:t>HH</a:t>
+                <a:t>H</a:t>
               </a:r>
               <a:endParaRPr lang="en-US" sz="1800" dirty="0">
                 <a:solidFill>
@@ -28189,18 +28197,10 @@
               <a:r>
                 <a:rPr lang="en-US" sz="1800" dirty="0" smtClean="0">
                   <a:solidFill>
-                    <a:srgbClr val="008000"/>
-                  </a:solidFill>
-                </a:rPr>
-                <a:t>H</a:t>
-              </a:r>
-              <a:r>
-                <a:rPr lang="en-US" sz="1800" dirty="0" smtClean="0">
-                  <a:solidFill>
                     <a:srgbClr val="FF0000"/>
                   </a:solidFill>
                 </a:rPr>
-                <a:t>T</a:t>
+                <a:t>TT</a:t>
               </a:r>
               <a:endParaRPr lang="en-US" sz="1800" dirty="0">
                 <a:solidFill>
